--- a/Презентация Диплом.pptx
+++ b/Презентация Диплом.pptx
@@ -5096,7 +5096,7 @@
             </a:pPr>
             <a:r>
               <a:rPr lang="ru-RU"/>
-              <a:t>10/14</a:t>
+              <a:t>10/13</a:t>
             </a:r>
             <a:endParaRPr lang="ru-RU"/>
           </a:p>
@@ -5276,7 +5276,7 @@
             </a:pPr>
             <a:r>
               <a:rPr lang="ru-RU"/>
-              <a:t>12/14</a:t>
+              <a:t>11/13</a:t>
             </a:r>
             <a:endParaRPr lang="ru-RU"/>
           </a:p>
@@ -6535,7 +6535,7 @@
                 <a:ea typeface="Arial"/>
                 <a:cs typeface="Arial"/>
               </a:rPr>
-              <a:t>верификация и тестирование ПО;</a:t>
+              <a:t>верификация и тестирование ПО.</a:t>
             </a:r>
             <a:endParaRPr sz="2400"/>
           </a:p>
@@ -6561,7 +6561,7 @@
             </a:pPr>
             <a:r>
               <a:rPr lang="ru-RU"/>
-              <a:t>13/14</a:t>
+              <a:t>12/13</a:t>
             </a:r>
             <a:endParaRPr lang="ru-RU"/>
           </a:p>
@@ -6646,9 +6646,41 @@
             </a:pPr>
             <a:r>
               <a:rPr lang="ru-RU"/>
-              <a:t>14/14</a:t>
-            </a:r>
-            <a:endParaRPr lang="ru-RU"/>
+              <a:t>13/13</a:t>
+            </a:r>
+            <a:endParaRPr lang="ru-RU"/>
+          </a:p>
+        </p:txBody>
+      </p:sp>
+      <p:sp>
+        <p:nvSpPr>
+          <p:cNvPr id="102932096" name=""/>
+          <p:cNvSpPr txBox="1"/>
+          <p:nvPr/>
+        </p:nvSpPr>
+        <p:spPr bwMode="auto">
+          <a:xfrm flipH="0" flipV="0">
+            <a:off x="3446600" y="3337751"/>
+            <a:ext cx="2250798" cy="366119"/>
+          </a:xfrm>
+          <a:prstGeom prst="rect">
+            <a:avLst/>
+          </a:prstGeom>
+          <a:noFill/>
+        </p:spPr>
+        <p:txBody>
+          <a:bodyPr vertOverflow="overflow" horzOverflow="overflow" vert="horz" wrap="none" lIns="91440" tIns="45720" rIns="91440" bIns="45720" numCol="1" spcCol="0" rtlCol="0" fromWordArt="0" anchor="t" anchorCtr="0" forceAA="0" upright="0" compatLnSpc="0">
+            <a:spAutoFit/>
+          </a:bodyPr>
+          <a:p>
+            <a:pPr>
+              <a:defRPr/>
+            </a:pPr>
+            <a:r>
+              <a:rPr/>
+              <a:t>Фото с пеленгатором</a:t>
+            </a:r>
+            <a:endParaRPr/>
           </a:p>
         </p:txBody>
       </p:sp>
@@ -6765,7 +6797,7 @@
             </a:pPr>
             <a:r>
               <a:rPr lang="ru-RU"/>
-              <a:t>2/14</a:t>
+              <a:t>2/13</a:t>
             </a:r>
             <a:endParaRPr lang="ru-RU"/>
           </a:p>
@@ -6786,7 +6818,7 @@
         <p:spPr bwMode="auto">
           <a:xfrm rot="0" flipH="0" flipV="0">
             <a:off x="2128568" y="2690600"/>
-            <a:ext cx="4886862" cy="3435562"/>
+            <a:ext cx="4886861" cy="3435562"/>
           </a:xfrm>
           <a:prstGeom prst="rect">
             <a:avLst/>
@@ -6932,7 +6964,7 @@
             </a:pPr>
             <a:r>
               <a:rPr lang="ru-RU"/>
-              <a:t>Верификация и тестирование ПО;</a:t>
+              <a:t>верификация и тестирование ПО.</a:t>
             </a:r>
             <a:endParaRPr lang="ru-RU"/>
           </a:p>
@@ -6964,7 +6996,7 @@
             </a:pPr>
             <a:r>
               <a:rPr lang="ru-RU"/>
-              <a:t>3/14</a:t>
+              <a:t>3/13</a:t>
             </a:r>
             <a:endParaRPr lang="ru-RU"/>
           </a:p>
@@ -7049,7 +7081,7 @@
             </a:pPr>
             <a:r>
               <a:rPr lang="ru-RU"/>
-              <a:t>4/14</a:t>
+              <a:t>4/13</a:t>
             </a:r>
             <a:endParaRPr lang="ru-RU"/>
           </a:p>
@@ -7178,7 +7210,7 @@
             </a:pPr>
             <a:r>
               <a:rPr lang="ru-RU"/>
-              <a:t>5/14</a:t>
+              <a:t>5/13</a:t>
             </a:r>
             <a:endParaRPr lang="ru-RU"/>
           </a:p>
@@ -7308,7 +7340,7 @@
             </a:pPr>
             <a:r>
               <a:rPr lang="ru-RU"/>
-              <a:t>6/14</a:t>
+              <a:t>6/13</a:t>
             </a:r>
             <a:endParaRPr lang="ru-RU"/>
           </a:p>
@@ -7476,7 +7508,7 @@
             </a:pPr>
             <a:r>
               <a:rPr lang="ru-RU"/>
-              <a:t>7/14</a:t>
+              <a:t>7/13</a:t>
             </a:r>
             <a:endParaRPr lang="ru-RU"/>
           </a:p>
@@ -7644,7 +7676,7 @@
             </a:pPr>
             <a:r>
               <a:rPr lang="ru-RU"/>
-              <a:t>8/14</a:t>
+              <a:t>8/13</a:t>
             </a:r>
             <a:endParaRPr lang="ru-RU"/>
           </a:p>
@@ -7812,7 +7844,7 @@
             </a:pPr>
             <a:r>
               <a:rPr lang="ru-RU"/>
-              <a:t>9/14</a:t>
+              <a:t>9/13</a:t>
             </a:r>
             <a:endParaRPr lang="ru-RU"/>
           </a:p>

--- a/Презентация Диплом.pptx
+++ b/Презентация Диплом.pptx
@@ -4982,8 +4982,8 @@
         </p:nvSpPr>
         <p:spPr bwMode="auto">
           <a:xfrm>
-            <a:off x="323528" y="5805264"/>
-            <a:ext cx="5746125" cy="646331"/>
+            <a:off x="323527" y="5805263"/>
+            <a:ext cx="2563117" cy="640440"/>
           </a:xfrm>
           <a:prstGeom prst="rect">
             <a:avLst/>
@@ -5011,7 +5011,7 @@
             </a:pPr>
             <a:r>
               <a:rPr lang="ru-RU"/>
-              <a:t>Отдел первичной обработки и пеленгования ООО «СТЦ»</a:t>
+              <a:t>Отдел ПОиП ООО «СТЦ»</a:t>
             </a:r>
             <a:endParaRPr lang="ru-RU"/>
           </a:p>
@@ -6745,40 +6745,6 @@
       </p:sp>
       <p:sp>
         <p:nvSpPr>
-          <p:cNvPr id="3" name="Content Placeholder 2"/>
-          <p:cNvSpPr>
-            <a:spLocks noGrp="1"/>
-          </p:cNvSpPr>
-          <p:nvPr>
-            <p:ph idx="1"/>
-          </p:nvPr>
-        </p:nvSpPr>
-        <p:spPr bwMode="auto"/>
-        <p:txBody>
-          <a:bodyPr>
-            <a:normAutofit/>
-          </a:bodyPr>
-          <a:lstStyle/>
-          <a:p>
-            <a:pPr algn="just">
-              <a:defRPr/>
-            </a:pPr>
-            <a:r>
-              <a:rPr lang="ru-RU" sz="2800"/>
-              <a:t>Целью ВКР является реализация программного модуля обработки сигнала стандарта DMR.</a:t>
-            </a:r>
-            <a:endParaRPr/>
-          </a:p>
-          <a:p>
-            <a:pPr>
-              <a:defRPr/>
-            </a:pPr>
-            <a:endParaRPr lang="ru-RU"/>
-          </a:p>
-        </p:txBody>
-      </p:sp>
-      <p:sp>
-        <p:nvSpPr>
           <p:cNvPr id="6" name="Нижний колонтитул 5"/>
           <p:cNvSpPr>
             <a:spLocks noGrp="1"/>
@@ -6803,28 +6769,851 @@
           </a:p>
         </p:txBody>
       </p:sp>
-      <p:pic>
-        <p:nvPicPr>
-          <p:cNvPr id="740082946" name=""/>
-          <p:cNvPicPr>
-            <a:picLocks noChangeAspect="1"/>
-          </p:cNvPicPr>
+      <p:sp>
+        <p:nvSpPr>
+          <p:cNvPr id="1356442144" name=""/>
+          <p:cNvSpPr/>
           <p:nvPr/>
-        </p:nvPicPr>
-        <p:blipFill>
-          <a:blip r:embed="rId3"/>
-          <a:stretch/>
-        </p:blipFill>
+        </p:nvSpPr>
         <p:spPr bwMode="auto">
-          <a:xfrm rot="0" flipH="0" flipV="0">
-            <a:off x="2128568" y="2690600"/>
-            <a:ext cx="4886861" cy="3435562"/>
+          <a:xfrm flipH="0" flipV="0">
+            <a:off x="645939" y="1772373"/>
+            <a:ext cx="7852121" cy="2449285"/>
           </a:xfrm>
           <a:prstGeom prst="rect">
             <a:avLst/>
           </a:prstGeom>
+          <a:solidFill>
+            <a:schemeClr val="bg1"/>
+          </a:solidFill>
+          <a:ln w="12699" cap="flat" cmpd="sng" algn="ctr">
+            <a:solidFill>
+              <a:schemeClr val="tx1"/>
+            </a:solidFill>
+            <a:prstDash val="solid"/>
+          </a:ln>
         </p:spPr>
-      </p:pic>
+        <p:style>
+          <a:lnRef idx="2">
+            <a:schemeClr val="accent1">
+              <a:shade val="50000"/>
+            </a:schemeClr>
+          </a:lnRef>
+          <a:fillRef idx="1">
+            <a:schemeClr val="accent1"/>
+          </a:fillRef>
+          <a:effectRef idx="0">
+            <a:schemeClr val="accent1"/>
+          </a:effectRef>
+          <a:fontRef idx="minor">
+            <a:schemeClr val="lt1"/>
+          </a:fontRef>
+        </p:style>
+      </p:sp>
+      <p:sp>
+        <p:nvSpPr>
+          <p:cNvPr id="159769053" name=""/>
+          <p:cNvSpPr txBox="1"/>
+          <p:nvPr/>
+        </p:nvSpPr>
+        <p:spPr bwMode="auto">
+          <a:xfrm flipH="0" flipV="0">
+            <a:off x="761218" y="1884432"/>
+            <a:ext cx="4464440" cy="366119"/>
+          </a:xfrm>
+          <a:prstGeom prst="rect">
+            <a:avLst/>
+          </a:prstGeom>
+          <a:noFill/>
+        </p:spPr>
+        <p:txBody>
+          <a:bodyPr vertOverflow="overflow" horzOverflow="overflow" vert="horz" wrap="none" lIns="91440" tIns="45720" rIns="91440" bIns="45720" numCol="1" spcCol="0" rtlCol="0" fromWordArt="0" anchor="t" anchorCtr="0" forceAA="0" upright="0" compatLnSpc="0">
+            <a:spAutoFit/>
+          </a:bodyPr>
+          <a:p>
+            <a:pPr>
+              <a:defRPr/>
+            </a:pPr>
+            <a:r>
+              <a:rPr/>
+              <a:t>Программное обеспечение устройства АРМ</a:t>
+            </a:r>
+            <a:endParaRPr/>
+          </a:p>
+        </p:txBody>
+      </p:sp>
+      <p:sp>
+        <p:nvSpPr>
+          <p:cNvPr id="1732697980" name=""/>
+          <p:cNvSpPr/>
+          <p:nvPr/>
+        </p:nvSpPr>
+        <p:spPr bwMode="auto">
+          <a:xfrm flipH="0" flipV="0">
+            <a:off x="1025357" y="2463436"/>
+            <a:ext cx="1752919" cy="1566121"/>
+          </a:xfrm>
+          <a:prstGeom prst="rect">
+            <a:avLst/>
+          </a:prstGeom>
+          <a:solidFill>
+            <a:schemeClr val="bg1"/>
+          </a:solidFill>
+          <a:ln w="12699" cap="flat" cmpd="sng" algn="ctr">
+            <a:solidFill>
+              <a:schemeClr val="tx1"/>
+            </a:solidFill>
+            <a:prstDash val="solid"/>
+          </a:ln>
+        </p:spPr>
+        <p:style>
+          <a:lnRef idx="2">
+            <a:schemeClr val="accent1">
+              <a:shade val="50000"/>
+            </a:schemeClr>
+          </a:lnRef>
+          <a:fillRef idx="1">
+            <a:schemeClr val="accent1"/>
+          </a:fillRef>
+          <a:effectRef idx="0">
+            <a:schemeClr val="accent1"/>
+          </a:effectRef>
+          <a:fontRef idx="minor">
+            <a:schemeClr val="lt1"/>
+          </a:fontRef>
+        </p:style>
+        <p:txBody>
+          <a:bodyPr/>
+          <a:p>
+            <a:pPr>
+              <a:defRPr/>
+            </a:pPr>
+            <a:endParaRPr/>
+          </a:p>
+        </p:txBody>
+      </p:sp>
+      <p:sp>
+        <p:nvSpPr>
+          <p:cNvPr id="2073204266" name=""/>
+          <p:cNvSpPr txBox="1"/>
+          <p:nvPr/>
+        </p:nvSpPr>
+        <p:spPr bwMode="auto">
+          <a:xfrm flipH="0" flipV="0">
+            <a:off x="1023197" y="2834838"/>
+            <a:ext cx="1755079" cy="823319"/>
+          </a:xfrm>
+          <a:prstGeom prst="rect">
+            <a:avLst/>
+          </a:prstGeom>
+          <a:noFill/>
+        </p:spPr>
+        <p:txBody>
+          <a:bodyPr vertOverflow="overflow" horzOverflow="overflow" vert="horz" wrap="square" lIns="91440" tIns="45720" rIns="91440" bIns="45720" numCol="1" spcCol="0" rtlCol="0" fromWordArt="0" anchor="t" anchorCtr="0" forceAA="0" upright="0" compatLnSpc="0">
+            <a:spAutoFit/>
+          </a:bodyPr>
+          <a:p>
+            <a:pPr algn="ctr">
+              <a:defRPr/>
+            </a:pPr>
+            <a:r>
+              <a:rPr sz="1600"/>
+              <a:t>Взаимодействие с приемным устройством</a:t>
+            </a:r>
+            <a:endParaRPr sz="1800"/>
+          </a:p>
+        </p:txBody>
+      </p:sp>
+      <p:sp>
+        <p:nvSpPr>
+          <p:cNvPr id="1823512880" name=""/>
+          <p:cNvSpPr/>
+          <p:nvPr/>
+        </p:nvSpPr>
+        <p:spPr bwMode="auto">
+          <a:xfrm flipH="0" flipV="0">
+            <a:off x="3695539" y="2465075"/>
+            <a:ext cx="1752919" cy="1566121"/>
+          </a:xfrm>
+          <a:prstGeom prst="rect">
+            <a:avLst/>
+          </a:prstGeom>
+          <a:solidFill>
+            <a:schemeClr val="bg1"/>
+          </a:solidFill>
+          <a:ln w="12699" cap="flat" cmpd="sng" algn="ctr">
+            <a:solidFill>
+              <a:schemeClr val="tx1"/>
+            </a:solidFill>
+            <a:prstDash val="solid"/>
+          </a:ln>
+        </p:spPr>
+        <p:style>
+          <a:lnRef idx="2">
+            <a:schemeClr val="accent1">
+              <a:shade val="50000"/>
+            </a:schemeClr>
+          </a:lnRef>
+          <a:fillRef idx="1">
+            <a:schemeClr val="accent1"/>
+          </a:fillRef>
+          <a:effectRef idx="0">
+            <a:schemeClr val="accent1"/>
+          </a:effectRef>
+          <a:fontRef idx="minor">
+            <a:schemeClr val="lt1"/>
+          </a:fontRef>
+        </p:style>
+        <p:txBody>
+          <a:bodyPr/>
+          <a:p>
+            <a:pPr>
+              <a:defRPr/>
+            </a:pPr>
+            <a:endParaRPr/>
+          </a:p>
+        </p:txBody>
+      </p:sp>
+      <p:sp>
+        <p:nvSpPr>
+          <p:cNvPr id="141285427" name=""/>
+          <p:cNvSpPr txBox="1"/>
+          <p:nvPr/>
+        </p:nvSpPr>
+        <p:spPr bwMode="auto">
+          <a:xfrm flipH="0" flipV="0">
+            <a:off x="3695539" y="2956758"/>
+            <a:ext cx="1761919" cy="579479"/>
+          </a:xfrm>
+          <a:prstGeom prst="rect">
+            <a:avLst/>
+          </a:prstGeom>
+          <a:noFill/>
+        </p:spPr>
+        <p:txBody>
+          <a:bodyPr vertOverflow="overflow" horzOverflow="overflow" vert="horz" wrap="square" lIns="91440" tIns="45720" rIns="91440" bIns="45720" numCol="1" spcCol="0" rtlCol="0" fromWordArt="0" anchor="t" anchorCtr="0" forceAA="0" upright="0" compatLnSpc="0">
+            <a:spAutoFit/>
+          </a:bodyPr>
+          <a:p>
+            <a:pPr algn="ctr">
+              <a:defRPr/>
+            </a:pPr>
+            <a:r>
+              <a:rPr sz="1600"/>
+              <a:t>Менеджер заданий</a:t>
+            </a:r>
+            <a:endParaRPr sz="1800"/>
+          </a:p>
+        </p:txBody>
+      </p:sp>
+      <p:sp>
+        <p:nvSpPr>
+          <p:cNvPr id="1083308357" name=""/>
+          <p:cNvSpPr/>
+          <p:nvPr/>
+        </p:nvSpPr>
+        <p:spPr bwMode="auto">
+          <a:xfrm flipH="0" flipV="0">
+            <a:off x="6372483" y="2465075"/>
+            <a:ext cx="1752919" cy="1566121"/>
+          </a:xfrm>
+          <a:prstGeom prst="rect">
+            <a:avLst/>
+          </a:prstGeom>
+          <a:solidFill>
+            <a:schemeClr val="bg1"/>
+          </a:solidFill>
+          <a:ln w="12699" cap="flat" cmpd="sng" algn="ctr">
+            <a:solidFill>
+              <a:schemeClr val="tx1"/>
+            </a:solidFill>
+            <a:prstDash val="solid"/>
+          </a:ln>
+        </p:spPr>
+        <p:style>
+          <a:lnRef idx="2">
+            <a:schemeClr val="accent1">
+              <a:shade val="50000"/>
+            </a:schemeClr>
+          </a:lnRef>
+          <a:fillRef idx="1">
+            <a:schemeClr val="accent1"/>
+          </a:fillRef>
+          <a:effectRef idx="0">
+            <a:schemeClr val="accent1"/>
+          </a:effectRef>
+          <a:fontRef idx="minor">
+            <a:schemeClr val="lt1"/>
+          </a:fontRef>
+        </p:style>
+        <p:txBody>
+          <a:bodyPr/>
+          <a:p>
+            <a:pPr>
+              <a:defRPr/>
+            </a:pPr>
+            <a:endParaRPr/>
+          </a:p>
+        </p:txBody>
+      </p:sp>
+      <p:sp>
+        <p:nvSpPr>
+          <p:cNvPr id="248602391" name=""/>
+          <p:cNvSpPr txBox="1"/>
+          <p:nvPr/>
+        </p:nvSpPr>
+        <p:spPr bwMode="auto">
+          <a:xfrm flipH="0" flipV="0">
+            <a:off x="6370323" y="2958396"/>
+            <a:ext cx="1758319" cy="579479"/>
+          </a:xfrm>
+          <a:prstGeom prst="rect">
+            <a:avLst/>
+          </a:prstGeom>
+          <a:noFill/>
+        </p:spPr>
+        <p:txBody>
+          <a:bodyPr vertOverflow="overflow" horzOverflow="overflow" vert="horz" wrap="square" lIns="91440" tIns="45720" rIns="91440" bIns="45720" numCol="1" spcCol="0" rtlCol="0" fromWordArt="0" anchor="t" anchorCtr="0" forceAA="0" upright="0" compatLnSpc="0">
+            <a:spAutoFit/>
+          </a:bodyPr>
+          <a:p>
+            <a:pPr algn="ctr">
+              <a:defRPr/>
+            </a:pPr>
+            <a:r>
+              <a:rPr sz="1600"/>
+              <a:t>Взаимодействие с клиентом</a:t>
+            </a:r>
+            <a:endParaRPr sz="1800"/>
+          </a:p>
+        </p:txBody>
+      </p:sp>
+      <p:cxnSp>
+        <p:nvCxnSpPr>
+          <p:cNvPr id="0" name="Линия 0"/>
+          <p:cNvCxnSpPr>
+            <a:cxnSpLocks/>
+            <a:stCxn id="2073204266" idx="3"/>
+            <a:endCxn id="141285427" idx="1"/>
+          </p:cNvCxnSpPr>
+          <p:nvPr/>
+        </p:nvCxnSpPr>
+        <p:spPr bwMode="auto">
+          <a:xfrm rot="0" flipH="0" flipV="1">
+            <a:off x="2779200" y="3244859"/>
+            <a:ext cx="917262" cy="0"/>
+          </a:xfrm>
+          <a:prstGeom prst="line">
+            <a:avLst/>
+          </a:prstGeom>
+          <a:ln w="12699" cap="flat" cmpd="sng" algn="ctr">
+            <a:solidFill>
+              <a:schemeClr val="tx1"/>
+            </a:solidFill>
+            <a:prstDash val="solid"/>
+            <a:headEnd type="arrow" w="lg" len="lg"/>
+            <a:tailEnd type="arrow" w="lg" len="lg"/>
+          </a:ln>
+        </p:spPr>
+        <p:style>
+          <a:lnRef idx="1">
+            <a:schemeClr val="accent1">
+              <a:shade val="50000"/>
+            </a:schemeClr>
+          </a:lnRef>
+          <a:fillRef idx="0">
+            <a:schemeClr val="accent1"/>
+          </a:fillRef>
+          <a:effectRef idx="0">
+            <a:schemeClr val="accent1"/>
+          </a:effectRef>
+          <a:fontRef idx="minor">
+            <a:schemeClr val="tx1"/>
+          </a:fontRef>
+        </p:style>
+      </p:cxnSp>
+      <p:cxnSp>
+        <p:nvCxnSpPr>
+          <p:cNvPr id="1680501368" name="Линия 0"/>
+          <p:cNvCxnSpPr>
+            <a:cxnSpLocks/>
+          </p:cNvCxnSpPr>
+          <p:nvPr/>
+        </p:nvCxnSpPr>
+        <p:spPr bwMode="auto">
+          <a:xfrm rot="0" flipH="0" flipV="1">
+            <a:off x="5448459" y="3246498"/>
+            <a:ext cx="917262" cy="0"/>
+          </a:xfrm>
+          <a:prstGeom prst="line">
+            <a:avLst/>
+          </a:prstGeom>
+          <a:ln w="12699" cap="flat" cmpd="sng" algn="ctr">
+            <a:solidFill>
+              <a:schemeClr val="tx1"/>
+            </a:solidFill>
+            <a:prstDash val="solid"/>
+            <a:headEnd type="arrow" w="lg" len="lg"/>
+            <a:tailEnd type="arrow" w="lg" len="lg"/>
+          </a:ln>
+        </p:spPr>
+        <p:style>
+          <a:lnRef idx="1">
+            <a:schemeClr val="accent1">
+              <a:shade val="50000"/>
+            </a:schemeClr>
+          </a:lnRef>
+          <a:fillRef idx="0">
+            <a:schemeClr val="accent1"/>
+          </a:fillRef>
+          <a:effectRef idx="0">
+            <a:schemeClr val="accent1"/>
+          </a:effectRef>
+          <a:fontRef idx="minor">
+            <a:schemeClr val="tx1"/>
+          </a:fontRef>
+        </p:style>
+      </p:cxnSp>
+      <p:sp>
+        <p:nvSpPr>
+          <p:cNvPr id="583993106" name=""/>
+          <p:cNvSpPr/>
+          <p:nvPr/>
+        </p:nvSpPr>
+        <p:spPr bwMode="auto">
+          <a:xfrm flipH="0" flipV="0">
+            <a:off x="1015998" y="4690563"/>
+            <a:ext cx="1752919" cy="1566121"/>
+          </a:xfrm>
+          <a:prstGeom prst="rect">
+            <a:avLst/>
+          </a:prstGeom>
+          <a:solidFill>
+            <a:schemeClr val="bg1"/>
+          </a:solidFill>
+          <a:ln w="12699" cap="flat" cmpd="sng" algn="ctr">
+            <a:solidFill>
+              <a:srgbClr val="000000"/>
+            </a:solidFill>
+            <a:prstDash val="dash"/>
+          </a:ln>
+        </p:spPr>
+        <p:style>
+          <a:lnRef idx="2">
+            <a:schemeClr val="accent1">
+              <a:shade val="50000"/>
+            </a:schemeClr>
+          </a:lnRef>
+          <a:fillRef idx="1">
+            <a:schemeClr val="accent1"/>
+          </a:fillRef>
+          <a:effectRef idx="0">
+            <a:schemeClr val="accent1"/>
+          </a:effectRef>
+          <a:fontRef idx="minor">
+            <a:schemeClr val="lt1"/>
+          </a:fontRef>
+        </p:style>
+        <p:txBody>
+          <a:bodyPr/>
+          <a:p>
+            <a:pPr>
+              <a:defRPr/>
+            </a:pPr>
+            <a:endParaRPr/>
+          </a:p>
+        </p:txBody>
+      </p:sp>
+      <p:sp>
+        <p:nvSpPr>
+          <p:cNvPr id="360186666" name=""/>
+          <p:cNvSpPr txBox="1"/>
+          <p:nvPr/>
+        </p:nvSpPr>
+        <p:spPr bwMode="auto">
+          <a:xfrm flipH="0" flipV="0">
+            <a:off x="1015998" y="5183884"/>
+            <a:ext cx="1770558" cy="579479"/>
+          </a:xfrm>
+          <a:prstGeom prst="rect">
+            <a:avLst/>
+          </a:prstGeom>
+          <a:noFill/>
+        </p:spPr>
+        <p:txBody>
+          <a:bodyPr vertOverflow="overflow" horzOverflow="overflow" vert="horz" wrap="square" lIns="91440" tIns="45720" rIns="91440" bIns="45720" numCol="1" spcCol="0" rtlCol="0" fromWordArt="0" anchor="t" anchorCtr="0" forceAA="0" upright="0" compatLnSpc="0">
+            <a:spAutoFit/>
+          </a:bodyPr>
+          <a:p>
+            <a:pPr algn="ctr">
+              <a:defRPr/>
+            </a:pPr>
+            <a:r>
+              <a:rPr sz="1600"/>
+              <a:t>Задание </a:t>
+            </a:r>
+            <a:endParaRPr sz="1600"/>
+          </a:p>
+          <a:p>
+            <a:pPr algn="ctr">
+              <a:defRPr/>
+            </a:pPr>
+            <a:r>
+              <a:rPr sz="1600"/>
+              <a:t>Apco25</a:t>
+            </a:r>
+            <a:endParaRPr sz="1800"/>
+          </a:p>
+        </p:txBody>
+      </p:sp>
+      <p:sp>
+        <p:nvSpPr>
+          <p:cNvPr id="1746879866" name=""/>
+          <p:cNvSpPr/>
+          <p:nvPr/>
+        </p:nvSpPr>
+        <p:spPr bwMode="auto">
+          <a:xfrm flipH="0" flipV="0">
+            <a:off x="3704539" y="4690563"/>
+            <a:ext cx="1752919" cy="1566121"/>
+          </a:xfrm>
+          <a:prstGeom prst="rect">
+            <a:avLst/>
+          </a:prstGeom>
+          <a:solidFill>
+            <a:schemeClr val="bg1"/>
+          </a:solidFill>
+          <a:ln w="12699" cap="flat" cmpd="sng" algn="ctr">
+            <a:solidFill>
+              <a:srgbClr val="000000"/>
+            </a:solidFill>
+            <a:prstDash val="dash"/>
+          </a:ln>
+        </p:spPr>
+        <p:style>
+          <a:lnRef idx="2">
+            <a:schemeClr val="accent1">
+              <a:shade val="50000"/>
+            </a:schemeClr>
+          </a:lnRef>
+          <a:fillRef idx="1">
+            <a:schemeClr val="accent1"/>
+          </a:fillRef>
+          <a:effectRef idx="0">
+            <a:schemeClr val="accent1"/>
+          </a:effectRef>
+          <a:fontRef idx="minor">
+            <a:schemeClr val="lt1"/>
+          </a:fontRef>
+        </p:style>
+        <p:txBody>
+          <a:bodyPr/>
+          <a:p>
+            <a:pPr>
+              <a:defRPr/>
+            </a:pPr>
+            <a:endParaRPr/>
+          </a:p>
+        </p:txBody>
+      </p:sp>
+      <p:sp>
+        <p:nvSpPr>
+          <p:cNvPr id="1378907256" name=""/>
+          <p:cNvSpPr txBox="1"/>
+          <p:nvPr/>
+        </p:nvSpPr>
+        <p:spPr bwMode="auto">
+          <a:xfrm flipH="0" flipV="0">
+            <a:off x="3704539" y="5183884"/>
+            <a:ext cx="1772718" cy="579479"/>
+          </a:xfrm>
+          <a:prstGeom prst="rect">
+            <a:avLst/>
+          </a:prstGeom>
+          <a:noFill/>
+        </p:spPr>
+        <p:txBody>
+          <a:bodyPr vertOverflow="overflow" horzOverflow="overflow" vert="horz" wrap="square" lIns="91440" tIns="45720" rIns="91440" bIns="45720" numCol="1" spcCol="0" rtlCol="0" fromWordArt="0" anchor="t" anchorCtr="0" forceAA="0" upright="0" compatLnSpc="0">
+            <a:spAutoFit/>
+          </a:bodyPr>
+          <a:p>
+            <a:pPr algn="ctr">
+              <a:defRPr/>
+            </a:pPr>
+            <a:r>
+              <a:rPr sz="1600"/>
+              <a:t>Задание</a:t>
+            </a:r>
+            <a:endParaRPr sz="1800"/>
+          </a:p>
+          <a:p>
+            <a:pPr algn="ctr">
+              <a:defRPr/>
+            </a:pPr>
+            <a:r>
+              <a:rPr sz="1600"/>
+              <a:t>TETRA</a:t>
+            </a:r>
+            <a:endParaRPr sz="1800"/>
+          </a:p>
+        </p:txBody>
+      </p:sp>
+      <p:sp>
+        <p:nvSpPr>
+          <p:cNvPr id="815188957" name=""/>
+          <p:cNvSpPr/>
+          <p:nvPr/>
+        </p:nvSpPr>
+        <p:spPr bwMode="auto">
+          <a:xfrm flipH="0" flipV="0">
+            <a:off x="6363124" y="4690563"/>
+            <a:ext cx="1752919" cy="1566121"/>
+          </a:xfrm>
+          <a:prstGeom prst="rect">
+            <a:avLst/>
+          </a:prstGeom>
+          <a:solidFill>
+            <a:schemeClr val="bg1"/>
+          </a:solidFill>
+          <a:ln w="12699" cap="flat" cmpd="sng" algn="ctr">
+            <a:solidFill>
+              <a:srgbClr val="FF0000"/>
+            </a:solidFill>
+            <a:prstDash val="dash"/>
+          </a:ln>
+        </p:spPr>
+        <p:style>
+          <a:lnRef idx="2">
+            <a:schemeClr val="accent1">
+              <a:shade val="50000"/>
+            </a:schemeClr>
+          </a:lnRef>
+          <a:fillRef idx="1">
+            <a:schemeClr val="accent1"/>
+          </a:fillRef>
+          <a:effectRef idx="0">
+            <a:schemeClr val="accent1"/>
+          </a:effectRef>
+          <a:fontRef idx="minor">
+            <a:schemeClr val="lt1"/>
+          </a:fontRef>
+        </p:style>
+        <p:txBody>
+          <a:bodyPr/>
+          <a:p>
+            <a:pPr>
+              <a:defRPr/>
+            </a:pPr>
+            <a:endParaRPr/>
+          </a:p>
+        </p:txBody>
+      </p:sp>
+      <p:sp>
+        <p:nvSpPr>
+          <p:cNvPr id="894100072" name=""/>
+          <p:cNvSpPr txBox="1"/>
+          <p:nvPr/>
+        </p:nvSpPr>
+        <p:spPr bwMode="auto">
+          <a:xfrm flipH="0" flipV="0">
+            <a:off x="6363124" y="5183884"/>
+            <a:ext cx="1769118" cy="579479"/>
+          </a:xfrm>
+          <a:prstGeom prst="rect">
+            <a:avLst/>
+          </a:prstGeom>
+          <a:noFill/>
+        </p:spPr>
+        <p:txBody>
+          <a:bodyPr vertOverflow="overflow" horzOverflow="overflow" vert="horz" wrap="square" lIns="91440" tIns="45720" rIns="91440" bIns="45720" numCol="1" spcCol="0" rtlCol="0" fromWordArt="0" anchor="t" anchorCtr="0" forceAA="0" upright="0" compatLnSpc="0">
+            <a:spAutoFit/>
+          </a:bodyPr>
+          <a:p>
+            <a:pPr algn="ctr">
+              <a:defRPr/>
+            </a:pPr>
+            <a:r>
+              <a:rPr sz="1600"/>
+              <a:t>Задание</a:t>
+            </a:r>
+            <a:endParaRPr sz="1600"/>
+          </a:p>
+          <a:p>
+            <a:pPr algn="ctr">
+              <a:defRPr/>
+            </a:pPr>
+            <a:r>
+              <a:rPr sz="1600"/>
+              <a:t>DMR</a:t>
+            </a:r>
+            <a:endParaRPr sz="1800"/>
+          </a:p>
+        </p:txBody>
+      </p:sp>
+      <p:cxnSp>
+        <p:nvCxnSpPr>
+          <p:cNvPr id="0" name=""/>
+          <p:cNvCxnSpPr>
+            <a:cxnSpLocks/>
+          </p:cNvCxnSpPr>
+          <p:nvPr/>
+        </p:nvCxnSpPr>
+        <p:spPr bwMode="auto">
+          <a:xfrm rot="16199969" flipH="0" flipV="0">
+            <a:off x="2672629" y="3260384"/>
+            <a:ext cx="659365" cy="2200990"/>
+          </a:xfrm>
+          <a:prstGeom prst="bentConnector3">
+            <a:avLst>
+              <a:gd name="adj1" fmla="val 50000"/>
+            </a:avLst>
+          </a:prstGeom>
+          <a:ln w="12699" cap="flat" cmpd="sng" algn="ctr">
+            <a:solidFill>
+              <a:srgbClr val="000000"/>
+            </a:solidFill>
+            <a:prstDash val="dash"/>
+            <a:headEnd type="arrow" w="lg" len="lg"/>
+            <a:tailEnd type="arrow" w="lg" len="lg"/>
+          </a:ln>
+        </p:spPr>
+        <p:style>
+          <a:lnRef idx="1">
+            <a:schemeClr val="accent1">
+              <a:shade val="50000"/>
+            </a:schemeClr>
+          </a:lnRef>
+          <a:fillRef idx="0">
+            <a:schemeClr val="accent1"/>
+          </a:fillRef>
+          <a:effectRef idx="0">
+            <a:schemeClr val="accent1"/>
+          </a:effectRef>
+          <a:fontRef idx="minor">
+            <a:schemeClr val="tx1"/>
+          </a:fontRef>
+        </p:style>
+      </p:cxnSp>
+      <p:cxnSp>
+        <p:nvCxnSpPr>
+          <p:cNvPr id="785683646" name=""/>
+          <p:cNvCxnSpPr>
+            <a:cxnSpLocks/>
+          </p:cNvCxnSpPr>
+          <p:nvPr/>
+        </p:nvCxnSpPr>
+        <p:spPr bwMode="auto">
+          <a:xfrm rot="16199969" flipH="1" flipV="0">
+            <a:off x="5819305" y="3260384"/>
+            <a:ext cx="659365" cy="2200989"/>
+          </a:xfrm>
+          <a:prstGeom prst="bentConnector3">
+            <a:avLst>
+              <a:gd name="adj1" fmla="val 50000"/>
+            </a:avLst>
+          </a:prstGeom>
+          <a:ln w="12699" cap="flat" cmpd="sng" algn="ctr">
+            <a:solidFill>
+              <a:srgbClr val="FF0000"/>
+            </a:solidFill>
+            <a:prstDash val="dash"/>
+            <a:headEnd type="arrow" w="lg" len="lg"/>
+            <a:tailEnd type="arrow" w="lg" len="lg"/>
+          </a:ln>
+        </p:spPr>
+        <p:style>
+          <a:lnRef idx="1">
+            <a:schemeClr val="accent1">
+              <a:shade val="50000"/>
+            </a:schemeClr>
+          </a:lnRef>
+          <a:fillRef idx="0">
+            <a:schemeClr val="accent1"/>
+          </a:fillRef>
+          <a:effectRef idx="0">
+            <a:schemeClr val="accent1"/>
+          </a:effectRef>
+          <a:fontRef idx="minor">
+            <a:schemeClr val="tx1"/>
+          </a:fontRef>
+        </p:style>
+      </p:cxnSp>
+      <p:cxnSp>
+        <p:nvCxnSpPr>
+          <p:cNvPr id="0" name=""/>
+          <p:cNvCxnSpPr>
+            <a:cxnSpLocks/>
+            <a:stCxn id="1823512880" idx="2"/>
+            <a:endCxn id="1746879866" idx="0"/>
+          </p:cNvCxnSpPr>
+          <p:nvPr/>
+        </p:nvCxnSpPr>
+        <p:spPr bwMode="auto">
+          <a:xfrm rot="5399978" flipH="0" flipV="1">
+            <a:off x="4248000" y="4362498"/>
+            <a:ext cx="659365" cy="0"/>
+          </a:xfrm>
+          <a:prstGeom prst="line">
+            <a:avLst/>
+          </a:prstGeom>
+          <a:ln w="12699" cap="flat" cmpd="sng" algn="ctr">
+            <a:solidFill>
+              <a:srgbClr val="000000"/>
+            </a:solidFill>
+            <a:prstDash val="dash"/>
+            <a:headEnd type="arrow" w="lg" len="lg"/>
+            <a:tailEnd type="arrow" w="lg" len="lg"/>
+          </a:ln>
+        </p:spPr>
+        <p:style>
+          <a:lnRef idx="1">
+            <a:schemeClr val="accent1">
+              <a:shade val="50000"/>
+            </a:schemeClr>
+          </a:lnRef>
+          <a:fillRef idx="0">
+            <a:schemeClr val="accent1"/>
+          </a:fillRef>
+          <a:effectRef idx="0">
+            <a:schemeClr val="accent1"/>
+          </a:effectRef>
+          <a:fontRef idx="minor">
+            <a:schemeClr val="tx1"/>
+          </a:fontRef>
+        </p:style>
+      </p:cxnSp>
+      <p:sp>
+        <p:nvSpPr>
+          <p:cNvPr id="483803345" name=""/>
+          <p:cNvSpPr txBox="1"/>
+          <p:nvPr/>
+        </p:nvSpPr>
+        <p:spPr bwMode="auto">
+          <a:xfrm flipH="0" flipV="0">
+            <a:off x="521233" y="1249691"/>
+            <a:ext cx="7009926" cy="366119"/>
+          </a:xfrm>
+          <a:prstGeom prst="rect">
+            <a:avLst/>
+          </a:prstGeom>
+          <a:noFill/>
+        </p:spPr>
+        <p:txBody>
+          <a:bodyPr vertOverflow="overflow" horzOverflow="overflow" vert="horz" wrap="none" lIns="91440" tIns="45720" rIns="91440" bIns="45720" numCol="1" spcCol="0" rtlCol="0" fromWordArt="0" anchor="t" anchorCtr="0" forceAA="0" upright="0" compatLnSpc="0">
+            <a:spAutoFit/>
+          </a:bodyPr>
+          <a:p>
+            <a:pPr>
+              <a:defRPr/>
+            </a:pPr>
+            <a:r>
+              <a:rPr/>
+              <a:t>Реализация программного модуля обработки сигнала стандарта DMR</a:t>
+            </a:r>
+            <a:endParaRPr/>
+          </a:p>
+        </p:txBody>
+      </p:sp>
     </p:spTree>
   </p:cSld>
   <p:clrMapOvr>
@@ -6924,7 +7713,7 @@
             </a:pPr>
             <a:r>
               <a:rPr lang="ru-RU"/>
-              <a:t>изучение формирования сигнала физического уровня;</a:t>
+              <a:t>изучение принципа формирования сигнала физического уровня;</a:t>
             </a:r>
             <a:endParaRPr/>
           </a:p>
@@ -7881,8 +8670,8 @@
           <p:nvPr/>
         </p:nvGraphicFramePr>
         <p:xfrm>
-          <a:off x="1526539" y="4449729"/>
-          <a:ext cx="6090919" cy="1795779"/>
+          <a:off x="1040604" y="4449728"/>
+          <a:ext cx="7062788" cy="1802128"/>
         </p:xfrm>
         <a:graphic>
           <a:graphicData uri="http://schemas.openxmlformats.org/drawingml/2006/table">
@@ -7891,10 +8680,10 @@
                 <a:tableStyleId>{5C22544A-7EE6-4342-B048-85BDC9FD1C3A}</a:tableStyleId>
               </a:tblPr>
               <a:tblGrid>
-                <a:gridCol w="1519554"/>
-                <a:gridCol w="1519554"/>
-                <a:gridCol w="1519554"/>
-                <a:gridCol w="1519554"/>
+                <a:gridCol w="1760934"/>
+                <a:gridCol w="1760934"/>
+                <a:gridCol w="1760934"/>
+                <a:gridCol w="1760934"/>
               </a:tblGrid>
               <a:tr h="1371600">
                 <a:tc>

--- a/Презентация Диплом.pptx
+++ b/Презентация Диплом.pptx
@@ -5,7 +5,7 @@
     <p:sldMasterId id="2147483648" r:id="rId1"/>
   </p:sldMasterIdLst>
   <p:notesMasterIdLst>
-    <p:notesMasterId r:id="rId17"/>
+    <p:notesMasterId r:id="rId18"/>
   </p:notesMasterIdLst>
   <p:sldIdLst>
     <p:sldId id="256" r:id="rId4"/>
@@ -21,6 +21,7 @@
     <p:sldId id="266" r:id="rId14"/>
     <p:sldId id="267" r:id="rId15"/>
     <p:sldId id="268" r:id="rId16"/>
+    <p:sldId id="269" r:id="rId17"/>
   </p:sldIdLst>
   <p:sldSz cx="9144000" cy="6858000" type="screen4x3"/>
   <p:notesSz cx="6858000" cy="9144000"/>
@@ -606,7 +607,7 @@
       </p:grpSpPr>
       <p:sp>
         <p:nvSpPr>
-          <p:cNvPr id="2" name="Slide Image Placeholder 1"/>
+          <p:cNvPr id="2069466735" name="Slide Image Placeholder 1"/>
           <p:cNvSpPr>
             <a:spLocks noChangeAspect="1" noGrp="1" noRot="1"/>
           </p:cNvSpPr>
@@ -618,7 +619,7 @@
       </p:sp>
       <p:sp>
         <p:nvSpPr>
-          <p:cNvPr id="3" name="Notes Placeholder 2"/>
+          <p:cNvPr id="1896394675" name="Notes Placeholder 2"/>
           <p:cNvSpPr>
             <a:spLocks noGrp="1"/>
           </p:cNvSpPr>
@@ -640,7 +641,7 @@
       </p:sp>
       <p:sp>
         <p:nvSpPr>
-          <p:cNvPr id="4" name="Slide Number Placeholder 3"/>
+          <p:cNvPr id="660448590" name="Slide Number Placeholder 3"/>
           <p:cNvSpPr>
             <a:spLocks noGrp="1"/>
           </p:cNvSpPr>
@@ -656,7 +657,7 @@
             <a:pPr>
               <a:defRPr/>
             </a:pPr>
-            <a:fld id="{0E845971-2904-1254-00A3-27602BFD98A0}" type="slidenum">
+            <a:fld id="{8CA814E5-A6C2-CAD4-6A08-F36636FF8FA2}" type="slidenum">
               <a:rPr/>
               <a:t/>
             </a:fld>
@@ -738,7 +739,7 @@
             <a:pPr>
               <a:defRPr/>
             </a:pPr>
-            <a:fld id="{5664DF62-A54C-6E0D-E691-4ADAAAC93ABD}" type="slidenum">
+            <a:fld id="{0E845971-2904-1254-00A3-27602BFD98A0}" type="slidenum">
               <a:rPr/>
               <a:t/>
             </a:fld>
@@ -820,7 +821,7 @@
             <a:pPr>
               <a:defRPr/>
             </a:pPr>
-            <a:fld id="{0DA2FBB6-157C-063A-99FF-1B2BD3FAEF38}" type="slidenum">
+            <a:fld id="{5664DF62-A54C-6E0D-E691-4ADAAAC93ABD}" type="slidenum">
               <a:rPr/>
               <a:t/>
             </a:fld>
@@ -902,6 +903,88 @@
             <a:pPr>
               <a:defRPr/>
             </a:pPr>
+            <a:fld id="{0DA2FBB6-157C-063A-99FF-1B2BD3FAEF38}" type="slidenum">
+              <a:rPr/>
+              <a:t/>
+            </a:fld>
+            <a:endParaRPr/>
+          </a:p>
+        </p:txBody>
+      </p:sp>
+    </p:spTree>
+  </p:cSld>
+</p:notes>
+</file>
+
+<file path=ppt/notesSlides/notesSlide14.xml><?xml version="1.0" encoding="utf-8"?>
+<p:notes xmlns:a="http://schemas.openxmlformats.org/drawingml/2006/main" xmlns:r="http://schemas.openxmlformats.org/officeDocument/2006/relationships" xmlns:p="http://schemas.openxmlformats.org/presentationml/2006/main" xmlns:m="http://schemas.openxmlformats.org/officeDocument/2006/math" xmlns:w="http://schemas.openxmlformats.org/wordprocessingml/2006/main">
+  <p:cSld name="">
+    <p:spTree>
+      <p:nvGrpSpPr>
+        <p:cNvPr id="1" name=""/>
+        <p:cNvGrpSpPr/>
+        <p:nvPr/>
+      </p:nvGrpSpPr>
+      <p:grpSpPr bwMode="auto">
+        <a:xfrm>
+          <a:off x="0" y="0"/>
+          <a:ext cx="0" cy="0"/>
+          <a:chOff x="0" y="0"/>
+          <a:chExt cx="0" cy="0"/>
+        </a:xfrm>
+      </p:grpSpPr>
+      <p:sp>
+        <p:nvSpPr>
+          <p:cNvPr id="2" name="Slide Image Placeholder 1"/>
+          <p:cNvSpPr>
+            <a:spLocks noChangeAspect="1" noGrp="1" noRot="1"/>
+          </p:cNvSpPr>
+          <p:nvPr>
+            <p:ph type="sldImg"/>
+          </p:nvPr>
+        </p:nvSpPr>
+        <p:spPr bwMode="auto"/>
+      </p:sp>
+      <p:sp>
+        <p:nvSpPr>
+          <p:cNvPr id="3" name="Notes Placeholder 2"/>
+          <p:cNvSpPr>
+            <a:spLocks noGrp="1"/>
+          </p:cNvSpPr>
+          <p:nvPr>
+            <p:ph type="body" idx="1"/>
+          </p:nvPr>
+        </p:nvSpPr>
+        <p:spPr bwMode="auto"/>
+        <p:txBody>
+          <a:bodyPr/>
+          <a:lstStyle/>
+          <a:p>
+            <a:pPr>
+              <a:defRPr/>
+            </a:pPr>
+            <a:endParaRPr/>
+          </a:p>
+        </p:txBody>
+      </p:sp>
+      <p:sp>
+        <p:nvSpPr>
+          <p:cNvPr id="4" name="Slide Number Placeholder 3"/>
+          <p:cNvSpPr>
+            <a:spLocks noGrp="1"/>
+          </p:cNvSpPr>
+          <p:nvPr>
+            <p:ph type="sldNum" sz="quarter" idx="10"/>
+          </p:nvPr>
+        </p:nvSpPr>
+        <p:spPr bwMode="auto"/>
+        <p:txBody>
+          <a:bodyPr/>
+          <a:lstStyle/>
+          <a:p>
+            <a:pPr>
+              <a:defRPr/>
+            </a:pPr>
             <a:fld id="{48F3D1CA-EFB0-C31A-EA19-8644306355E6}" type="slidenum">
               <a:rPr/>
               <a:t/>
@@ -1180,7 +1263,7 @@
       </p:grpSpPr>
       <p:sp>
         <p:nvSpPr>
-          <p:cNvPr id="2" name="Slide Image Placeholder 1"/>
+          <p:cNvPr id="677222864" name="Slide Image Placeholder 1"/>
           <p:cNvSpPr>
             <a:spLocks noChangeAspect="1" noGrp="1" noRot="1"/>
           </p:cNvSpPr>
@@ -1192,7 +1275,7 @@
       </p:sp>
       <p:sp>
         <p:nvSpPr>
-          <p:cNvPr id="3" name="Notes Placeholder 2"/>
+          <p:cNvPr id="1771381556" name="Notes Placeholder 2"/>
           <p:cNvSpPr>
             <a:spLocks noGrp="1"/>
           </p:cNvSpPr>
@@ -1214,7 +1297,7 @@
       </p:sp>
       <p:sp>
         <p:nvSpPr>
-          <p:cNvPr id="4" name="Slide Number Placeholder 3"/>
+          <p:cNvPr id="1301426921" name="Slide Number Placeholder 3"/>
           <p:cNvSpPr>
             <a:spLocks noGrp="1"/>
           </p:cNvSpPr>
@@ -1230,7 +1313,7 @@
             <a:pPr>
               <a:defRPr/>
             </a:pPr>
-            <a:fld id="{78707645-D6F3-4B4E-3941-AE3532132D02}" type="slidenum">
+            <a:fld id="{E1CAED83-C9CC-6142-7321-50D8A77A4C5D}" type="slidenum">
               <a:rPr/>
               <a:t/>
             </a:fld>
@@ -1312,7 +1395,7 @@
             <a:pPr>
               <a:defRPr/>
             </a:pPr>
-            <a:fld id="{43F8A568-1419-6B59-0278-1A60C2AD7EC7}" type="slidenum">
+            <a:fld id="{78707645-D6F3-4B4E-3941-AE3532132D02}" type="slidenum">
               <a:rPr/>
               <a:t/>
             </a:fld>
@@ -1394,7 +1477,7 @@
             <a:pPr>
               <a:defRPr/>
             </a:pPr>
-            <a:fld id="{49571549-EDFC-52B1-0D71-4FFC28D9E90C}" type="slidenum">
+            <a:fld id="{43F8A568-1419-6B59-0278-1A60C2AD7EC7}" type="slidenum">
               <a:rPr/>
               <a:t/>
             </a:fld>
@@ -1426,7 +1509,7 @@
       </p:grpSpPr>
       <p:sp>
         <p:nvSpPr>
-          <p:cNvPr id="2095250527" name="Slide Image Placeholder 1"/>
+          <p:cNvPr id="2" name="Slide Image Placeholder 1"/>
           <p:cNvSpPr>
             <a:spLocks noChangeAspect="1" noGrp="1" noRot="1"/>
           </p:cNvSpPr>
@@ -1438,7 +1521,7 @@
       </p:sp>
       <p:sp>
         <p:nvSpPr>
-          <p:cNvPr id="1686703010" name="Notes Placeholder 2"/>
+          <p:cNvPr id="3" name="Notes Placeholder 2"/>
           <p:cNvSpPr>
             <a:spLocks noGrp="1"/>
           </p:cNvSpPr>
@@ -1460,7 +1543,7 @@
       </p:sp>
       <p:sp>
         <p:nvSpPr>
-          <p:cNvPr id="2022628286" name="Slide Number Placeholder 3"/>
+          <p:cNvPr id="4" name="Slide Number Placeholder 3"/>
           <p:cNvSpPr>
             <a:spLocks noGrp="1"/>
           </p:cNvSpPr>
@@ -1476,7 +1559,7 @@
             <a:pPr>
               <a:defRPr/>
             </a:pPr>
-            <a:fld id="{9B8BEC51-9ADA-A4A7-84DB-90510DE221A8}" type="slidenum">
+            <a:fld id="{49571549-EDFC-52B1-0D71-4FFC28D9E90C}" type="slidenum">
               <a:rPr/>
               <a:t/>
             </a:fld>
@@ -1508,7 +1591,7 @@
       </p:grpSpPr>
       <p:sp>
         <p:nvSpPr>
-          <p:cNvPr id="2069466735" name="Slide Image Placeholder 1"/>
+          <p:cNvPr id="2095250527" name="Slide Image Placeholder 1"/>
           <p:cNvSpPr>
             <a:spLocks noChangeAspect="1" noGrp="1" noRot="1"/>
           </p:cNvSpPr>
@@ -1520,7 +1603,7 @@
       </p:sp>
       <p:sp>
         <p:nvSpPr>
-          <p:cNvPr id="1896394675" name="Notes Placeholder 2"/>
+          <p:cNvPr id="1686703010" name="Notes Placeholder 2"/>
           <p:cNvSpPr>
             <a:spLocks noGrp="1"/>
           </p:cNvSpPr>
@@ -1542,7 +1625,7 @@
       </p:sp>
       <p:sp>
         <p:nvSpPr>
-          <p:cNvPr id="660448590" name="Slide Number Placeholder 3"/>
+          <p:cNvPr id="2022628286" name="Slide Number Placeholder 3"/>
           <p:cNvSpPr>
             <a:spLocks noGrp="1"/>
           </p:cNvSpPr>
@@ -1558,7 +1641,7 @@
             <a:pPr>
               <a:defRPr/>
             </a:pPr>
-            <a:fld id="{8CA814E5-A6C2-CAD4-6A08-F36636FF8FA2}" type="slidenum">
+            <a:fld id="{9B8BEC51-9ADA-A4A7-84DB-90510DE221A8}" type="slidenum">
               <a:rPr/>
               <a:t/>
             </a:fld>
@@ -5052,7 +5135,7 @@
       </p:grpSpPr>
       <p:sp>
         <p:nvSpPr>
-          <p:cNvPr id="2" name="Title 1"/>
+          <p:cNvPr id="430137956" name="Title 1"/>
           <p:cNvSpPr>
             <a:spLocks noGrp="1"/>
           </p:cNvSpPr>
@@ -5069,16 +5152,23 @@
               <a:defRPr/>
             </a:pPr>
             <a:r>
-              <a:rPr lang="ru-RU"/>
-              <a:t>Декодирование</a:t>
-            </a:r>
-            <a:endParaRPr lang="ru-RU"/>
-          </a:p>
-        </p:txBody>
-      </p:sp>
-      <p:sp>
-        <p:nvSpPr>
-          <p:cNvPr id="8" name="Нижний колонтитул 7"/>
+              <a:rPr lang="ru-RU" sz="4400" b="0" i="0" u="none" strike="noStrike" cap="none" spc="0">
+                <a:solidFill>
+                  <a:schemeClr val="tx1"/>
+                </a:solidFill>
+                <a:latin typeface="Calibri"/>
+                <a:ea typeface="Arial"/>
+                <a:cs typeface="Arial"/>
+              </a:rPr>
+              <a:t>Обнаружение синхрогруппы</a:t>
+            </a:r>
+            <a:endParaRPr/>
+          </a:p>
+        </p:txBody>
+      </p:sp>
+      <p:sp>
+        <p:nvSpPr>
+          <p:cNvPr id="654102106" name="Footer Placeholder 4"/>
           <p:cNvSpPr>
             <a:spLocks noGrp="1"/>
           </p:cNvSpPr>
@@ -5095,8 +5185,12 @@
               <a:defRPr/>
             </a:pPr>
             <a:r>
-              <a:rPr lang="ru-RU"/>
-              <a:t>10/13</a:t>
+              <a:rPr lang="ru-RU">
+                <a:solidFill>
+                  <a:schemeClr val="tx1"/>
+                </a:solidFill>
+              </a:rPr>
+              <a:t>10/14</a:t>
             </a:r>
             <a:endParaRPr lang="ru-RU"/>
           </a:p>
@@ -5104,7 +5198,7 @@
       </p:sp>
       <p:pic>
         <p:nvPicPr>
-          <p:cNvPr id="782868091" name=""/>
+          <p:cNvPr id="670269446" name=""/>
           <p:cNvPicPr>
             <a:picLocks noChangeAspect="1"/>
           </p:cNvPicPr>
@@ -5116,87 +5210,454 @@
         </p:blipFill>
         <p:spPr bwMode="auto">
           <a:xfrm rot="0" flipH="0" flipV="0">
-            <a:off x="1291276" y="1417637"/>
-            <a:ext cx="1832923" cy="4938711"/>
+            <a:off x="1601787" y="1299498"/>
+            <a:ext cx="5940424" cy="3032091"/>
           </a:xfrm>
           <a:prstGeom prst="rect">
             <a:avLst/>
           </a:prstGeom>
         </p:spPr>
       </p:pic>
-      <p:sp>
-        <p:nvSpPr>
-          <p:cNvPr id="362016982" name="Содержимое 7"/>
-          <p:cNvSpPr>
-            <a:spLocks noGrp="1"/>
-          </p:cNvSpPr>
-          <p:nvPr>
-            <p:ph idx="1"/>
-          </p:nvPr>
-        </p:nvSpPr>
-        <p:spPr bwMode="auto">
-          <a:xfrm>
-            <a:off x="4283967" y="1600200"/>
-            <a:ext cx="4402831" cy="4525962"/>
-          </a:xfrm>
-        </p:spPr>
-        <p:txBody>
-          <a:bodyPr>
-            <a:normAutofit/>
-          </a:bodyPr>
-          <a:lstStyle/>
-          <a:p>
-            <a:pPr>
-              <a:defRPr/>
-            </a:pPr>
-            <a:r>
-              <a:rPr lang="ru-RU" sz="3600"/>
-              <a:t>Адрес источника</a:t>
-            </a:r>
-            <a:endParaRPr sz="3600"/>
-          </a:p>
-          <a:p>
-            <a:pPr>
-              <a:defRPr/>
-            </a:pPr>
-            <a:r>
-              <a:rPr lang="ru-RU" sz="3600"/>
-              <a:t>Адрес получателя</a:t>
-            </a:r>
-            <a:endParaRPr sz="3600"/>
-          </a:p>
-          <a:p>
-            <a:pPr>
-              <a:defRPr/>
-            </a:pPr>
-            <a:r>
-              <a:rPr lang="ru-RU" sz="3600"/>
-              <a:t>Тип слота</a:t>
-            </a:r>
-            <a:endParaRPr sz="3600"/>
-          </a:p>
-          <a:p>
-            <a:pPr>
-              <a:defRPr/>
-            </a:pPr>
-            <a:r>
-              <a:rPr lang="ru-RU" sz="3600"/>
-              <a:t>Цветовой код</a:t>
-            </a:r>
-            <a:endParaRPr sz="3600"/>
-          </a:p>
-          <a:p>
-            <a:pPr>
-              <a:defRPr/>
-            </a:pPr>
-            <a:r>
-              <a:rPr lang="ru-RU" sz="3600"/>
-              <a:t>…</a:t>
-            </a:r>
-            <a:endParaRPr/>
-          </a:p>
-        </p:txBody>
-      </p:sp>
+      <p:graphicFrame>
+        <p:nvGraphicFramePr>
+          <p:cNvPr id="1376524400" name=""/>
+          <p:cNvGraphicFramePr>
+            <a:graphicFrameLocks xmlns:a="http://schemas.openxmlformats.org/drawingml/2006/main"/>
+          </p:cNvGraphicFramePr>
+          <p:nvPr/>
+        </p:nvGraphicFramePr>
+        <p:xfrm>
+          <a:off x="1040604" y="4449728"/>
+          <a:ext cx="7062788" cy="1802127"/>
+        </p:xfrm>
+        <a:graphic>
+          <a:graphicData uri="http://schemas.openxmlformats.org/drawingml/2006/table">
+            <a:tbl>
+              <a:tblPr firstRow="1" firstCol="1" lastRow="0" lastCol="0" bandRow="1" bandCol="0">
+                <a:tableStyleId>{5C22544A-7EE6-4342-B048-85BDC9FD1C3A}</a:tableStyleId>
+              </a:tblPr>
+              <a:tblGrid>
+                <a:gridCol w="1760934"/>
+                <a:gridCol w="1760934"/>
+                <a:gridCol w="1760934"/>
+                <a:gridCol w="1760934"/>
+              </a:tblGrid>
+              <a:tr h="1371600">
+                <a:tc>
+                  <a:txBody>
+                    <a:bodyPr/>
+                    <a:p>
+                      <a:pPr indent="0" algn="ctr">
+                        <a:lnSpc>
+                          <a:spcPct val="150000"/>
+                        </a:lnSpc>
+                        <a:defRPr/>
+                      </a:pPr>
+                      <a:r>
+                        <a:rPr sz="1400" b="0">
+                          <a:solidFill>
+                            <a:schemeClr val="tx1"/>
+                          </a:solidFill>
+                        </a:rPr>
+                        <a:t>Метод обнаружения</a:t>
+                      </a:r>
+                      <a:endParaRPr sz="1400" b="0">
+                        <a:solidFill>
+                          <a:schemeClr val="tx1"/>
+                        </a:solidFill>
+                      </a:endParaRPr>
+                    </a:p>
+                  </a:txBody>
+                  <a:tcPr vert="horz">
+                    <a:lnL w="19049" algn="ctr">
+                      <a:solidFill>
+                        <a:srgbClr val="000000"/>
+                      </a:solidFill>
+                    </a:lnL>
+                    <a:lnR w="19049" algn="ctr">
+                      <a:solidFill>
+                        <a:srgbClr val="000000"/>
+                      </a:solidFill>
+                    </a:lnR>
+                    <a:lnT w="19049" algn="ctr">
+                      <a:solidFill>
+                        <a:srgbClr val="000000"/>
+                      </a:solidFill>
+                    </a:lnT>
+                    <a:lnB w="19049" algn="ctr">
+                      <a:solidFill>
+                        <a:srgbClr val="000000"/>
+                      </a:solidFill>
+                    </a:lnB>
+                    <a:solidFill>
+                      <a:schemeClr val="bg1"/>
+                    </a:solidFill>
+                  </a:tcPr>
+                </a:tc>
+                <a:tc>
+                  <a:txBody>
+                    <a:bodyPr/>
+                    <a:p>
+                      <a:pPr indent="0" algn="ctr">
+                        <a:lnSpc>
+                          <a:spcPct val="150000"/>
+                        </a:lnSpc>
+                        <a:defRPr/>
+                      </a:pPr>
+                      <a:r>
+                        <a:rPr sz="1400" b="0">
+                          <a:solidFill>
+                            <a:schemeClr val="tx1"/>
+                          </a:solidFill>
+                        </a:rPr>
+                        <a:t>По комплексным отсчетам</a:t>
+                      </a:r>
+                      <a:endParaRPr sz="1400" b="0">
+                        <a:solidFill>
+                          <a:schemeClr val="tx1"/>
+                        </a:solidFill>
+                      </a:endParaRPr>
+                    </a:p>
+                  </a:txBody>
+                  <a:tcPr vert="horz">
+                    <a:lnL w="19049" algn="ctr">
+                      <a:solidFill>
+                        <a:srgbClr val="000000"/>
+                      </a:solidFill>
+                    </a:lnL>
+                    <a:lnR w="19049" algn="ctr">
+                      <a:solidFill>
+                        <a:srgbClr val="000000"/>
+                      </a:solidFill>
+                    </a:lnR>
+                    <a:lnT w="19049" algn="ctr">
+                      <a:solidFill>
+                        <a:srgbClr val="000000"/>
+                      </a:solidFill>
+                    </a:lnT>
+                    <a:lnB w="19049" algn="ctr">
+                      <a:solidFill>
+                        <a:srgbClr val="000000"/>
+                      </a:solidFill>
+                    </a:lnB>
+                    <a:solidFill>
+                      <a:schemeClr val="bg1"/>
+                    </a:solidFill>
+                  </a:tcPr>
+                </a:tc>
+                <a:tc>
+                  <a:txBody>
+                    <a:bodyPr/>
+                    <a:p>
+                      <a:pPr indent="0" algn="ctr">
+                        <a:lnSpc>
+                          <a:spcPct val="150000"/>
+                        </a:lnSpc>
+                        <a:defRPr/>
+                      </a:pPr>
+                      <a:r>
+                        <a:rPr sz="1400" b="0">
+                          <a:solidFill>
+                            <a:schemeClr val="tx1"/>
+                          </a:solidFill>
+                        </a:rPr>
+                        <a:t>По демодулированным отсчетам частоты</a:t>
+                      </a:r>
+                      <a:endParaRPr sz="1400" b="0">
+                        <a:solidFill>
+                          <a:schemeClr val="tx1"/>
+                        </a:solidFill>
+                      </a:endParaRPr>
+                    </a:p>
+                  </a:txBody>
+                  <a:tcPr vert="horz">
+                    <a:lnL w="19049" algn="ctr">
+                      <a:solidFill>
+                        <a:srgbClr val="000000"/>
+                      </a:solidFill>
+                    </a:lnL>
+                    <a:lnR w="19049" algn="ctr">
+                      <a:solidFill>
+                        <a:srgbClr val="000000"/>
+                      </a:solidFill>
+                    </a:lnR>
+                    <a:lnT w="19049" algn="ctr">
+                      <a:solidFill>
+                        <a:srgbClr val="000000"/>
+                      </a:solidFill>
+                    </a:lnT>
+                    <a:lnB w="19049" algn="ctr">
+                      <a:solidFill>
+                        <a:srgbClr val="000000"/>
+                      </a:solidFill>
+                    </a:lnB>
+                    <a:solidFill>
+                      <a:schemeClr val="bg1"/>
+                    </a:solidFill>
+                  </a:tcPr>
+                </a:tc>
+                <a:tc>
+                  <a:txBody>
+                    <a:bodyPr/>
+                    <a:p>
+                      <a:pPr indent="0" algn="ctr">
+                        <a:lnSpc>
+                          <a:spcPct val="150000"/>
+                        </a:lnSpc>
+                        <a:defRPr/>
+                      </a:pPr>
+                      <a:r>
+                        <a:rPr sz="1400" b="0">
+                          <a:solidFill>
+                            <a:schemeClr val="tx1"/>
+                          </a:solidFill>
+                        </a:rPr>
+                        <a:t>По демодулированным символам</a:t>
+                      </a:r>
+                      <a:endParaRPr sz="1400" b="0">
+                        <a:solidFill>
+                          <a:schemeClr val="tx1"/>
+                        </a:solidFill>
+                      </a:endParaRPr>
+                    </a:p>
+                  </a:txBody>
+                  <a:tcPr vert="horz">
+                    <a:lnL w="19049" algn="ctr">
+                      <a:solidFill>
+                        <a:srgbClr val="000000"/>
+                      </a:solidFill>
+                    </a:lnL>
+                    <a:lnR w="19049" algn="ctr">
+                      <a:solidFill>
+                        <a:srgbClr val="000000"/>
+                      </a:solidFill>
+                    </a:lnR>
+                    <a:lnT w="19049" algn="ctr">
+                      <a:solidFill>
+                        <a:srgbClr val="000000"/>
+                      </a:solidFill>
+                    </a:lnT>
+                    <a:lnB w="19049" algn="ctr">
+                      <a:solidFill>
+                        <a:srgbClr val="000000"/>
+                      </a:solidFill>
+                    </a:lnB>
+                    <a:solidFill>
+                      <a:schemeClr val="bg1"/>
+                    </a:solidFill>
+                  </a:tcPr>
+                </a:tc>
+              </a:tr>
+              <a:tr h="411480">
+                <a:tc>
+                  <a:txBody>
+                    <a:bodyPr/>
+                    <a:p>
+                      <a:pPr indent="0" algn="ctr">
+                        <a:lnSpc>
+                          <a:spcPct val="150000"/>
+                        </a:lnSpc>
+                        <a:defRPr/>
+                      </a:pPr>
+                      <a:r>
+                        <a:rPr sz="1400" b="0">
+                          <a:solidFill>
+                            <a:schemeClr val="tx1"/>
+                          </a:solidFill>
+                        </a:rPr>
+                        <a:t>ОСШ, дБ</a:t>
+                      </a:r>
+                      <a:endParaRPr sz="1400" b="0">
+                        <a:solidFill>
+                          <a:schemeClr val="tx1"/>
+                        </a:solidFill>
+                      </a:endParaRPr>
+                    </a:p>
+                  </a:txBody>
+                  <a:tcPr vert="horz">
+                    <a:lnL w="19049" algn="ctr">
+                      <a:solidFill>
+                        <a:srgbClr val="000000"/>
+                      </a:solidFill>
+                    </a:lnL>
+                    <a:lnR w="19049" algn="ctr">
+                      <a:solidFill>
+                        <a:srgbClr val="000000"/>
+                      </a:solidFill>
+                    </a:lnR>
+                    <a:lnT w="19049" algn="ctr">
+                      <a:solidFill>
+                        <a:srgbClr val="000000"/>
+                      </a:solidFill>
+                    </a:lnT>
+                    <a:lnB w="19049" algn="ctr">
+                      <a:solidFill>
+                        <a:srgbClr val="000000"/>
+                      </a:solidFill>
+                    </a:lnB>
+                    <a:solidFill>
+                      <a:schemeClr val="bg1"/>
+                    </a:solidFill>
+                  </a:tcPr>
+                </a:tc>
+                <a:tc>
+                  <a:txBody>
+                    <a:bodyPr/>
+                    <a:p>
+                      <a:pPr indent="0" algn="ctr">
+                        <a:lnSpc>
+                          <a:spcPct val="150000"/>
+                        </a:lnSpc>
+                        <a:defRPr/>
+                      </a:pPr>
+                      <a:r>
+                        <a:rPr sz="1600" b="0">
+                          <a:solidFill>
+                            <a:schemeClr val="tx1"/>
+                          </a:solidFill>
+                        </a:rPr>
+                        <a:t>-8.6</a:t>
+                      </a:r>
+                      <a:endParaRPr sz="1400" b="0">
+                        <a:solidFill>
+                          <a:schemeClr val="tx1"/>
+                        </a:solidFill>
+                      </a:endParaRPr>
+                    </a:p>
+                  </a:txBody>
+                  <a:tcPr vert="horz">
+                    <a:lnL w="19049" algn="ctr">
+                      <a:solidFill>
+                        <a:srgbClr val="000000"/>
+                      </a:solidFill>
+                    </a:lnL>
+                    <a:lnR w="19049" algn="ctr">
+                      <a:solidFill>
+                        <a:srgbClr val="000000"/>
+                      </a:solidFill>
+                    </a:lnR>
+                    <a:lnT w="19049" algn="ctr">
+                      <a:solidFill>
+                        <a:srgbClr val="000000"/>
+                      </a:solidFill>
+                    </a:lnT>
+                    <a:lnB w="19049" algn="ctr">
+                      <a:solidFill>
+                        <a:srgbClr val="000000"/>
+                      </a:solidFill>
+                    </a:lnB>
+                    <a:solidFill>
+                      <a:schemeClr val="bg1"/>
+                    </a:solidFill>
+                  </a:tcPr>
+                </a:tc>
+                <a:tc>
+                  <a:txBody>
+                    <a:bodyPr/>
+                    <a:p>
+                      <a:pPr indent="0" algn="ctr">
+                        <a:lnSpc>
+                          <a:spcPct val="150000"/>
+                        </a:lnSpc>
+                        <a:defRPr/>
+                      </a:pPr>
+                      <a:r>
+                        <a:rPr sz="1600" b="0">
+                          <a:solidFill>
+                            <a:schemeClr val="tx1"/>
+                          </a:solidFill>
+                        </a:rPr>
+                        <a:t>-2.7</a:t>
+                      </a:r>
+                      <a:endParaRPr sz="1400" b="0">
+                        <a:solidFill>
+                          <a:schemeClr val="tx1"/>
+                        </a:solidFill>
+                      </a:endParaRPr>
+                    </a:p>
+                  </a:txBody>
+                  <a:tcPr vert="horz">
+                    <a:lnL w="19049" algn="ctr">
+                      <a:solidFill>
+                        <a:srgbClr val="000000"/>
+                      </a:solidFill>
+                    </a:lnL>
+                    <a:lnR w="19049" algn="ctr">
+                      <a:solidFill>
+                        <a:srgbClr val="000000"/>
+                      </a:solidFill>
+                    </a:lnR>
+                    <a:lnT w="19049" algn="ctr">
+                      <a:solidFill>
+                        <a:srgbClr val="000000"/>
+                      </a:solidFill>
+                    </a:lnT>
+                    <a:lnB w="19049" algn="ctr">
+                      <a:solidFill>
+                        <a:srgbClr val="000000"/>
+                      </a:solidFill>
+                    </a:lnB>
+                    <a:solidFill>
+                      <a:schemeClr val="bg1"/>
+                    </a:solidFill>
+                  </a:tcPr>
+                </a:tc>
+                <a:tc>
+                  <a:txBody>
+                    <a:bodyPr/>
+                    <a:p>
+                      <a:pPr indent="0" algn="ctr">
+                        <a:lnSpc>
+                          <a:spcPct val="150000"/>
+                        </a:lnSpc>
+                        <a:defRPr/>
+                      </a:pPr>
+                      <a:r>
+                        <a:rPr sz="1600" b="0">
+                          <a:solidFill>
+                            <a:schemeClr val="tx1"/>
+                          </a:solidFill>
+                        </a:rPr>
+                        <a:t>5.8</a:t>
+                      </a:r>
+                      <a:endParaRPr sz="1400" b="0">
+                        <a:solidFill>
+                          <a:schemeClr val="tx1"/>
+                        </a:solidFill>
+                      </a:endParaRPr>
+                    </a:p>
+                  </a:txBody>
+                  <a:tcPr vert="horz">
+                    <a:lnL w="19049" algn="ctr">
+                      <a:solidFill>
+                        <a:srgbClr val="000000"/>
+                      </a:solidFill>
+                    </a:lnL>
+                    <a:lnR w="19049" algn="ctr">
+                      <a:solidFill>
+                        <a:srgbClr val="000000"/>
+                      </a:solidFill>
+                    </a:lnR>
+                    <a:lnT w="19049" algn="ctr">
+                      <a:solidFill>
+                        <a:srgbClr val="000000"/>
+                      </a:solidFill>
+                    </a:lnT>
+                    <a:lnB w="19049" algn="ctr">
+                      <a:solidFill>
+                        <a:srgbClr val="000000"/>
+                      </a:solidFill>
+                    </a:lnB>
+                    <a:solidFill>
+                      <a:schemeClr val="bg1"/>
+                    </a:solidFill>
+                  </a:tcPr>
+                </a:tc>
+              </a:tr>
+            </a:tbl>
+          </a:graphicData>
+        </a:graphic>
+      </p:graphicFrame>
     </p:spTree>
   </p:cSld>
   <p:clrMapOvr>
@@ -5250,7 +5711,7 @@
             </a:pPr>
             <a:r>
               <a:rPr lang="ru-RU"/>
-              <a:t>Быстродействие</a:t>
+              <a:t>Декодирование</a:t>
             </a:r>
             <a:endParaRPr lang="ru-RU"/>
           </a:p>
@@ -5258,7 +5719,7 @@
       </p:sp>
       <p:sp>
         <p:nvSpPr>
-          <p:cNvPr id="5" name="Нижний колонтитул 4"/>
+          <p:cNvPr id="8" name="Нижний колонтитул 7"/>
           <p:cNvSpPr>
             <a:spLocks noGrp="1"/>
           </p:cNvSpPr>
@@ -5275,8 +5736,123 @@
               <a:defRPr/>
             </a:pPr>
             <a:r>
+              <a:rPr lang="ru-RU">
+                <a:solidFill>
+                  <a:schemeClr val="tx1"/>
+                </a:solidFill>
+              </a:rPr>
+              <a:t>11/14</a:t>
+            </a:r>
+            <a:endParaRPr lang="ru-RU"/>
+          </a:p>
+        </p:txBody>
+      </p:sp>
+      <p:pic>
+        <p:nvPicPr>
+          <p:cNvPr id="272131135" name=""/>
+          <p:cNvPicPr>
+            <a:picLocks noChangeAspect="1"/>
+          </p:cNvPicPr>
+          <p:nvPr/>
+        </p:nvPicPr>
+        <p:blipFill>
+          <a:blip r:embed="rId3"/>
+          <a:stretch/>
+        </p:blipFill>
+        <p:spPr bwMode="auto">
+          <a:xfrm flipH="0" flipV="0">
+            <a:off x="1036726" y="1068567"/>
+            <a:ext cx="7070545" cy="5231539"/>
+          </a:xfrm>
+          <a:prstGeom prst="rect">
+            <a:avLst/>
+          </a:prstGeom>
+        </p:spPr>
+      </p:pic>
+    </p:spTree>
+  </p:cSld>
+  <p:clrMapOvr>
+    <a:masterClrMapping/>
+  </p:clrMapOvr>
+  <mc:AlternateContent xmlns:mc="http://schemas.openxmlformats.org/markup-compatibility/2006">
+    <mc:Choice xmlns:p159="http://schemas.microsoft.com/office/powerpoint/2015/09/main" xmlns:p14="http://schemas.microsoft.com/office/powerpoint/2010/main" Requires="p159">
+      <p:transition p14:dur="2000" advClick="1"/>
+    </mc:Choice>
+    <mc:Fallback>
+      <p:transition advClick="1"/>
+    </mc:Fallback>
+  </mc:AlternateContent>
+</p:sld>
+</file>
+
+<file path=ppt/slides/slide12.xml><?xml version="1.0" encoding="utf-8"?>
+<p:sld xmlns:a="http://schemas.openxmlformats.org/drawingml/2006/main" xmlns:r="http://schemas.openxmlformats.org/officeDocument/2006/relationships" xmlns:p="http://schemas.openxmlformats.org/presentationml/2006/main" xmlns:m="http://schemas.openxmlformats.org/officeDocument/2006/math" xmlns:w="http://schemas.openxmlformats.org/wordprocessingml/2006/main" showMasterPhAnim="0" show="1">
+  <p:cSld name="">
+    <p:spTree>
+      <p:nvGrpSpPr>
+        <p:cNvPr id="1" name=""/>
+        <p:cNvGrpSpPr/>
+        <p:nvPr/>
+      </p:nvGrpSpPr>
+      <p:grpSpPr bwMode="auto">
+        <a:xfrm>
+          <a:off x="0" y="0"/>
+          <a:ext cx="0" cy="0"/>
+          <a:chOff x="0" y="0"/>
+          <a:chExt cx="0" cy="0"/>
+        </a:xfrm>
+      </p:grpSpPr>
+      <p:sp>
+        <p:nvSpPr>
+          <p:cNvPr id="2" name="Title 1"/>
+          <p:cNvSpPr>
+            <a:spLocks noGrp="1"/>
+          </p:cNvSpPr>
+          <p:nvPr>
+            <p:ph type="title"/>
+          </p:nvPr>
+        </p:nvSpPr>
+        <p:spPr bwMode="auto"/>
+        <p:txBody>
+          <a:bodyPr/>
+          <a:lstStyle/>
+          <a:p>
+            <a:pPr algn="l">
+              <a:defRPr/>
+            </a:pPr>
+            <a:r>
               <a:rPr lang="ru-RU"/>
-              <a:t>11/13</a:t>
+              <a:t>Быстродействие</a:t>
+            </a:r>
+            <a:endParaRPr lang="ru-RU"/>
+          </a:p>
+        </p:txBody>
+      </p:sp>
+      <p:sp>
+        <p:nvSpPr>
+          <p:cNvPr id="5" name="Нижний колонтитул 4"/>
+          <p:cNvSpPr>
+            <a:spLocks noGrp="1"/>
+          </p:cNvSpPr>
+          <p:nvPr>
+            <p:ph type="ftr" sz="quarter" idx="11"/>
+          </p:nvPr>
+        </p:nvSpPr>
+        <p:spPr bwMode="auto"/>
+        <p:txBody>
+          <a:bodyPr/>
+          <a:lstStyle/>
+          <a:p>
+            <a:pPr>
+              <a:defRPr/>
+            </a:pPr>
+            <a:r>
+              <a:rPr lang="ru-RU">
+                <a:solidFill>
+                  <a:schemeClr val="tx1"/>
+                </a:solidFill>
+              </a:rPr>
+              <a:t>12/14</a:t>
             </a:r>
             <a:endParaRPr lang="ru-RU"/>
           </a:p>
@@ -5902,7 +6478,7 @@
                   <a:txBody>
                     <a:bodyPr/>
                     <a:p>
-                      <a:pPr>
+                      <a:pPr algn="ctr">
                         <a:defRPr/>
                       </a:pPr>
                       <a:r>
@@ -6327,262 +6903,6 @@
 </p:sld>
 </file>
 
-<file path=ppt/slides/slide12.xml><?xml version="1.0" encoding="utf-8"?>
-<p:sld xmlns:a="http://schemas.openxmlformats.org/drawingml/2006/main" xmlns:r="http://schemas.openxmlformats.org/officeDocument/2006/relationships" xmlns:p="http://schemas.openxmlformats.org/presentationml/2006/main" xmlns:m="http://schemas.openxmlformats.org/officeDocument/2006/math" xmlns:w="http://schemas.openxmlformats.org/wordprocessingml/2006/main" showMasterPhAnim="0" show="1">
-  <p:cSld name="">
-    <p:spTree>
-      <p:nvGrpSpPr>
-        <p:cNvPr id="1" name=""/>
-        <p:cNvGrpSpPr/>
-        <p:nvPr/>
-      </p:nvGrpSpPr>
-      <p:grpSpPr bwMode="auto">
-        <a:xfrm>
-          <a:off x="0" y="0"/>
-          <a:ext cx="0" cy="0"/>
-          <a:chOff x="0" y="0"/>
-          <a:chExt cx="0" cy="0"/>
-        </a:xfrm>
-      </p:grpSpPr>
-      <p:sp>
-        <p:nvSpPr>
-          <p:cNvPr id="2" name="Title 1"/>
-          <p:cNvSpPr>
-            <a:spLocks noGrp="1"/>
-          </p:cNvSpPr>
-          <p:nvPr>
-            <p:ph type="title"/>
-          </p:nvPr>
-        </p:nvSpPr>
-        <p:spPr bwMode="auto"/>
-        <p:txBody>
-          <a:bodyPr/>
-          <a:lstStyle/>
-          <a:p>
-            <a:pPr algn="l">
-              <a:defRPr/>
-            </a:pPr>
-            <a:r>
-              <a:rPr lang="ru-RU"/>
-              <a:t>Заключение</a:t>
-            </a:r>
-            <a:endParaRPr lang="ru-RU"/>
-          </a:p>
-        </p:txBody>
-      </p:sp>
-      <p:sp>
-        <p:nvSpPr>
-          <p:cNvPr id="3" name="Content Placeholder 2"/>
-          <p:cNvSpPr>
-            <a:spLocks noGrp="1"/>
-          </p:cNvSpPr>
-          <p:nvPr>
-            <p:ph idx="1"/>
-          </p:nvPr>
-        </p:nvSpPr>
-        <p:spPr bwMode="auto">
-          <a:xfrm>
-            <a:off x="457200" y="1417637"/>
-            <a:ext cx="8229600" cy="4525962"/>
-          </a:xfrm>
-        </p:spPr>
-        <p:txBody>
-          <a:bodyPr vertOverflow="overflow" horzOverflow="overflow" vert="horz" wrap="square" lIns="91440" tIns="45720" rIns="91440" bIns="45720" numCol="1" spcCol="0" rtlCol="0" fromWordArt="0" anchor="t" anchorCtr="0" forceAA="0" upright="0" compatLnSpc="0">
-            <a:normAutofit fontScale="95000" lnSpcReduction="1000"/>
-          </a:bodyPr>
-          <a:lstStyle/>
-          <a:p>
-            <a:pPr algn="just">
-              <a:buNone/>
-              <a:defRPr/>
-            </a:pPr>
-            <a:r>
-              <a:rPr lang="ru-RU"/>
-              <a:t>		В результате выполнения выпускной квалификационной работы был реализован программный модуль обработки сигнала стандарта DMR. </a:t>
-            </a:r>
-            <a:endParaRPr/>
-          </a:p>
-          <a:p>
-            <a:pPr marL="0" indent="0" algn="just">
-              <a:buFont typeface="Arial"/>
-              <a:buNone/>
-              <a:defRPr/>
-            </a:pPr>
-            <a:r>
-              <a:rPr lang="ru-RU"/>
-              <a:t>	Так же были решены следующие задачи:</a:t>
-            </a:r>
-            <a:endParaRPr lang="ru-RU" sz="2400" b="0" i="0" u="none" strike="noStrike" cap="none" spc="0">
-              <a:solidFill>
-                <a:schemeClr val="tx1"/>
-              </a:solidFill>
-              <a:latin typeface="Times New Roman"/>
-              <a:cs typeface="Times New Roman"/>
-            </a:endParaRPr>
-          </a:p>
-          <a:p>
-            <a:pPr lvl="1" algn="just">
-              <a:defRPr/>
-            </a:pPr>
-            <a:r>
-              <a:rPr lang="ru-RU" sz="2000" b="0" i="0" u="none" strike="noStrike" cap="none" spc="0">
-                <a:solidFill>
-                  <a:schemeClr val="tx1"/>
-                </a:solidFill>
-                <a:latin typeface="Calibri"/>
-                <a:ea typeface="Arial"/>
-                <a:cs typeface="Arial"/>
-              </a:rPr>
-              <a:t>изучение стандарта</a:t>
-            </a:r>
-            <a:r>
-              <a:rPr lang="en-US" sz="2000" b="0" i="0" u="none" strike="noStrike" cap="none" spc="0">
-                <a:solidFill>
-                  <a:schemeClr val="tx1"/>
-                </a:solidFill>
-                <a:latin typeface="Calibri"/>
-                <a:ea typeface="Arial"/>
-                <a:cs typeface="Arial"/>
-              </a:rPr>
-              <a:t> DMR Air Interface protocol;</a:t>
-            </a:r>
-            <a:endParaRPr sz="2400"/>
-          </a:p>
-          <a:p>
-            <a:pPr lvl="1" algn="just">
-              <a:defRPr/>
-            </a:pPr>
-            <a:r>
-              <a:rPr lang="ru-RU" sz="2000" b="0" i="0" u="none" strike="noStrike" cap="none" spc="0">
-                <a:solidFill>
-                  <a:schemeClr val="tx1"/>
-                </a:solidFill>
-                <a:latin typeface="+mn-lt"/>
-                <a:ea typeface="+mn-ea"/>
-                <a:cs typeface="+mn-cs"/>
-              </a:rPr>
-              <a:t>изучение формирования сигнала физического уровня;</a:t>
-            </a:r>
-            <a:endParaRPr sz="2400"/>
-          </a:p>
-          <a:p>
-            <a:pPr lvl="1" algn="just">
-              <a:defRPr/>
-            </a:pPr>
-            <a:r>
-              <a:rPr lang="ru-RU" sz="2000" b="0" i="0" u="none" strike="noStrike" cap="none" spc="0">
-                <a:solidFill>
-                  <a:schemeClr val="tx1"/>
-                </a:solidFill>
-                <a:latin typeface="+mn-lt"/>
-                <a:ea typeface="+mn-ea"/>
-                <a:cs typeface="+mn-cs"/>
-              </a:rPr>
-              <a:t>разработка алгоритма обработки сигнала;</a:t>
-            </a:r>
-            <a:endParaRPr sz="2400"/>
-          </a:p>
-          <a:p>
-            <a:pPr lvl="1" algn="just">
-              <a:defRPr/>
-            </a:pPr>
-            <a:r>
-              <a:rPr lang="ru-RU" sz="2000" b="0" i="0" u="none" strike="noStrike" cap="none" spc="0">
-                <a:solidFill>
-                  <a:schemeClr val="tx1"/>
-                </a:solidFill>
-                <a:latin typeface="+mn-lt"/>
-                <a:ea typeface="+mn-ea"/>
-                <a:cs typeface="+mn-cs"/>
-              </a:rPr>
-              <a:t>разработка алгоритмов демодуляции, обнаружения и декодирования;</a:t>
-            </a:r>
-            <a:endParaRPr sz="2400"/>
-          </a:p>
-          <a:p>
-            <a:pPr lvl="1" algn="just">
-              <a:defRPr/>
-            </a:pPr>
-            <a:r>
-              <a:rPr lang="ru-RU" sz="2000" b="0" i="0" u="none" strike="noStrike" cap="none" spc="0">
-                <a:solidFill>
-                  <a:schemeClr val="tx1"/>
-                </a:solidFill>
-                <a:latin typeface="+mn-lt"/>
-                <a:ea typeface="+mn-ea"/>
-                <a:cs typeface="+mn-cs"/>
-              </a:rPr>
-              <a:t>реализация алгоритмов на языке программирования С++;</a:t>
-            </a:r>
-            <a:endParaRPr lang="ru-RU" sz="2000" b="0" i="0" u="none" strike="noStrike" cap="none" spc="0">
-              <a:solidFill>
-                <a:schemeClr val="tx1"/>
-              </a:solidFill>
-              <a:latin typeface="Times New Roman"/>
-              <a:cs typeface="Times New Roman"/>
-            </a:endParaRPr>
-          </a:p>
-          <a:p>
-            <a:pPr lvl="1" algn="just">
-              <a:defRPr/>
-            </a:pPr>
-            <a:r>
-              <a:rPr lang="ru-RU" sz="2000" b="0" i="0" u="none" strike="noStrike" cap="none" spc="0">
-                <a:solidFill>
-                  <a:schemeClr val="tx1"/>
-                </a:solidFill>
-                <a:latin typeface="Calibri"/>
-                <a:ea typeface="Arial"/>
-                <a:cs typeface="Arial"/>
-              </a:rPr>
-              <a:t>верификация и тестирование ПО.</a:t>
-            </a:r>
-            <a:endParaRPr sz="2400"/>
-          </a:p>
-        </p:txBody>
-      </p:sp>
-      <p:sp>
-        <p:nvSpPr>
-          <p:cNvPr id="5" name="Нижний колонтитул 4"/>
-          <p:cNvSpPr>
-            <a:spLocks noGrp="1"/>
-          </p:cNvSpPr>
-          <p:nvPr>
-            <p:ph type="ftr" sz="quarter" idx="11"/>
-          </p:nvPr>
-        </p:nvSpPr>
-        <p:spPr bwMode="auto"/>
-        <p:txBody>
-          <a:bodyPr/>
-          <a:lstStyle/>
-          <a:p>
-            <a:pPr>
-              <a:defRPr/>
-            </a:pPr>
-            <a:r>
-              <a:rPr lang="ru-RU"/>
-              <a:t>12/13</a:t>
-            </a:r>
-            <a:endParaRPr lang="ru-RU"/>
-          </a:p>
-        </p:txBody>
-      </p:sp>
-    </p:spTree>
-  </p:cSld>
-  <p:clrMapOvr>
-    <a:masterClrMapping/>
-  </p:clrMapOvr>
-  <mc:AlternateContent xmlns:mc="http://schemas.openxmlformats.org/markup-compatibility/2006">
-    <mc:Choice xmlns:p159="http://schemas.microsoft.com/office/powerpoint/2015/09/main" xmlns:p14="http://schemas.microsoft.com/office/powerpoint/2010/main" Requires="p159">
-      <p:transition p14:dur="2000" advClick="1"/>
-    </mc:Choice>
-    <mc:Fallback>
-      <p:transition advClick="1"/>
-    </mc:Fallback>
-  </mc:AlternateContent>
-</p:sld>
-</file>
-
 <file path=ppt/slides/slide13.xml><?xml version="1.0" encoding="utf-8"?>
 <p:sld xmlns:a="http://schemas.openxmlformats.org/drawingml/2006/main" xmlns:r="http://schemas.openxmlformats.org/officeDocument/2006/relationships" xmlns:p="http://schemas.openxmlformats.org/presentationml/2006/main" xmlns:m="http://schemas.openxmlformats.org/officeDocument/2006/math" xmlns:w="http://schemas.openxmlformats.org/wordprocessingml/2006/main" showMasterPhAnim="0" show="1">
   <p:cSld name="">
@@ -6602,7 +6922,7 @@
       </p:grpSpPr>
       <p:sp>
         <p:nvSpPr>
-          <p:cNvPr id="1956781512" name="Title 1"/>
+          <p:cNvPr id="2" name="Title 1"/>
           <p:cNvSpPr>
             <a:spLocks noGrp="1"/>
           </p:cNvSpPr>
@@ -6615,6 +6935,254 @@
           <a:bodyPr/>
           <a:lstStyle/>
           <a:p>
+            <a:pPr algn="l">
+              <a:defRPr/>
+            </a:pPr>
+            <a:r>
+              <a:rPr lang="ru-RU"/>
+              <a:t>Заключение</a:t>
+            </a:r>
+            <a:endParaRPr lang="ru-RU"/>
+          </a:p>
+        </p:txBody>
+      </p:sp>
+      <p:sp>
+        <p:nvSpPr>
+          <p:cNvPr id="3" name="Content Placeholder 2"/>
+          <p:cNvSpPr>
+            <a:spLocks noGrp="1"/>
+          </p:cNvSpPr>
+          <p:nvPr>
+            <p:ph idx="1"/>
+          </p:nvPr>
+        </p:nvSpPr>
+        <p:spPr bwMode="auto">
+          <a:xfrm>
+            <a:off x="457200" y="1417637"/>
+            <a:ext cx="8229600" cy="4525962"/>
+          </a:xfrm>
+        </p:spPr>
+        <p:txBody>
+          <a:bodyPr vertOverflow="overflow" horzOverflow="overflow" vert="horz" wrap="square" lIns="91440" tIns="45720" rIns="91440" bIns="45720" numCol="1" spcCol="0" rtlCol="0" fromWordArt="0" anchor="t" anchorCtr="0" forceAA="0" upright="0" compatLnSpc="0">
+            <a:normAutofit/>
+          </a:bodyPr>
+          <a:lstStyle/>
+          <a:p>
+            <a:pPr algn="just">
+              <a:buNone/>
+              <a:defRPr/>
+            </a:pPr>
+            <a:r>
+              <a:rPr lang="ru-RU"/>
+              <a:t>		В результате выполнения выпускной квалификационной работы был реализован программный модуль обработки сигнала стандарта DMR. </a:t>
+            </a:r>
+            <a:endParaRPr/>
+          </a:p>
+          <a:p>
+            <a:pPr marL="0" indent="0" algn="just">
+              <a:buFont typeface="Arial"/>
+              <a:buNone/>
+              <a:defRPr/>
+            </a:pPr>
+            <a:r>
+              <a:rPr lang="ru-RU"/>
+              <a:t>	Так же были решены следующие задачи:</a:t>
+            </a:r>
+            <a:endParaRPr lang="ru-RU" sz="2400" b="0" i="0" u="none" strike="noStrike" cap="none" spc="0">
+              <a:solidFill>
+                <a:schemeClr val="tx1"/>
+              </a:solidFill>
+              <a:latin typeface="Times New Roman"/>
+              <a:cs typeface="Times New Roman"/>
+            </a:endParaRPr>
+          </a:p>
+          <a:p>
+            <a:pPr lvl="1" algn="just">
+              <a:defRPr/>
+            </a:pPr>
+            <a:r>
+              <a:rPr lang="ru-RU" sz="2000" b="0" i="0" u="none" strike="noStrike" cap="none" spc="0">
+                <a:solidFill>
+                  <a:schemeClr val="tx1"/>
+                </a:solidFill>
+                <a:latin typeface="Calibri"/>
+                <a:ea typeface="Arial"/>
+                <a:cs typeface="Arial"/>
+              </a:rPr>
+              <a:t>изучение стандарта</a:t>
+            </a:r>
+            <a:r>
+              <a:rPr lang="en-US" sz="2000" b="0" i="0" u="none" strike="noStrike" cap="none" spc="0">
+                <a:solidFill>
+                  <a:schemeClr val="tx1"/>
+                </a:solidFill>
+                <a:latin typeface="Calibri"/>
+                <a:ea typeface="Arial"/>
+                <a:cs typeface="Arial"/>
+              </a:rPr>
+              <a:t> DMR Air Interface protocol;</a:t>
+            </a:r>
+            <a:endParaRPr sz="2400"/>
+          </a:p>
+          <a:p>
+            <a:pPr lvl="1" algn="just">
+              <a:defRPr/>
+            </a:pPr>
+            <a:r>
+              <a:rPr lang="ru-RU" sz="2000" b="0" i="0" u="none" strike="noStrike" cap="none" spc="0">
+                <a:solidFill>
+                  <a:schemeClr val="tx1"/>
+                </a:solidFill>
+                <a:latin typeface="+mn-lt"/>
+                <a:ea typeface="+mn-ea"/>
+                <a:cs typeface="+mn-cs"/>
+              </a:rPr>
+              <a:t>изучение формирования сигнала физического уровня;</a:t>
+            </a:r>
+            <a:endParaRPr sz="2400"/>
+          </a:p>
+          <a:p>
+            <a:pPr lvl="1" algn="just">
+              <a:defRPr/>
+            </a:pPr>
+            <a:r>
+              <a:rPr lang="ru-RU" sz="2000" b="0" i="0" u="none" strike="noStrike" cap="none" spc="0">
+                <a:solidFill>
+                  <a:schemeClr val="tx1"/>
+                </a:solidFill>
+                <a:latin typeface="+mn-lt"/>
+                <a:ea typeface="+mn-ea"/>
+                <a:cs typeface="+mn-cs"/>
+              </a:rPr>
+              <a:t>разработка алгоритма обработки сигнала;</a:t>
+            </a:r>
+            <a:endParaRPr sz="2400"/>
+          </a:p>
+          <a:p>
+            <a:pPr lvl="1" algn="just">
+              <a:defRPr/>
+            </a:pPr>
+            <a:r>
+              <a:rPr lang="ru-RU" sz="2000" b="0" i="0" u="none" strike="noStrike" cap="none" spc="0">
+                <a:solidFill>
+                  <a:schemeClr val="tx1"/>
+                </a:solidFill>
+                <a:latin typeface="+mn-lt"/>
+                <a:ea typeface="+mn-ea"/>
+                <a:cs typeface="+mn-cs"/>
+              </a:rPr>
+              <a:t>реализация алгоритмов на языке программирования С++;</a:t>
+            </a:r>
+            <a:endParaRPr lang="ru-RU" sz="2000" b="0" i="0" u="none" strike="noStrike" cap="none" spc="0">
+              <a:solidFill>
+                <a:schemeClr val="tx1"/>
+              </a:solidFill>
+              <a:latin typeface="Times New Roman"/>
+              <a:cs typeface="Times New Roman"/>
+            </a:endParaRPr>
+          </a:p>
+          <a:p>
+            <a:pPr lvl="1" algn="just">
+              <a:defRPr/>
+            </a:pPr>
+            <a:r>
+              <a:rPr lang="ru-RU" sz="2000" b="0" i="0" u="none" strike="noStrike" cap="none" spc="0">
+                <a:solidFill>
+                  <a:schemeClr val="tx1"/>
+                </a:solidFill>
+                <a:latin typeface="Calibri"/>
+                <a:ea typeface="Arial"/>
+                <a:cs typeface="Arial"/>
+              </a:rPr>
+              <a:t>верификация и тестирование ПО.</a:t>
+            </a:r>
+            <a:endParaRPr sz="2400"/>
+          </a:p>
+        </p:txBody>
+      </p:sp>
+      <p:sp>
+        <p:nvSpPr>
+          <p:cNvPr id="5" name="Нижний колонтитул 4"/>
+          <p:cNvSpPr>
+            <a:spLocks noGrp="1"/>
+          </p:cNvSpPr>
+          <p:nvPr>
+            <p:ph type="ftr" sz="quarter" idx="11"/>
+          </p:nvPr>
+        </p:nvSpPr>
+        <p:spPr bwMode="auto"/>
+        <p:txBody>
+          <a:bodyPr/>
+          <a:lstStyle/>
+          <a:p>
+            <a:pPr>
+              <a:defRPr/>
+            </a:pPr>
+            <a:r>
+              <a:rPr lang="ru-RU">
+                <a:solidFill>
+                  <a:schemeClr val="tx1"/>
+                </a:solidFill>
+              </a:rPr>
+              <a:t>13/14</a:t>
+            </a:r>
+            <a:endParaRPr lang="ru-RU"/>
+          </a:p>
+        </p:txBody>
+      </p:sp>
+    </p:spTree>
+  </p:cSld>
+  <p:clrMapOvr>
+    <a:masterClrMapping/>
+  </p:clrMapOvr>
+  <mc:AlternateContent xmlns:mc="http://schemas.openxmlformats.org/markup-compatibility/2006">
+    <mc:Choice xmlns:p159="http://schemas.microsoft.com/office/powerpoint/2015/09/main" xmlns:p14="http://schemas.microsoft.com/office/powerpoint/2010/main" Requires="p159">
+      <p:transition p14:dur="2000" advClick="1"/>
+    </mc:Choice>
+    <mc:Fallback>
+      <p:transition advClick="1"/>
+    </mc:Fallback>
+  </mc:AlternateContent>
+</p:sld>
+</file>
+
+<file path=ppt/slides/slide14.xml><?xml version="1.0" encoding="utf-8"?>
+<p:sld xmlns:a="http://schemas.openxmlformats.org/drawingml/2006/main" xmlns:r="http://schemas.openxmlformats.org/officeDocument/2006/relationships" xmlns:p="http://schemas.openxmlformats.org/presentationml/2006/main" xmlns:m="http://schemas.openxmlformats.org/officeDocument/2006/math" xmlns:w="http://schemas.openxmlformats.org/wordprocessingml/2006/main" showMasterPhAnim="0" show="1">
+  <p:cSld name="">
+    <p:spTree>
+      <p:nvGrpSpPr>
+        <p:cNvPr id="1" name=""/>
+        <p:cNvGrpSpPr/>
+        <p:nvPr/>
+      </p:nvGrpSpPr>
+      <p:grpSpPr bwMode="auto">
+        <a:xfrm>
+          <a:off x="0" y="0"/>
+          <a:ext cx="0" cy="0"/>
+          <a:chOff x="0" y="0"/>
+          <a:chExt cx="0" cy="0"/>
+        </a:xfrm>
+      </p:grpSpPr>
+      <p:sp>
+        <p:nvSpPr>
+          <p:cNvPr id="1956781512" name="Title 1"/>
+          <p:cNvSpPr>
+            <a:spLocks noGrp="1"/>
+          </p:cNvSpPr>
+          <p:nvPr>
+            <p:ph type="title"/>
+          </p:nvPr>
+        </p:nvSpPr>
+        <p:spPr bwMode="auto">
+          <a:xfrm>
+            <a:off x="457200" y="2795587"/>
+            <a:ext cx="8229600" cy="1143000"/>
+          </a:xfrm>
+        </p:spPr>
+        <p:txBody>
+          <a:bodyPr/>
+          <a:lstStyle/>
+          <a:p>
             <a:pPr>
               <a:defRPr/>
             </a:pPr>
@@ -6645,42 +7213,14 @@
               <a:defRPr/>
             </a:pPr>
             <a:r>
-              <a:rPr lang="ru-RU"/>
-              <a:t>13/13</a:t>
+              <a:rPr lang="ru-RU">
+                <a:solidFill>
+                  <a:schemeClr val="tx1"/>
+                </a:solidFill>
+              </a:rPr>
+              <a:t>14/14</a:t>
             </a:r>
             <a:endParaRPr lang="ru-RU"/>
-          </a:p>
-        </p:txBody>
-      </p:sp>
-      <p:sp>
-        <p:nvSpPr>
-          <p:cNvPr id="102932096" name=""/>
-          <p:cNvSpPr txBox="1"/>
-          <p:nvPr/>
-        </p:nvSpPr>
-        <p:spPr bwMode="auto">
-          <a:xfrm flipH="0" flipV="0">
-            <a:off x="3446600" y="3337751"/>
-            <a:ext cx="2250798" cy="366119"/>
-          </a:xfrm>
-          <a:prstGeom prst="rect">
-            <a:avLst/>
-          </a:prstGeom>
-          <a:noFill/>
-        </p:spPr>
-        <p:txBody>
-          <a:bodyPr vertOverflow="overflow" horzOverflow="overflow" vert="horz" wrap="none" lIns="91440" tIns="45720" rIns="91440" bIns="45720" numCol="1" spcCol="0" rtlCol="0" fromWordArt="0" anchor="t" anchorCtr="0" forceAA="0" upright="0" compatLnSpc="0">
-            <a:spAutoFit/>
-          </a:bodyPr>
-          <a:p>
-            <a:pPr>
-              <a:defRPr/>
-            </a:pPr>
-            <a:r>
-              <a:rPr/>
-              <a:t>Фото с пеленгатором</a:t>
-            </a:r>
-            <a:endParaRPr/>
           </a:p>
         </p:txBody>
       </p:sp>
@@ -6762,8 +7302,12 @@
               <a:defRPr/>
             </a:pPr>
             <a:r>
-              <a:rPr lang="ru-RU"/>
-              <a:t>2/13</a:t>
+              <a:rPr lang="ru-RU">
+                <a:solidFill>
+                  <a:schemeClr val="tx1"/>
+                </a:solidFill>
+              </a:rPr>
+              <a:t>2/14</a:t>
             </a:r>
             <a:endParaRPr lang="ru-RU"/>
           </a:p>
@@ -7461,7 +8005,7 @@
         <p:spPr bwMode="auto">
           <a:xfrm rot="16199969" flipH="0" flipV="0">
             <a:off x="2672629" y="3260384"/>
-            <a:ext cx="659365" cy="2200990"/>
+            <a:ext cx="659364" cy="2200990"/>
           </a:xfrm>
           <a:prstGeom prst="bentConnector3">
             <a:avLst>
@@ -7505,7 +8049,7 @@
         <p:spPr bwMode="auto">
           <a:xfrm rot="16199969" flipH="1" flipV="0">
             <a:off x="5819305" y="3260384"/>
-            <a:ext cx="659365" cy="2200989"/>
+            <a:ext cx="659364" cy="2200989"/>
           </a:xfrm>
           <a:prstGeom prst="bentConnector3">
             <a:avLst>
@@ -7549,9 +8093,9 @@
           <p:nvPr/>
         </p:nvCxnSpPr>
         <p:spPr bwMode="auto">
-          <a:xfrm rot="5399978" flipH="0" flipV="1">
+          <a:xfrm rot="5399977" flipH="0" flipV="1">
             <a:off x="4248000" y="4362498"/>
-            <a:ext cx="659365" cy="0"/>
+            <a:ext cx="659364" cy="0"/>
           </a:xfrm>
           <a:prstGeom prst="line">
             <a:avLst/>
@@ -7690,7 +8234,7 @@
         <p:spPr bwMode="auto"/>
         <p:txBody>
           <a:bodyPr vertOverflow="overflow" horzOverflow="overflow" vert="horz" wrap="square" lIns="91440" tIns="45720" rIns="91440" bIns="45720" numCol="1" spcCol="0" rtlCol="0" fromWordArt="0" anchor="t" anchorCtr="0" forceAA="0" upright="0" compatLnSpc="0">
-            <a:normAutofit fontScale="90000" lnSpcReduction="2000"/>
+            <a:normAutofit/>
           </a:bodyPr>
           <a:lstStyle/>
           <a:p>
@@ -7713,7 +8257,7 @@
             </a:pPr>
             <a:r>
               <a:rPr lang="ru-RU"/>
-              <a:t>изучение принципа формирования сигнала физического уровня;</a:t>
+              <a:t>изучение принципов формирования сигнала физического уровня;</a:t>
             </a:r>
             <a:endParaRPr/>
           </a:p>
@@ -7733,17 +8277,7 @@
             </a:pPr>
             <a:r>
               <a:rPr lang="ru-RU"/>
-              <a:t>разработка алгоритмов демодуляции, обнаружения и декодирования;</a:t>
-            </a:r>
-            <a:endParaRPr lang="ru-RU"/>
-          </a:p>
-          <a:p>
-            <a:pPr algn="just">
-              <a:defRPr/>
-            </a:pPr>
-            <a:r>
-              <a:rPr lang="ru-RU"/>
-              <a:t>реализация алгоритмов на языке программирования С++;</a:t>
+              <a:t>реализация алгоритма на языке программирования С++;</a:t>
             </a:r>
             <a:endParaRPr/>
           </a:p>
@@ -7784,8 +8318,12 @@
               <a:defRPr/>
             </a:pPr>
             <a:r>
-              <a:rPr lang="ru-RU"/>
-              <a:t>3/13</a:t>
+              <a:rPr lang="ru-RU">
+                <a:solidFill>
+                  <a:schemeClr val="tx1"/>
+                </a:solidFill>
+              </a:rPr>
+              <a:t>3/14</a:t>
             </a:r>
             <a:endParaRPr lang="ru-RU"/>
           </a:p>
@@ -7869,8 +8407,12 @@
               <a:defRPr/>
             </a:pPr>
             <a:r>
-              <a:rPr lang="ru-RU"/>
-              <a:t>4/13</a:t>
+              <a:rPr lang="ru-RU">
+                <a:solidFill>
+                  <a:schemeClr val="tx1"/>
+                </a:solidFill>
+              </a:rPr>
+              <a:t>4/14</a:t>
             </a:r>
             <a:endParaRPr lang="ru-RU"/>
           </a:p>
@@ -7878,7 +8420,7 @@
       </p:sp>
       <p:pic>
         <p:nvPicPr>
-          <p:cNvPr id="169593470" name=""/>
+          <p:cNvPr id="1452655064" name=""/>
           <p:cNvPicPr>
             <a:picLocks noChangeAspect="1"/>
           </p:cNvPicPr>
@@ -7889,31 +8431,9 @@
           <a:stretch/>
         </p:blipFill>
         <p:spPr bwMode="auto">
-          <a:xfrm rot="0" flipH="0" flipV="0">
-            <a:off x="612848" y="1417637"/>
-            <a:ext cx="2197768" cy="4631013"/>
-          </a:xfrm>
-          <a:prstGeom prst="rect">
-            <a:avLst/>
-          </a:prstGeom>
-        </p:spPr>
-      </p:pic>
-      <p:pic>
-        <p:nvPicPr>
-          <p:cNvPr id="1594855487" name=""/>
-          <p:cNvPicPr>
-            <a:picLocks noChangeAspect="1"/>
-          </p:cNvPicPr>
-          <p:nvPr/>
-        </p:nvPicPr>
-        <p:blipFill>
-          <a:blip r:embed="rId4"/>
-          <a:stretch/>
-        </p:blipFill>
-        <p:spPr bwMode="auto">
-          <a:xfrm rot="0" flipH="0" flipV="0">
-            <a:off x="2943524" y="1870804"/>
-            <a:ext cx="5905676" cy="3116389"/>
+          <a:xfrm flipH="0" flipV="0">
+            <a:off x="3149422" y="1124259"/>
+            <a:ext cx="2845153" cy="5283856"/>
           </a:xfrm>
           <a:prstGeom prst="rect">
             <a:avLst/>
@@ -7955,7 +8475,7 @@
       </p:grpSpPr>
       <p:sp>
         <p:nvSpPr>
-          <p:cNvPr id="372626147" name="Title 1"/>
+          <p:cNvPr id="1848993363" name="Title 1"/>
           <p:cNvSpPr>
             <a:spLocks noGrp="1"/>
           </p:cNvSpPr>
@@ -7972,16 +8492,16 @@
               <a:defRPr/>
             </a:pPr>
             <a:r>
-              <a:rPr/>
-              <a:t>Демодуляция</a:t>
-            </a:r>
-            <a:endParaRPr/>
-          </a:p>
-        </p:txBody>
-      </p:sp>
-      <p:sp>
-        <p:nvSpPr>
-          <p:cNvPr id="217258081" name="Footer Placeholder 4"/>
+              <a:rPr lang="ru-RU"/>
+              <a:t>Основные этапы алгоритма</a:t>
+            </a:r>
+            <a:endParaRPr lang="ru-RU"/>
+          </a:p>
+        </p:txBody>
+      </p:sp>
+      <p:sp>
+        <p:nvSpPr>
+          <p:cNvPr id="2082793045" name="Нижний колонтитул 7"/>
           <p:cNvSpPr>
             <a:spLocks noGrp="1"/>
           </p:cNvSpPr>
@@ -7998,8 +8518,12 @@
               <a:defRPr/>
             </a:pPr>
             <a:r>
-              <a:rPr lang="ru-RU"/>
-              <a:t>5/13</a:t>
+              <a:rPr lang="ru-RU">
+                <a:solidFill>
+                  <a:schemeClr val="tx1"/>
+                </a:solidFill>
+              </a:rPr>
+              <a:t>5/14</a:t>
             </a:r>
             <a:endParaRPr lang="ru-RU"/>
           </a:p>
@@ -8007,7 +8531,7 @@
       </p:sp>
       <p:pic>
         <p:nvPicPr>
-          <p:cNvPr id="1698746325" name=""/>
+          <p:cNvPr id="1677635154" name=""/>
           <p:cNvPicPr>
             <a:picLocks noChangeAspect="1"/>
           </p:cNvPicPr>
@@ -8018,32 +8542,9 @@
           <a:stretch/>
         </p:blipFill>
         <p:spPr bwMode="auto">
-          <a:xfrm rot="0" flipH="0" flipV="0">
-            <a:off x="2364477" y="1498895"/>
-            <a:ext cx="4415043" cy="2253511"/>
-          </a:xfrm>
-          <a:prstGeom prst="rect">
-            <a:avLst/>
-          </a:prstGeom>
-        </p:spPr>
-      </p:pic>
-      <p:pic>
-        <p:nvPicPr>
-          <p:cNvPr id="1307670403" name=""/>
-          <p:cNvPicPr>
-            <a:picLocks noChangeAspect="1"/>
-          </p:cNvPicPr>
-          <p:nvPr/>
-        </p:nvPicPr>
-        <p:blipFill>
-          <a:blip r:embed="rId4"/>
-          <a:srcRect l="0" t="43166" r="0" b="0"/>
-          <a:stretch/>
-        </p:blipFill>
-        <p:spPr bwMode="auto">
           <a:xfrm flipH="0" flipV="0">
-            <a:off x="381360" y="4009360"/>
-            <a:ext cx="8381278" cy="1486023"/>
+            <a:off x="457200" y="1262338"/>
+            <a:ext cx="8374184" cy="5032443"/>
           </a:xfrm>
           <a:prstGeom prst="rect">
             <a:avLst/>
@@ -8085,7 +8586,7 @@
       </p:grpSpPr>
       <p:sp>
         <p:nvSpPr>
-          <p:cNvPr id="2" name="Title 1"/>
+          <p:cNvPr id="372626147" name="Title 1"/>
           <p:cNvSpPr>
             <a:spLocks noGrp="1"/>
           </p:cNvSpPr>
@@ -8102,16 +8603,16 @@
               <a:defRPr/>
             </a:pPr>
             <a:r>
-              <a:rPr lang="ru-RU"/>
-              <a:t>Обнаружение синхрогруппы</a:t>
-            </a:r>
-            <a:endParaRPr lang="ru-RU"/>
-          </a:p>
-        </p:txBody>
-      </p:sp>
-      <p:sp>
-        <p:nvSpPr>
-          <p:cNvPr id="9" name="Нижний колонтитул 8"/>
+              <a:rPr/>
+              <a:t>Демодуляция</a:t>
+            </a:r>
+            <a:endParaRPr/>
+          </a:p>
+        </p:txBody>
+      </p:sp>
+      <p:sp>
+        <p:nvSpPr>
+          <p:cNvPr id="217258081" name="Footer Placeholder 4"/>
           <p:cNvSpPr>
             <a:spLocks noGrp="1"/>
           </p:cNvSpPr>
@@ -8128,8 +8629,12 @@
               <a:defRPr/>
             </a:pPr>
             <a:r>
-              <a:rPr lang="ru-RU"/>
-              <a:t>6/13</a:t>
+              <a:rPr lang="ru-RU">
+                <a:solidFill>
+                  <a:schemeClr val="tx1"/>
+                </a:solidFill>
+              </a:rPr>
+              <a:t>6/14</a:t>
             </a:r>
             <a:endParaRPr lang="ru-RU"/>
           </a:p>
@@ -8137,7 +8642,7 @@
       </p:sp>
       <p:pic>
         <p:nvPicPr>
-          <p:cNvPr id="68337763" name=""/>
+          <p:cNvPr id="1493344061" name=""/>
           <p:cNvPicPr>
             <a:picLocks noChangeAspect="1"/>
           </p:cNvPicPr>
@@ -8148,69 +8653,15 @@
           <a:stretch/>
         </p:blipFill>
         <p:spPr bwMode="auto">
-          <a:xfrm rot="0" flipH="0" flipV="0">
-            <a:off x="2677857" y="1365951"/>
-            <a:ext cx="3788284" cy="1787163"/>
+          <a:xfrm flipH="0" flipV="0">
+            <a:off x="466032" y="1269310"/>
+            <a:ext cx="8211935" cy="5087039"/>
           </a:xfrm>
           <a:prstGeom prst="rect">
             <a:avLst/>
           </a:prstGeom>
         </p:spPr>
       </p:pic>
-      <p:pic>
-        <p:nvPicPr>
-          <p:cNvPr id="2048185081" name=""/>
-          <p:cNvPicPr>
-            <a:picLocks noChangeAspect="1"/>
-          </p:cNvPicPr>
-          <p:nvPr/>
-        </p:nvPicPr>
-        <p:blipFill>
-          <a:blip r:embed="rId4"/>
-          <a:stretch/>
-        </p:blipFill>
-        <p:spPr bwMode="auto">
-          <a:xfrm rot="0" flipH="0" flipV="0">
-            <a:off x="1601787" y="3324258"/>
-            <a:ext cx="5940423" cy="3032091"/>
-          </a:xfrm>
-          <a:prstGeom prst="rect">
-            <a:avLst/>
-          </a:prstGeom>
-        </p:spPr>
-      </p:pic>
-      <p:sp>
-        <p:nvSpPr>
-          <p:cNvPr id="1606297787" name=""/>
-          <p:cNvSpPr txBox="1"/>
-          <p:nvPr/>
-        </p:nvSpPr>
-        <p:spPr bwMode="auto">
-          <a:xfrm flipH="0" flipV="0">
-            <a:off x="457200" y="1234577"/>
-            <a:ext cx="2791152" cy="366119"/>
-          </a:xfrm>
-          <a:prstGeom prst="rect">
-            <a:avLst/>
-          </a:prstGeom>
-          <a:noFill/>
-        </p:spPr>
-        <p:txBody>
-          <a:bodyPr vertOverflow="overflow" horzOverflow="overflow" vert="horz" wrap="none" lIns="91440" tIns="45720" rIns="91440" bIns="45720" numCol="1" spcCol="0" rtlCol="0" fromWordArt="0" anchor="t" anchorCtr="0" forceAA="0" upright="0" compatLnSpc="0">
-            <a:spAutoFit/>
-          </a:bodyPr>
-          <a:p>
-            <a:pPr>
-              <a:defRPr/>
-            </a:pPr>
-            <a:r>
-              <a:rPr/>
-              <a:t>По комплексным отсчетам</a:t>
-            </a:r>
-            <a:endParaRPr/>
-          </a:p>
-        </p:txBody>
-      </p:sp>
     </p:spTree>
   </p:cSld>
   <p:clrMapOvr>
@@ -8246,7 +8697,7 @@
       </p:grpSpPr>
       <p:sp>
         <p:nvSpPr>
-          <p:cNvPr id="1036654973" name="Title 1"/>
+          <p:cNvPr id="2" name="Title 1"/>
           <p:cNvSpPr>
             <a:spLocks noGrp="1"/>
           </p:cNvSpPr>
@@ -8263,41 +8714,38 @@
               <a:defRPr/>
             </a:pPr>
             <a:r>
-              <a:rPr lang="ru-RU" sz="4400" b="0" i="0" u="none" strike="noStrike" cap="none" spc="0">
+              <a:rPr lang="ru-RU"/>
+              <a:t>Обнаружение синхрогруппы</a:t>
+            </a:r>
+            <a:endParaRPr lang="ru-RU"/>
+          </a:p>
+        </p:txBody>
+      </p:sp>
+      <p:sp>
+        <p:nvSpPr>
+          <p:cNvPr id="9" name="Нижний колонтитул 8"/>
+          <p:cNvSpPr>
+            <a:spLocks noGrp="1"/>
+          </p:cNvSpPr>
+          <p:nvPr>
+            <p:ph type="ftr" sz="quarter" idx="11"/>
+          </p:nvPr>
+        </p:nvSpPr>
+        <p:spPr bwMode="auto"/>
+        <p:txBody>
+          <a:bodyPr/>
+          <a:lstStyle/>
+          <a:p>
+            <a:pPr>
+              <a:defRPr/>
+            </a:pPr>
+            <a:r>
+              <a:rPr lang="ru-RU">
                 <a:solidFill>
                   <a:schemeClr val="tx1"/>
                 </a:solidFill>
-                <a:latin typeface="+mj-lt"/>
-                <a:ea typeface="+mj-ea"/>
-                <a:cs typeface="+mj-cs"/>
               </a:rPr>
-              <a:t>Обнаружение синхрогруппы</a:t>
-            </a:r>
-            <a:endParaRPr/>
-          </a:p>
-        </p:txBody>
-      </p:sp>
-      <p:sp>
-        <p:nvSpPr>
-          <p:cNvPr id="1107775931" name="Footer Placeholder 4"/>
-          <p:cNvSpPr>
-            <a:spLocks noGrp="1"/>
-          </p:cNvSpPr>
-          <p:nvPr>
-            <p:ph type="ftr" sz="quarter" idx="11"/>
-          </p:nvPr>
-        </p:nvSpPr>
-        <p:spPr bwMode="auto"/>
-        <p:txBody>
-          <a:bodyPr/>
-          <a:lstStyle/>
-          <a:p>
-            <a:pPr>
-              <a:defRPr/>
-            </a:pPr>
-            <a:r>
-              <a:rPr lang="ru-RU"/>
-              <a:t>7/13</a:t>
+              <a:t>7/14</a:t>
             </a:r>
             <a:endParaRPr lang="ru-RU"/>
           </a:p>
@@ -8305,7 +8753,7 @@
       </p:sp>
       <p:pic>
         <p:nvPicPr>
-          <p:cNvPr id="1976056584" name=""/>
+          <p:cNvPr id="2048185081" name=""/>
           <p:cNvPicPr>
             <a:picLocks noChangeAspect="1"/>
           </p:cNvPicPr>
@@ -8317,46 +8765,24 @@
         </p:blipFill>
         <p:spPr bwMode="auto">
           <a:xfrm rot="0" flipH="0" flipV="0">
-            <a:off x="2143166" y="1751488"/>
-            <a:ext cx="4857667" cy="1572768"/>
+            <a:off x="1466708" y="3408108"/>
+            <a:ext cx="5940423" cy="3032091"/>
           </a:xfrm>
           <a:prstGeom prst="rect">
             <a:avLst/>
           </a:prstGeom>
         </p:spPr>
       </p:pic>
-      <p:pic>
-        <p:nvPicPr>
-          <p:cNvPr id="2119423838" name=""/>
-          <p:cNvPicPr>
-            <a:picLocks noChangeAspect="1"/>
-          </p:cNvPicPr>
-          <p:nvPr/>
-        </p:nvPicPr>
-        <p:blipFill>
-          <a:blip r:embed="rId4"/>
-          <a:stretch/>
-        </p:blipFill>
-        <p:spPr bwMode="auto">
-          <a:xfrm rot="0" flipH="0" flipV="0">
-            <a:off x="1601787" y="3324258"/>
-            <a:ext cx="5940424" cy="3032091"/>
-          </a:xfrm>
-          <a:prstGeom prst="rect">
-            <a:avLst/>
-          </a:prstGeom>
-        </p:spPr>
-      </p:pic>
-      <p:sp>
-        <p:nvSpPr>
-          <p:cNvPr id="2061439105" name=""/>
+      <p:sp>
+        <p:nvSpPr>
+          <p:cNvPr id="1606297787" name=""/>
           <p:cNvSpPr txBox="1"/>
           <p:nvPr/>
         </p:nvSpPr>
         <p:spPr bwMode="auto">
           <a:xfrm flipH="0" flipV="0">
             <a:off x="457200" y="1234577"/>
-            <a:ext cx="4242320" cy="366119"/>
+            <a:ext cx="2791152" cy="366119"/>
           </a:xfrm>
           <a:prstGeom prst="rect">
             <a:avLst/>
@@ -8373,9 +8799,734 @@
             </a:pPr>
             <a:r>
               <a:rPr/>
-              <a:t>По демодулированным отсчетам частоты</a:t>
+              <a:t>По комплексным отсчетам</a:t>
             </a:r>
             <a:endParaRPr/>
+          </a:p>
+        </p:txBody>
+      </p:sp>
+      <p:sp>
+        <p:nvSpPr>
+          <p:cNvPr id="854640143" name=""/>
+          <p:cNvSpPr/>
+          <p:nvPr/>
+        </p:nvSpPr>
+        <p:spPr bwMode="auto">
+          <a:xfrm flipH="0" flipV="0">
+            <a:off x="4510935" y="1702558"/>
+            <a:ext cx="914400" cy="914399"/>
+          </a:xfrm>
+          <a:prstGeom prst="rect">
+            <a:avLst/>
+          </a:prstGeom>
+          <a:solidFill>
+            <a:schemeClr val="bg1"/>
+          </a:solidFill>
+          <a:ln w="12699" cap="flat" cmpd="sng" algn="ctr">
+            <a:solidFill>
+              <a:schemeClr val="tx1"/>
+            </a:solidFill>
+            <a:prstDash val="solid"/>
+          </a:ln>
+        </p:spPr>
+        <p:style>
+          <a:lnRef idx="2">
+            <a:schemeClr val="accent1">
+              <a:shade val="50000"/>
+            </a:schemeClr>
+          </a:lnRef>
+          <a:fillRef idx="1">
+            <a:schemeClr val="accent1"/>
+          </a:fillRef>
+          <a:effectRef idx="0">
+            <a:schemeClr val="accent1"/>
+          </a:effectRef>
+          <a:fontRef idx="minor">
+            <a:schemeClr val="lt1"/>
+          </a:fontRef>
+        </p:style>
+        <p:txBody>
+          <a:bodyPr/>
+          <a:p>
+            <a:pPr>
+              <a:defRPr/>
+            </a:pPr>
+            <a:endParaRPr/>
+          </a:p>
+        </p:txBody>
+      </p:sp>
+      <p:sp>
+        <p:nvSpPr>
+          <p:cNvPr id="216530448" name=""/>
+          <p:cNvSpPr/>
+          <p:nvPr/>
+        </p:nvSpPr>
+        <p:spPr bwMode="auto">
+          <a:xfrm flipH="0" flipV="0">
+            <a:off x="5996833" y="1702558"/>
+            <a:ext cx="914400" cy="914398"/>
+          </a:xfrm>
+          <a:prstGeom prst="rect">
+            <a:avLst/>
+          </a:prstGeom>
+          <a:solidFill>
+            <a:schemeClr val="bg1"/>
+          </a:solidFill>
+          <a:ln w="12699" cap="flat" cmpd="sng" algn="ctr">
+            <a:solidFill>
+              <a:schemeClr val="tx1"/>
+            </a:solidFill>
+            <a:prstDash val="solid"/>
+          </a:ln>
+        </p:spPr>
+        <p:style>
+          <a:lnRef idx="2">
+            <a:schemeClr val="accent1">
+              <a:shade val="50000"/>
+            </a:schemeClr>
+          </a:lnRef>
+          <a:fillRef idx="1">
+            <a:schemeClr val="accent1"/>
+          </a:fillRef>
+          <a:effectRef idx="0">
+            <a:schemeClr val="accent1"/>
+          </a:effectRef>
+          <a:fontRef idx="minor">
+            <a:schemeClr val="lt1"/>
+          </a:fontRef>
+        </p:style>
+      </p:sp>
+      <p:sp>
+        <p:nvSpPr>
+          <p:cNvPr id="309444479" name=""/>
+          <p:cNvSpPr txBox="1"/>
+          <p:nvPr/>
+        </p:nvSpPr>
+        <p:spPr bwMode="auto">
+          <a:xfrm flipH="0" flipV="0">
+            <a:off x="4577749" y="1839538"/>
+            <a:ext cx="780770" cy="640440"/>
+          </a:xfrm>
+          <a:prstGeom prst="rect">
+            <a:avLst/>
+          </a:prstGeom>
+          <a:noFill/>
+        </p:spPr>
+        <p:txBody>
+          <a:bodyPr vertOverflow="overflow" horzOverflow="overflow" vert="horz" wrap="none" lIns="91440" tIns="45720" rIns="91440" bIns="45720" numCol="1" spcCol="0" rtlCol="0" fromWordArt="0" anchor="t" anchorCtr="0" forceAA="0" upright="0" compatLnSpc="0">
+            <a:spAutoFit/>
+          </a:bodyPr>
+          <a:p>
+            <a:pPr>
+              <a:defRPr/>
+            </a:pPr>
+            <a:r>
+              <a:rPr sz="3600"/>
+              <a:t>ДО</a:t>
+            </a:r>
+            <a:endParaRPr sz="3600"/>
+          </a:p>
+        </p:txBody>
+      </p:sp>
+      <p:sp>
+        <p:nvSpPr>
+          <p:cNvPr id="335599616" name=""/>
+          <p:cNvSpPr txBox="1"/>
+          <p:nvPr/>
+        </p:nvSpPr>
+        <p:spPr bwMode="auto">
+          <a:xfrm flipH="0" flipV="0">
+            <a:off x="6099591" y="1839538"/>
+            <a:ext cx="708884" cy="640440"/>
+          </a:xfrm>
+          <a:prstGeom prst="rect">
+            <a:avLst/>
+          </a:prstGeom>
+          <a:noFill/>
+        </p:spPr>
+        <p:txBody>
+          <a:bodyPr vertOverflow="overflow" horzOverflow="overflow" vert="horz" wrap="none" lIns="91440" tIns="45720" rIns="91440" bIns="45720" numCol="1" spcCol="0" rtlCol="0" fromWordArt="0" anchor="t" anchorCtr="0" forceAA="0" upright="0" compatLnSpc="0">
+            <a:spAutoFit/>
+          </a:bodyPr>
+          <a:p>
+            <a:pPr>
+              <a:defRPr/>
+            </a:pPr>
+            <a:r>
+              <a:rPr sz="3600"/>
+              <a:t>ПУ</a:t>
+            </a:r>
+            <a:endParaRPr sz="3600"/>
+          </a:p>
+        </p:txBody>
+      </p:sp>
+      <p:cxnSp>
+        <p:nvCxnSpPr>
+          <p:cNvPr id="0" name="Линия 0"/>
+          <p:cNvCxnSpPr>
+            <a:cxnSpLocks/>
+            <a:endCxn id="216530448" idx="1"/>
+          </p:cNvCxnSpPr>
+          <p:nvPr/>
+        </p:nvCxnSpPr>
+        <p:spPr bwMode="auto">
+          <a:xfrm rot="0" flipH="0" flipV="1">
+            <a:off x="5432535" y="2165108"/>
+            <a:ext cx="565040" cy="0"/>
+          </a:xfrm>
+          <a:prstGeom prst="line">
+            <a:avLst/>
+          </a:prstGeom>
+          <a:ln w="12699" cap="flat" cmpd="sng" algn="ctr">
+            <a:solidFill>
+              <a:schemeClr val="tx1"/>
+            </a:solidFill>
+            <a:prstDash val="solid"/>
+            <a:tailEnd type="arrow" w="lg" len="lg"/>
+          </a:ln>
+        </p:spPr>
+        <p:style>
+          <a:lnRef idx="1">
+            <a:schemeClr val="accent1">
+              <a:shade val="50000"/>
+            </a:schemeClr>
+          </a:lnRef>
+          <a:fillRef idx="0">
+            <a:schemeClr val="accent1"/>
+          </a:fillRef>
+          <a:effectRef idx="0">
+            <a:schemeClr val="accent1"/>
+          </a:effectRef>
+          <a:fontRef idx="minor">
+            <a:schemeClr val="tx1"/>
+          </a:fontRef>
+        </p:style>
+      </p:cxnSp>
+      <p:cxnSp>
+        <p:nvCxnSpPr>
+          <p:cNvPr id="1247322237" name="Линия 0"/>
+          <p:cNvCxnSpPr>
+            <a:cxnSpLocks/>
+          </p:cNvCxnSpPr>
+          <p:nvPr/>
+        </p:nvCxnSpPr>
+        <p:spPr bwMode="auto">
+          <a:xfrm rot="0" flipH="0" flipV="1">
+            <a:off x="6911233" y="2159758"/>
+            <a:ext cx="565040" cy="0"/>
+          </a:xfrm>
+          <a:prstGeom prst="line">
+            <a:avLst/>
+          </a:prstGeom>
+          <a:ln w="12699" cap="flat" cmpd="sng" algn="ctr">
+            <a:solidFill>
+              <a:schemeClr val="tx1"/>
+            </a:solidFill>
+            <a:prstDash val="solid"/>
+            <a:tailEnd type="arrow" w="lg" len="lg"/>
+          </a:ln>
+        </p:spPr>
+        <p:style>
+          <a:lnRef idx="1">
+            <a:schemeClr val="accent1">
+              <a:shade val="50000"/>
+            </a:schemeClr>
+          </a:lnRef>
+          <a:fillRef idx="0">
+            <a:schemeClr val="accent1"/>
+          </a:fillRef>
+          <a:effectRef idx="0">
+            <a:schemeClr val="accent1"/>
+          </a:effectRef>
+          <a:fontRef idx="minor">
+            <a:schemeClr val="tx1"/>
+          </a:fontRef>
+        </p:style>
+      </p:cxnSp>
+      <p:cxnSp>
+        <p:nvCxnSpPr>
+          <p:cNvPr id="535398294" name="Линия 0"/>
+          <p:cNvCxnSpPr>
+            <a:cxnSpLocks/>
+          </p:cNvCxnSpPr>
+          <p:nvPr/>
+        </p:nvCxnSpPr>
+        <p:spPr bwMode="auto">
+          <a:xfrm rot="0" flipH="0" flipV="1">
+            <a:off x="3945894" y="2159758"/>
+            <a:ext cx="565040" cy="0"/>
+          </a:xfrm>
+          <a:prstGeom prst="line">
+            <a:avLst/>
+          </a:prstGeom>
+          <a:ln w="12699" cap="flat" cmpd="sng" algn="ctr">
+            <a:solidFill>
+              <a:schemeClr val="tx1"/>
+            </a:solidFill>
+            <a:prstDash val="solid"/>
+            <a:tailEnd type="arrow" w="lg" len="lg"/>
+          </a:ln>
+        </p:spPr>
+        <p:style>
+          <a:lnRef idx="1">
+            <a:schemeClr val="accent1">
+              <a:shade val="50000"/>
+            </a:schemeClr>
+          </a:lnRef>
+          <a:fillRef idx="0">
+            <a:schemeClr val="accent1"/>
+          </a:fillRef>
+          <a:effectRef idx="0">
+            <a:schemeClr val="accent1"/>
+          </a:effectRef>
+          <a:fontRef idx="minor">
+            <a:schemeClr val="tx1"/>
+          </a:fontRef>
+        </p:style>
+      </p:cxnSp>
+      <p:cxnSp>
+        <p:nvCxnSpPr>
+          <p:cNvPr id="1129497520" name="Линия 0"/>
+          <p:cNvCxnSpPr>
+            <a:cxnSpLocks/>
+          </p:cNvCxnSpPr>
+          <p:nvPr/>
+        </p:nvCxnSpPr>
+        <p:spPr bwMode="auto">
+          <a:xfrm rot="16199969" flipH="0" flipV="1">
+            <a:off x="4685614" y="2899478"/>
+            <a:ext cx="565040" cy="0"/>
+          </a:xfrm>
+          <a:prstGeom prst="line">
+            <a:avLst/>
+          </a:prstGeom>
+          <a:ln w="12699" cap="flat" cmpd="sng" algn="ctr">
+            <a:solidFill>
+              <a:schemeClr val="tx1"/>
+            </a:solidFill>
+            <a:prstDash val="solid"/>
+            <a:tailEnd type="arrow" w="lg" len="lg"/>
+          </a:ln>
+        </p:spPr>
+        <p:style>
+          <a:lnRef idx="1">
+            <a:schemeClr val="accent1">
+              <a:shade val="50000"/>
+            </a:schemeClr>
+          </a:lnRef>
+          <a:fillRef idx="0">
+            <a:schemeClr val="accent1"/>
+          </a:fillRef>
+          <a:effectRef idx="0">
+            <a:schemeClr val="accent1"/>
+          </a:effectRef>
+          <a:fontRef idx="minor">
+            <a:schemeClr val="tx1"/>
+          </a:fontRef>
+        </p:style>
+      </p:cxnSp>
+      <p:cxnSp>
+        <p:nvCxnSpPr>
+          <p:cNvPr id="2118313791" name="Линия 0"/>
+          <p:cNvCxnSpPr>
+            <a:cxnSpLocks/>
+          </p:cNvCxnSpPr>
+          <p:nvPr/>
+        </p:nvCxnSpPr>
+        <p:spPr bwMode="auto">
+          <a:xfrm rot="16199969" flipH="0" flipV="1">
+            <a:off x="6171513" y="2899478"/>
+            <a:ext cx="565040" cy="0"/>
+          </a:xfrm>
+          <a:prstGeom prst="line">
+            <a:avLst/>
+          </a:prstGeom>
+          <a:ln w="12699" cap="flat" cmpd="sng" algn="ctr">
+            <a:solidFill>
+              <a:schemeClr val="tx1"/>
+            </a:solidFill>
+            <a:prstDash val="solid"/>
+            <a:tailEnd type="arrow" w="lg" len="lg"/>
+          </a:ln>
+        </p:spPr>
+        <p:style>
+          <a:lnRef idx="1">
+            <a:schemeClr val="accent1">
+              <a:shade val="50000"/>
+            </a:schemeClr>
+          </a:lnRef>
+          <a:fillRef idx="0">
+            <a:schemeClr val="accent1"/>
+          </a:fillRef>
+          <a:effectRef idx="0">
+            <a:schemeClr val="accent1"/>
+          </a:effectRef>
+          <a:fontRef idx="minor">
+            <a:schemeClr val="tx1"/>
+          </a:fontRef>
+        </p:style>
+      </p:cxnSp>
+      <p:sp>
+        <p:nvSpPr>
+          <p:cNvPr id="505118323" name=""/>
+          <p:cNvSpPr txBox="1"/>
+          <p:nvPr/>
+        </p:nvSpPr>
+        <p:spPr bwMode="auto">
+          <a:xfrm flipH="0" flipV="0">
+            <a:off x="6454033" y="2899478"/>
+            <a:ext cx="301136" cy="366119"/>
+          </a:xfrm>
+          <a:prstGeom prst="rect">
+            <a:avLst/>
+          </a:prstGeom>
+          <a:noFill/>
+        </p:spPr>
+        <p:txBody>
+          <a:bodyPr vertOverflow="overflow" horzOverflow="overflow" vert="horz" wrap="none" lIns="91440" tIns="45720" rIns="91440" bIns="45720" numCol="1" spcCol="0" rtlCol="0" fromWordArt="0" anchor="t" anchorCtr="0" forceAA="0" upright="0" compatLnSpc="0">
+            <a:spAutoFit/>
+          </a:bodyPr>
+          <a:p>
+            <a:pPr>
+              <a:defRPr/>
+            </a:pPr>
+            <a:r>
+              <a:rPr lang="en-US" i="1"/>
+              <a:t>h</a:t>
+            </a:r>
+            <a:endParaRPr/>
+          </a:p>
+        </p:txBody>
+      </p:sp>
+      <p:sp>
+        <p:nvSpPr>
+          <p:cNvPr id="92260831" name=""/>
+          <p:cNvSpPr txBox="1"/>
+          <p:nvPr/>
+        </p:nvSpPr>
+        <p:spPr bwMode="auto">
+          <a:xfrm flipH="0" flipV="0">
+            <a:off x="5023312" y="2899478"/>
+            <a:ext cx="804044" cy="407099"/>
+          </a:xfrm>
+          <a:prstGeom prst="rect">
+            <a:avLst/>
+          </a:prstGeom>
+          <a:noFill/>
+        </p:spPr>
+        <p:txBody>
+          <a:bodyPr vertOverflow="overflow" horzOverflow="overflow" vert="horz" wrap="none" lIns="91440" tIns="45720" rIns="91440" bIns="45720" numCol="1" spcCol="0" rtlCol="0" fromWordArt="0" anchor="t" anchorCtr="0" forceAA="0" upright="0" compatLnSpc="0">
+            <a:spAutoFit/>
+          </a:bodyPr>
+          <a:p>
+            <a:pPr>
+              <a:defRPr/>
+            </a:pPr>
+            <mc:AlternateContent xmlns:mc="http://schemas.openxmlformats.org/markup-compatibility/2006" xmlns:m="http://schemas.openxmlformats.org/officeDocument/2006/math">
+              <mc:Choice xmlns:a14="http://schemas.microsoft.com/office/drawing/2010/main" Requires="a14">
+                <a14:m>
+                  <m:oMathPara>
+                    <m:oMathParaPr/>
+                    <m:oMath>
+                      <m:sSub>
+                        <m:sSubPr>
+                          <m:ctrlPr>
+                            <a:rPr/>
+                          </m:ctrlPr>
+                        </m:sSubPr>
+                        <m:e>
+                          <m:r>
+                            <m:rPr/>
+                            <a:rPr>
+                              <a:latin typeface="Cambria Math"/>
+                              <a:ea typeface="Cambria Math"/>
+                              <a:cs typeface="Cambria Math"/>
+                            </a:rPr>
+                            <m:t>Y</m:t>
+                          </m:r>
+                        </m:e>
+                        <m:sub>
+                          <m:r>
+                            <m:rPr/>
+                            <a:rPr>
+                              <a:latin typeface="Cambria Math"/>
+                              <a:ea typeface="Cambria Math"/>
+                              <a:cs typeface="Cambria Math"/>
+                            </a:rPr>
+                            <m:t>IQ</m:t>
+                          </m:r>
+                        </m:sub>
+                      </m:sSub>
+                      <m:r>
+                        <m:rPr/>
+                        <a:rPr lang="en-US">
+                          <a:latin typeface="Cambria Math"/>
+                          <a:ea typeface="Cambria Math"/>
+                          <a:cs typeface="Cambria Math"/>
+                        </a:rPr>
+                        <m:t>(t)</m:t>
+                      </m:r>
+                    </m:oMath>
+                  </m:oMathPara>
+                </a14:m>
+              </mc:Choice>
+              <mc:Fallback/>
+            </mc:AlternateContent>
+            <a:endParaRPr/>
+          </a:p>
+        </p:txBody>
+      </p:sp>
+      <p:sp>
+        <p:nvSpPr>
+          <p:cNvPr id="701714079" name=""/>
+          <p:cNvSpPr txBox="1"/>
+          <p:nvPr/>
+        </p:nvSpPr>
+        <p:spPr bwMode="auto">
+          <a:xfrm flipH="0" flipV="0">
+            <a:off x="3598290" y="1758009"/>
+            <a:ext cx="610994" cy="366119"/>
+          </a:xfrm>
+          <a:prstGeom prst="rect">
+            <a:avLst/>
+          </a:prstGeom>
+          <a:noFill/>
+        </p:spPr>
+        <p:txBody>
+          <a:bodyPr vertOverflow="overflow" horzOverflow="overflow" vert="horz" wrap="none" lIns="91440" tIns="45720" rIns="91440" bIns="45720" numCol="1" spcCol="0" rtlCol="0" fromWordArt="0" anchor="t" anchorCtr="0" forceAA="0" upright="0" compatLnSpc="0">
+            <a:spAutoFit/>
+          </a:bodyPr>
+          <a:p>
+            <a:pPr>
+              <a:defRPr/>
+            </a:pPr>
+            <mc:AlternateContent xmlns:mc="http://schemas.openxmlformats.org/markup-compatibility/2006" xmlns:m="http://schemas.openxmlformats.org/officeDocument/2006/math">
+              <mc:Choice xmlns:a14="http://schemas.microsoft.com/office/drawing/2010/main" Requires="a14">
+                <a14:m>
+                  <m:oMathPara>
+                    <m:oMathParaPr/>
+                    <m:oMath>
+                      <m:r>
+                        <m:rPr/>
+                        <a:rPr lang="en-US">
+                          <a:latin typeface="Cambria Math"/>
+                          <a:ea typeface="Cambria Math"/>
+                          <a:cs typeface="Cambria Math"/>
+                        </a:rPr>
+                        <m:t>X</m:t>
+                      </m:r>
+                      <m:r>
+                        <m:rPr/>
+                        <a:rPr lang="en-US">
+                          <a:latin typeface="Cambria Math"/>
+                          <a:ea typeface="Cambria Math"/>
+                          <a:cs typeface="Cambria Math"/>
+                        </a:rPr>
+                        <m:t>(t)</m:t>
+                      </m:r>
+                    </m:oMath>
+                  </m:oMathPara>
+                </a14:m>
+              </mc:Choice>
+              <mc:Fallback/>
+            </mc:AlternateContent>
+            <a:endParaRPr/>
+          </a:p>
+        </p:txBody>
+      </p:sp>
+      <p:sp>
+        <p:nvSpPr>
+          <p:cNvPr id="1087744038" name=""/>
+          <p:cNvSpPr txBox="1"/>
+          <p:nvPr/>
+        </p:nvSpPr>
+        <p:spPr bwMode="auto">
+          <a:xfrm flipH="0" flipV="0">
+            <a:off x="786421" y="2024062"/>
+            <a:ext cx="183636" cy="366119"/>
+          </a:xfrm>
+          <a:prstGeom prst="rect">
+            <a:avLst/>
+          </a:prstGeom>
+          <a:noFill/>
+        </p:spPr>
+        <p:txBody>
+          <a:bodyPr vertOverflow="overflow" horzOverflow="overflow" vert="horz" wrap="none" lIns="91440" tIns="45720" rIns="91440" bIns="45720" numCol="1" spcCol="0" rtlCol="0" fromWordArt="0" anchor="t" anchorCtr="0" forceAA="0" upright="0" compatLnSpc="0">
+            <a:spAutoFit/>
+          </a:bodyPr>
+          <a:p>
+            <a:pPr>
+              <a:defRPr/>
+            </a:pPr>
+            <a:endParaRPr/>
+          </a:p>
+        </p:txBody>
+      </p:sp>
+      <p:sp>
+        <p:nvSpPr>
+          <p:cNvPr id="1308181905" name=""/>
+          <p:cNvSpPr txBox="1"/>
+          <p:nvPr/>
+        </p:nvSpPr>
+        <p:spPr bwMode="auto">
+          <a:xfrm flipH="0" flipV="0">
+            <a:off x="457200" y="1908129"/>
+            <a:ext cx="3335496" cy="1238424"/>
+          </a:xfrm>
+          <a:prstGeom prst="rect">
+            <a:avLst/>
+          </a:prstGeom>
+          <a:noFill/>
+        </p:spPr>
+        <p:txBody>
+          <a:bodyPr vertOverflow="overflow" horzOverflow="overflow" vert="horz" wrap="none" lIns="91440" tIns="45720" rIns="91440" bIns="45720" numCol="1" spcCol="0" rtlCol="0" fromWordArt="0" anchor="t" anchorCtr="0" forceAA="0" upright="0" compatLnSpc="0">
+            <a:spAutoFit/>
+          </a:bodyPr>
+          <a:p>
+            <a:pPr marL="283879" indent="-283879">
+              <a:buFont typeface="Arial"/>
+              <a:buChar char="•"/>
+              <a:defRPr/>
+            </a:pPr>
+            <mc:AlternateContent xmlns:mc="http://schemas.openxmlformats.org/markup-compatibility/2006" xmlns:m="http://schemas.openxmlformats.org/officeDocument/2006/math">
+              <mc:Choice xmlns:a14="http://schemas.microsoft.com/office/drawing/2010/main" Requires="a14">
+                <a14:m>
+                  <m:oMathPara>
+                    <m:oMathParaPr/>
+                    <m:oMath>
+                      <m:r>
+                        <m:rPr/>
+                        <a:rPr lang="en-US" sz="1800">
+                          <a:latin typeface="Cambria Math"/>
+                          <a:ea typeface="Cambria Math"/>
+                          <a:cs typeface="Cambria Math"/>
+                        </a:rPr>
+                        <m:t>X</m:t>
+                      </m:r>
+                      <m:r>
+                        <m:rPr/>
+                        <a:rPr lang="en-US" sz="1800">
+                          <a:latin typeface="Cambria Math"/>
+                          <a:ea typeface="Cambria Math"/>
+                          <a:cs typeface="Cambria Math"/>
+                        </a:rPr>
+                        <m:t>(t)</m:t>
+                      </m:r>
+                    </m:oMath>
+                  </m:oMathPara>
+                </a14:m>
+              </mc:Choice>
+              <mc:Fallback/>
+            </mc:AlternateContent>
+            <a:r>
+              <a:rPr lang="en-US" sz="1800"/>
+              <a:t> - </a:t>
+            </a:r>
+            <a:r>
+              <a:rPr lang="ru-RU" sz="1800"/>
+              <a:t>сигнал на входе</a:t>
+            </a:r>
+            <a:endParaRPr lang="ru-RU" sz="1800"/>
+          </a:p>
+          <a:p>
+            <a:pPr>
+              <a:defRPr/>
+            </a:pPr>
+            <a:r>
+              <a:rPr lang="ru-RU" sz="1800"/>
+              <a:t>обнаружителя</a:t>
+            </a:r>
+            <a:r>
+              <a:rPr lang="en-US" sz="1800"/>
+              <a:t> </a:t>
+            </a:r>
+            <a:endParaRPr lang="en-US" sz="1800"/>
+          </a:p>
+          <a:p>
+            <a:pPr marL="283879" indent="-283879">
+              <a:buFont typeface="Arial"/>
+              <a:buChar char="•"/>
+              <a:defRPr/>
+            </a:pPr>
+            <mc:AlternateContent xmlns:mc="http://schemas.openxmlformats.org/markup-compatibility/2006" xmlns:m="http://schemas.openxmlformats.org/officeDocument/2006/math">
+              <mc:Choice xmlns:a14="http://schemas.microsoft.com/office/drawing/2010/main" Requires="a14">
+                <a14:m>
+                  <m:oMathPara>
+                    <m:oMathParaPr/>
+                    <m:oMath>
+                      <m:sSub>
+                        <m:sSubPr>
+                          <m:ctrlPr>
+                            <a:rPr sz="1800">
+                              <a:latin typeface="Cambria Math"/>
+                              <a:ea typeface="Cambria Math"/>
+                              <a:cs typeface="Cambria Math"/>
+                            </a:rPr>
+                          </m:ctrlPr>
+                        </m:sSubPr>
+                        <m:e>
+                          <m:r>
+                            <m:rPr/>
+                            <a:rPr sz="1800">
+                              <a:latin typeface="Cambria Math"/>
+                              <a:ea typeface="Cambria Math"/>
+                              <a:cs typeface="Cambria Math"/>
+                            </a:rPr>
+                            <m:t>Y</m:t>
+                          </m:r>
+                        </m:e>
+                        <m:sub>
+                          <m:r>
+                            <m:rPr/>
+                            <a:rPr sz="1800">
+                              <a:latin typeface="Cambria Math"/>
+                              <a:ea typeface="Cambria Math"/>
+                              <a:cs typeface="Cambria Math"/>
+                            </a:rPr>
+                            <m:t>IQ</m:t>
+                          </m:r>
+                        </m:sub>
+                      </m:sSub>
+                      <m:r>
+                        <m:rPr/>
+                        <a:rPr lang="en-US" sz="1800">
+                          <a:latin typeface="Cambria Math"/>
+                          <a:ea typeface="Cambria Math"/>
+                          <a:cs typeface="Cambria Math"/>
+                        </a:rPr>
+                        <m:t>(t)</m:t>
+                      </m:r>
+                    </m:oMath>
+                  </m:oMathPara>
+                </a14:m>
+              </mc:Choice>
+              <mc:Fallback/>
+            </mc:AlternateContent>
+            <a:r>
+              <a:rPr lang="ru-RU" sz="1800"/>
+              <a:t> - сигнал синхрогруппы</a:t>
+            </a:r>
+            <a:endParaRPr lang="ru-RU" sz="1800"/>
+          </a:p>
+          <a:p>
+            <a:pPr marL="283879" indent="-283879">
+              <a:buFont typeface="Arial"/>
+              <a:buChar char="•"/>
+              <a:defRPr/>
+            </a:pPr>
+            <a:r>
+              <a:rPr lang="en-US" sz="1800" i="1"/>
+              <a:t>h </a:t>
+            </a:r>
+            <a:r>
+              <a:rPr lang="en-US" sz="1800" i="0"/>
+              <a:t>- </a:t>
+            </a:r>
+            <a:r>
+              <a:rPr lang="ru-RU" sz="1800" i="0"/>
+              <a:t>порог</a:t>
+            </a:r>
+            <a:endParaRPr sz="1200" i="0"/>
           </a:p>
         </p:txBody>
       </p:sp>
@@ -8414,7 +9565,7 @@
       </p:grpSpPr>
       <p:sp>
         <p:nvSpPr>
-          <p:cNvPr id="1095303535" name="Title 1"/>
+          <p:cNvPr id="1036654973" name="Title 1"/>
           <p:cNvSpPr>
             <a:spLocks noGrp="1"/>
           </p:cNvSpPr>
@@ -8435,9 +9586,9 @@
                 <a:solidFill>
                   <a:schemeClr val="tx1"/>
                 </a:solidFill>
-                <a:latin typeface="Calibri"/>
-                <a:ea typeface="Arial"/>
-                <a:cs typeface="Arial"/>
+                <a:latin typeface="+mj-lt"/>
+                <a:ea typeface="+mj-ea"/>
+                <a:cs typeface="+mj-cs"/>
               </a:rPr>
               <a:t>Обнаружение синхрогруппы</a:t>
             </a:r>
@@ -8447,7 +9598,7 @@
       </p:sp>
       <p:sp>
         <p:nvSpPr>
-          <p:cNvPr id="295651495" name="Footer Placeholder 4"/>
+          <p:cNvPr id="1107775931" name="Footer Placeholder 4"/>
           <p:cNvSpPr>
             <a:spLocks noGrp="1"/>
           </p:cNvSpPr>
@@ -8464,48 +9615,20 @@
               <a:defRPr/>
             </a:pPr>
             <a:r>
-              <a:rPr lang="ru-RU"/>
-              <a:t>8/13</a:t>
+              <a:rPr lang="ru-RU">
+                <a:solidFill>
+                  <a:schemeClr val="tx1"/>
+                </a:solidFill>
+              </a:rPr>
+              <a:t>8/14</a:t>
             </a:r>
             <a:endParaRPr lang="ru-RU"/>
-          </a:p>
-        </p:txBody>
-      </p:sp>
-      <p:sp>
-        <p:nvSpPr>
-          <p:cNvPr id="209192375" name=""/>
-          <p:cNvSpPr txBox="1"/>
-          <p:nvPr/>
-        </p:nvSpPr>
-        <p:spPr bwMode="auto">
-          <a:xfrm flipH="0" flipV="0">
-            <a:off x="457200" y="1234577"/>
-            <a:ext cx="3533874" cy="366119"/>
-          </a:xfrm>
-          <a:prstGeom prst="rect">
-            <a:avLst/>
-          </a:prstGeom>
-          <a:noFill/>
-        </p:spPr>
-        <p:txBody>
-          <a:bodyPr vertOverflow="overflow" horzOverflow="overflow" vert="horz" wrap="none" lIns="91440" tIns="45720" rIns="91440" bIns="45720" numCol="1" spcCol="0" rtlCol="0" fromWordArt="0" anchor="t" anchorCtr="0" forceAA="0" upright="0" compatLnSpc="0">
-            <a:spAutoFit/>
-          </a:bodyPr>
-          <a:p>
-            <a:pPr>
-              <a:defRPr/>
-            </a:pPr>
-            <a:r>
-              <a:rPr/>
-              <a:t>По демодулированным символам</a:t>
-            </a:r>
-            <a:endParaRPr/>
           </a:p>
         </p:txBody>
       </p:sp>
       <p:pic>
         <p:nvPicPr>
-          <p:cNvPr id="1589821499" name=""/>
+          <p:cNvPr id="2119423838" name=""/>
           <p:cNvPicPr>
             <a:picLocks noChangeAspect="1"/>
           </p:cNvPicPr>
@@ -8517,29 +9640,7 @@
         </p:blipFill>
         <p:spPr bwMode="auto">
           <a:xfrm rot="0" flipH="0" flipV="0">
-            <a:off x="2209995" y="1677125"/>
-            <a:ext cx="4724007" cy="1647131"/>
-          </a:xfrm>
-          <a:prstGeom prst="rect">
-            <a:avLst/>
-          </a:prstGeom>
-        </p:spPr>
-      </p:pic>
-      <p:pic>
-        <p:nvPicPr>
-          <p:cNvPr id="2070518128" name=""/>
-          <p:cNvPicPr>
-            <a:picLocks noChangeAspect="1"/>
-          </p:cNvPicPr>
-          <p:nvPr/>
-        </p:nvPicPr>
-        <p:blipFill>
-          <a:blip r:embed="rId4"/>
-          <a:stretch/>
-        </p:blipFill>
-        <p:spPr bwMode="auto">
-          <a:xfrm rot="0" flipH="0" flipV="0">
-            <a:off x="1601787" y="3324258"/>
+            <a:off x="1601787" y="3429000"/>
             <a:ext cx="5940424" cy="3032091"/>
           </a:xfrm>
           <a:prstGeom prst="rect">
@@ -8547,6 +9648,690 @@
           </a:prstGeom>
         </p:spPr>
       </p:pic>
+      <p:sp>
+        <p:nvSpPr>
+          <p:cNvPr id="2061439105" name=""/>
+          <p:cNvSpPr txBox="1"/>
+          <p:nvPr/>
+        </p:nvSpPr>
+        <p:spPr bwMode="auto">
+          <a:xfrm flipH="0" flipV="0">
+            <a:off x="457200" y="1234577"/>
+            <a:ext cx="4242320" cy="366119"/>
+          </a:xfrm>
+          <a:prstGeom prst="rect">
+            <a:avLst/>
+          </a:prstGeom>
+          <a:noFill/>
+        </p:spPr>
+        <p:txBody>
+          <a:bodyPr vertOverflow="overflow" horzOverflow="overflow" vert="horz" wrap="none" lIns="91440" tIns="45720" rIns="91440" bIns="45720" numCol="1" spcCol="0" rtlCol="0" fromWordArt="0" anchor="t" anchorCtr="0" forceAA="0" upright="0" compatLnSpc="0">
+            <a:spAutoFit/>
+          </a:bodyPr>
+          <a:p>
+            <a:pPr>
+              <a:defRPr/>
+            </a:pPr>
+            <a:r>
+              <a:rPr/>
+              <a:t>По демодулированным отсчетам частоты</a:t>
+            </a:r>
+            <a:endParaRPr/>
+          </a:p>
+        </p:txBody>
+      </p:sp>
+      <p:sp>
+        <p:nvSpPr>
+          <p:cNvPr id="1599928457" name=""/>
+          <p:cNvSpPr/>
+          <p:nvPr/>
+        </p:nvSpPr>
+        <p:spPr bwMode="auto">
+          <a:xfrm flipH="0" flipV="0">
+            <a:off x="2666999" y="1814180"/>
+            <a:ext cx="914400" cy="914398"/>
+          </a:xfrm>
+          <a:prstGeom prst="rect">
+            <a:avLst/>
+          </a:prstGeom>
+          <a:solidFill>
+            <a:schemeClr val="bg1"/>
+          </a:solidFill>
+          <a:ln w="12699" cap="flat" cmpd="sng" algn="ctr">
+            <a:solidFill>
+              <a:schemeClr val="tx1"/>
+            </a:solidFill>
+            <a:prstDash val="solid"/>
+          </a:ln>
+        </p:spPr>
+        <p:style>
+          <a:lnRef idx="2">
+            <a:schemeClr val="accent1">
+              <a:shade val="50000"/>
+            </a:schemeClr>
+          </a:lnRef>
+          <a:fillRef idx="1">
+            <a:schemeClr val="accent1"/>
+          </a:fillRef>
+          <a:effectRef idx="0">
+            <a:schemeClr val="accent1"/>
+          </a:effectRef>
+          <a:fontRef idx="minor">
+            <a:schemeClr val="lt1"/>
+          </a:fontRef>
+        </p:style>
+        <p:txBody>
+          <a:bodyPr/>
+          <a:p>
+            <a:pPr>
+              <a:defRPr/>
+            </a:pPr>
+            <a:endParaRPr/>
+          </a:p>
+        </p:txBody>
+      </p:sp>
+      <p:sp>
+        <p:nvSpPr>
+          <p:cNvPr id="93632047" name=""/>
+          <p:cNvSpPr/>
+          <p:nvPr/>
+        </p:nvSpPr>
+        <p:spPr bwMode="auto">
+          <a:xfrm flipH="0" flipV="0">
+            <a:off x="5633082" y="1819530"/>
+            <a:ext cx="914400" cy="914398"/>
+          </a:xfrm>
+          <a:prstGeom prst="rect">
+            <a:avLst/>
+          </a:prstGeom>
+          <a:solidFill>
+            <a:schemeClr val="bg1"/>
+          </a:solidFill>
+          <a:ln w="12699" cap="flat" cmpd="sng" algn="ctr">
+            <a:solidFill>
+              <a:schemeClr val="tx1"/>
+            </a:solidFill>
+            <a:prstDash val="solid"/>
+          </a:ln>
+        </p:spPr>
+        <p:style>
+          <a:lnRef idx="2">
+            <a:schemeClr val="accent1">
+              <a:shade val="50000"/>
+            </a:schemeClr>
+          </a:lnRef>
+          <a:fillRef idx="1">
+            <a:schemeClr val="accent1"/>
+          </a:fillRef>
+          <a:effectRef idx="0">
+            <a:schemeClr val="accent1"/>
+          </a:effectRef>
+          <a:fontRef idx="minor">
+            <a:schemeClr val="lt1"/>
+          </a:fontRef>
+        </p:style>
+      </p:sp>
+      <p:sp>
+        <p:nvSpPr>
+          <p:cNvPr id="1781228839" name=""/>
+          <p:cNvSpPr txBox="1"/>
+          <p:nvPr/>
+        </p:nvSpPr>
+        <p:spPr bwMode="auto">
+          <a:xfrm flipH="0" flipV="0">
+            <a:off x="2620227" y="2042599"/>
+            <a:ext cx="1007943" cy="457559"/>
+          </a:xfrm>
+          <a:prstGeom prst="rect">
+            <a:avLst/>
+          </a:prstGeom>
+          <a:noFill/>
+        </p:spPr>
+        <p:txBody>
+          <a:bodyPr vertOverflow="overflow" horzOverflow="overflow" vert="horz" wrap="none" lIns="91440" tIns="45720" rIns="91440" bIns="45720" numCol="1" spcCol="0" rtlCol="0" fromWordArt="0" anchor="t" anchorCtr="0" forceAA="0" upright="0" compatLnSpc="0">
+            <a:spAutoFit/>
+          </a:bodyPr>
+          <a:p>
+            <a:pPr algn="ctr">
+              <a:defRPr/>
+            </a:pPr>
+            <a:r>
+              <a:rPr lang="en-US" sz="1200"/>
+              <a:t>FM</a:t>
+            </a:r>
+            <a:endParaRPr lang="en-US" sz="1200"/>
+          </a:p>
+          <a:p>
+            <a:pPr algn="ctr">
+              <a:defRPr/>
+            </a:pPr>
+            <a:r>
+              <a:rPr lang="en-US" sz="1200"/>
+              <a:t>Demodulator</a:t>
+            </a:r>
+            <a:endParaRPr sz="3600"/>
+          </a:p>
+        </p:txBody>
+      </p:sp>
+      <p:sp>
+        <p:nvSpPr>
+          <p:cNvPr id="1747394275" name=""/>
+          <p:cNvSpPr txBox="1"/>
+          <p:nvPr/>
+        </p:nvSpPr>
+        <p:spPr bwMode="auto">
+          <a:xfrm flipH="0" flipV="0">
+            <a:off x="5735838" y="1956510"/>
+            <a:ext cx="708884" cy="640440"/>
+          </a:xfrm>
+          <a:prstGeom prst="rect">
+            <a:avLst/>
+          </a:prstGeom>
+          <a:noFill/>
+        </p:spPr>
+        <p:txBody>
+          <a:bodyPr vertOverflow="overflow" horzOverflow="overflow" vert="horz" wrap="none" lIns="91440" tIns="45720" rIns="91440" bIns="45720" numCol="1" spcCol="0" rtlCol="0" fromWordArt="0" anchor="t" anchorCtr="0" forceAA="0" upright="0" compatLnSpc="0">
+            <a:spAutoFit/>
+          </a:bodyPr>
+          <a:p>
+            <a:pPr>
+              <a:defRPr/>
+            </a:pPr>
+            <a:r>
+              <a:rPr sz="3600"/>
+              <a:t>ПУ</a:t>
+            </a:r>
+            <a:endParaRPr sz="3600"/>
+          </a:p>
+        </p:txBody>
+      </p:sp>
+      <p:cxnSp>
+        <p:nvCxnSpPr>
+          <p:cNvPr id="1703651551" name="Линия 0"/>
+          <p:cNvCxnSpPr>
+            <a:cxnSpLocks/>
+          </p:cNvCxnSpPr>
+          <p:nvPr/>
+        </p:nvCxnSpPr>
+        <p:spPr bwMode="auto">
+          <a:xfrm rot="0" flipH="0" flipV="1">
+            <a:off x="3588599" y="2276730"/>
+            <a:ext cx="565040" cy="0"/>
+          </a:xfrm>
+          <a:prstGeom prst="line">
+            <a:avLst/>
+          </a:prstGeom>
+          <a:ln w="12699" cap="flat" cmpd="sng" algn="ctr">
+            <a:solidFill>
+              <a:schemeClr val="tx1"/>
+            </a:solidFill>
+            <a:prstDash val="solid"/>
+            <a:tailEnd type="arrow" w="lg" len="lg"/>
+          </a:ln>
+        </p:spPr>
+        <p:style>
+          <a:lnRef idx="1">
+            <a:schemeClr val="accent1">
+              <a:shade val="50000"/>
+            </a:schemeClr>
+          </a:lnRef>
+          <a:fillRef idx="0">
+            <a:schemeClr val="accent1"/>
+          </a:fillRef>
+          <a:effectRef idx="0">
+            <a:schemeClr val="accent1"/>
+          </a:effectRef>
+          <a:fontRef idx="minor">
+            <a:schemeClr val="tx1"/>
+          </a:fontRef>
+        </p:style>
+      </p:cxnSp>
+      <p:cxnSp>
+        <p:nvCxnSpPr>
+          <p:cNvPr id="1899811364" name="Линия 0"/>
+          <p:cNvCxnSpPr>
+            <a:cxnSpLocks/>
+          </p:cNvCxnSpPr>
+          <p:nvPr/>
+        </p:nvCxnSpPr>
+        <p:spPr bwMode="auto">
+          <a:xfrm rot="0" flipH="0" flipV="1">
+            <a:off x="6547482" y="2276730"/>
+            <a:ext cx="565040" cy="0"/>
+          </a:xfrm>
+          <a:prstGeom prst="line">
+            <a:avLst/>
+          </a:prstGeom>
+          <a:ln w="12699" cap="flat" cmpd="sng" algn="ctr">
+            <a:solidFill>
+              <a:schemeClr val="tx1"/>
+            </a:solidFill>
+            <a:prstDash val="solid"/>
+            <a:tailEnd type="arrow" w="lg" len="lg"/>
+          </a:ln>
+        </p:spPr>
+        <p:style>
+          <a:lnRef idx="1">
+            <a:schemeClr val="accent1">
+              <a:shade val="50000"/>
+            </a:schemeClr>
+          </a:lnRef>
+          <a:fillRef idx="0">
+            <a:schemeClr val="accent1"/>
+          </a:fillRef>
+          <a:effectRef idx="0">
+            <a:schemeClr val="accent1"/>
+          </a:effectRef>
+          <a:fontRef idx="minor">
+            <a:schemeClr val="tx1"/>
+          </a:fontRef>
+        </p:style>
+      </p:cxnSp>
+      <p:cxnSp>
+        <p:nvCxnSpPr>
+          <p:cNvPr id="1513268" name="Линия 0"/>
+          <p:cNvCxnSpPr>
+            <a:cxnSpLocks/>
+          </p:cNvCxnSpPr>
+          <p:nvPr/>
+        </p:nvCxnSpPr>
+        <p:spPr bwMode="auto">
+          <a:xfrm rot="0" flipH="0" flipV="1">
+            <a:off x="2101959" y="2271380"/>
+            <a:ext cx="565040" cy="0"/>
+          </a:xfrm>
+          <a:prstGeom prst="line">
+            <a:avLst/>
+          </a:prstGeom>
+          <a:ln w="12699" cap="flat" cmpd="sng" algn="ctr">
+            <a:solidFill>
+              <a:schemeClr val="tx1"/>
+            </a:solidFill>
+            <a:prstDash val="solid"/>
+            <a:tailEnd type="arrow" w="lg" len="lg"/>
+          </a:ln>
+        </p:spPr>
+        <p:style>
+          <a:lnRef idx="1">
+            <a:schemeClr val="accent1">
+              <a:shade val="50000"/>
+            </a:schemeClr>
+          </a:lnRef>
+          <a:fillRef idx="0">
+            <a:schemeClr val="accent1"/>
+          </a:fillRef>
+          <a:effectRef idx="0">
+            <a:schemeClr val="accent1"/>
+          </a:effectRef>
+          <a:fontRef idx="minor">
+            <a:schemeClr val="tx1"/>
+          </a:fontRef>
+        </p:style>
+      </p:cxnSp>
+      <p:cxnSp>
+        <p:nvCxnSpPr>
+          <p:cNvPr id="738979260" name="Линия 0"/>
+          <p:cNvCxnSpPr>
+            <a:cxnSpLocks/>
+          </p:cNvCxnSpPr>
+          <p:nvPr/>
+        </p:nvCxnSpPr>
+        <p:spPr bwMode="auto">
+          <a:xfrm rot="16199969" flipH="0" flipV="1">
+            <a:off x="4328320" y="3016451"/>
+            <a:ext cx="565040" cy="0"/>
+          </a:xfrm>
+          <a:prstGeom prst="line">
+            <a:avLst/>
+          </a:prstGeom>
+          <a:ln w="12699" cap="flat" cmpd="sng" algn="ctr">
+            <a:solidFill>
+              <a:schemeClr val="tx1"/>
+            </a:solidFill>
+            <a:prstDash val="solid"/>
+            <a:tailEnd type="arrow" w="lg" len="lg"/>
+          </a:ln>
+        </p:spPr>
+        <p:style>
+          <a:lnRef idx="1">
+            <a:schemeClr val="accent1">
+              <a:shade val="50000"/>
+            </a:schemeClr>
+          </a:lnRef>
+          <a:fillRef idx="0">
+            <a:schemeClr val="accent1"/>
+          </a:fillRef>
+          <a:effectRef idx="0">
+            <a:schemeClr val="accent1"/>
+          </a:effectRef>
+          <a:fontRef idx="minor">
+            <a:schemeClr val="tx1"/>
+          </a:fontRef>
+        </p:style>
+      </p:cxnSp>
+      <p:cxnSp>
+        <p:nvCxnSpPr>
+          <p:cNvPr id="41895801" name="Линия 0"/>
+          <p:cNvCxnSpPr>
+            <a:cxnSpLocks/>
+          </p:cNvCxnSpPr>
+          <p:nvPr/>
+        </p:nvCxnSpPr>
+        <p:spPr bwMode="auto">
+          <a:xfrm rot="16199969" flipH="0" flipV="1">
+            <a:off x="5807760" y="3016451"/>
+            <a:ext cx="565040" cy="0"/>
+          </a:xfrm>
+          <a:prstGeom prst="line">
+            <a:avLst/>
+          </a:prstGeom>
+          <a:ln w="12699" cap="flat" cmpd="sng" algn="ctr">
+            <a:solidFill>
+              <a:schemeClr val="tx1"/>
+            </a:solidFill>
+            <a:prstDash val="solid"/>
+            <a:tailEnd type="arrow" w="lg" len="lg"/>
+          </a:ln>
+        </p:spPr>
+        <p:style>
+          <a:lnRef idx="1">
+            <a:schemeClr val="accent1">
+              <a:shade val="50000"/>
+            </a:schemeClr>
+          </a:lnRef>
+          <a:fillRef idx="0">
+            <a:schemeClr val="accent1"/>
+          </a:fillRef>
+          <a:effectRef idx="0">
+            <a:schemeClr val="accent1"/>
+          </a:effectRef>
+          <a:fontRef idx="minor">
+            <a:schemeClr val="tx1"/>
+          </a:fontRef>
+        </p:style>
+      </p:cxnSp>
+      <p:sp>
+        <p:nvSpPr>
+          <p:cNvPr id="1395473807" name=""/>
+          <p:cNvSpPr txBox="1"/>
+          <p:nvPr/>
+        </p:nvSpPr>
+        <p:spPr bwMode="auto">
+          <a:xfrm flipH="0" flipV="0">
+            <a:off x="6090281" y="3062880"/>
+            <a:ext cx="301136" cy="366119"/>
+          </a:xfrm>
+          <a:prstGeom prst="rect">
+            <a:avLst/>
+          </a:prstGeom>
+          <a:noFill/>
+        </p:spPr>
+        <p:txBody>
+          <a:bodyPr vertOverflow="overflow" horzOverflow="overflow" vert="horz" wrap="none" lIns="91440" tIns="45720" rIns="91440" bIns="45720" numCol="1" spcCol="0" rtlCol="0" fromWordArt="0" anchor="t" anchorCtr="0" forceAA="0" upright="0" compatLnSpc="0">
+            <a:spAutoFit/>
+          </a:bodyPr>
+          <a:p>
+            <a:pPr>
+              <a:defRPr/>
+            </a:pPr>
+            <a:r>
+              <a:rPr lang="en-US" i="1"/>
+              <a:t>h</a:t>
+            </a:r>
+            <a:endParaRPr/>
+          </a:p>
+        </p:txBody>
+      </p:sp>
+      <p:sp>
+        <p:nvSpPr>
+          <p:cNvPr id="1068576403" name=""/>
+          <p:cNvSpPr txBox="1"/>
+          <p:nvPr/>
+        </p:nvSpPr>
+        <p:spPr bwMode="auto">
+          <a:xfrm flipH="0" flipV="0">
+            <a:off x="4572000" y="3006360"/>
+            <a:ext cx="873781" cy="368998"/>
+          </a:xfrm>
+          <a:prstGeom prst="rect">
+            <a:avLst/>
+          </a:prstGeom>
+          <a:noFill/>
+        </p:spPr>
+        <p:txBody>
+          <a:bodyPr vertOverflow="overflow" horzOverflow="overflow" vert="horz" wrap="none" lIns="91440" tIns="45720" rIns="91440" bIns="45720" numCol="1" spcCol="0" rtlCol="0" fromWordArt="0" anchor="t" anchorCtr="0" forceAA="0" upright="0" compatLnSpc="0">
+            <a:spAutoFit/>
+          </a:bodyPr>
+          <a:p>
+            <a:pPr>
+              <a:defRPr/>
+            </a:pPr>
+            <mc:AlternateContent xmlns:mc="http://schemas.openxmlformats.org/markup-compatibility/2006" xmlns:m="http://schemas.openxmlformats.org/officeDocument/2006/math">
+              <mc:Choice xmlns:a14="http://schemas.microsoft.com/office/drawing/2010/main" Requires="a14">
+                <a14:m>
+                  <m:oMathPara>
+                    <m:oMathParaPr/>
+                    <m:oMath>
+                      <m:sSub>
+                        <m:sSubPr>
+                          <m:ctrlPr>
+                            <a:rPr/>
+                          </m:ctrlPr>
+                        </m:sSubPr>
+                        <m:e>
+                          <m:r>
+                            <m:rPr/>
+                            <a:rPr>
+                              <a:latin typeface="Cambria Math"/>
+                              <a:ea typeface="Cambria Math"/>
+                              <a:cs typeface="Cambria Math"/>
+                            </a:rPr>
+                            <m:t>Y</m:t>
+                          </m:r>
+                        </m:e>
+                        <m:sub>
+                          <m:r>
+                            <m:rPr/>
+                            <a:rPr lang="en-US">
+                              <a:latin typeface="Cambria Math"/>
+                              <a:ea typeface="Cambria Math"/>
+                              <a:cs typeface="Cambria Math"/>
+                            </a:rPr>
+                            <m:t>FM</m:t>
+                          </m:r>
+                        </m:sub>
+                      </m:sSub>
+                      <m:r>
+                        <m:rPr/>
+                        <a:rPr lang="en-US">
+                          <a:latin typeface="Cambria Math"/>
+                          <a:ea typeface="Cambria Math"/>
+                          <a:cs typeface="Cambria Math"/>
+                        </a:rPr>
+                        <m:t>(t)</m:t>
+                      </m:r>
+                    </m:oMath>
+                  </m:oMathPara>
+                </a14:m>
+              </mc:Choice>
+              <mc:Fallback/>
+            </mc:AlternateContent>
+            <a:endParaRPr/>
+          </a:p>
+        </p:txBody>
+      </p:sp>
+      <p:sp>
+        <p:nvSpPr>
+          <p:cNvPr id="210289886" name=""/>
+          <p:cNvSpPr txBox="1"/>
+          <p:nvPr/>
+        </p:nvSpPr>
+        <p:spPr bwMode="auto">
+          <a:xfrm flipH="0" flipV="0">
+            <a:off x="1754354" y="1869631"/>
+            <a:ext cx="610994" cy="366119"/>
+          </a:xfrm>
+          <a:prstGeom prst="rect">
+            <a:avLst/>
+          </a:prstGeom>
+          <a:noFill/>
+        </p:spPr>
+        <p:txBody>
+          <a:bodyPr vertOverflow="overflow" horzOverflow="overflow" vert="horz" wrap="none" lIns="91440" tIns="45720" rIns="91440" bIns="45720" numCol="1" spcCol="0" rtlCol="0" fromWordArt="0" anchor="t" anchorCtr="0" forceAA="0" upright="0" compatLnSpc="0">
+            <a:spAutoFit/>
+          </a:bodyPr>
+          <a:p>
+            <a:pPr>
+              <a:defRPr/>
+            </a:pPr>
+            <mc:AlternateContent xmlns:mc="http://schemas.openxmlformats.org/markup-compatibility/2006" xmlns:m="http://schemas.openxmlformats.org/officeDocument/2006/math">
+              <mc:Choice xmlns:a14="http://schemas.microsoft.com/office/drawing/2010/main" Requires="a14">
+                <a14:m>
+                  <m:oMathPara>
+                    <m:oMathParaPr/>
+                    <m:oMath>
+                      <m:r>
+                        <m:rPr/>
+                        <a:rPr lang="en-US">
+                          <a:latin typeface="Cambria Math"/>
+                          <a:ea typeface="Cambria Math"/>
+                          <a:cs typeface="Cambria Math"/>
+                        </a:rPr>
+                        <m:t>X</m:t>
+                      </m:r>
+                      <m:r>
+                        <m:rPr/>
+                        <a:rPr lang="en-US">
+                          <a:latin typeface="Cambria Math"/>
+                          <a:ea typeface="Cambria Math"/>
+                          <a:cs typeface="Cambria Math"/>
+                        </a:rPr>
+                        <m:t>(t)</m:t>
+                      </m:r>
+                    </m:oMath>
+                  </m:oMathPara>
+                </a14:m>
+              </mc:Choice>
+              <mc:Fallback/>
+            </mc:AlternateContent>
+            <a:endParaRPr/>
+          </a:p>
+        </p:txBody>
+      </p:sp>
+      <p:sp>
+        <p:nvSpPr>
+          <p:cNvPr id="53914713" name=""/>
+          <p:cNvSpPr/>
+          <p:nvPr/>
+        </p:nvSpPr>
+        <p:spPr bwMode="auto">
+          <a:xfrm flipH="0" flipV="0">
+            <a:off x="4153640" y="1814180"/>
+            <a:ext cx="914400" cy="914398"/>
+          </a:xfrm>
+          <a:prstGeom prst="rect">
+            <a:avLst/>
+          </a:prstGeom>
+          <a:solidFill>
+            <a:schemeClr val="bg1"/>
+          </a:solidFill>
+          <a:ln w="12699" cap="flat" cmpd="sng" algn="ctr">
+            <a:solidFill>
+              <a:schemeClr val="tx1"/>
+            </a:solidFill>
+            <a:prstDash val="solid"/>
+          </a:ln>
+        </p:spPr>
+        <p:style>
+          <a:lnRef idx="2">
+            <a:schemeClr val="accent1">
+              <a:shade val="50000"/>
+            </a:schemeClr>
+          </a:lnRef>
+          <a:fillRef idx="1">
+            <a:schemeClr val="accent1"/>
+          </a:fillRef>
+          <a:effectRef idx="0">
+            <a:schemeClr val="accent1"/>
+          </a:effectRef>
+          <a:fontRef idx="minor">
+            <a:schemeClr val="lt1"/>
+          </a:fontRef>
+        </p:style>
+      </p:sp>
+      <p:cxnSp>
+        <p:nvCxnSpPr>
+          <p:cNvPr id="2030015866" name="Линия 0"/>
+          <p:cNvCxnSpPr>
+            <a:cxnSpLocks/>
+          </p:cNvCxnSpPr>
+          <p:nvPr/>
+        </p:nvCxnSpPr>
+        <p:spPr bwMode="auto">
+          <a:xfrm rot="0" flipH="0" flipV="1">
+            <a:off x="5068040" y="2276730"/>
+            <a:ext cx="565040" cy="0"/>
+          </a:xfrm>
+          <a:prstGeom prst="line">
+            <a:avLst/>
+          </a:prstGeom>
+          <a:ln w="12699" cap="flat" cmpd="sng" algn="ctr">
+            <a:solidFill>
+              <a:schemeClr val="tx1"/>
+            </a:solidFill>
+            <a:prstDash val="solid"/>
+            <a:tailEnd type="arrow" w="lg" len="lg"/>
+          </a:ln>
+        </p:spPr>
+        <p:style>
+          <a:lnRef idx="1">
+            <a:schemeClr val="accent1">
+              <a:shade val="50000"/>
+            </a:schemeClr>
+          </a:lnRef>
+          <a:fillRef idx="0">
+            <a:schemeClr val="accent1"/>
+          </a:fillRef>
+          <a:effectRef idx="0">
+            <a:schemeClr val="accent1"/>
+          </a:effectRef>
+          <a:fontRef idx="minor">
+            <a:schemeClr val="tx1"/>
+          </a:fontRef>
+        </p:style>
+      </p:cxnSp>
+      <p:sp>
+        <p:nvSpPr>
+          <p:cNvPr id="211750014" name=""/>
+          <p:cNvSpPr txBox="1"/>
+          <p:nvPr/>
+        </p:nvSpPr>
+        <p:spPr bwMode="auto">
+          <a:xfrm flipH="0" flipV="0">
+            <a:off x="4394918" y="1951160"/>
+            <a:ext cx="431844" cy="640440"/>
+          </a:xfrm>
+          <a:prstGeom prst="rect">
+            <a:avLst/>
+          </a:prstGeom>
+          <a:noFill/>
+        </p:spPr>
+        <p:txBody>
+          <a:bodyPr vertOverflow="overflow" horzOverflow="overflow" vert="horz" wrap="none" lIns="91440" tIns="45720" rIns="91440" bIns="45720" numCol="1" spcCol="0" rtlCol="0" fromWordArt="0" anchor="t" anchorCtr="0" forceAA="0" upright="0" compatLnSpc="0">
+            <a:spAutoFit/>
+          </a:bodyPr>
+          <a:p>
+            <a:pPr>
+              <a:defRPr/>
+            </a:pPr>
+            <a:r>
+              <a:rPr lang="ru-RU" sz="3600"/>
+              <a:t>К</a:t>
+            </a:r>
+            <a:endParaRPr sz="3600"/>
+          </a:p>
+        </p:txBody>
+      </p:sp>
     </p:spTree>
   </p:cSld>
   <p:clrMapOvr>
@@ -8582,7 +10367,7 @@
       </p:grpSpPr>
       <p:sp>
         <p:nvSpPr>
-          <p:cNvPr id="430137956" name="Title 1"/>
+          <p:cNvPr id="1095303535" name="Title 1"/>
           <p:cNvSpPr>
             <a:spLocks noGrp="1"/>
           </p:cNvSpPr>
@@ -8615,7 +10400,7 @@
       </p:sp>
       <p:sp>
         <p:nvSpPr>
-          <p:cNvPr id="654102106" name="Footer Placeholder 4"/>
+          <p:cNvPr id="295651495" name="Footer Placeholder 4"/>
           <p:cNvSpPr>
             <a:spLocks noGrp="1"/>
           </p:cNvSpPr>
@@ -8632,16 +10417,52 @@
               <a:defRPr/>
             </a:pPr>
             <a:r>
-              <a:rPr lang="ru-RU"/>
-              <a:t>9/13</a:t>
+              <a:rPr lang="ru-RU">
+                <a:solidFill>
+                  <a:schemeClr val="tx1"/>
+                </a:solidFill>
+              </a:rPr>
+              <a:t>9/14</a:t>
             </a:r>
             <a:endParaRPr lang="ru-RU"/>
+          </a:p>
+        </p:txBody>
+      </p:sp>
+      <p:sp>
+        <p:nvSpPr>
+          <p:cNvPr id="209192375" name=""/>
+          <p:cNvSpPr txBox="1"/>
+          <p:nvPr/>
+        </p:nvSpPr>
+        <p:spPr bwMode="auto">
+          <a:xfrm flipH="0" flipV="0">
+            <a:off x="457200" y="1234577"/>
+            <a:ext cx="3533874" cy="366119"/>
+          </a:xfrm>
+          <a:prstGeom prst="rect">
+            <a:avLst/>
+          </a:prstGeom>
+          <a:noFill/>
+        </p:spPr>
+        <p:txBody>
+          <a:bodyPr vertOverflow="overflow" horzOverflow="overflow" vert="horz" wrap="none" lIns="91440" tIns="45720" rIns="91440" bIns="45720" numCol="1" spcCol="0" rtlCol="0" fromWordArt="0" anchor="t" anchorCtr="0" forceAA="0" upright="0" compatLnSpc="0">
+            <a:spAutoFit/>
+          </a:bodyPr>
+          <a:p>
+            <a:pPr>
+              <a:defRPr/>
+            </a:pPr>
+            <a:r>
+              <a:rPr/>
+              <a:t>По демодулированным символам</a:t>
+            </a:r>
+            <a:endParaRPr/>
           </a:p>
         </p:txBody>
       </p:sp>
       <p:pic>
         <p:nvPicPr>
-          <p:cNvPr id="670269446" name=""/>
+          <p:cNvPr id="2070518128" name=""/>
           <p:cNvPicPr>
             <a:picLocks noChangeAspect="1"/>
           </p:cNvPicPr>
@@ -8653,7 +10474,7 @@
         </p:blipFill>
         <p:spPr bwMode="auto">
           <a:xfrm rot="0" flipH="0" flipV="0">
-            <a:off x="1601787" y="1299498"/>
+            <a:off x="1601787" y="3324258"/>
             <a:ext cx="5940424" cy="3032091"/>
           </a:xfrm>
           <a:prstGeom prst="rect">
@@ -8661,446 +10482,662 @@
           </a:prstGeom>
         </p:spPr>
       </p:pic>
-      <p:graphicFrame>
-        <p:nvGraphicFramePr>
-          <p:cNvPr id="1376524400" name=""/>
-          <p:cNvGraphicFramePr>
-            <a:graphicFrameLocks xmlns:a="http://schemas.openxmlformats.org/drawingml/2006/main"/>
-          </p:cNvGraphicFramePr>
+      <p:sp>
+        <p:nvSpPr>
+          <p:cNvPr id="780625756" name=""/>
+          <p:cNvSpPr/>
           <p:nvPr/>
-        </p:nvGraphicFramePr>
-        <p:xfrm>
-          <a:off x="1040604" y="4449728"/>
-          <a:ext cx="7062788" cy="1802128"/>
-        </p:xfrm>
-        <a:graphic>
-          <a:graphicData uri="http://schemas.openxmlformats.org/drawingml/2006/table">
-            <a:tbl>
-              <a:tblPr firstRow="1" firstCol="1" lastRow="0" lastCol="0" bandRow="1" bandCol="0">
-                <a:tableStyleId>{5C22544A-7EE6-4342-B048-85BDC9FD1C3A}</a:tableStyleId>
-              </a:tblPr>
-              <a:tblGrid>
-                <a:gridCol w="1760934"/>
-                <a:gridCol w="1760934"/>
-                <a:gridCol w="1760934"/>
-                <a:gridCol w="1760934"/>
-              </a:tblGrid>
-              <a:tr h="1371600">
-                <a:tc>
-                  <a:txBody>
-                    <a:bodyPr/>
-                    <a:p>
-                      <a:pPr indent="0" algn="ctr">
-                        <a:lnSpc>
-                          <a:spcPct val="150000"/>
-                        </a:lnSpc>
-                        <a:defRPr/>
-                      </a:pPr>
-                      <a:r>
-                        <a:rPr sz="1400" b="0">
-                          <a:solidFill>
-                            <a:schemeClr val="tx1"/>
-                          </a:solidFill>
+        </p:nvSpPr>
+        <p:spPr bwMode="auto">
+          <a:xfrm flipH="0" flipV="0">
+            <a:off x="2666999" y="1814179"/>
+            <a:ext cx="914400" cy="914398"/>
+          </a:xfrm>
+          <a:prstGeom prst="rect">
+            <a:avLst/>
+          </a:prstGeom>
+          <a:solidFill>
+            <a:schemeClr val="bg1"/>
+          </a:solidFill>
+          <a:ln w="12699" cap="flat" cmpd="sng" algn="ctr">
+            <a:solidFill>
+              <a:schemeClr val="tx1"/>
+            </a:solidFill>
+            <a:prstDash val="solid"/>
+          </a:ln>
+        </p:spPr>
+        <p:style>
+          <a:lnRef idx="2">
+            <a:schemeClr val="accent1">
+              <a:shade val="50000"/>
+            </a:schemeClr>
+          </a:lnRef>
+          <a:fillRef idx="1">
+            <a:schemeClr val="accent1"/>
+          </a:fillRef>
+          <a:effectRef idx="0">
+            <a:schemeClr val="accent1"/>
+          </a:effectRef>
+          <a:fontRef idx="minor">
+            <a:schemeClr val="lt1"/>
+          </a:fontRef>
+        </p:style>
+        <p:txBody>
+          <a:bodyPr/>
+          <a:p>
+            <a:pPr>
+              <a:defRPr/>
+            </a:pPr>
+            <a:endParaRPr/>
+          </a:p>
+        </p:txBody>
+      </p:sp>
+      <p:sp>
+        <p:nvSpPr>
+          <p:cNvPr id="1219082982" name=""/>
+          <p:cNvSpPr/>
+          <p:nvPr/>
+        </p:nvSpPr>
+        <p:spPr bwMode="auto">
+          <a:xfrm flipH="0" flipV="0">
+            <a:off x="5633082" y="1819530"/>
+            <a:ext cx="914400" cy="914398"/>
+          </a:xfrm>
+          <a:prstGeom prst="rect">
+            <a:avLst/>
+          </a:prstGeom>
+          <a:solidFill>
+            <a:schemeClr val="bg1"/>
+          </a:solidFill>
+          <a:ln w="12699" cap="flat" cmpd="sng" algn="ctr">
+            <a:solidFill>
+              <a:schemeClr val="tx1"/>
+            </a:solidFill>
+            <a:prstDash val="solid"/>
+          </a:ln>
+        </p:spPr>
+        <p:style>
+          <a:lnRef idx="2">
+            <a:schemeClr val="accent1">
+              <a:shade val="50000"/>
+            </a:schemeClr>
+          </a:lnRef>
+          <a:fillRef idx="1">
+            <a:schemeClr val="accent1"/>
+          </a:fillRef>
+          <a:effectRef idx="0">
+            <a:schemeClr val="accent1"/>
+          </a:effectRef>
+          <a:fontRef idx="minor">
+            <a:schemeClr val="lt1"/>
+          </a:fontRef>
+        </p:style>
+      </p:sp>
+      <p:sp>
+        <p:nvSpPr>
+          <p:cNvPr id="881295697" name=""/>
+          <p:cNvSpPr txBox="1"/>
+          <p:nvPr/>
+        </p:nvSpPr>
+        <p:spPr bwMode="auto">
+          <a:xfrm flipH="0" flipV="0">
+            <a:off x="2622567" y="2042599"/>
+            <a:ext cx="1007943" cy="457559"/>
+          </a:xfrm>
+          <a:prstGeom prst="rect">
+            <a:avLst/>
+          </a:prstGeom>
+          <a:noFill/>
+        </p:spPr>
+        <p:txBody>
+          <a:bodyPr vertOverflow="overflow" horzOverflow="overflow" vert="horz" wrap="none" lIns="91440" tIns="45720" rIns="91440" bIns="45720" numCol="1" spcCol="0" rtlCol="0" fromWordArt="0" anchor="t" anchorCtr="0" forceAA="0" upright="0" compatLnSpc="0">
+            <a:spAutoFit/>
+          </a:bodyPr>
+          <a:p>
+            <a:pPr algn="ctr">
+              <a:defRPr/>
+            </a:pPr>
+            <a:r>
+              <a:rPr lang="ru-RU" sz="1200"/>
+              <a:t>4</a:t>
+            </a:r>
+            <a:r>
+              <a:rPr lang="en-US" sz="1200"/>
+              <a:t>FSK</a:t>
+            </a:r>
+            <a:endParaRPr lang="en-US" sz="1200"/>
+          </a:p>
+          <a:p>
+            <a:pPr algn="ctr">
+              <a:defRPr/>
+            </a:pPr>
+            <a:r>
+              <a:rPr lang="en-US" sz="1200"/>
+              <a:t>Demodulator</a:t>
+            </a:r>
+            <a:endParaRPr sz="3600"/>
+          </a:p>
+        </p:txBody>
+      </p:sp>
+      <p:sp>
+        <p:nvSpPr>
+          <p:cNvPr id="1573028382" name=""/>
+          <p:cNvSpPr txBox="1"/>
+          <p:nvPr/>
+        </p:nvSpPr>
+        <p:spPr bwMode="auto">
+          <a:xfrm flipH="0" flipV="0">
+            <a:off x="5735838" y="1956510"/>
+            <a:ext cx="708884" cy="640440"/>
+          </a:xfrm>
+          <a:prstGeom prst="rect">
+            <a:avLst/>
+          </a:prstGeom>
+          <a:noFill/>
+        </p:spPr>
+        <p:txBody>
+          <a:bodyPr vertOverflow="overflow" horzOverflow="overflow" vert="horz" wrap="none" lIns="91440" tIns="45720" rIns="91440" bIns="45720" numCol="1" spcCol="0" rtlCol="0" fromWordArt="0" anchor="t" anchorCtr="0" forceAA="0" upright="0" compatLnSpc="0">
+            <a:spAutoFit/>
+          </a:bodyPr>
+          <a:p>
+            <a:pPr>
+              <a:defRPr/>
+            </a:pPr>
+            <a:r>
+              <a:rPr sz="3600"/>
+              <a:t>ПУ</a:t>
+            </a:r>
+            <a:endParaRPr sz="3600"/>
+          </a:p>
+        </p:txBody>
+      </p:sp>
+      <p:cxnSp>
+        <p:nvCxnSpPr>
+          <p:cNvPr id="1793055535" name="Линия 0"/>
+          <p:cNvCxnSpPr>
+            <a:cxnSpLocks/>
+          </p:cNvCxnSpPr>
+          <p:nvPr/>
+        </p:nvCxnSpPr>
+        <p:spPr bwMode="auto">
+          <a:xfrm rot="0" flipH="0" flipV="1">
+            <a:off x="3588598" y="2276730"/>
+            <a:ext cx="565040" cy="0"/>
+          </a:xfrm>
+          <a:prstGeom prst="line">
+            <a:avLst/>
+          </a:prstGeom>
+          <a:ln w="12699" cap="flat" cmpd="sng" algn="ctr">
+            <a:solidFill>
+              <a:schemeClr val="tx1"/>
+            </a:solidFill>
+            <a:prstDash val="solid"/>
+            <a:tailEnd type="arrow" w="lg" len="lg"/>
+          </a:ln>
+        </p:spPr>
+        <p:style>
+          <a:lnRef idx="1">
+            <a:schemeClr val="accent1">
+              <a:shade val="50000"/>
+            </a:schemeClr>
+          </a:lnRef>
+          <a:fillRef idx="0">
+            <a:schemeClr val="accent1"/>
+          </a:fillRef>
+          <a:effectRef idx="0">
+            <a:schemeClr val="accent1"/>
+          </a:effectRef>
+          <a:fontRef idx="minor">
+            <a:schemeClr val="tx1"/>
+          </a:fontRef>
+        </p:style>
+      </p:cxnSp>
+      <p:cxnSp>
+        <p:nvCxnSpPr>
+          <p:cNvPr id="1798354694" name="Линия 0"/>
+          <p:cNvCxnSpPr>
+            <a:cxnSpLocks/>
+          </p:cNvCxnSpPr>
+          <p:nvPr/>
+        </p:nvCxnSpPr>
+        <p:spPr bwMode="auto">
+          <a:xfrm rot="0" flipH="0" flipV="1">
+            <a:off x="6547482" y="2276730"/>
+            <a:ext cx="565040" cy="0"/>
+          </a:xfrm>
+          <a:prstGeom prst="line">
+            <a:avLst/>
+          </a:prstGeom>
+          <a:ln w="12699" cap="flat" cmpd="sng" algn="ctr">
+            <a:solidFill>
+              <a:schemeClr val="tx1"/>
+            </a:solidFill>
+            <a:prstDash val="solid"/>
+            <a:tailEnd type="arrow" w="lg" len="lg"/>
+          </a:ln>
+        </p:spPr>
+        <p:style>
+          <a:lnRef idx="1">
+            <a:schemeClr val="accent1">
+              <a:shade val="50000"/>
+            </a:schemeClr>
+          </a:lnRef>
+          <a:fillRef idx="0">
+            <a:schemeClr val="accent1"/>
+          </a:fillRef>
+          <a:effectRef idx="0">
+            <a:schemeClr val="accent1"/>
+          </a:effectRef>
+          <a:fontRef idx="minor">
+            <a:schemeClr val="tx1"/>
+          </a:fontRef>
+        </p:style>
+      </p:cxnSp>
+      <p:cxnSp>
+        <p:nvCxnSpPr>
+          <p:cNvPr id="2044338316" name="Линия 0"/>
+          <p:cNvCxnSpPr>
+            <a:cxnSpLocks/>
+          </p:cNvCxnSpPr>
+          <p:nvPr/>
+        </p:nvCxnSpPr>
+        <p:spPr bwMode="auto">
+          <a:xfrm rot="0" flipH="0" flipV="1">
+            <a:off x="2101959" y="2271379"/>
+            <a:ext cx="565040" cy="0"/>
+          </a:xfrm>
+          <a:prstGeom prst="line">
+            <a:avLst/>
+          </a:prstGeom>
+          <a:ln w="12699" cap="flat" cmpd="sng" algn="ctr">
+            <a:solidFill>
+              <a:schemeClr val="tx1"/>
+            </a:solidFill>
+            <a:prstDash val="solid"/>
+            <a:tailEnd type="arrow" w="lg" len="lg"/>
+          </a:ln>
+        </p:spPr>
+        <p:style>
+          <a:lnRef idx="1">
+            <a:schemeClr val="accent1">
+              <a:shade val="50000"/>
+            </a:schemeClr>
+          </a:lnRef>
+          <a:fillRef idx="0">
+            <a:schemeClr val="accent1"/>
+          </a:fillRef>
+          <a:effectRef idx="0">
+            <a:schemeClr val="accent1"/>
+          </a:effectRef>
+          <a:fontRef idx="minor">
+            <a:schemeClr val="tx1"/>
+          </a:fontRef>
+        </p:style>
+      </p:cxnSp>
+      <p:cxnSp>
+        <p:nvCxnSpPr>
+          <p:cNvPr id="683842045" name="Линия 0"/>
+          <p:cNvCxnSpPr>
+            <a:cxnSpLocks/>
+          </p:cNvCxnSpPr>
+          <p:nvPr/>
+        </p:nvCxnSpPr>
+        <p:spPr bwMode="auto">
+          <a:xfrm rot="16199969" flipH="0" flipV="1">
+            <a:off x="4328319" y="3016451"/>
+            <a:ext cx="565040" cy="0"/>
+          </a:xfrm>
+          <a:prstGeom prst="line">
+            <a:avLst/>
+          </a:prstGeom>
+          <a:ln w="12699" cap="flat" cmpd="sng" algn="ctr">
+            <a:solidFill>
+              <a:schemeClr val="tx1"/>
+            </a:solidFill>
+            <a:prstDash val="solid"/>
+            <a:tailEnd type="arrow" w="lg" len="lg"/>
+          </a:ln>
+        </p:spPr>
+        <p:style>
+          <a:lnRef idx="1">
+            <a:schemeClr val="accent1">
+              <a:shade val="50000"/>
+            </a:schemeClr>
+          </a:lnRef>
+          <a:fillRef idx="0">
+            <a:schemeClr val="accent1"/>
+          </a:fillRef>
+          <a:effectRef idx="0">
+            <a:schemeClr val="accent1"/>
+          </a:effectRef>
+          <a:fontRef idx="minor">
+            <a:schemeClr val="tx1"/>
+          </a:fontRef>
+        </p:style>
+      </p:cxnSp>
+      <p:cxnSp>
+        <p:nvCxnSpPr>
+          <p:cNvPr id="183086115" name="Линия 0"/>
+          <p:cNvCxnSpPr>
+            <a:cxnSpLocks/>
+          </p:cNvCxnSpPr>
+          <p:nvPr/>
+        </p:nvCxnSpPr>
+        <p:spPr bwMode="auto">
+          <a:xfrm rot="16199969" flipH="0" flipV="1">
+            <a:off x="5807760" y="3016451"/>
+            <a:ext cx="565040" cy="0"/>
+          </a:xfrm>
+          <a:prstGeom prst="line">
+            <a:avLst/>
+          </a:prstGeom>
+          <a:ln w="12699" cap="flat" cmpd="sng" algn="ctr">
+            <a:solidFill>
+              <a:schemeClr val="tx1"/>
+            </a:solidFill>
+            <a:prstDash val="solid"/>
+            <a:tailEnd type="arrow" w="lg" len="lg"/>
+          </a:ln>
+        </p:spPr>
+        <p:style>
+          <a:lnRef idx="1">
+            <a:schemeClr val="accent1">
+              <a:shade val="50000"/>
+            </a:schemeClr>
+          </a:lnRef>
+          <a:fillRef idx="0">
+            <a:schemeClr val="accent1"/>
+          </a:fillRef>
+          <a:effectRef idx="0">
+            <a:schemeClr val="accent1"/>
+          </a:effectRef>
+          <a:fontRef idx="minor">
+            <a:schemeClr val="tx1"/>
+          </a:fontRef>
+        </p:style>
+      </p:cxnSp>
+      <p:sp>
+        <p:nvSpPr>
+          <p:cNvPr id="309946125" name=""/>
+          <p:cNvSpPr txBox="1"/>
+          <p:nvPr/>
+        </p:nvSpPr>
+        <p:spPr bwMode="auto">
+          <a:xfrm flipH="0" flipV="0">
+            <a:off x="6090280" y="3062880"/>
+            <a:ext cx="301136" cy="366119"/>
+          </a:xfrm>
+          <a:prstGeom prst="rect">
+            <a:avLst/>
+          </a:prstGeom>
+          <a:noFill/>
+        </p:spPr>
+        <p:txBody>
+          <a:bodyPr vertOverflow="overflow" horzOverflow="overflow" vert="horz" wrap="none" lIns="91440" tIns="45720" rIns="91440" bIns="45720" numCol="1" spcCol="0" rtlCol="0" fromWordArt="0" anchor="t" anchorCtr="0" forceAA="0" upright="0" compatLnSpc="0">
+            <a:spAutoFit/>
+          </a:bodyPr>
+          <a:p>
+            <a:pPr>
+              <a:defRPr/>
+            </a:pPr>
+            <a:r>
+              <a:rPr lang="en-US" i="1"/>
+              <a:t>h</a:t>
+            </a:r>
+            <a:endParaRPr/>
+          </a:p>
+        </p:txBody>
+      </p:sp>
+      <p:sp>
+        <p:nvSpPr>
+          <p:cNvPr id="1381619700" name=""/>
+          <p:cNvSpPr txBox="1"/>
+          <p:nvPr/>
+        </p:nvSpPr>
+        <p:spPr bwMode="auto">
+          <a:xfrm flipH="0" flipV="0">
+            <a:off x="4572000" y="3006360"/>
+            <a:ext cx="1021200" cy="407099"/>
+          </a:xfrm>
+          <a:prstGeom prst="rect">
+            <a:avLst/>
+          </a:prstGeom>
+          <a:noFill/>
+        </p:spPr>
+        <p:txBody>
+          <a:bodyPr vertOverflow="overflow" horzOverflow="overflow" vert="horz" wrap="none" lIns="91440" tIns="45720" rIns="91440" bIns="45720" numCol="1" spcCol="0" rtlCol="0" fromWordArt="0" anchor="t" anchorCtr="0" forceAA="0" upright="0" compatLnSpc="0">
+            <a:spAutoFit/>
+          </a:bodyPr>
+          <a:p>
+            <a:pPr>
+              <a:defRPr/>
+            </a:pPr>
+            <mc:AlternateContent xmlns:mc="http://schemas.openxmlformats.org/markup-compatibility/2006" xmlns:m="http://schemas.openxmlformats.org/officeDocument/2006/math">
+              <mc:Choice xmlns:a14="http://schemas.microsoft.com/office/drawing/2010/main" Requires="a14">
+                <a14:m>
+                  <m:oMathPara>
+                    <m:oMathParaPr/>
+                    <m:oMath>
+                      <m:sSub>
+                        <m:sSubPr>
+                          <m:ctrlPr>
+                            <a:rPr/>
+                          </m:ctrlPr>
+                        </m:sSubPr>
+                        <m:e>
+                          <m:r>
+                            <m:rPr/>
+                            <a:rPr>
+                              <a:latin typeface="Cambria Math"/>
+                              <a:ea typeface="Cambria Math"/>
+                              <a:cs typeface="Cambria Math"/>
+                            </a:rPr>
+                            <m:t>Y</m:t>
+                          </m:r>
+                        </m:e>
+                        <m:sub>
+                          <m:r>
+                            <m:rPr/>
+                            <a:rPr lang="en-US">
+                              <a:latin typeface="Cambria Math"/>
+                              <a:ea typeface="Cambria Math"/>
+                              <a:cs typeface="Cambria Math"/>
+                            </a:rPr>
+                            <m:t>syms</m:t>
+                          </m:r>
+                        </m:sub>
+                      </m:sSub>
+                      <m:r>
+                        <m:rPr/>
+                        <a:rPr lang="en-US">
+                          <a:latin typeface="Cambria Math"/>
+                          <a:ea typeface="Cambria Math"/>
+                          <a:cs typeface="Cambria Math"/>
                         </a:rPr>
-                        <a:t>Метод обнаружения</a:t>
-                      </a:r>
-                      <a:endParaRPr sz="1400" b="0">
-                        <a:solidFill>
-                          <a:schemeClr val="tx1"/>
-                        </a:solidFill>
-                      </a:endParaRPr>
-                    </a:p>
-                  </a:txBody>
-                  <a:tcPr vert="horz">
-                    <a:lnL w="19049" algn="ctr">
-                      <a:solidFill>
-                        <a:srgbClr val="000000"/>
-                      </a:solidFill>
-                    </a:lnL>
-                    <a:lnR w="19049" algn="ctr">
-                      <a:solidFill>
-                        <a:srgbClr val="000000"/>
-                      </a:solidFill>
-                    </a:lnR>
-                    <a:lnT w="19049" algn="ctr">
-                      <a:solidFill>
-                        <a:srgbClr val="000000"/>
-                      </a:solidFill>
-                    </a:lnT>
-                    <a:lnB w="19049" algn="ctr">
-                      <a:solidFill>
-                        <a:srgbClr val="000000"/>
-                      </a:solidFill>
-                    </a:lnB>
-                    <a:solidFill>
-                      <a:schemeClr val="bg1"/>
-                    </a:solidFill>
-                  </a:tcPr>
-                </a:tc>
-                <a:tc>
-                  <a:txBody>
-                    <a:bodyPr/>
-                    <a:p>
-                      <a:pPr indent="0" algn="ctr">
-                        <a:lnSpc>
-                          <a:spcPct val="150000"/>
-                        </a:lnSpc>
-                        <a:defRPr/>
-                      </a:pPr>
-                      <a:r>
-                        <a:rPr sz="1400" b="0">
-                          <a:solidFill>
-                            <a:schemeClr val="tx1"/>
-                          </a:solidFill>
+                        <m:t>(t)</m:t>
+                      </m:r>
+                    </m:oMath>
+                  </m:oMathPara>
+                </a14:m>
+              </mc:Choice>
+              <mc:Fallback/>
+            </mc:AlternateContent>
+            <a:endParaRPr/>
+          </a:p>
+        </p:txBody>
+      </p:sp>
+      <p:sp>
+        <p:nvSpPr>
+          <p:cNvPr id="306946556" name=""/>
+          <p:cNvSpPr txBox="1"/>
+          <p:nvPr/>
+        </p:nvSpPr>
+        <p:spPr bwMode="auto">
+          <a:xfrm flipH="0" flipV="0">
+            <a:off x="1754354" y="1869630"/>
+            <a:ext cx="610994" cy="366119"/>
+          </a:xfrm>
+          <a:prstGeom prst="rect">
+            <a:avLst/>
+          </a:prstGeom>
+          <a:noFill/>
+        </p:spPr>
+        <p:txBody>
+          <a:bodyPr vertOverflow="overflow" horzOverflow="overflow" vert="horz" wrap="none" lIns="91440" tIns="45720" rIns="91440" bIns="45720" numCol="1" spcCol="0" rtlCol="0" fromWordArt="0" anchor="t" anchorCtr="0" forceAA="0" upright="0" compatLnSpc="0">
+            <a:spAutoFit/>
+          </a:bodyPr>
+          <a:p>
+            <a:pPr>
+              <a:defRPr/>
+            </a:pPr>
+            <mc:AlternateContent xmlns:mc="http://schemas.openxmlformats.org/markup-compatibility/2006" xmlns:m="http://schemas.openxmlformats.org/officeDocument/2006/math">
+              <mc:Choice xmlns:a14="http://schemas.microsoft.com/office/drawing/2010/main" Requires="a14">
+                <a14:m>
+                  <m:oMathPara>
+                    <m:oMathParaPr/>
+                    <m:oMath>
+                      <m:r>
+                        <m:rPr/>
+                        <a:rPr lang="en-US">
+                          <a:latin typeface="Cambria Math"/>
+                          <a:ea typeface="Cambria Math"/>
+                          <a:cs typeface="Cambria Math"/>
                         </a:rPr>
-                        <a:t>По комплексным отсчетам</a:t>
-                      </a:r>
-                      <a:endParaRPr sz="1400" b="0">
-                        <a:solidFill>
-                          <a:schemeClr val="tx1"/>
-                        </a:solidFill>
-                      </a:endParaRPr>
-                    </a:p>
-                  </a:txBody>
-                  <a:tcPr vert="horz">
-                    <a:lnL w="19049" algn="ctr">
-                      <a:solidFill>
-                        <a:srgbClr val="000000"/>
-                      </a:solidFill>
-                    </a:lnL>
-                    <a:lnR w="19049" algn="ctr">
-                      <a:solidFill>
-                        <a:srgbClr val="000000"/>
-                      </a:solidFill>
-                    </a:lnR>
-                    <a:lnT w="19049" algn="ctr">
-                      <a:solidFill>
-                        <a:srgbClr val="000000"/>
-                      </a:solidFill>
-                    </a:lnT>
-                    <a:lnB w="19049" algn="ctr">
-                      <a:solidFill>
-                        <a:srgbClr val="000000"/>
-                      </a:solidFill>
-                    </a:lnB>
-                    <a:solidFill>
-                      <a:schemeClr val="bg1"/>
-                    </a:solidFill>
-                  </a:tcPr>
-                </a:tc>
-                <a:tc>
-                  <a:txBody>
-                    <a:bodyPr/>
-                    <a:p>
-                      <a:pPr indent="0" algn="ctr">
-                        <a:lnSpc>
-                          <a:spcPct val="150000"/>
-                        </a:lnSpc>
-                        <a:defRPr/>
-                      </a:pPr>
-                      <a:r>
-                        <a:rPr sz="1400" b="0">
-                          <a:solidFill>
-                            <a:schemeClr val="tx1"/>
-                          </a:solidFill>
+                        <m:t>X</m:t>
+                      </m:r>
+                      <m:r>
+                        <m:rPr/>
+                        <a:rPr lang="en-US">
+                          <a:latin typeface="Cambria Math"/>
+                          <a:ea typeface="Cambria Math"/>
+                          <a:cs typeface="Cambria Math"/>
                         </a:rPr>
-                        <a:t>По демодулированным отсчетам частоты</a:t>
-                      </a:r>
-                      <a:endParaRPr sz="1400" b="0">
-                        <a:solidFill>
-                          <a:schemeClr val="tx1"/>
-                        </a:solidFill>
-                      </a:endParaRPr>
-                    </a:p>
-                  </a:txBody>
-                  <a:tcPr vert="horz">
-                    <a:lnL w="19049" algn="ctr">
-                      <a:solidFill>
-                        <a:srgbClr val="000000"/>
-                      </a:solidFill>
-                    </a:lnL>
-                    <a:lnR w="19049" algn="ctr">
-                      <a:solidFill>
-                        <a:srgbClr val="000000"/>
-                      </a:solidFill>
-                    </a:lnR>
-                    <a:lnT w="19049" algn="ctr">
-                      <a:solidFill>
-                        <a:srgbClr val="000000"/>
-                      </a:solidFill>
-                    </a:lnT>
-                    <a:lnB w="19049" algn="ctr">
-                      <a:solidFill>
-                        <a:srgbClr val="000000"/>
-                      </a:solidFill>
-                    </a:lnB>
-                    <a:solidFill>
-                      <a:schemeClr val="bg1"/>
-                    </a:solidFill>
-                  </a:tcPr>
-                </a:tc>
-                <a:tc>
-                  <a:txBody>
-                    <a:bodyPr/>
-                    <a:p>
-                      <a:pPr indent="0" algn="ctr">
-                        <a:lnSpc>
-                          <a:spcPct val="150000"/>
-                        </a:lnSpc>
-                        <a:defRPr/>
-                      </a:pPr>
-                      <a:r>
-                        <a:rPr sz="1400" b="0">
-                          <a:solidFill>
-                            <a:schemeClr val="tx1"/>
-                          </a:solidFill>
-                        </a:rPr>
-                        <a:t>По демодулированным символам</a:t>
-                      </a:r>
-                      <a:endParaRPr sz="1400" b="0">
-                        <a:solidFill>
-                          <a:schemeClr val="tx1"/>
-                        </a:solidFill>
-                      </a:endParaRPr>
-                    </a:p>
-                  </a:txBody>
-                  <a:tcPr vert="horz">
-                    <a:lnL w="19049" algn="ctr">
-                      <a:solidFill>
-                        <a:srgbClr val="000000"/>
-                      </a:solidFill>
-                    </a:lnL>
-                    <a:lnR w="19049" algn="ctr">
-                      <a:solidFill>
-                        <a:srgbClr val="000000"/>
-                      </a:solidFill>
-                    </a:lnR>
-                    <a:lnT w="19049" algn="ctr">
-                      <a:solidFill>
-                        <a:srgbClr val="000000"/>
-                      </a:solidFill>
-                    </a:lnT>
-                    <a:lnB w="19049" algn="ctr">
-                      <a:solidFill>
-                        <a:srgbClr val="000000"/>
-                      </a:solidFill>
-                    </a:lnB>
-                    <a:solidFill>
-                      <a:schemeClr val="bg1"/>
-                    </a:solidFill>
-                  </a:tcPr>
-                </a:tc>
-              </a:tr>
-              <a:tr h="411480">
-                <a:tc>
-                  <a:txBody>
-                    <a:bodyPr/>
-                    <a:p>
-                      <a:pPr indent="0" algn="ctr">
-                        <a:lnSpc>
-                          <a:spcPct val="150000"/>
-                        </a:lnSpc>
-                        <a:defRPr/>
-                      </a:pPr>
-                      <a:r>
-                        <a:rPr sz="1400" b="0">
-                          <a:solidFill>
-                            <a:schemeClr val="tx1"/>
-                          </a:solidFill>
-                        </a:rPr>
-                        <a:t>ОСШ, дБ</a:t>
-                      </a:r>
-                      <a:endParaRPr sz="1400" b="0">
-                        <a:solidFill>
-                          <a:schemeClr val="tx1"/>
-                        </a:solidFill>
-                      </a:endParaRPr>
-                    </a:p>
-                  </a:txBody>
-                  <a:tcPr vert="horz">
-                    <a:lnL w="19049" algn="ctr">
-                      <a:solidFill>
-                        <a:srgbClr val="000000"/>
-                      </a:solidFill>
-                    </a:lnL>
-                    <a:lnR w="19049" algn="ctr">
-                      <a:solidFill>
-                        <a:srgbClr val="000000"/>
-                      </a:solidFill>
-                    </a:lnR>
-                    <a:lnT w="19049" algn="ctr">
-                      <a:solidFill>
-                        <a:srgbClr val="000000"/>
-                      </a:solidFill>
-                    </a:lnT>
-                    <a:lnB w="19049" algn="ctr">
-                      <a:solidFill>
-                        <a:srgbClr val="000000"/>
-                      </a:solidFill>
-                    </a:lnB>
-                    <a:solidFill>
-                      <a:schemeClr val="bg1"/>
-                    </a:solidFill>
-                  </a:tcPr>
-                </a:tc>
-                <a:tc>
-                  <a:txBody>
-                    <a:bodyPr/>
-                    <a:p>
-                      <a:pPr indent="0" algn="ctr">
-                        <a:lnSpc>
-                          <a:spcPct val="150000"/>
-                        </a:lnSpc>
-                        <a:defRPr/>
-                      </a:pPr>
-                      <a:r>
-                        <a:rPr sz="1400" b="0">
-                          <a:solidFill>
-                            <a:schemeClr val="tx1"/>
-                          </a:solidFill>
-                        </a:rPr>
-                        <a:t>-8.6</a:t>
-                      </a:r>
-                      <a:endParaRPr sz="1400" b="0">
-                        <a:solidFill>
-                          <a:schemeClr val="tx1"/>
-                        </a:solidFill>
-                      </a:endParaRPr>
-                    </a:p>
-                  </a:txBody>
-                  <a:tcPr vert="horz">
-                    <a:lnL w="19049" algn="ctr">
-                      <a:solidFill>
-                        <a:srgbClr val="000000"/>
-                      </a:solidFill>
-                    </a:lnL>
-                    <a:lnR w="19049" algn="ctr">
-                      <a:solidFill>
-                        <a:srgbClr val="000000"/>
-                      </a:solidFill>
-                    </a:lnR>
-                    <a:lnT w="19049" algn="ctr">
-                      <a:solidFill>
-                        <a:srgbClr val="000000"/>
-                      </a:solidFill>
-                    </a:lnT>
-                    <a:lnB w="19049" algn="ctr">
-                      <a:solidFill>
-                        <a:srgbClr val="000000"/>
-                      </a:solidFill>
-                    </a:lnB>
-                    <a:solidFill>
-                      <a:schemeClr val="bg1"/>
-                    </a:solidFill>
-                  </a:tcPr>
-                </a:tc>
-                <a:tc>
-                  <a:txBody>
-                    <a:bodyPr/>
-                    <a:p>
-                      <a:pPr indent="0" algn="ctr">
-                        <a:lnSpc>
-                          <a:spcPct val="150000"/>
-                        </a:lnSpc>
-                        <a:defRPr/>
-                      </a:pPr>
-                      <a:r>
-                        <a:rPr sz="1400" b="0">
-                          <a:solidFill>
-                            <a:schemeClr val="tx1"/>
-                          </a:solidFill>
-                        </a:rPr>
-                        <a:t>-2.7</a:t>
-                      </a:r>
-                      <a:endParaRPr sz="1400" b="0">
-                        <a:solidFill>
-                          <a:schemeClr val="tx1"/>
-                        </a:solidFill>
-                      </a:endParaRPr>
-                    </a:p>
-                  </a:txBody>
-                  <a:tcPr vert="horz">
-                    <a:lnL w="19049" algn="ctr">
-                      <a:solidFill>
-                        <a:srgbClr val="000000"/>
-                      </a:solidFill>
-                    </a:lnL>
-                    <a:lnR w="19049" algn="ctr">
-                      <a:solidFill>
-                        <a:srgbClr val="000000"/>
-                      </a:solidFill>
-                    </a:lnR>
-                    <a:lnT w="19049" algn="ctr">
-                      <a:solidFill>
-                        <a:srgbClr val="000000"/>
-                      </a:solidFill>
-                    </a:lnT>
-                    <a:lnB w="19049" algn="ctr">
-                      <a:solidFill>
-                        <a:srgbClr val="000000"/>
-                      </a:solidFill>
-                    </a:lnB>
-                    <a:solidFill>
-                      <a:schemeClr val="bg1"/>
-                    </a:solidFill>
-                  </a:tcPr>
-                </a:tc>
-                <a:tc>
-                  <a:txBody>
-                    <a:bodyPr/>
-                    <a:p>
-                      <a:pPr indent="0" algn="ctr">
-                        <a:lnSpc>
-                          <a:spcPct val="150000"/>
-                        </a:lnSpc>
-                        <a:defRPr/>
-                      </a:pPr>
-                      <a:r>
-                        <a:rPr sz="1400" b="0">
-                          <a:solidFill>
-                            <a:schemeClr val="tx1"/>
-                          </a:solidFill>
-                        </a:rPr>
-                        <a:t>5.8</a:t>
-                      </a:r>
-                      <a:endParaRPr sz="1400" b="0">
-                        <a:solidFill>
-                          <a:schemeClr val="tx1"/>
-                        </a:solidFill>
-                      </a:endParaRPr>
-                    </a:p>
-                  </a:txBody>
-                  <a:tcPr vert="horz">
-                    <a:lnL w="19049" algn="ctr">
-                      <a:solidFill>
-                        <a:srgbClr val="000000"/>
-                      </a:solidFill>
-                    </a:lnL>
-                    <a:lnR w="19049" algn="ctr">
-                      <a:solidFill>
-                        <a:srgbClr val="000000"/>
-                      </a:solidFill>
-                    </a:lnR>
-                    <a:lnT w="19049" algn="ctr">
-                      <a:solidFill>
-                        <a:srgbClr val="000000"/>
-                      </a:solidFill>
-                    </a:lnT>
-                    <a:lnB w="19049" algn="ctr">
-                      <a:solidFill>
-                        <a:srgbClr val="000000"/>
-                      </a:solidFill>
-                    </a:lnB>
-                    <a:solidFill>
-                      <a:schemeClr val="bg1"/>
-                    </a:solidFill>
-                  </a:tcPr>
-                </a:tc>
-              </a:tr>
-            </a:tbl>
-          </a:graphicData>
-        </a:graphic>
-      </p:graphicFrame>
+                        <m:t>(t)</m:t>
+                      </m:r>
+                    </m:oMath>
+                  </m:oMathPara>
+                </a14:m>
+              </mc:Choice>
+              <mc:Fallback/>
+            </mc:AlternateContent>
+            <a:endParaRPr/>
+          </a:p>
+        </p:txBody>
+      </p:sp>
+      <p:sp>
+        <p:nvSpPr>
+          <p:cNvPr id="619731134" name=""/>
+          <p:cNvSpPr/>
+          <p:nvPr/>
+        </p:nvSpPr>
+        <p:spPr bwMode="auto">
+          <a:xfrm flipH="0" flipV="0">
+            <a:off x="4153640" y="1814179"/>
+            <a:ext cx="914400" cy="914398"/>
+          </a:xfrm>
+          <a:prstGeom prst="rect">
+            <a:avLst/>
+          </a:prstGeom>
+          <a:solidFill>
+            <a:schemeClr val="bg1"/>
+          </a:solidFill>
+          <a:ln w="12699" cap="flat" cmpd="sng" algn="ctr">
+            <a:solidFill>
+              <a:schemeClr val="tx1"/>
+            </a:solidFill>
+            <a:prstDash val="solid"/>
+          </a:ln>
+        </p:spPr>
+        <p:style>
+          <a:lnRef idx="2">
+            <a:schemeClr val="accent1">
+              <a:shade val="50000"/>
+            </a:schemeClr>
+          </a:lnRef>
+          <a:fillRef idx="1">
+            <a:schemeClr val="accent1"/>
+          </a:fillRef>
+          <a:effectRef idx="0">
+            <a:schemeClr val="accent1"/>
+          </a:effectRef>
+          <a:fontRef idx="minor">
+            <a:schemeClr val="lt1"/>
+          </a:fontRef>
+        </p:style>
+      </p:sp>
+      <p:cxnSp>
+        <p:nvCxnSpPr>
+          <p:cNvPr id="1518294801" name="Линия 0"/>
+          <p:cNvCxnSpPr>
+            <a:cxnSpLocks/>
+          </p:cNvCxnSpPr>
+          <p:nvPr/>
+        </p:nvCxnSpPr>
+        <p:spPr bwMode="auto">
+          <a:xfrm rot="0" flipH="0" flipV="1">
+            <a:off x="5068040" y="2276730"/>
+            <a:ext cx="565040" cy="0"/>
+          </a:xfrm>
+          <a:prstGeom prst="line">
+            <a:avLst/>
+          </a:prstGeom>
+          <a:ln w="12699" cap="flat" cmpd="sng" algn="ctr">
+            <a:solidFill>
+              <a:schemeClr val="tx1"/>
+            </a:solidFill>
+            <a:prstDash val="solid"/>
+            <a:tailEnd type="arrow" w="lg" len="lg"/>
+          </a:ln>
+        </p:spPr>
+        <p:style>
+          <a:lnRef idx="1">
+            <a:schemeClr val="accent1">
+              <a:shade val="50000"/>
+            </a:schemeClr>
+          </a:lnRef>
+          <a:fillRef idx="0">
+            <a:schemeClr val="accent1"/>
+          </a:fillRef>
+          <a:effectRef idx="0">
+            <a:schemeClr val="accent1"/>
+          </a:effectRef>
+          <a:fontRef idx="minor">
+            <a:schemeClr val="tx1"/>
+          </a:fontRef>
+        </p:style>
+      </p:cxnSp>
+      <p:sp>
+        <p:nvSpPr>
+          <p:cNvPr id="2023999763" name=""/>
+          <p:cNvSpPr txBox="1"/>
+          <p:nvPr/>
+        </p:nvSpPr>
+        <p:spPr bwMode="auto">
+          <a:xfrm flipH="0" flipV="0">
+            <a:off x="4394917" y="1951159"/>
+            <a:ext cx="431844" cy="640440"/>
+          </a:xfrm>
+          <a:prstGeom prst="rect">
+            <a:avLst/>
+          </a:prstGeom>
+          <a:noFill/>
+        </p:spPr>
+        <p:txBody>
+          <a:bodyPr vertOverflow="overflow" horzOverflow="overflow" vert="horz" wrap="none" lIns="91440" tIns="45720" rIns="91440" bIns="45720" numCol="1" spcCol="0" rtlCol="0" fromWordArt="0" anchor="t" anchorCtr="0" forceAA="0" upright="0" compatLnSpc="0">
+            <a:spAutoFit/>
+          </a:bodyPr>
+          <a:p>
+            <a:pPr>
+              <a:defRPr/>
+            </a:pPr>
+            <a:r>
+              <a:rPr lang="ru-RU" sz="3600"/>
+              <a:t>К</a:t>
+            </a:r>
+            <a:endParaRPr sz="3600"/>
+          </a:p>
+        </p:txBody>
+      </p:sp>
     </p:spTree>
   </p:cSld>
   <p:clrMapOvr>

--- a/Презентация Диплом.pptx
+++ b/Презентация Диплом.pptx
@@ -5,7 +5,7 @@
     <p:sldMasterId id="2147483648" r:id="rId1"/>
   </p:sldMasterIdLst>
   <p:notesMasterIdLst>
-    <p:notesMasterId r:id="rId18"/>
+    <p:notesMasterId r:id="rId22"/>
   </p:notesMasterIdLst>
   <p:sldIdLst>
     <p:sldId id="256" r:id="rId4"/>
@@ -22,6 +22,10 @@
     <p:sldId id="267" r:id="rId15"/>
     <p:sldId id="268" r:id="rId16"/>
     <p:sldId id="269" r:id="rId17"/>
+    <p:sldId id="270" r:id="rId18"/>
+    <p:sldId id="271" r:id="rId19"/>
+    <p:sldId id="272" r:id="rId20"/>
+    <p:sldId id="273" r:id="rId21"/>
   </p:sldIdLst>
   <p:sldSz cx="9144000" cy="6858000" type="screen4x3"/>
   <p:notesSz cx="6858000" cy="9144000"/>
@@ -771,7 +775,7 @@
       </p:grpSpPr>
       <p:sp>
         <p:nvSpPr>
-          <p:cNvPr id="2" name="Slide Image Placeholder 1"/>
+          <p:cNvPr id="1841354303" name="Slide Image Placeholder 1"/>
           <p:cNvSpPr>
             <a:spLocks noChangeAspect="1" noGrp="1" noRot="1"/>
           </p:cNvSpPr>
@@ -783,7 +787,7 @@
       </p:sp>
       <p:sp>
         <p:nvSpPr>
-          <p:cNvPr id="3" name="Notes Placeholder 2"/>
+          <p:cNvPr id="1877346097" name="Notes Placeholder 2"/>
           <p:cNvSpPr>
             <a:spLocks noGrp="1"/>
           </p:cNvSpPr>
@@ -805,7 +809,7 @@
       </p:sp>
       <p:sp>
         <p:nvSpPr>
-          <p:cNvPr id="4" name="Slide Number Placeholder 3"/>
+          <p:cNvPr id="332108436" name="Slide Number Placeholder 3"/>
           <p:cNvSpPr>
             <a:spLocks noGrp="1"/>
           </p:cNvSpPr>
@@ -821,7 +825,7 @@
             <a:pPr>
               <a:defRPr/>
             </a:pPr>
-            <a:fld id="{5664DF62-A54C-6E0D-E691-4ADAAAC93ABD}" type="slidenum">
+            <a:fld id="{74D19F50-53D8-0A92-CB58-CE83C9518328}" type="slidenum">
               <a:rPr/>
               <a:t/>
             </a:fld>
@@ -903,7 +907,7 @@
             <a:pPr>
               <a:defRPr/>
             </a:pPr>
-            <a:fld id="{0DA2FBB6-157C-063A-99FF-1B2BD3FAEF38}" type="slidenum">
+            <a:fld id="{5664DF62-A54C-6E0D-E691-4ADAAAC93ABD}" type="slidenum">
               <a:rPr/>
               <a:t/>
             </a:fld>
@@ -985,7 +989,335 @@
             <a:pPr>
               <a:defRPr/>
             </a:pPr>
-            <a:fld id="{48F3D1CA-EFB0-C31A-EA19-8644306355E6}" type="slidenum">
+            <a:fld id="{0DA2FBB6-157C-063A-99FF-1B2BD3FAEF38}" type="slidenum">
+              <a:rPr/>
+              <a:t/>
+            </a:fld>
+            <a:endParaRPr/>
+          </a:p>
+        </p:txBody>
+      </p:sp>
+    </p:spTree>
+  </p:cSld>
+</p:notes>
+</file>
+
+<file path=ppt/notesSlides/notesSlide15.xml><?xml version="1.0" encoding="utf-8"?>
+<p:notes xmlns:a="http://schemas.openxmlformats.org/drawingml/2006/main" xmlns:r="http://schemas.openxmlformats.org/officeDocument/2006/relationships" xmlns:p="http://schemas.openxmlformats.org/presentationml/2006/main" xmlns:m="http://schemas.openxmlformats.org/officeDocument/2006/math" xmlns:w="http://schemas.openxmlformats.org/wordprocessingml/2006/main">
+  <p:cSld name="">
+    <p:spTree>
+      <p:nvGrpSpPr>
+        <p:cNvPr id="1" name=""/>
+        <p:cNvGrpSpPr/>
+        <p:nvPr/>
+      </p:nvGrpSpPr>
+      <p:grpSpPr bwMode="auto">
+        <a:xfrm>
+          <a:off x="0" y="0"/>
+          <a:ext cx="0" cy="0"/>
+          <a:chOff x="0" y="0"/>
+          <a:chExt cx="0" cy="0"/>
+        </a:xfrm>
+      </p:grpSpPr>
+      <p:sp>
+        <p:nvSpPr>
+          <p:cNvPr id="811619755" name="Slide Image Placeholder 1"/>
+          <p:cNvSpPr>
+            <a:spLocks noChangeAspect="1" noGrp="1" noRot="1"/>
+          </p:cNvSpPr>
+          <p:nvPr>
+            <p:ph type="sldImg"/>
+          </p:nvPr>
+        </p:nvSpPr>
+        <p:spPr bwMode="auto"/>
+      </p:sp>
+      <p:sp>
+        <p:nvSpPr>
+          <p:cNvPr id="1785308276" name="Notes Placeholder 2"/>
+          <p:cNvSpPr>
+            <a:spLocks noGrp="1"/>
+          </p:cNvSpPr>
+          <p:nvPr>
+            <p:ph type="body" idx="1"/>
+          </p:nvPr>
+        </p:nvSpPr>
+        <p:spPr bwMode="auto"/>
+        <p:txBody>
+          <a:bodyPr/>
+          <a:lstStyle/>
+          <a:p>
+            <a:pPr>
+              <a:defRPr/>
+            </a:pPr>
+            <a:endParaRPr/>
+          </a:p>
+        </p:txBody>
+      </p:sp>
+      <p:sp>
+        <p:nvSpPr>
+          <p:cNvPr id="226159975" name="Slide Number Placeholder 3"/>
+          <p:cNvSpPr>
+            <a:spLocks noGrp="1"/>
+          </p:cNvSpPr>
+          <p:nvPr>
+            <p:ph type="sldNum" sz="quarter" idx="10"/>
+          </p:nvPr>
+        </p:nvSpPr>
+        <p:spPr bwMode="auto"/>
+        <p:txBody>
+          <a:bodyPr/>
+          <a:lstStyle/>
+          <a:p>
+            <a:pPr>
+              <a:defRPr/>
+            </a:pPr>
+            <a:fld id="{C57A80E4-684D-4D62-08C3-3A616BEAC454}" type="slidenum">
+              <a:rPr/>
+              <a:t/>
+            </a:fld>
+            <a:endParaRPr/>
+          </a:p>
+        </p:txBody>
+      </p:sp>
+    </p:spTree>
+  </p:cSld>
+</p:notes>
+</file>
+
+<file path=ppt/notesSlides/notesSlide16.xml><?xml version="1.0" encoding="utf-8"?>
+<p:notes xmlns:a="http://schemas.openxmlformats.org/drawingml/2006/main" xmlns:r="http://schemas.openxmlformats.org/officeDocument/2006/relationships" xmlns:p="http://schemas.openxmlformats.org/presentationml/2006/main" xmlns:m="http://schemas.openxmlformats.org/officeDocument/2006/math" xmlns:w="http://schemas.openxmlformats.org/wordprocessingml/2006/main">
+  <p:cSld name="">
+    <p:spTree>
+      <p:nvGrpSpPr>
+        <p:cNvPr id="1" name=""/>
+        <p:cNvGrpSpPr/>
+        <p:nvPr/>
+      </p:nvGrpSpPr>
+      <p:grpSpPr bwMode="auto">
+        <a:xfrm>
+          <a:off x="0" y="0"/>
+          <a:ext cx="0" cy="0"/>
+          <a:chOff x="0" y="0"/>
+          <a:chExt cx="0" cy="0"/>
+        </a:xfrm>
+      </p:grpSpPr>
+      <p:sp>
+        <p:nvSpPr>
+          <p:cNvPr id="982388048" name="Slide Image Placeholder 1"/>
+          <p:cNvSpPr>
+            <a:spLocks noChangeAspect="1" noGrp="1" noRot="1"/>
+          </p:cNvSpPr>
+          <p:nvPr>
+            <p:ph type="sldImg"/>
+          </p:nvPr>
+        </p:nvSpPr>
+        <p:spPr bwMode="auto"/>
+      </p:sp>
+      <p:sp>
+        <p:nvSpPr>
+          <p:cNvPr id="1866352634" name="Notes Placeholder 2"/>
+          <p:cNvSpPr>
+            <a:spLocks noGrp="1"/>
+          </p:cNvSpPr>
+          <p:nvPr>
+            <p:ph type="body" idx="1"/>
+          </p:nvPr>
+        </p:nvSpPr>
+        <p:spPr bwMode="auto"/>
+        <p:txBody>
+          <a:bodyPr/>
+          <a:lstStyle/>
+          <a:p>
+            <a:pPr>
+              <a:defRPr/>
+            </a:pPr>
+            <a:endParaRPr/>
+          </a:p>
+        </p:txBody>
+      </p:sp>
+      <p:sp>
+        <p:nvSpPr>
+          <p:cNvPr id="448354242" name="Slide Number Placeholder 3"/>
+          <p:cNvSpPr>
+            <a:spLocks noGrp="1"/>
+          </p:cNvSpPr>
+          <p:nvPr>
+            <p:ph type="sldNum" sz="quarter" idx="10"/>
+          </p:nvPr>
+        </p:nvSpPr>
+        <p:spPr bwMode="auto"/>
+        <p:txBody>
+          <a:bodyPr/>
+          <a:lstStyle/>
+          <a:p>
+            <a:pPr>
+              <a:defRPr/>
+            </a:pPr>
+            <a:fld id="{F48DB69F-BC6D-718C-78B2-28AC134A9728}" type="slidenum">
+              <a:rPr/>
+              <a:t/>
+            </a:fld>
+            <a:endParaRPr/>
+          </a:p>
+        </p:txBody>
+      </p:sp>
+    </p:spTree>
+  </p:cSld>
+</p:notes>
+</file>
+
+<file path=ppt/notesSlides/notesSlide17.xml><?xml version="1.0" encoding="utf-8"?>
+<p:notes xmlns:a="http://schemas.openxmlformats.org/drawingml/2006/main" xmlns:r="http://schemas.openxmlformats.org/officeDocument/2006/relationships" xmlns:p="http://schemas.openxmlformats.org/presentationml/2006/main" xmlns:m="http://schemas.openxmlformats.org/officeDocument/2006/math" xmlns:w="http://schemas.openxmlformats.org/wordprocessingml/2006/main">
+  <p:cSld name="">
+    <p:spTree>
+      <p:nvGrpSpPr>
+        <p:cNvPr id="1" name=""/>
+        <p:cNvGrpSpPr/>
+        <p:nvPr/>
+      </p:nvGrpSpPr>
+      <p:grpSpPr bwMode="auto">
+        <a:xfrm>
+          <a:off x="0" y="0"/>
+          <a:ext cx="0" cy="0"/>
+          <a:chOff x="0" y="0"/>
+          <a:chExt cx="0" cy="0"/>
+        </a:xfrm>
+      </p:grpSpPr>
+      <p:sp>
+        <p:nvSpPr>
+          <p:cNvPr id="1431282662" name="Slide Image Placeholder 1"/>
+          <p:cNvSpPr>
+            <a:spLocks noChangeAspect="1" noGrp="1" noRot="1"/>
+          </p:cNvSpPr>
+          <p:nvPr>
+            <p:ph type="sldImg"/>
+          </p:nvPr>
+        </p:nvSpPr>
+        <p:spPr bwMode="auto"/>
+      </p:sp>
+      <p:sp>
+        <p:nvSpPr>
+          <p:cNvPr id="2044709199" name="Notes Placeholder 2"/>
+          <p:cNvSpPr>
+            <a:spLocks noGrp="1"/>
+          </p:cNvSpPr>
+          <p:nvPr>
+            <p:ph type="body" idx="1"/>
+          </p:nvPr>
+        </p:nvSpPr>
+        <p:spPr bwMode="auto"/>
+        <p:txBody>
+          <a:bodyPr/>
+          <a:lstStyle/>
+          <a:p>
+            <a:pPr>
+              <a:defRPr/>
+            </a:pPr>
+            <a:endParaRPr/>
+          </a:p>
+        </p:txBody>
+      </p:sp>
+      <p:sp>
+        <p:nvSpPr>
+          <p:cNvPr id="1098469483" name="Slide Number Placeholder 3"/>
+          <p:cNvSpPr>
+            <a:spLocks noGrp="1"/>
+          </p:cNvSpPr>
+          <p:nvPr>
+            <p:ph type="sldNum" sz="quarter" idx="10"/>
+          </p:nvPr>
+        </p:nvSpPr>
+        <p:spPr bwMode="auto"/>
+        <p:txBody>
+          <a:bodyPr/>
+          <a:lstStyle/>
+          <a:p>
+            <a:pPr>
+              <a:defRPr/>
+            </a:pPr>
+            <a:fld id="{294F1ABC-8BEF-D9EC-DE40-2338F3835F70}" type="slidenum">
+              <a:rPr/>
+              <a:t/>
+            </a:fld>
+            <a:endParaRPr/>
+          </a:p>
+        </p:txBody>
+      </p:sp>
+    </p:spTree>
+  </p:cSld>
+</p:notes>
+</file>
+
+<file path=ppt/notesSlides/notesSlide18.xml><?xml version="1.0" encoding="utf-8"?>
+<p:notes xmlns:a="http://schemas.openxmlformats.org/drawingml/2006/main" xmlns:r="http://schemas.openxmlformats.org/officeDocument/2006/relationships" xmlns:p="http://schemas.openxmlformats.org/presentationml/2006/main" xmlns:m="http://schemas.openxmlformats.org/officeDocument/2006/math" xmlns:w="http://schemas.openxmlformats.org/wordprocessingml/2006/main">
+  <p:cSld name="">
+    <p:spTree>
+      <p:nvGrpSpPr>
+        <p:cNvPr id="1" name=""/>
+        <p:cNvGrpSpPr/>
+        <p:nvPr/>
+      </p:nvGrpSpPr>
+      <p:grpSpPr bwMode="auto">
+        <a:xfrm>
+          <a:off x="0" y="0"/>
+          <a:ext cx="0" cy="0"/>
+          <a:chOff x="0" y="0"/>
+          <a:chExt cx="0" cy="0"/>
+        </a:xfrm>
+      </p:grpSpPr>
+      <p:sp>
+        <p:nvSpPr>
+          <p:cNvPr id="1841196470" name="Slide Image Placeholder 1"/>
+          <p:cNvSpPr>
+            <a:spLocks noChangeAspect="1" noGrp="1" noRot="1"/>
+          </p:cNvSpPr>
+          <p:nvPr>
+            <p:ph type="sldImg"/>
+          </p:nvPr>
+        </p:nvSpPr>
+        <p:spPr bwMode="auto"/>
+      </p:sp>
+      <p:sp>
+        <p:nvSpPr>
+          <p:cNvPr id="223875659" name="Notes Placeholder 2"/>
+          <p:cNvSpPr>
+            <a:spLocks noGrp="1"/>
+          </p:cNvSpPr>
+          <p:nvPr>
+            <p:ph type="body" idx="1"/>
+          </p:nvPr>
+        </p:nvSpPr>
+        <p:spPr bwMode="auto"/>
+        <p:txBody>
+          <a:bodyPr/>
+          <a:lstStyle/>
+          <a:p>
+            <a:pPr>
+              <a:defRPr/>
+            </a:pPr>
+            <a:endParaRPr/>
+          </a:p>
+        </p:txBody>
+      </p:sp>
+      <p:sp>
+        <p:nvSpPr>
+          <p:cNvPr id="690611627" name="Slide Number Placeholder 3"/>
+          <p:cNvSpPr>
+            <a:spLocks noGrp="1"/>
+          </p:cNvSpPr>
+          <p:nvPr>
+            <p:ph type="sldNum" sz="quarter" idx="10"/>
+          </p:nvPr>
+        </p:nvSpPr>
+        <p:spPr bwMode="auto"/>
+        <p:txBody>
+          <a:bodyPr/>
+          <a:lstStyle/>
+          <a:p>
+            <a:pPr>
+              <a:defRPr/>
+            </a:pPr>
+            <a:fld id="{A29BEC2A-7C74-20D7-E218-B2162C149B15}" type="slidenum">
               <a:rPr/>
               <a:t/>
             </a:fld>
@@ -1231,7 +1563,7 @@
             <a:pPr>
               <a:defRPr/>
             </a:pPr>
-            <a:fld id="{54F7032D-334B-386D-4B2C-B5038D102E89}" type="slidenum">
+            <a:fld id="{2FC90B9D-9066-88B9-EE1C-D0B9E4840BCC}" type="slidenum">
               <a:rPr/>
               <a:t/>
             </a:fld>
@@ -1263,7 +1595,7 @@
       </p:grpSpPr>
       <p:sp>
         <p:nvSpPr>
-          <p:cNvPr id="677222864" name="Slide Image Placeholder 1"/>
+          <p:cNvPr id="2" name="Slide Image Placeholder 1"/>
           <p:cNvSpPr>
             <a:spLocks noChangeAspect="1" noGrp="1" noRot="1"/>
           </p:cNvSpPr>
@@ -1275,7 +1607,7 @@
       </p:sp>
       <p:sp>
         <p:nvSpPr>
-          <p:cNvPr id="1771381556" name="Notes Placeholder 2"/>
+          <p:cNvPr id="3" name="Notes Placeholder 2"/>
           <p:cNvSpPr>
             <a:spLocks noGrp="1"/>
           </p:cNvSpPr>
@@ -1297,7 +1629,7 @@
       </p:sp>
       <p:sp>
         <p:nvSpPr>
-          <p:cNvPr id="1301426921" name="Slide Number Placeholder 3"/>
+          <p:cNvPr id="4" name="Slide Number Placeholder 3"/>
           <p:cNvSpPr>
             <a:spLocks noGrp="1"/>
           </p:cNvSpPr>
@@ -1313,7 +1645,7 @@
             <a:pPr>
               <a:defRPr/>
             </a:pPr>
-            <a:fld id="{E1CAED83-C9CC-6142-7321-50D8A77A4C5D}" type="slidenum">
+            <a:fld id="{54F7032D-334B-386D-4B2C-B5038D102E89}" type="slidenum">
               <a:rPr/>
               <a:t/>
             </a:fld>
@@ -5160,7 +5492,7 @@
                 <a:ea typeface="Arial"/>
                 <a:cs typeface="Arial"/>
               </a:rPr>
-              <a:t>Обнаружение синхрогруппы</a:t>
+              <a:t>Сравнение методов</a:t>
             </a:r>
             <a:endParaRPr/>
           </a:p>
@@ -5196,28 +5528,6 @@
           </a:p>
         </p:txBody>
       </p:sp>
-      <p:pic>
-        <p:nvPicPr>
-          <p:cNvPr id="670269446" name=""/>
-          <p:cNvPicPr>
-            <a:picLocks noChangeAspect="1"/>
-          </p:cNvPicPr>
-          <p:nvPr/>
-        </p:nvPicPr>
-        <p:blipFill>
-          <a:blip r:embed="rId3"/>
-          <a:stretch/>
-        </p:blipFill>
-        <p:spPr bwMode="auto">
-          <a:xfrm rot="0" flipH="0" flipV="0">
-            <a:off x="1601787" y="1299498"/>
-            <a:ext cx="5940424" cy="3032091"/>
-          </a:xfrm>
-          <a:prstGeom prst="rect">
-            <a:avLst/>
-          </a:prstGeom>
-        </p:spPr>
-      </p:pic>
       <p:graphicFrame>
         <p:nvGraphicFramePr>
           <p:cNvPr id="1376524400" name=""/>
@@ -5567,7 +5877,7 @@
                             <a:schemeClr val="tx1"/>
                           </a:solidFill>
                         </a:rPr>
-                        <a:t>-2.7</a:t>
+                        <a:t>5.8</a:t>
                       </a:r>
                       <a:endParaRPr sz="1400" b="0">
                         <a:solidFill>
@@ -5618,7 +5928,7 @@
                             <a:schemeClr val="tx1"/>
                           </a:solidFill>
                         </a:rPr>
-                        <a:t>5.8</a:t>
+                        <a:t>-2.7</a:t>
                       </a:r>
                       <a:endParaRPr sz="1400" b="0">
                         <a:solidFill>
@@ -5658,6 +5968,28 @@
           </a:graphicData>
         </a:graphic>
       </p:graphicFrame>
+      <p:pic>
+        <p:nvPicPr>
+          <p:cNvPr id="165138951" name=""/>
+          <p:cNvPicPr>
+            <a:picLocks noChangeAspect="1"/>
+          </p:cNvPicPr>
+          <p:nvPr/>
+        </p:nvPicPr>
+        <p:blipFill>
+          <a:blip r:embed="rId3"/>
+          <a:stretch/>
+        </p:blipFill>
+        <p:spPr bwMode="auto">
+          <a:xfrm flipH="0" flipV="0">
+            <a:off x="1393350" y="1095374"/>
+            <a:ext cx="6357295" cy="3244869"/>
+          </a:xfrm>
+          <a:prstGeom prst="rect">
+            <a:avLst/>
+          </a:prstGeom>
+        </p:spPr>
+      </p:pic>
     </p:spTree>
   </p:cSld>
   <p:clrMapOvr>
@@ -5749,7 +6081,7 @@
       </p:sp>
       <p:pic>
         <p:nvPicPr>
-          <p:cNvPr id="272131135" name=""/>
+          <p:cNvPr id="1774811169" name=""/>
           <p:cNvPicPr>
             <a:picLocks noChangeAspect="1"/>
           </p:cNvPicPr>
@@ -5761,8 +6093,8 @@
         </p:blipFill>
         <p:spPr bwMode="auto">
           <a:xfrm flipH="0" flipV="0">
-            <a:off x="1036726" y="1068567"/>
-            <a:ext cx="7070545" cy="5231539"/>
+            <a:off x="1138894" y="1083190"/>
+            <a:ext cx="6866210" cy="5327118"/>
           </a:xfrm>
           <a:prstGeom prst="rect">
             <a:avLst/>
@@ -5804,7 +6136,7 @@
       </p:grpSpPr>
       <p:sp>
         <p:nvSpPr>
-          <p:cNvPr id="2" name="Title 1"/>
+          <p:cNvPr id="163600991" name="Title 1"/>
           <p:cNvSpPr>
             <a:spLocks noGrp="1"/>
           </p:cNvSpPr>
@@ -5814,23 +6146,25 @@
         </p:nvSpPr>
         <p:spPr bwMode="auto"/>
         <p:txBody>
-          <a:bodyPr/>
+          <a:bodyPr vertOverflow="overflow" horzOverflow="overflow" vert="horz" wrap="square" lIns="91440" tIns="45720" rIns="91440" bIns="45720" numCol="1" spcCol="0" rtlCol="0" fromWordArt="0" anchor="ctr" anchorCtr="0" forceAA="0" upright="0" compatLnSpc="0">
+            <a:normAutofit/>
+          </a:bodyPr>
           <a:lstStyle/>
           <a:p>
             <a:pPr algn="l">
               <a:defRPr/>
             </a:pPr>
             <a:r>
-              <a:rPr lang="ru-RU"/>
-              <a:t>Быстродействие</a:t>
-            </a:r>
-            <a:endParaRPr lang="ru-RU"/>
-          </a:p>
-        </p:txBody>
-      </p:sp>
-      <p:sp>
-        <p:nvSpPr>
-          <p:cNvPr id="5" name="Нижний колонтитул 4"/>
+              <a:rPr lang="ru-RU" sz="2800"/>
+              <a:t>Структура реализованного программного модуля</a:t>
+            </a:r>
+            <a:endParaRPr lang="ru-RU" sz="2800"/>
+          </a:p>
+        </p:txBody>
+      </p:sp>
+      <p:sp>
+        <p:nvSpPr>
+          <p:cNvPr id="823581223" name="Нижний колонтитул 7"/>
           <p:cNvSpPr>
             <a:spLocks noGrp="1"/>
           </p:cNvSpPr>
@@ -5853,6 +6187,117 @@
                 </a:solidFill>
               </a:rPr>
               <a:t>12/14</a:t>
+            </a:r>
+            <a:endParaRPr lang="ru-RU"/>
+          </a:p>
+        </p:txBody>
+      </p:sp>
+      <p:pic>
+        <p:nvPicPr>
+          <p:cNvPr id="569011277" name=""/>
+          <p:cNvPicPr>
+            <a:picLocks noChangeAspect="1"/>
+          </p:cNvPicPr>
+          <p:nvPr/>
+        </p:nvPicPr>
+        <p:blipFill>
+          <a:blip r:embed="rId3"/>
+          <a:stretch/>
+        </p:blipFill>
+        <p:spPr bwMode="auto">
+          <a:xfrm flipH="0" flipV="0">
+            <a:off x="514059" y="1334129"/>
+            <a:ext cx="8115879" cy="4786975"/>
+          </a:xfrm>
+          <a:prstGeom prst="rect">
+            <a:avLst/>
+          </a:prstGeom>
+        </p:spPr>
+      </p:pic>
+    </p:spTree>
+  </p:cSld>
+  <p:clrMapOvr>
+    <a:masterClrMapping/>
+  </p:clrMapOvr>
+  <mc:AlternateContent xmlns:mc="http://schemas.openxmlformats.org/markup-compatibility/2006">
+    <mc:Choice xmlns:p159="http://schemas.microsoft.com/office/powerpoint/2015/09/main" xmlns:p14="http://schemas.microsoft.com/office/powerpoint/2010/main" Requires="p159">
+      <p:transition p14:dur="2000" advClick="1"/>
+    </mc:Choice>
+    <mc:Fallback>
+      <p:transition advClick="1"/>
+    </mc:Fallback>
+  </mc:AlternateContent>
+</p:sld>
+</file>
+
+<file path=ppt/slides/slide13.xml><?xml version="1.0" encoding="utf-8"?>
+<p:sld xmlns:a="http://schemas.openxmlformats.org/drawingml/2006/main" xmlns:r="http://schemas.openxmlformats.org/officeDocument/2006/relationships" xmlns:p="http://schemas.openxmlformats.org/presentationml/2006/main" xmlns:m="http://schemas.openxmlformats.org/officeDocument/2006/math" xmlns:w="http://schemas.openxmlformats.org/wordprocessingml/2006/main" showMasterPhAnim="0" show="1">
+  <p:cSld name="">
+    <p:spTree>
+      <p:nvGrpSpPr>
+        <p:cNvPr id="1" name=""/>
+        <p:cNvGrpSpPr/>
+        <p:nvPr/>
+      </p:nvGrpSpPr>
+      <p:grpSpPr bwMode="auto">
+        <a:xfrm>
+          <a:off x="0" y="0"/>
+          <a:ext cx="0" cy="0"/>
+          <a:chOff x="0" y="0"/>
+          <a:chExt cx="0" cy="0"/>
+        </a:xfrm>
+      </p:grpSpPr>
+      <p:sp>
+        <p:nvSpPr>
+          <p:cNvPr id="2" name="Title 1"/>
+          <p:cNvSpPr>
+            <a:spLocks noGrp="1"/>
+          </p:cNvSpPr>
+          <p:nvPr>
+            <p:ph type="title"/>
+          </p:nvPr>
+        </p:nvSpPr>
+        <p:spPr bwMode="auto"/>
+        <p:txBody>
+          <a:bodyPr/>
+          <a:lstStyle/>
+          <a:p>
+            <a:pPr algn="l">
+              <a:defRPr/>
+            </a:pPr>
+            <a:r>
+              <a:rPr lang="ru-RU"/>
+              <a:t>Быстродействие</a:t>
+            </a:r>
+            <a:endParaRPr lang="ru-RU"/>
+          </a:p>
+        </p:txBody>
+      </p:sp>
+      <p:sp>
+        <p:nvSpPr>
+          <p:cNvPr id="5" name="Нижний колонтитул 4"/>
+          <p:cNvSpPr>
+            <a:spLocks noGrp="1"/>
+          </p:cNvSpPr>
+          <p:nvPr>
+            <p:ph type="ftr" sz="quarter" idx="11"/>
+          </p:nvPr>
+        </p:nvSpPr>
+        <p:spPr bwMode="auto"/>
+        <p:txBody>
+          <a:bodyPr/>
+          <a:lstStyle/>
+          <a:p>
+            <a:pPr>
+              <a:defRPr/>
+            </a:pPr>
+            <a:r>
+              <a:rPr lang="ru-RU">
+                <a:solidFill>
+                  <a:schemeClr val="tx1"/>
+                </a:solidFill>
+              </a:rPr>
+              <a:t>13/14</a:t>
             </a:r>
             <a:endParaRPr lang="ru-RU"/>
           </a:p>
@@ -5882,7 +6327,7 @@
                 <a:gridCol w="1824721"/>
                 <a:gridCol w="1824721"/>
               </a:tblGrid>
-              <a:tr h="431540">
+              <a:tr h="540408">
                 <a:tc rowSpan="2">
                   <a:txBody>
                     <a:bodyPr/>
@@ -5894,34 +6339,21 @@
                         <a:defRPr/>
                       </a:pPr>
                       <a:r>
-                        <a:rPr sz="1600">
+                        <a:rPr sz="2400">
                           <a:solidFill>
                             <a:schemeClr val="tx1"/>
                           </a:solidFill>
                         </a:rPr>
                         <a:t>Этап</a:t>
                       </a:r>
-                      <a:endParaRPr sz="1600">
-                        <a:solidFill>
-                          <a:schemeClr val="tx1"/>
-                        </a:solidFill>
-                      </a:endParaRPr>
-                    </a:p>
-                    <a:p>
-                      <a:pPr indent="0" algn="ctr">
-                        <a:lnSpc>
-                          <a:spcPct val="150000"/>
-                        </a:lnSpc>
-                        <a:defRPr/>
-                      </a:pPr>
-                      <a:endParaRPr sz="1600">
+                      <a:endParaRPr sz="1800">
                         <a:solidFill>
                           <a:schemeClr val="tx1"/>
                         </a:solidFill>
                       </a:endParaRPr>
                     </a:p>
                   </a:txBody>
-                  <a:tcPr vert="horz">
+                  <a:tcPr vert="horz" anchor="ctr">
                     <a:lnL w="12699" algn="ctr">
                       <a:solidFill>
                         <a:srgbClr val="000000"/>
@@ -5958,21 +6390,21 @@
                         <a:defRPr/>
                       </a:pPr>
                       <a:r>
-                        <a:rPr sz="1600">
+                        <a:rPr sz="2000">
                           <a:solidFill>
                             <a:schemeClr val="tx1"/>
                           </a:solidFill>
                         </a:rPr>
                         <a:t>Время, мкс</a:t>
                       </a:r>
-                      <a:endParaRPr sz="1600">
+                      <a:endParaRPr sz="1400">
                         <a:solidFill>
                           <a:schemeClr val="tx1"/>
                         </a:solidFill>
                       </a:endParaRPr>
                     </a:p>
                   </a:txBody>
-                  <a:tcPr vert="horz">
+                  <a:tcPr vert="horz" anchor="ctr">
                     <a:lnL w="12699" algn="ctr">
                       <a:solidFill>
                         <a:srgbClr val="000000"/>
@@ -6015,7 +6447,7 @@
                   </a:txBody>
                 </a:tc>
               </a:tr>
-              <a:tr h="1560864">
+              <a:tr h="1809679">
                 <a:tc vMerge="1">
                   <a:txBody>
                     <a:bodyPr/>
@@ -6060,21 +6492,21 @@
                         <a:defRPr/>
                       </a:pPr>
                       <a:r>
-                        <a:rPr sz="1600">
+                        <a:rPr sz="1400">
                           <a:solidFill>
                             <a:schemeClr val="tx1"/>
                           </a:solidFill>
                         </a:rPr>
                         <a:t>По комплексным отсчетам</a:t>
                       </a:r>
-                      <a:endParaRPr sz="1600">
+                      <a:endParaRPr sz="1400">
                         <a:solidFill>
                           <a:schemeClr val="tx1"/>
                         </a:solidFill>
                       </a:endParaRPr>
                     </a:p>
                   </a:txBody>
-                  <a:tcPr vert="horz">
+                  <a:tcPr vert="horz" anchor="ctr">
                     <a:lnL w="12699" algn="ctr">
                       <a:solidFill>
                         <a:srgbClr val="000000"/>
@@ -6111,21 +6543,21 @@
                         <a:defRPr/>
                       </a:pPr>
                       <a:r>
-                        <a:rPr sz="1600">
+                        <a:rPr sz="1400">
                           <a:solidFill>
                             <a:schemeClr val="tx1"/>
                           </a:solidFill>
                         </a:rPr>
                         <a:t>По демодулированным символам</a:t>
                       </a:r>
-                      <a:endParaRPr sz="1600">
+                      <a:endParaRPr sz="1400">
                         <a:solidFill>
                           <a:schemeClr val="tx1"/>
                         </a:solidFill>
                       </a:endParaRPr>
                     </a:p>
                   </a:txBody>
-                  <a:tcPr vert="horz">
+                  <a:tcPr vert="horz" anchor="ctr">
                     <a:lnL w="12699" algn="ctr">
                       <a:solidFill>
                         <a:srgbClr val="000000"/>
@@ -6162,21 +6594,21 @@
                         <a:defRPr/>
                       </a:pPr>
                       <a:r>
-                        <a:rPr sz="1600">
+                        <a:rPr sz="1400">
                           <a:solidFill>
                             <a:schemeClr val="tx1"/>
                           </a:solidFill>
                         </a:rPr>
                         <a:t>По демодулированным отсчетам частоты</a:t>
                       </a:r>
-                      <a:endParaRPr sz="1600">
+                      <a:endParaRPr sz="1400">
                         <a:solidFill>
                           <a:schemeClr val="tx1"/>
                         </a:solidFill>
                       </a:endParaRPr>
                     </a:p>
                   </a:txBody>
-                  <a:tcPr vert="horz">
+                  <a:tcPr vert="horz" anchor="ctr">
                     <a:lnL w="12699" algn="ctr">
                       <a:solidFill>
                         <a:srgbClr val="000000"/>
@@ -6203,7 +6635,7 @@
                   </a:tcPr>
                 </a:tc>
               </a:tr>
-              <a:tr h="694600">
+              <a:tr h="540408">
                 <a:tc>
                   <a:txBody>
                     <a:bodyPr/>
@@ -6215,21 +6647,221 @@
                         <a:defRPr/>
                       </a:pPr>
                       <a:r>
-                        <a:rPr sz="1600">
+                        <a:rPr sz="1800">
                           <a:solidFill>
                             <a:schemeClr val="tx1"/>
                           </a:solidFill>
                         </a:rPr>
-                        <a:t>Коррекция частотной ошибки</a:t>
+                        <a:t>Обнаружение</a:t>
                       </a:r>
-                      <a:endParaRPr sz="1600">
+                      <a:endParaRPr sz="1800">
                         <a:solidFill>
                           <a:schemeClr val="tx1"/>
                         </a:solidFill>
                       </a:endParaRPr>
                     </a:p>
                   </a:txBody>
-                  <a:tcPr vert="horz">
+                  <a:tcPr vert="horz" anchor="ctr">
+                    <a:lnL w="12699" algn="ctr">
+                      <a:solidFill>
+                        <a:srgbClr val="000000"/>
+                      </a:solidFill>
+                    </a:lnL>
+                    <a:lnR w="12699" algn="ctr">
+                      <a:solidFill>
+                        <a:srgbClr val="000000"/>
+                      </a:solidFill>
+                    </a:lnR>
+                    <a:lnT w="12699" algn="ctr">
+                      <a:solidFill>
+                        <a:srgbClr val="000000"/>
+                      </a:solidFill>
+                    </a:lnT>
+                    <a:lnB w="12699" algn="ctr">
+                      <a:solidFill>
+                        <a:srgbClr val="000000"/>
+                      </a:solidFill>
+                    </a:lnB>
+                    <a:solidFill>
+                      <a:schemeClr val="bg1"/>
+                    </a:solidFill>
+                  </a:tcPr>
+                </a:tc>
+                <a:tc>
+                  <a:txBody>
+                    <a:bodyPr/>
+                    <a:p>
+                      <a:pPr indent="0" algn="ctr">
+                        <a:lnSpc>
+                          <a:spcPct val="150000"/>
+                        </a:lnSpc>
+                        <a:defRPr/>
+                      </a:pPr>
+                      <a:r>
+                        <a:rPr sz="2000">
+                          <a:solidFill>
+                            <a:schemeClr val="tx1"/>
+                          </a:solidFill>
+                        </a:rPr>
+                        <a:t>27</a:t>
+                      </a:r>
+                      <a:endParaRPr sz="2000">
+                        <a:solidFill>
+                          <a:schemeClr val="tx1"/>
+                        </a:solidFill>
+                      </a:endParaRPr>
+                    </a:p>
+                  </a:txBody>
+                  <a:tcPr vert="horz" anchor="ctr">
+                    <a:lnL w="12699" algn="ctr">
+                      <a:solidFill>
+                        <a:srgbClr val="000000"/>
+                      </a:solidFill>
+                    </a:lnL>
+                    <a:lnR w="12699" algn="ctr">
+                      <a:solidFill>
+                        <a:srgbClr val="000000"/>
+                      </a:solidFill>
+                    </a:lnR>
+                    <a:lnT w="12699" algn="ctr">
+                      <a:solidFill>
+                        <a:srgbClr val="000000"/>
+                      </a:solidFill>
+                    </a:lnT>
+                    <a:lnB w="12699" algn="ctr">
+                      <a:solidFill>
+                        <a:srgbClr val="000000"/>
+                      </a:solidFill>
+                    </a:lnB>
+                    <a:solidFill>
+                      <a:schemeClr val="bg1"/>
+                    </a:solidFill>
+                  </a:tcPr>
+                </a:tc>
+                <a:tc>
+                  <a:txBody>
+                    <a:bodyPr/>
+                    <a:p>
+                      <a:pPr indent="0" algn="ctr">
+                        <a:defRPr/>
+                      </a:pPr>
+                      <a:r>
+                        <a:rPr sz="2000">
+                          <a:solidFill>
+                            <a:schemeClr val="tx1"/>
+                          </a:solidFill>
+                        </a:rPr>
+                        <a:t>20</a:t>
+                      </a:r>
+                      <a:endParaRPr sz="2000">
+                        <a:solidFill>
+                          <a:schemeClr val="tx1"/>
+                        </a:solidFill>
+                      </a:endParaRPr>
+                    </a:p>
+                  </a:txBody>
+                  <a:tcPr vert="horz" anchor="ctr">
+                    <a:lnL w="12699" algn="ctr">
+                      <a:solidFill>
+                        <a:srgbClr val="000000"/>
+                      </a:solidFill>
+                    </a:lnL>
+                    <a:lnR w="12699" algn="ctr">
+                      <a:solidFill>
+                        <a:srgbClr val="000000"/>
+                      </a:solidFill>
+                    </a:lnR>
+                    <a:lnT w="12699" algn="ctr">
+                      <a:solidFill>
+                        <a:srgbClr val="000000"/>
+                      </a:solidFill>
+                    </a:lnT>
+                    <a:lnB w="12699" algn="ctr">
+                      <a:solidFill>
+                        <a:srgbClr val="000000"/>
+                      </a:solidFill>
+                    </a:lnB>
+                    <a:solidFill>
+                      <a:schemeClr val="bg1"/>
+                    </a:solidFill>
+                  </a:tcPr>
+                </a:tc>
+                <a:tc>
+                  <a:txBody>
+                    <a:bodyPr/>
+                    <a:p>
+                      <a:pPr algn="ctr">
+                        <a:defRPr/>
+                      </a:pPr>
+                      <a:r>
+                        <a:rPr sz="2000">
+                          <a:solidFill>
+                            <a:schemeClr val="tx1"/>
+                          </a:solidFill>
+                        </a:rPr>
+                        <a:t>17</a:t>
+                      </a:r>
+                      <a:endParaRPr sz="2000">
+                        <a:solidFill>
+                          <a:schemeClr val="tx1"/>
+                        </a:solidFill>
+                      </a:endParaRPr>
+                    </a:p>
+                  </a:txBody>
+                  <a:tcPr vert="horz" anchor="ctr">
+                    <a:lnL w="12699" algn="ctr">
+                      <a:solidFill>
+                        <a:srgbClr val="000000"/>
+                      </a:solidFill>
+                    </a:lnL>
+                    <a:lnR w="12699" algn="ctr">
+                      <a:solidFill>
+                        <a:srgbClr val="000000"/>
+                      </a:solidFill>
+                    </a:lnR>
+                    <a:lnT w="12699" algn="ctr">
+                      <a:solidFill>
+                        <a:srgbClr val="000000"/>
+                      </a:solidFill>
+                    </a:lnT>
+                    <a:lnB w="12699" algn="ctr">
+                      <a:solidFill>
+                        <a:srgbClr val="000000"/>
+                      </a:solidFill>
+                    </a:lnB>
+                    <a:solidFill>
+                      <a:schemeClr val="bg1"/>
+                    </a:solidFill>
+                  </a:tcPr>
+                </a:tc>
+              </a:tr>
+              <a:tr h="540408">
+                <a:tc>
+                  <a:txBody>
+                    <a:bodyPr/>
+                    <a:p>
+                      <a:pPr indent="0" algn="ctr">
+                        <a:lnSpc>
+                          <a:spcPct val="150000"/>
+                        </a:lnSpc>
+                        <a:defRPr/>
+                      </a:pPr>
+                      <a:r>
+                        <a:rPr sz="1800">
+                          <a:solidFill>
+                            <a:schemeClr val="tx1"/>
+                          </a:solidFill>
+                        </a:rPr>
+                        <a:t>Демодуляция </a:t>
+                      </a:r>
+                      <a:endParaRPr sz="1800">
+                        <a:solidFill>
+                          <a:schemeClr val="tx1"/>
+                        </a:solidFill>
+                      </a:endParaRPr>
+                    </a:p>
+                  </a:txBody>
+                  <a:tcPr vert="horz" anchor="ctr">
                     <a:lnL w="12699" algn="ctr">
                       <a:solidFill>
                         <a:srgbClr val="000000"/>
@@ -6266,21 +6898,21 @@
                         <a:defRPr/>
                       </a:pPr>
                       <a:r>
-                        <a:rPr sz="1600">
+                        <a:rPr sz="2000">
                           <a:solidFill>
                             <a:schemeClr val="tx1"/>
                           </a:solidFill>
                         </a:rPr>
-                        <a:t>19</a:t>
+                        <a:t>21</a:t>
                       </a:r>
-                      <a:endParaRPr sz="1600">
+                      <a:endParaRPr sz="2000">
                         <a:solidFill>
                           <a:schemeClr val="tx1"/>
                         </a:solidFill>
                       </a:endParaRPr>
                     </a:p>
                   </a:txBody>
-                  <a:tcPr vert="horz">
+                  <a:tcPr vert="horz" anchor="ctr">
                     <a:lnL w="12699" algn="ctr">
                       <a:solidFill>
                         <a:srgbClr val="000000"/>
@@ -6323,7 +6955,7 @@
                   </a:txBody>
                 </a:tc>
               </a:tr>
-              <a:tr h="431540">
+              <a:tr h="540408">
                 <a:tc>
                   <a:txBody>
                     <a:bodyPr/>
@@ -6335,221 +6967,21 @@
                         <a:defRPr/>
                       </a:pPr>
                       <a:r>
-                        <a:rPr sz="1600">
+                        <a:rPr sz="1800">
                           <a:solidFill>
                             <a:schemeClr val="tx1"/>
                           </a:solidFill>
                         </a:rPr>
-                        <a:t>Обнаружение</a:t>
+                        <a:t>Декодирование</a:t>
                       </a:r>
-                      <a:endParaRPr sz="1600">
+                      <a:endParaRPr sz="1800">
                         <a:solidFill>
                           <a:schemeClr val="tx1"/>
                         </a:solidFill>
                       </a:endParaRPr>
                     </a:p>
                   </a:txBody>
-                  <a:tcPr vert="horz">
-                    <a:lnL w="12699" algn="ctr">
-                      <a:solidFill>
-                        <a:srgbClr val="000000"/>
-                      </a:solidFill>
-                    </a:lnL>
-                    <a:lnR w="12699" algn="ctr">
-                      <a:solidFill>
-                        <a:srgbClr val="000000"/>
-                      </a:solidFill>
-                    </a:lnR>
-                    <a:lnT w="12699" algn="ctr">
-                      <a:solidFill>
-                        <a:srgbClr val="000000"/>
-                      </a:solidFill>
-                    </a:lnT>
-                    <a:lnB w="12699" algn="ctr">
-                      <a:solidFill>
-                        <a:srgbClr val="000000"/>
-                      </a:solidFill>
-                    </a:lnB>
-                    <a:solidFill>
-                      <a:schemeClr val="bg1"/>
-                    </a:solidFill>
-                  </a:tcPr>
-                </a:tc>
-                <a:tc>
-                  <a:txBody>
-                    <a:bodyPr/>
-                    <a:p>
-                      <a:pPr indent="0" algn="ctr">
-                        <a:lnSpc>
-                          <a:spcPct val="150000"/>
-                        </a:lnSpc>
-                        <a:defRPr/>
-                      </a:pPr>
-                      <a:r>
-                        <a:rPr sz="1600">
-                          <a:solidFill>
-                            <a:schemeClr val="tx1"/>
-                          </a:solidFill>
-                        </a:rPr>
-                        <a:t>27</a:t>
-                      </a:r>
-                      <a:endParaRPr sz="1600">
-                        <a:solidFill>
-                          <a:schemeClr val="tx1"/>
-                        </a:solidFill>
-                      </a:endParaRPr>
-                    </a:p>
-                  </a:txBody>
-                  <a:tcPr vert="horz">
-                    <a:lnL w="12699" algn="ctr">
-                      <a:solidFill>
-                        <a:srgbClr val="000000"/>
-                      </a:solidFill>
-                    </a:lnL>
-                    <a:lnR w="12699" algn="ctr">
-                      <a:solidFill>
-                        <a:srgbClr val="000000"/>
-                      </a:solidFill>
-                    </a:lnR>
-                    <a:lnT w="12699" algn="ctr">
-                      <a:solidFill>
-                        <a:srgbClr val="000000"/>
-                      </a:solidFill>
-                    </a:lnT>
-                    <a:lnB w="12699" algn="ctr">
-                      <a:solidFill>
-                        <a:srgbClr val="000000"/>
-                      </a:solidFill>
-                    </a:lnB>
-                    <a:solidFill>
-                      <a:schemeClr val="bg1"/>
-                    </a:solidFill>
-                  </a:tcPr>
-                </a:tc>
-                <a:tc>
-                  <a:txBody>
-                    <a:bodyPr/>
-                    <a:p>
-                      <a:pPr indent="0" algn="ctr">
-                        <a:defRPr/>
-                      </a:pPr>
-                      <a:r>
-                        <a:rPr sz="1600">
-                          <a:solidFill>
-                            <a:schemeClr val="tx1"/>
-                          </a:solidFill>
-                        </a:rPr>
-                        <a:t>20</a:t>
-                      </a:r>
-                      <a:endParaRPr sz="1600">
-                        <a:solidFill>
-                          <a:schemeClr val="tx1"/>
-                        </a:solidFill>
-                      </a:endParaRPr>
-                    </a:p>
-                  </a:txBody>
-                  <a:tcPr vert="horz">
-                    <a:lnL w="12699" algn="ctr">
-                      <a:solidFill>
-                        <a:srgbClr val="000000"/>
-                      </a:solidFill>
-                    </a:lnL>
-                    <a:lnR w="12699" algn="ctr">
-                      <a:solidFill>
-                        <a:srgbClr val="000000"/>
-                      </a:solidFill>
-                    </a:lnR>
-                    <a:lnT w="12699" algn="ctr">
-                      <a:solidFill>
-                        <a:srgbClr val="000000"/>
-                      </a:solidFill>
-                    </a:lnT>
-                    <a:lnB w="12699" algn="ctr">
-                      <a:solidFill>
-                        <a:srgbClr val="000000"/>
-                      </a:solidFill>
-                    </a:lnB>
-                    <a:solidFill>
-                      <a:schemeClr val="bg1"/>
-                    </a:solidFill>
-                  </a:tcPr>
-                </a:tc>
-                <a:tc>
-                  <a:txBody>
-                    <a:bodyPr/>
-                    <a:p>
-                      <a:pPr algn="ctr">
-                        <a:defRPr/>
-                      </a:pPr>
-                      <a:r>
-                        <a:rPr sz="1600">
-                          <a:solidFill>
-                            <a:schemeClr val="tx1"/>
-                          </a:solidFill>
-                        </a:rPr>
-                        <a:t>17</a:t>
-                      </a:r>
-                      <a:endParaRPr sz="1600">
-                        <a:solidFill>
-                          <a:schemeClr val="tx1"/>
-                        </a:solidFill>
-                      </a:endParaRPr>
-                    </a:p>
-                  </a:txBody>
-                  <a:tcPr vert="horz">
-                    <a:lnL w="12699" algn="ctr">
-                      <a:solidFill>
-                        <a:srgbClr val="000000"/>
-                      </a:solidFill>
-                    </a:lnL>
-                    <a:lnR w="12699" algn="ctr">
-                      <a:solidFill>
-                        <a:srgbClr val="000000"/>
-                      </a:solidFill>
-                    </a:lnR>
-                    <a:lnT w="12699" algn="ctr">
-                      <a:solidFill>
-                        <a:srgbClr val="000000"/>
-                      </a:solidFill>
-                    </a:lnT>
-                    <a:lnB w="12699" algn="ctr">
-                      <a:solidFill>
-                        <a:srgbClr val="000000"/>
-                      </a:solidFill>
-                    </a:lnB>
-                    <a:solidFill>
-                      <a:schemeClr val="bg1"/>
-                    </a:solidFill>
-                  </a:tcPr>
-                </a:tc>
-              </a:tr>
-              <a:tr h="431540">
-                <a:tc>
-                  <a:txBody>
-                    <a:bodyPr/>
-                    <a:p>
-                      <a:pPr indent="0" algn="ctr">
-                        <a:lnSpc>
-                          <a:spcPct val="150000"/>
-                        </a:lnSpc>
-                        <a:defRPr/>
-                      </a:pPr>
-                      <a:r>
-                        <a:rPr sz="1600">
-                          <a:solidFill>
-                            <a:schemeClr val="tx1"/>
-                          </a:solidFill>
-                        </a:rPr>
-                        <a:t>Демодуляция </a:t>
-                      </a:r>
-                      <a:endParaRPr sz="1600">
-                        <a:solidFill>
-                          <a:schemeClr val="tx1"/>
-                        </a:solidFill>
-                      </a:endParaRPr>
-                    </a:p>
-                  </a:txBody>
-                  <a:tcPr vert="horz">
+                  <a:tcPr vert="horz" anchor="ctr">
                     <a:lnL w="12699" algn="ctr">
                       <a:solidFill>
                         <a:srgbClr val="000000"/>
@@ -6586,21 +7018,21 @@
                         <a:defRPr/>
                       </a:pPr>
                       <a:r>
-                        <a:rPr sz="1600">
+                        <a:rPr sz="2000">
                           <a:solidFill>
                             <a:schemeClr val="tx1"/>
                           </a:solidFill>
                         </a:rPr>
-                        <a:t>21</a:t>
+                        <a:t>5</a:t>
                       </a:r>
-                      <a:endParaRPr sz="1600">
+                      <a:endParaRPr sz="2000">
                         <a:solidFill>
                           <a:schemeClr val="tx1"/>
                         </a:solidFill>
                       </a:endParaRPr>
                     </a:p>
                   </a:txBody>
-                  <a:tcPr vert="horz">
+                  <a:tcPr vert="horz" anchor="ctr">
                     <a:lnL w="12699" algn="ctr">
                       <a:solidFill>
                         <a:srgbClr val="000000"/>
@@ -6643,7 +7075,7 @@
                   </a:txBody>
                 </a:tc>
               </a:tr>
-              <a:tr h="431540">
+              <a:tr h="540408">
                 <a:tc>
                   <a:txBody>
                     <a:bodyPr/>
@@ -6655,21 +7087,21 @@
                         <a:defRPr/>
                       </a:pPr>
                       <a:r>
-                        <a:rPr sz="1600">
+                        <a:rPr sz="1800">
                           <a:solidFill>
                             <a:schemeClr val="tx1"/>
                           </a:solidFill>
                         </a:rPr>
-                        <a:t>Декодирование</a:t>
+                        <a:t>Полный цикл</a:t>
                       </a:r>
-                      <a:endParaRPr sz="1600">
+                      <a:endParaRPr sz="1800">
                         <a:solidFill>
                           <a:schemeClr val="tx1"/>
                         </a:solidFill>
                       </a:endParaRPr>
                     </a:p>
                   </a:txBody>
-                  <a:tcPr vert="horz">
+                  <a:tcPr vert="horz" anchor="ctr">
                     <a:lnL w="12699" algn="ctr">
                       <a:solidFill>
                         <a:srgbClr val="000000"/>
@@ -6706,141 +7138,21 @@
                         <a:defRPr/>
                       </a:pPr>
                       <a:r>
-                        <a:rPr sz="1600">
+                        <a:rPr sz="2000">
                           <a:solidFill>
                             <a:schemeClr val="tx1"/>
                           </a:solidFill>
                         </a:rPr>
-                        <a:t>5</a:t>
+                        <a:t>1725</a:t>
                       </a:r>
-                      <a:endParaRPr sz="1600">
+                      <a:endParaRPr sz="2000">
                         <a:solidFill>
                           <a:schemeClr val="tx1"/>
                         </a:solidFill>
                       </a:endParaRPr>
                     </a:p>
                   </a:txBody>
-                  <a:tcPr vert="horz">
-                    <a:lnL w="12699" algn="ctr">
-                      <a:solidFill>
-                        <a:srgbClr val="000000"/>
-                      </a:solidFill>
-                    </a:lnL>
-                    <a:lnR w="12699" algn="ctr">
-                      <a:solidFill>
-                        <a:srgbClr val="000000"/>
-                      </a:solidFill>
-                    </a:lnR>
-                    <a:lnT w="12699" algn="ctr">
-                      <a:solidFill>
-                        <a:srgbClr val="000000"/>
-                      </a:solidFill>
-                    </a:lnT>
-                    <a:lnB w="12699" algn="ctr">
-                      <a:solidFill>
-                        <a:srgbClr val="000000"/>
-                      </a:solidFill>
-                    </a:lnB>
-                    <a:solidFill>
-                      <a:schemeClr val="bg1"/>
-                    </a:solidFill>
-                  </a:tcPr>
-                </a:tc>
-                <a:tc hMerge="1">
-                  <a:txBody>
-                    <a:bodyPr/>
-                    <a:p>
-                      <a:endParaRPr/>
-                    </a:p>
-                  </a:txBody>
-                </a:tc>
-                <a:tc hMerge="1">
-                  <a:txBody>
-                    <a:bodyPr/>
-                    <a:p>
-                      <a:endParaRPr/>
-                    </a:p>
-                  </a:txBody>
-                </a:tc>
-              </a:tr>
-              <a:tr h="431540">
-                <a:tc>
-                  <a:txBody>
-                    <a:bodyPr/>
-                    <a:p>
-                      <a:pPr indent="0" algn="ctr">
-                        <a:lnSpc>
-                          <a:spcPct val="150000"/>
-                        </a:lnSpc>
-                        <a:defRPr/>
-                      </a:pPr>
-                      <a:r>
-                        <a:rPr sz="1600">
-                          <a:solidFill>
-                            <a:schemeClr val="tx1"/>
-                          </a:solidFill>
-                        </a:rPr>
-                        <a:t>Полный цикл</a:t>
-                      </a:r>
-                      <a:endParaRPr sz="1600">
-                        <a:solidFill>
-                          <a:schemeClr val="tx1"/>
-                        </a:solidFill>
-                      </a:endParaRPr>
-                    </a:p>
-                  </a:txBody>
-                  <a:tcPr vert="horz">
-                    <a:lnL w="12699" algn="ctr">
-                      <a:solidFill>
-                        <a:srgbClr val="000000"/>
-                      </a:solidFill>
-                    </a:lnL>
-                    <a:lnR w="12699" algn="ctr">
-                      <a:solidFill>
-                        <a:srgbClr val="000000"/>
-                      </a:solidFill>
-                    </a:lnR>
-                    <a:lnT w="12699" algn="ctr">
-                      <a:solidFill>
-                        <a:srgbClr val="000000"/>
-                      </a:solidFill>
-                    </a:lnT>
-                    <a:lnB w="12699" algn="ctr">
-                      <a:solidFill>
-                        <a:srgbClr val="000000"/>
-                      </a:solidFill>
-                    </a:lnB>
-                    <a:solidFill>
-                      <a:schemeClr val="bg1"/>
-                    </a:solidFill>
-                  </a:tcPr>
-                </a:tc>
-                <a:tc gridSpan="3">
-                  <a:txBody>
-                    <a:bodyPr/>
-                    <a:p>
-                      <a:pPr indent="0" algn="ctr">
-                        <a:lnSpc>
-                          <a:spcPct val="150000"/>
-                        </a:lnSpc>
-                        <a:defRPr/>
-                      </a:pPr>
-                      <a:r>
-                        <a:rPr sz="1600">
-                          <a:solidFill>
-                            <a:schemeClr val="tx1"/>
-                          </a:solidFill>
-                        </a:rPr>
-                        <a:t>1725</a:t>
-                      </a:r>
-                      <a:endParaRPr sz="1600">
-                        <a:solidFill>
-                          <a:schemeClr val="tx1"/>
-                        </a:solidFill>
-                      </a:endParaRPr>
-                    </a:p>
-                  </a:txBody>
-                  <a:tcPr vert="horz">
+                  <a:tcPr vert="horz" anchor="ctr">
                     <a:lnL w="12699" algn="ctr">
                       <a:solidFill>
                         <a:srgbClr val="000000"/>
@@ -6903,249 +7215,6 @@
 </p:sld>
 </file>
 
-<file path=ppt/slides/slide13.xml><?xml version="1.0" encoding="utf-8"?>
-<p:sld xmlns:a="http://schemas.openxmlformats.org/drawingml/2006/main" xmlns:r="http://schemas.openxmlformats.org/officeDocument/2006/relationships" xmlns:p="http://schemas.openxmlformats.org/presentationml/2006/main" xmlns:m="http://schemas.openxmlformats.org/officeDocument/2006/math" xmlns:w="http://schemas.openxmlformats.org/wordprocessingml/2006/main" showMasterPhAnim="0" show="1">
-  <p:cSld name="">
-    <p:spTree>
-      <p:nvGrpSpPr>
-        <p:cNvPr id="1" name=""/>
-        <p:cNvGrpSpPr/>
-        <p:nvPr/>
-      </p:nvGrpSpPr>
-      <p:grpSpPr bwMode="auto">
-        <a:xfrm>
-          <a:off x="0" y="0"/>
-          <a:ext cx="0" cy="0"/>
-          <a:chOff x="0" y="0"/>
-          <a:chExt cx="0" cy="0"/>
-        </a:xfrm>
-      </p:grpSpPr>
-      <p:sp>
-        <p:nvSpPr>
-          <p:cNvPr id="2" name="Title 1"/>
-          <p:cNvSpPr>
-            <a:spLocks noGrp="1"/>
-          </p:cNvSpPr>
-          <p:nvPr>
-            <p:ph type="title"/>
-          </p:nvPr>
-        </p:nvSpPr>
-        <p:spPr bwMode="auto"/>
-        <p:txBody>
-          <a:bodyPr/>
-          <a:lstStyle/>
-          <a:p>
-            <a:pPr algn="l">
-              <a:defRPr/>
-            </a:pPr>
-            <a:r>
-              <a:rPr lang="ru-RU"/>
-              <a:t>Заключение</a:t>
-            </a:r>
-            <a:endParaRPr lang="ru-RU"/>
-          </a:p>
-        </p:txBody>
-      </p:sp>
-      <p:sp>
-        <p:nvSpPr>
-          <p:cNvPr id="3" name="Content Placeholder 2"/>
-          <p:cNvSpPr>
-            <a:spLocks noGrp="1"/>
-          </p:cNvSpPr>
-          <p:nvPr>
-            <p:ph idx="1"/>
-          </p:nvPr>
-        </p:nvSpPr>
-        <p:spPr bwMode="auto">
-          <a:xfrm>
-            <a:off x="457200" y="1417637"/>
-            <a:ext cx="8229600" cy="4525962"/>
-          </a:xfrm>
-        </p:spPr>
-        <p:txBody>
-          <a:bodyPr vertOverflow="overflow" horzOverflow="overflow" vert="horz" wrap="square" lIns="91440" tIns="45720" rIns="91440" bIns="45720" numCol="1" spcCol="0" rtlCol="0" fromWordArt="0" anchor="t" anchorCtr="0" forceAA="0" upright="0" compatLnSpc="0">
-            <a:normAutofit/>
-          </a:bodyPr>
-          <a:lstStyle/>
-          <a:p>
-            <a:pPr algn="just">
-              <a:buNone/>
-              <a:defRPr/>
-            </a:pPr>
-            <a:r>
-              <a:rPr lang="ru-RU"/>
-              <a:t>		В результате выполнения выпускной квалификационной работы был реализован программный модуль обработки сигнала стандарта DMR. </a:t>
-            </a:r>
-            <a:endParaRPr/>
-          </a:p>
-          <a:p>
-            <a:pPr marL="0" indent="0" algn="just">
-              <a:buFont typeface="Arial"/>
-              <a:buNone/>
-              <a:defRPr/>
-            </a:pPr>
-            <a:r>
-              <a:rPr lang="ru-RU"/>
-              <a:t>	Так же были решены следующие задачи:</a:t>
-            </a:r>
-            <a:endParaRPr lang="ru-RU" sz="2400" b="0" i="0" u="none" strike="noStrike" cap="none" spc="0">
-              <a:solidFill>
-                <a:schemeClr val="tx1"/>
-              </a:solidFill>
-              <a:latin typeface="Times New Roman"/>
-              <a:cs typeface="Times New Roman"/>
-            </a:endParaRPr>
-          </a:p>
-          <a:p>
-            <a:pPr lvl="1" algn="just">
-              <a:defRPr/>
-            </a:pPr>
-            <a:r>
-              <a:rPr lang="ru-RU" sz="2000" b="0" i="0" u="none" strike="noStrike" cap="none" spc="0">
-                <a:solidFill>
-                  <a:schemeClr val="tx1"/>
-                </a:solidFill>
-                <a:latin typeface="Calibri"/>
-                <a:ea typeface="Arial"/>
-                <a:cs typeface="Arial"/>
-              </a:rPr>
-              <a:t>изучение стандарта</a:t>
-            </a:r>
-            <a:r>
-              <a:rPr lang="en-US" sz="2000" b="0" i="0" u="none" strike="noStrike" cap="none" spc="0">
-                <a:solidFill>
-                  <a:schemeClr val="tx1"/>
-                </a:solidFill>
-                <a:latin typeface="Calibri"/>
-                <a:ea typeface="Arial"/>
-                <a:cs typeface="Arial"/>
-              </a:rPr>
-              <a:t> DMR Air Interface protocol;</a:t>
-            </a:r>
-            <a:endParaRPr sz="2400"/>
-          </a:p>
-          <a:p>
-            <a:pPr lvl="1" algn="just">
-              <a:defRPr/>
-            </a:pPr>
-            <a:r>
-              <a:rPr lang="ru-RU" sz="2000" b="0" i="0" u="none" strike="noStrike" cap="none" spc="0">
-                <a:solidFill>
-                  <a:schemeClr val="tx1"/>
-                </a:solidFill>
-                <a:latin typeface="+mn-lt"/>
-                <a:ea typeface="+mn-ea"/>
-                <a:cs typeface="+mn-cs"/>
-              </a:rPr>
-              <a:t>изучение формирования сигнала физического уровня;</a:t>
-            </a:r>
-            <a:endParaRPr sz="2400"/>
-          </a:p>
-          <a:p>
-            <a:pPr lvl="1" algn="just">
-              <a:defRPr/>
-            </a:pPr>
-            <a:r>
-              <a:rPr lang="ru-RU" sz="2000" b="0" i="0" u="none" strike="noStrike" cap="none" spc="0">
-                <a:solidFill>
-                  <a:schemeClr val="tx1"/>
-                </a:solidFill>
-                <a:latin typeface="+mn-lt"/>
-                <a:ea typeface="+mn-ea"/>
-                <a:cs typeface="+mn-cs"/>
-              </a:rPr>
-              <a:t>разработка алгоритма обработки сигнала;</a:t>
-            </a:r>
-            <a:endParaRPr sz="2400"/>
-          </a:p>
-          <a:p>
-            <a:pPr lvl="1" algn="just">
-              <a:defRPr/>
-            </a:pPr>
-            <a:r>
-              <a:rPr lang="ru-RU" sz="2000" b="0" i="0" u="none" strike="noStrike" cap="none" spc="0">
-                <a:solidFill>
-                  <a:schemeClr val="tx1"/>
-                </a:solidFill>
-                <a:latin typeface="+mn-lt"/>
-                <a:ea typeface="+mn-ea"/>
-                <a:cs typeface="+mn-cs"/>
-              </a:rPr>
-              <a:t>реализация алгоритмов на языке программирования С++;</a:t>
-            </a:r>
-            <a:endParaRPr lang="ru-RU" sz="2000" b="0" i="0" u="none" strike="noStrike" cap="none" spc="0">
-              <a:solidFill>
-                <a:schemeClr val="tx1"/>
-              </a:solidFill>
-              <a:latin typeface="Times New Roman"/>
-              <a:cs typeface="Times New Roman"/>
-            </a:endParaRPr>
-          </a:p>
-          <a:p>
-            <a:pPr lvl="1" algn="just">
-              <a:defRPr/>
-            </a:pPr>
-            <a:r>
-              <a:rPr lang="ru-RU" sz="2000" b="0" i="0" u="none" strike="noStrike" cap="none" spc="0">
-                <a:solidFill>
-                  <a:schemeClr val="tx1"/>
-                </a:solidFill>
-                <a:latin typeface="Calibri"/>
-                <a:ea typeface="Arial"/>
-                <a:cs typeface="Arial"/>
-              </a:rPr>
-              <a:t>верификация и тестирование ПО.</a:t>
-            </a:r>
-            <a:endParaRPr sz="2400"/>
-          </a:p>
-        </p:txBody>
-      </p:sp>
-      <p:sp>
-        <p:nvSpPr>
-          <p:cNvPr id="5" name="Нижний колонтитул 4"/>
-          <p:cNvSpPr>
-            <a:spLocks noGrp="1"/>
-          </p:cNvSpPr>
-          <p:nvPr>
-            <p:ph type="ftr" sz="quarter" idx="11"/>
-          </p:nvPr>
-        </p:nvSpPr>
-        <p:spPr bwMode="auto"/>
-        <p:txBody>
-          <a:bodyPr/>
-          <a:lstStyle/>
-          <a:p>
-            <a:pPr>
-              <a:defRPr/>
-            </a:pPr>
-            <a:r>
-              <a:rPr lang="ru-RU">
-                <a:solidFill>
-                  <a:schemeClr val="tx1"/>
-                </a:solidFill>
-              </a:rPr>
-              <a:t>13/14</a:t>
-            </a:r>
-            <a:endParaRPr lang="ru-RU"/>
-          </a:p>
-        </p:txBody>
-      </p:sp>
-    </p:spTree>
-  </p:cSld>
-  <p:clrMapOvr>
-    <a:masterClrMapping/>
-  </p:clrMapOvr>
-  <mc:AlternateContent xmlns:mc="http://schemas.openxmlformats.org/markup-compatibility/2006">
-    <mc:Choice xmlns:p159="http://schemas.microsoft.com/office/powerpoint/2015/09/main" xmlns:p14="http://schemas.microsoft.com/office/powerpoint/2010/main" Requires="p159">
-      <p:transition p14:dur="2000" advClick="1"/>
-    </mc:Choice>
-    <mc:Fallback>
-      <p:transition advClick="1"/>
-    </mc:Fallback>
-  </mc:AlternateContent>
-</p:sld>
-</file>
-
 <file path=ppt/slides/slide14.xml><?xml version="1.0" encoding="utf-8"?>
 <p:sld xmlns:a="http://schemas.openxmlformats.org/drawingml/2006/main" xmlns:r="http://schemas.openxmlformats.org/officeDocument/2006/relationships" xmlns:p="http://schemas.openxmlformats.org/presentationml/2006/main" xmlns:m="http://schemas.openxmlformats.org/officeDocument/2006/math" xmlns:w="http://schemas.openxmlformats.org/wordprocessingml/2006/main" showMasterPhAnim="0" show="1">
   <p:cSld name="">
@@ -7165,38 +7234,187 @@
       </p:grpSpPr>
       <p:sp>
         <p:nvSpPr>
-          <p:cNvPr id="1956781512" name="Title 1"/>
+          <p:cNvPr id="2" name="Title 1"/>
           <p:cNvSpPr>
             <a:spLocks noGrp="1"/>
           </p:cNvSpPr>
           <p:nvPr>
             <p:ph type="title"/>
+          </p:nvPr>
+        </p:nvSpPr>
+        <p:spPr bwMode="auto"/>
+        <p:txBody>
+          <a:bodyPr/>
+          <a:lstStyle/>
+          <a:p>
+            <a:pPr algn="l">
+              <a:defRPr/>
+            </a:pPr>
+            <a:r>
+              <a:rPr lang="ru-RU"/>
+              <a:t>Заключение</a:t>
+            </a:r>
+            <a:endParaRPr lang="ru-RU"/>
+          </a:p>
+        </p:txBody>
+      </p:sp>
+      <p:sp>
+        <p:nvSpPr>
+          <p:cNvPr id="3" name="Content Placeholder 2"/>
+          <p:cNvSpPr>
+            <a:spLocks noGrp="1"/>
+          </p:cNvSpPr>
+          <p:nvPr>
+            <p:ph idx="1"/>
           </p:nvPr>
         </p:nvSpPr>
         <p:spPr bwMode="auto">
           <a:xfrm>
-            <a:off x="457200" y="2795587"/>
-            <a:ext cx="8229600" cy="1143000"/>
+            <a:off x="457200" y="1417637"/>
+            <a:ext cx="8229600" cy="4525962"/>
           </a:xfrm>
         </p:spPr>
         <p:txBody>
-          <a:bodyPr/>
+          <a:bodyPr vertOverflow="overflow" horzOverflow="overflow" vert="horz" wrap="square" lIns="91440" tIns="45720" rIns="91440" bIns="45720" numCol="1" spcCol="0" rtlCol="0" fromWordArt="0" anchor="t" anchorCtr="0" forceAA="0" upright="0" compatLnSpc="0">
+            <a:normAutofit/>
+          </a:bodyPr>
           <a:lstStyle/>
           <a:p>
-            <a:pPr>
-              <a:defRPr/>
-            </a:pPr>
-            <a:r>
-              <a:rPr/>
-              <a:t>Спасибо за внимание!</a:t>
+            <a:pPr algn="just">
+              <a:buNone/>
+              <a:defRPr/>
+            </a:pPr>
+            <a:r>
+              <a:rPr lang="ru-RU"/>
+              <a:t>		В результате выполнения выпускной квалификационной работы был реализован программный модуль обработки сигнала стандарта DMR. </a:t>
             </a:r>
             <a:endParaRPr/>
           </a:p>
-        </p:txBody>
-      </p:sp>
-      <p:sp>
-        <p:nvSpPr>
-          <p:cNvPr id="1777675257" name="Footer Placeholder 4"/>
+          <a:p>
+            <a:pPr marL="0" indent="0" algn="just">
+              <a:buFont typeface="Arial"/>
+              <a:buNone/>
+              <a:defRPr/>
+            </a:pPr>
+            <a:r>
+              <a:rPr lang="ru-RU"/>
+              <a:t>	Так же были решены следующие задачи:</a:t>
+            </a:r>
+            <a:endParaRPr lang="ru-RU" sz="2400" b="0" i="0" u="none" strike="noStrike" cap="none" spc="0">
+              <a:solidFill>
+                <a:schemeClr val="tx1"/>
+              </a:solidFill>
+              <a:latin typeface="Times New Roman"/>
+              <a:cs typeface="Times New Roman"/>
+            </a:endParaRPr>
+          </a:p>
+          <a:p>
+            <a:pPr lvl="1" algn="just">
+              <a:defRPr/>
+            </a:pPr>
+            <a:r>
+              <a:rPr lang="ru-RU" sz="2000" b="0" i="0" u="none" strike="noStrike" cap="none" spc="0">
+                <a:solidFill>
+                  <a:schemeClr val="tx1"/>
+                </a:solidFill>
+                <a:latin typeface="Calibri"/>
+                <a:ea typeface="Arial"/>
+                <a:cs typeface="Arial"/>
+              </a:rPr>
+              <a:t>изучение стандарта</a:t>
+            </a:r>
+            <a:r>
+              <a:rPr lang="en-US" sz="2000" b="0" i="0" u="none" strike="noStrike" cap="none" spc="0">
+                <a:solidFill>
+                  <a:schemeClr val="tx1"/>
+                </a:solidFill>
+                <a:latin typeface="Calibri"/>
+                <a:ea typeface="Arial"/>
+                <a:cs typeface="Arial"/>
+              </a:rPr>
+              <a:t> DMR Air Interface protocol;</a:t>
+            </a:r>
+            <a:endParaRPr sz="2400"/>
+          </a:p>
+          <a:p>
+            <a:pPr lvl="1" algn="just">
+              <a:defRPr/>
+            </a:pPr>
+            <a:r>
+              <a:rPr lang="ru-RU" sz="2000" b="0" i="0" u="none" strike="noStrike" cap="none" spc="0">
+                <a:solidFill>
+                  <a:schemeClr val="tx1"/>
+                </a:solidFill>
+                <a:latin typeface="+mn-lt"/>
+                <a:ea typeface="+mn-ea"/>
+                <a:cs typeface="+mn-cs"/>
+              </a:rPr>
+              <a:t>изучение формирования сигнала физического уровня;</a:t>
+            </a:r>
+            <a:endParaRPr sz="2400"/>
+          </a:p>
+          <a:p>
+            <a:pPr lvl="1" algn="just">
+              <a:defRPr/>
+            </a:pPr>
+            <a:r>
+              <a:rPr lang="ru-RU" sz="2000" b="0" i="0" u="none" strike="noStrike" cap="none" spc="0">
+                <a:solidFill>
+                  <a:schemeClr val="tx1"/>
+                </a:solidFill>
+                <a:latin typeface="+mn-lt"/>
+                <a:ea typeface="+mn-ea"/>
+                <a:cs typeface="+mn-cs"/>
+              </a:rPr>
+              <a:t>разработка алгоритма обработки сигнала;</a:t>
+            </a:r>
+            <a:endParaRPr sz="2400"/>
+          </a:p>
+          <a:p>
+            <a:pPr lvl="1" algn="just">
+              <a:defRPr/>
+            </a:pPr>
+            <a:r>
+              <a:rPr lang="ru-RU" sz="2000" b="0" i="0" u="none" strike="noStrike" cap="none" spc="0">
+                <a:solidFill>
+                  <a:schemeClr val="tx1"/>
+                </a:solidFill>
+                <a:latin typeface="+mn-lt"/>
+                <a:ea typeface="+mn-ea"/>
+                <a:cs typeface="+mn-cs"/>
+              </a:rPr>
+              <a:t>реализация алгоритмов на языке программирования С++;</a:t>
+            </a:r>
+            <a:endParaRPr lang="ru-RU" sz="2000" b="0" i="0" u="none" strike="noStrike" cap="none" spc="0">
+              <a:solidFill>
+                <a:schemeClr val="tx1"/>
+              </a:solidFill>
+              <a:latin typeface="Times New Roman"/>
+              <a:cs typeface="Times New Roman"/>
+            </a:endParaRPr>
+          </a:p>
+          <a:p>
+            <a:pPr lvl="1" algn="just">
+              <a:defRPr/>
+            </a:pPr>
+            <a:r>
+              <a:rPr lang="ru-RU" sz="2000" b="0" i="0" u="none" strike="noStrike" cap="none" spc="0">
+                <a:solidFill>
+                  <a:schemeClr val="tx1"/>
+                </a:solidFill>
+                <a:latin typeface="Calibri"/>
+                <a:ea typeface="Arial"/>
+                <a:cs typeface="Arial"/>
+              </a:rPr>
+              <a:t>верификация и тестирование ПО.</a:t>
+            </a:r>
+            <a:endParaRPr sz="2400"/>
+          </a:p>
+        </p:txBody>
+      </p:sp>
+      <p:sp>
+        <p:nvSpPr>
+          <p:cNvPr id="5" name="Нижний колонтитул 4"/>
           <p:cNvSpPr>
             <a:spLocks noGrp="1"/>
           </p:cNvSpPr>
@@ -7224,6 +7442,1102 @@
           </a:p>
         </p:txBody>
       </p:sp>
+    </p:spTree>
+  </p:cSld>
+  <p:clrMapOvr>
+    <a:masterClrMapping/>
+  </p:clrMapOvr>
+  <mc:AlternateContent xmlns:mc="http://schemas.openxmlformats.org/markup-compatibility/2006">
+    <mc:Choice xmlns:p159="http://schemas.microsoft.com/office/powerpoint/2015/09/main" xmlns:p14="http://schemas.microsoft.com/office/powerpoint/2010/main" Requires="p159">
+      <p:transition p14:dur="2000" advClick="1"/>
+    </mc:Choice>
+    <mc:Fallback>
+      <p:transition advClick="1"/>
+    </mc:Fallback>
+  </mc:AlternateContent>
+</p:sld>
+</file>
+
+<file path=ppt/slides/slide15.xml><?xml version="1.0" encoding="utf-8"?>
+<p:sld xmlns:a="http://schemas.openxmlformats.org/drawingml/2006/main" xmlns:r="http://schemas.openxmlformats.org/officeDocument/2006/relationships" xmlns:p="http://schemas.openxmlformats.org/presentationml/2006/main" xmlns:m="http://schemas.openxmlformats.org/officeDocument/2006/math" xmlns:w="http://schemas.openxmlformats.org/wordprocessingml/2006/main" showMasterPhAnim="0" show="1">
+  <p:cSld name="">
+    <p:spTree>
+      <p:nvGrpSpPr>
+        <p:cNvPr id="1" name=""/>
+        <p:cNvGrpSpPr/>
+        <p:nvPr/>
+      </p:nvGrpSpPr>
+      <p:grpSpPr bwMode="auto">
+        <a:xfrm>
+          <a:off x="0" y="0"/>
+          <a:ext cx="0" cy="0"/>
+          <a:chOff x="0" y="0"/>
+          <a:chExt cx="0" cy="0"/>
+        </a:xfrm>
+      </p:grpSpPr>
+      <p:sp>
+        <p:nvSpPr>
+          <p:cNvPr id="2043018194" name="Title 1"/>
+          <p:cNvSpPr>
+            <a:spLocks noGrp="1"/>
+          </p:cNvSpPr>
+          <p:nvPr>
+            <p:ph type="title"/>
+          </p:nvPr>
+        </p:nvSpPr>
+        <p:spPr bwMode="auto"/>
+        <p:txBody>
+          <a:bodyPr/>
+          <a:lstStyle/>
+          <a:p>
+            <a:pPr algn="l">
+              <a:defRPr/>
+            </a:pPr>
+            <a:r>
+              <a:rPr/>
+              <a:t>Демодуляция FM</a:t>
+            </a:r>
+            <a:endParaRPr/>
+          </a:p>
+        </p:txBody>
+      </p:sp>
+      <p:sp>
+        <p:nvSpPr>
+          <p:cNvPr id="1492703030" name="Footer Placeholder 4"/>
+          <p:cNvSpPr>
+            <a:spLocks noGrp="1"/>
+          </p:cNvSpPr>
+          <p:nvPr>
+            <p:ph type="ftr" sz="quarter" idx="11"/>
+          </p:nvPr>
+        </p:nvSpPr>
+        <p:spPr bwMode="auto"/>
+        <p:txBody>
+          <a:bodyPr/>
+          <a:lstStyle/>
+          <a:p>
+            <a:pPr>
+              <a:defRPr/>
+            </a:pPr>
+            <a:endParaRPr lang="ru-RU"/>
+          </a:p>
+        </p:txBody>
+      </p:sp>
+      <p:sp>
+        <p:nvSpPr>
+          <p:cNvPr id="1507634840" name=""/>
+          <p:cNvSpPr txBox="1"/>
+          <p:nvPr/>
+        </p:nvSpPr>
+        <p:spPr bwMode="auto">
+          <a:xfrm flipH="0" flipV="0">
+            <a:off x="750170" y="1566933"/>
+            <a:ext cx="7492617" cy="1867131"/>
+          </a:xfrm>
+          <a:prstGeom prst="rect">
+            <a:avLst/>
+          </a:prstGeom>
+          <a:noFill/>
+        </p:spPr>
+        <p:txBody>
+          <a:bodyPr vertOverflow="overflow" horzOverflow="overflow" vert="horz" wrap="square" lIns="91440" tIns="45720" rIns="91440" bIns="45720" numCol="1" spcCol="0" rtlCol="0" fromWordArt="0" anchor="t" anchorCtr="0" forceAA="0" upright="0" compatLnSpc="0">
+            <a:spAutoFit/>
+          </a:bodyPr>
+          <a:p>
+            <a:pPr marL="0" indent="449579" algn="l">
+              <a:defRPr/>
+            </a:pPr>
+            <mc:AlternateContent xmlns:mc="http://schemas.openxmlformats.org/markup-compatibility/2006" xmlns:m="http://schemas.openxmlformats.org/officeDocument/2006/math">
+              <mc:Choice xmlns:a14="http://schemas.microsoft.com/office/drawing/2010/main" Requires="a14">
+                <a14:m>
+                  <m:oMathPara>
+                    <m:oMathParaPr/>
+                    <m:oMath>
+                      <m:sSub>
+                        <m:sSubPr>
+                          <m:ctrlPr>
+                            <a:rPr sz="4800"/>
+                          </m:ctrlPr>
+                        </m:sSubPr>
+                        <m:e>
+                          <m:r>
+                            <m:rPr/>
+                            <a:rPr sz="4800">
+                              <a:latin typeface="Cambria Math"/>
+                              <a:ea typeface="Cambria Math"/>
+                              <a:cs typeface="Cambria Math"/>
+                            </a:rPr>
+                            <m:t>x</m:t>
+                          </m:r>
+                        </m:e>
+                        <m:sub>
+                          <m:r>
+                            <m:rPr/>
+                            <a:rPr sz="4800">
+                              <a:latin typeface="Cambria Math"/>
+                              <a:ea typeface="Cambria Math"/>
+                              <a:cs typeface="Cambria Math"/>
+                            </a:rPr>
+                            <m:t>FM</m:t>
+                          </m:r>
+                        </m:sub>
+                      </m:sSub>
+                      <m:d>
+                        <m:dPr>
+                          <m:begChr m:val="("/>
+                          <m:endChr m:val=")"/>
+                          <m:ctrlPr>
+                            <a:rPr sz="4800"/>
+                          </m:ctrlPr>
+                        </m:dPr>
+                        <m:e>
+                          <m:r>
+                            <m:rPr/>
+                            <a:rPr sz="4800">
+                              <a:latin typeface="Cambria Math"/>
+                              <a:ea typeface="Cambria Math"/>
+                              <a:cs typeface="Cambria Math"/>
+                            </a:rPr>
+                            <m:t>t</m:t>
+                          </m:r>
+                        </m:e>
+                      </m:d>
+                      <m:r>
+                        <m:rPr/>
+                        <a:rPr sz="4800">
+                          <a:latin typeface="Cambria Math"/>
+                          <a:ea typeface="Cambria Math"/>
+                          <a:cs typeface="Cambria Math"/>
+                        </a:rPr>
+                        <m:t>=</m:t>
+                      </m:r>
+                      <m:r>
+                        <m:rPr/>
+                        <a:rPr sz="4800">
+                          <a:latin typeface="Cambria Math"/>
+                          <a:ea typeface="Cambria Math"/>
+                          <a:cs typeface="Cambria Math"/>
+                        </a:rPr>
+                        <m:t> </m:t>
+                      </m:r>
+                      <m:f>
+                        <m:fPr>
+                          <m:ctrlPr>
+                            <a:rPr sz="4800" i="1">
+                              <a:latin typeface="Cambria Math"/>
+                              <a:ea typeface="Cambria Math"/>
+                              <a:cs typeface="Cambria Math"/>
+                            </a:rPr>
+                          </m:ctrlPr>
+                        </m:fPr>
+                        <m:num>
+                          <m:f>
+                            <m:fPr>
+                              <m:ctrlPr>
+                                <a:rPr sz="2800" i="1" u="none">
+                                  <a:solidFill>
+                                    <a:srgbClr val="000000"/>
+                                  </a:solidFill>
+                                  <a:latin typeface="Cambria Math"/>
+                                  <a:ea typeface="Cambria Math"/>
+                                  <a:cs typeface="Cambria Math"/>
+                                </a:rPr>
+                              </m:ctrlPr>
+                            </m:fPr>
+                            <m:num>
+                              <m:r>
+                                <m:rPr>
+                                  <m:sty m:val="i"/>
+                                </m:rPr>
+                                <a:rPr lang="ru-RU" sz="2800" u="none" cap="none" spc="0">
+                                  <a:solidFill>
+                                    <a:srgbClr val="000000"/>
+                                  </a:solidFill>
+                                  <a:latin typeface="Cambria Math"/>
+                                  <a:ea typeface="Cambria Math"/>
+                                  <a:cs typeface="Cambria Math"/>
+                                </a:rPr>
+                                <m:t>d</m:t>
+                              </m:r>
+                              <m:r>
+                                <m:rPr/>
+                                <a:rPr lang="en-US" sz="2800" u="none" cap="none" spc="0">
+                                  <a:solidFill>
+                                    <a:srgbClr val="000000"/>
+                                  </a:solidFill>
+                                  <a:latin typeface="Cambria Math"/>
+                                  <a:ea typeface="Cambria Math"/>
+                                  <a:cs typeface="Cambria Math"/>
+                                </a:rPr>
+                                <m:t>I</m:t>
+                              </m:r>
+                            </m:num>
+                            <m:den>
+                              <m:r>
+                                <m:rPr>
+                                  <m:sty m:val="i"/>
+                                </m:rPr>
+                                <a:rPr lang="ru-RU" sz="2800" u="none" cap="none" spc="0">
+                                  <a:solidFill>
+                                    <a:srgbClr val="000000"/>
+                                  </a:solidFill>
+                                  <a:latin typeface="Cambria Math"/>
+                                  <a:ea typeface="Cambria Math"/>
+                                  <a:cs typeface="Cambria Math"/>
+                                </a:rPr>
+                                <m:t>d</m:t>
+                              </m:r>
+                              <m:r>
+                                <m:rPr/>
+                                <a:rPr lang="en-US" sz="2800" u="none" cap="none" spc="0">
+                                  <a:solidFill>
+                                    <a:srgbClr val="000000"/>
+                                  </a:solidFill>
+                                  <a:latin typeface="Cambria Math"/>
+                                  <a:ea typeface="Cambria Math"/>
+                                  <a:cs typeface="Cambria Math"/>
+                                </a:rPr>
+                                <m:t>t</m:t>
+                              </m:r>
+                            </m:den>
+                          </m:f>
+                          <m:r>
+                            <m:rPr/>
+                            <a:rPr lang="ru-RU" sz="4800">
+                              <a:latin typeface="Cambria Math"/>
+                              <a:ea typeface="Cambria Math"/>
+                              <a:cs typeface="Cambria Math"/>
+                            </a:rPr>
+                            <m:t>*</m:t>
+                          </m:r>
+                          <m:r>
+                            <m:rPr/>
+                            <a:rPr lang="en-US" sz="4800">
+                              <a:latin typeface="Cambria Math"/>
+                              <a:ea typeface="Cambria Math"/>
+                              <a:cs typeface="Cambria Math"/>
+                            </a:rPr>
+                            <m:t>Q</m:t>
+                          </m:r>
+                          <m:r>
+                            <m:rPr/>
+                            <a:rPr lang="ru-RU" sz="4800">
+                              <a:latin typeface="Cambria Math"/>
+                              <a:ea typeface="Cambria Math"/>
+                              <a:cs typeface="Cambria Math"/>
+                            </a:rPr>
+                            <m:t> </m:t>
+                          </m:r>
+                          <m:r>
+                            <m:rPr/>
+                            <a:rPr sz="4800">
+                              <a:latin typeface="Cambria Math"/>
+                              <a:ea typeface="Cambria Math"/>
+                              <a:cs typeface="Cambria Math"/>
+                            </a:rPr>
+                            <m:t>-</m:t>
+                          </m:r>
+                          <m:r>
+                            <m:rPr/>
+                            <a:rPr lang="ru-RU" sz="4800">
+                              <a:latin typeface="Cambria Math"/>
+                              <a:ea typeface="Cambria Math"/>
+                              <a:cs typeface="Cambria Math"/>
+                            </a:rPr>
+                            <m:t> </m:t>
+                          </m:r>
+                          <m:f>
+                            <m:fPr>
+                              <m:ctrlPr>
+                                <a:rPr sz="2800" i="1" u="none">
+                                  <a:solidFill>
+                                    <a:srgbClr val="000000"/>
+                                  </a:solidFill>
+                                  <a:latin typeface="Cambria Math"/>
+                                  <a:ea typeface="Cambria Math"/>
+                                  <a:cs typeface="Cambria Math"/>
+                                </a:rPr>
+                              </m:ctrlPr>
+                            </m:fPr>
+                            <m:num>
+                              <m:r>
+                                <m:rPr>
+                                  <m:sty m:val="i"/>
+                                </m:rPr>
+                                <a:rPr lang="ru-RU" sz="2800" u="none" cap="none" spc="0">
+                                  <a:solidFill>
+                                    <a:srgbClr val="000000"/>
+                                  </a:solidFill>
+                                  <a:latin typeface="Cambria Math"/>
+                                  <a:ea typeface="Cambria Math"/>
+                                  <a:cs typeface="Cambria Math"/>
+                                </a:rPr>
+                                <m:t>d</m:t>
+                              </m:r>
+                              <m:r>
+                                <m:rPr/>
+                                <a:rPr lang="en-US" sz="2800" u="none" cap="none" spc="0">
+                                  <a:solidFill>
+                                    <a:srgbClr val="000000"/>
+                                  </a:solidFill>
+                                  <a:latin typeface="Cambria Math"/>
+                                  <a:ea typeface="Cambria Math"/>
+                                  <a:cs typeface="Cambria Math"/>
+                                </a:rPr>
+                                <m:t>Q</m:t>
+                              </m:r>
+                            </m:num>
+                            <m:den>
+                              <m:r>
+                                <m:rPr>
+                                  <m:sty m:val="i"/>
+                                </m:rPr>
+                                <a:rPr lang="ru-RU" sz="2800" u="none" cap="none" spc="0">
+                                  <a:solidFill>
+                                    <a:srgbClr val="000000"/>
+                                  </a:solidFill>
+                                  <a:latin typeface="Cambria Math"/>
+                                  <a:ea typeface="Cambria Math"/>
+                                  <a:cs typeface="Cambria Math"/>
+                                </a:rPr>
+                                <m:t>d</m:t>
+                              </m:r>
+                              <m:r>
+                                <m:rPr/>
+                                <a:rPr lang="en-US" sz="2800" u="none" cap="none" spc="0">
+                                  <a:solidFill>
+                                    <a:srgbClr val="000000"/>
+                                  </a:solidFill>
+                                  <a:latin typeface="Cambria Math"/>
+                                  <a:ea typeface="Cambria Math"/>
+                                  <a:cs typeface="Cambria Math"/>
+                                </a:rPr>
+                                <m:t>t</m:t>
+                              </m:r>
+                            </m:den>
+                          </m:f>
+                          <m:r>
+                            <m:rPr/>
+                            <a:rPr lang="ru-RU" sz="4800">
+                              <a:latin typeface="Cambria Math"/>
+                              <a:ea typeface="Cambria Math"/>
+                              <a:cs typeface="Cambria Math"/>
+                            </a:rPr>
+                            <m:t> </m:t>
+                          </m:r>
+                          <m:r>
+                            <m:rPr/>
+                            <a:rPr lang="ru-RU" sz="4800">
+                              <a:latin typeface="Cambria Math"/>
+                              <a:ea typeface="Cambria Math"/>
+                              <a:cs typeface="Cambria Math"/>
+                            </a:rPr>
+                            <m:t>*</m:t>
+                          </m:r>
+                          <m:r>
+                            <m:rPr/>
+                            <a:rPr lang="en-US" sz="4800">
+                              <a:latin typeface="Cambria Math"/>
+                              <a:ea typeface="Cambria Math"/>
+                              <a:cs typeface="Cambria Math"/>
+                            </a:rPr>
+                            <m:t>I</m:t>
+                          </m:r>
+                        </m:num>
+                        <m:den>
+                          <m:sSup>
+                            <m:sSupPr>
+                              <m:ctrlPr>
+                                <a:rPr sz="4800"/>
+                              </m:ctrlPr>
+                            </m:sSupPr>
+                            <m:e>
+                              <m:r>
+                                <m:rPr/>
+                                <a:rPr sz="4800">
+                                  <a:latin typeface="Cambria Math"/>
+                                  <a:ea typeface="Cambria Math"/>
+                                  <a:cs typeface="Cambria Math"/>
+                                </a:rPr>
+                                <m:t>Q</m:t>
+                              </m:r>
+                            </m:e>
+                            <m:sup>
+                              <m:r>
+                                <m:rPr/>
+                                <a:rPr sz="4800">
+                                  <a:latin typeface="Cambria Math"/>
+                                  <a:ea typeface="Cambria Math"/>
+                                  <a:cs typeface="Cambria Math"/>
+                                </a:rPr>
+                                <m:t>2</m:t>
+                              </m:r>
+                            </m:sup>
+                          </m:sSup>
+                          <m:r>
+                            <m:rPr/>
+                            <a:rPr lang="ru-RU" sz="4800">
+                              <a:latin typeface="Cambria Math"/>
+                              <a:ea typeface="Cambria Math"/>
+                              <a:cs typeface="Cambria Math"/>
+                            </a:rPr>
+                            <m:t> </m:t>
+                          </m:r>
+                          <m:r>
+                            <m:rPr/>
+                            <a:rPr sz="4800">
+                              <a:latin typeface="Cambria Math"/>
+                              <a:ea typeface="Cambria Math"/>
+                              <a:cs typeface="Cambria Math"/>
+                            </a:rPr>
+                            <m:t>+</m:t>
+                          </m:r>
+                          <m:r>
+                            <m:rPr/>
+                            <a:rPr lang="ru-RU" sz="4800">
+                              <a:latin typeface="Cambria Math"/>
+                              <a:ea typeface="Cambria Math"/>
+                              <a:cs typeface="Cambria Math"/>
+                            </a:rPr>
+                            <m:t> </m:t>
+                          </m:r>
+                          <m:sSup>
+                            <m:sSupPr>
+                              <m:ctrlPr>
+                                <a:rPr sz="4800"/>
+                              </m:ctrlPr>
+                            </m:sSupPr>
+                            <m:e>
+                              <m:r>
+                                <m:rPr/>
+                                <a:rPr sz="4800">
+                                  <a:latin typeface="Cambria Math"/>
+                                  <a:ea typeface="Cambria Math"/>
+                                  <a:cs typeface="Cambria Math"/>
+                                </a:rPr>
+                                <m:t>I</m:t>
+                              </m:r>
+                            </m:e>
+                            <m:sup>
+                              <m:r>
+                                <m:rPr/>
+                                <a:rPr sz="4800">
+                                  <a:latin typeface="Cambria Math"/>
+                                  <a:ea typeface="Cambria Math"/>
+                                  <a:cs typeface="Cambria Math"/>
+                                </a:rPr>
+                                <m:t>2</m:t>
+                              </m:r>
+                            </m:sup>
+                          </m:sSup>
+                        </m:den>
+                      </m:f>
+                    </m:oMath>
+                  </m:oMathPara>
+                </a14:m>
+              </mc:Choice>
+              <mc:Fallback/>
+            </mc:AlternateContent>
+            <a:endParaRPr/>
+          </a:p>
+        </p:txBody>
+      </p:sp>
+      <p:sp>
+        <p:nvSpPr>
+          <p:cNvPr id="1308421510" name=""/>
+          <p:cNvSpPr txBox="1"/>
+          <p:nvPr/>
+        </p:nvSpPr>
+        <p:spPr bwMode="auto">
+          <a:xfrm flipH="0" flipV="0">
+            <a:off x="1543952" y="4230871"/>
+            <a:ext cx="467478" cy="366118"/>
+          </a:xfrm>
+          <a:prstGeom prst="rect">
+            <a:avLst/>
+          </a:prstGeom>
+          <a:noFill/>
+        </p:spPr>
+        <p:txBody>
+          <a:bodyPr vertOverflow="overflow" horzOverflow="overflow" vert="horz" wrap="none" lIns="91440" tIns="45720" rIns="91440" bIns="45720" numCol="1" spcCol="0" rtlCol="0" fromWordArt="0" anchor="t" anchorCtr="0" forceAA="0" upright="0" compatLnSpc="0">
+            <a:spAutoFit/>
+          </a:bodyPr>
+          <a:p>
+            <a:pPr marL="283878" indent="-283878">
+              <a:buFont typeface="Arial"/>
+              <a:buChar char="•"/>
+              <a:defRPr/>
+            </a:pPr>
+            <a:endParaRPr/>
+          </a:p>
+        </p:txBody>
+      </p:sp>
+      <p:sp>
+        <p:nvSpPr>
+          <p:cNvPr id="1464956051" name=""/>
+          <p:cNvSpPr txBox="1"/>
+          <p:nvPr/>
+        </p:nvSpPr>
+        <p:spPr bwMode="auto">
+          <a:xfrm flipH="0" flipV="0">
+            <a:off x="750170" y="4053661"/>
+            <a:ext cx="7359777" cy="1431384"/>
+          </a:xfrm>
+          <a:prstGeom prst="rect">
+            <a:avLst/>
+          </a:prstGeom>
+          <a:noFill/>
+        </p:spPr>
+        <p:txBody>
+          <a:bodyPr vertOverflow="overflow" horzOverflow="overflow" vert="horz" wrap="none" lIns="91440" tIns="45720" rIns="91440" bIns="45720" numCol="1" spcCol="0" rtlCol="0" fromWordArt="0" anchor="t" anchorCtr="0" forceAA="0" upright="0" compatLnSpc="0">
+            <a:spAutoFit/>
+          </a:bodyPr>
+          <a:p>
+            <a:pPr algn="l">
+              <a:defRPr/>
+            </a:pPr>
+            <mc:AlternateContent xmlns:mc="http://schemas.openxmlformats.org/markup-compatibility/2006" xmlns:m="http://schemas.openxmlformats.org/officeDocument/2006/math">
+              <mc:Choice xmlns:a14="http://schemas.microsoft.com/office/drawing/2010/main" Requires="a14">
+                <a14:m>
+                  <m:oMathPara>
+                    <m:oMathParaPr/>
+                    <m:oMath>
+                      <m:sSub>
+                        <m:sSubPr>
+                          <m:ctrlPr>
+                            <a:rPr sz="2800">
+                              <a:latin typeface="Cambria Math"/>
+                              <a:ea typeface="Cambria Math"/>
+                              <a:cs typeface="Cambria Math"/>
+                            </a:rPr>
+                          </m:ctrlPr>
+                        </m:sSubPr>
+                        <m:e>
+                          <m:r>
+                            <m:rPr/>
+                            <a:rPr sz="2800">
+                              <a:latin typeface="Cambria Math"/>
+                              <a:ea typeface="Cambria Math"/>
+                              <a:cs typeface="Cambria Math"/>
+                            </a:rPr>
+                            <m:t>x</m:t>
+                          </m:r>
+                        </m:e>
+                        <m:sub>
+                          <m:r>
+                            <m:rPr/>
+                            <a:rPr sz="2800">
+                              <a:latin typeface="Cambria Math"/>
+                              <a:ea typeface="Cambria Math"/>
+                              <a:cs typeface="Cambria Math"/>
+                            </a:rPr>
+                            <m:t>FM</m:t>
+                          </m:r>
+                        </m:sub>
+                      </m:sSub>
+                      <m:d>
+                        <m:dPr>
+                          <m:begChr m:val="("/>
+                          <m:endChr m:val=")"/>
+                          <m:ctrlPr>
+                            <a:rPr sz="2800">
+                              <a:latin typeface="Cambria Math"/>
+                              <a:ea typeface="Cambria Math"/>
+                              <a:cs typeface="Cambria Math"/>
+                            </a:rPr>
+                          </m:ctrlPr>
+                        </m:dPr>
+                        <m:e>
+                          <m:r>
+                            <m:rPr/>
+                            <a:rPr sz="2800">
+                              <a:latin typeface="Cambria Math"/>
+                              <a:ea typeface="Cambria Math"/>
+                              <a:cs typeface="Cambria Math"/>
+                            </a:rPr>
+                            <m:t>t</m:t>
+                          </m:r>
+                        </m:e>
+                      </m:d>
+                    </m:oMath>
+                  </m:oMathPara>
+                </a14:m>
+              </mc:Choice>
+              <mc:Fallback/>
+            </mc:AlternateContent>
+            <a:r>
+              <a:rPr sz="2800"/>
+              <a:t> - частотная функция принятого сигнала;</a:t>
+            </a:r>
+            <a:endParaRPr sz="2800"/>
+          </a:p>
+          <a:p>
+            <a:pPr algn="l">
+              <a:defRPr/>
+            </a:pPr>
+            <mc:AlternateContent xmlns:mc="http://schemas.openxmlformats.org/markup-compatibility/2006" xmlns:m="http://schemas.openxmlformats.org/officeDocument/2006/math">
+              <mc:Choice xmlns:a14="http://schemas.microsoft.com/office/drawing/2010/main" Requires="a14">
+                <a14:m>
+                  <m:oMathPara>
+                    <m:oMathParaPr/>
+                    <m:oMath>
+                      <m:r>
+                        <m:rPr/>
+                        <a:rPr lang="en-US" sz="2800">
+                          <a:latin typeface="Cambria Math"/>
+                          <a:ea typeface="Cambria Math"/>
+                          <a:cs typeface="Cambria Math"/>
+                        </a:rPr>
+                        <m:t>I</m:t>
+                      </m:r>
+                    </m:oMath>
+                  </m:oMathPara>
+                </a14:m>
+              </mc:Choice>
+              <mc:Fallback/>
+            </mc:AlternateContent>
+            <a:r>
+              <a:rPr sz="2800"/>
+              <a:t> - синфазная составляющая;</a:t>
+            </a:r>
+            <a:endParaRPr sz="2800"/>
+          </a:p>
+          <a:p>
+            <a:pPr algn="l">
+              <a:defRPr/>
+            </a:pPr>
+            <mc:AlternateContent xmlns:mc="http://schemas.openxmlformats.org/markup-compatibility/2006" xmlns:m="http://schemas.openxmlformats.org/officeDocument/2006/math">
+              <mc:Choice xmlns:a14="http://schemas.microsoft.com/office/drawing/2010/main" Requires="a14">
+                <a14:m>
+                  <m:oMathPara>
+                    <m:oMathParaPr/>
+                    <m:oMath>
+                      <m:r>
+                        <m:rPr/>
+                        <a:rPr lang="en-US" sz="2800">
+                          <a:latin typeface="Cambria Math"/>
+                          <a:ea typeface="Cambria Math"/>
+                          <a:cs typeface="Cambria Math"/>
+                        </a:rPr>
+                        <m:t>Q</m:t>
+                      </m:r>
+                    </m:oMath>
+                  </m:oMathPara>
+                </a14:m>
+              </mc:Choice>
+              <mc:Fallback/>
+            </mc:AlternateContent>
+            <a:r>
+              <a:rPr sz="2800"/>
+              <a:t> - квадратурная составляющая.</a:t>
+            </a:r>
+            <a:endParaRPr/>
+          </a:p>
+        </p:txBody>
+      </p:sp>
+    </p:spTree>
+  </p:cSld>
+  <p:clrMapOvr>
+    <a:masterClrMapping/>
+  </p:clrMapOvr>
+  <mc:AlternateContent xmlns:mc="http://schemas.openxmlformats.org/markup-compatibility/2006">
+    <mc:Choice xmlns:p159="http://schemas.microsoft.com/office/powerpoint/2015/09/main" xmlns:p14="http://schemas.microsoft.com/office/powerpoint/2010/main" Requires="p159">
+      <p:transition p14:dur="2000" advClick="1"/>
+    </mc:Choice>
+    <mc:Fallback>
+      <p:transition advClick="1"/>
+    </mc:Fallback>
+  </mc:AlternateContent>
+</p:sld>
+</file>
+
+<file path=ppt/slides/slide16.xml><?xml version="1.0" encoding="utf-8"?>
+<p:sld xmlns:a="http://schemas.openxmlformats.org/drawingml/2006/main" xmlns:r="http://schemas.openxmlformats.org/officeDocument/2006/relationships" xmlns:p="http://schemas.openxmlformats.org/presentationml/2006/main" xmlns:m="http://schemas.openxmlformats.org/officeDocument/2006/math" xmlns:w="http://schemas.openxmlformats.org/wordprocessingml/2006/main" showMasterPhAnim="0" show="1">
+  <p:cSld name="">
+    <p:spTree>
+      <p:nvGrpSpPr>
+        <p:cNvPr id="1" name=""/>
+        <p:cNvGrpSpPr/>
+        <p:nvPr/>
+      </p:nvGrpSpPr>
+      <p:grpSpPr bwMode="auto">
+        <a:xfrm>
+          <a:off x="0" y="0"/>
+          <a:ext cx="0" cy="0"/>
+          <a:chOff x="0" y="0"/>
+          <a:chExt cx="0" cy="0"/>
+        </a:xfrm>
+      </p:grpSpPr>
+      <p:sp>
+        <p:nvSpPr>
+          <p:cNvPr id="265939256" name="Title 1"/>
+          <p:cNvSpPr>
+            <a:spLocks noGrp="1"/>
+          </p:cNvSpPr>
+          <p:nvPr>
+            <p:ph type="title"/>
+          </p:nvPr>
+        </p:nvSpPr>
+        <p:spPr bwMode="auto"/>
+        <p:txBody>
+          <a:bodyPr vertOverflow="overflow" horzOverflow="overflow" vert="horz" wrap="square" lIns="91440" tIns="45720" rIns="91440" bIns="45720" numCol="1" spcCol="0" rtlCol="0" fromWordArt="0" anchor="ctr" anchorCtr="0" forceAA="0" upright="0" compatLnSpc="0">
+            <a:normAutofit fontScale="95000" lnSpcReduction="1000"/>
+          </a:bodyPr>
+          <a:lstStyle/>
+          <a:p>
+            <a:pPr algn="l">
+              <a:defRPr/>
+            </a:pPr>
+            <a:r>
+              <a:rPr/>
+              <a:t>АЧХ фильтров демодулятора 4FSK</a:t>
+            </a:r>
+            <a:endParaRPr/>
+          </a:p>
+        </p:txBody>
+      </p:sp>
+      <p:sp>
+        <p:nvSpPr>
+          <p:cNvPr id="962758430" name="Footer Placeholder 4"/>
+          <p:cNvSpPr>
+            <a:spLocks noGrp="1"/>
+          </p:cNvSpPr>
+          <p:nvPr>
+            <p:ph type="ftr" sz="quarter" idx="11"/>
+          </p:nvPr>
+        </p:nvSpPr>
+        <p:spPr bwMode="auto"/>
+        <p:txBody>
+          <a:bodyPr/>
+          <a:lstStyle/>
+          <a:p>
+            <a:pPr>
+              <a:defRPr/>
+            </a:pPr>
+            <a:endParaRPr lang="ru-RU"/>
+          </a:p>
+        </p:txBody>
+      </p:sp>
+      <p:sp>
+        <p:nvSpPr>
+          <p:cNvPr id="141763549" name=""/>
+          <p:cNvSpPr txBox="1"/>
+          <p:nvPr/>
+        </p:nvSpPr>
+        <p:spPr bwMode="auto">
+          <a:xfrm flipH="0" flipV="0">
+            <a:off x="1543952" y="4230871"/>
+            <a:ext cx="467478" cy="366118"/>
+          </a:xfrm>
+          <a:prstGeom prst="rect">
+            <a:avLst/>
+          </a:prstGeom>
+          <a:noFill/>
+        </p:spPr>
+        <p:txBody>
+          <a:bodyPr vertOverflow="overflow" horzOverflow="overflow" vert="horz" wrap="none" lIns="91440" tIns="45720" rIns="91440" bIns="45720" numCol="1" spcCol="0" rtlCol="0" fromWordArt="0" anchor="t" anchorCtr="0" forceAA="0" upright="0" compatLnSpc="0">
+            <a:spAutoFit/>
+          </a:bodyPr>
+          <a:p>
+            <a:pPr marL="283878" indent="-283878">
+              <a:buFont typeface="Arial"/>
+              <a:buChar char="•"/>
+              <a:defRPr/>
+            </a:pPr>
+            <a:endParaRPr/>
+          </a:p>
+        </p:txBody>
+      </p:sp>
+      <p:pic>
+        <p:nvPicPr>
+          <p:cNvPr id="1070372339" name=""/>
+          <p:cNvPicPr>
+            <a:picLocks noChangeAspect="1"/>
+          </p:cNvPicPr>
+          <p:nvPr/>
+        </p:nvPicPr>
+        <p:blipFill>
+          <a:blip r:embed="rId3"/>
+          <a:stretch/>
+        </p:blipFill>
+        <p:spPr bwMode="auto">
+          <a:xfrm rot="0" flipH="0" flipV="0">
+            <a:off x="323260" y="1377745"/>
+            <a:ext cx="8497479" cy="4337254"/>
+          </a:xfrm>
+          <a:prstGeom prst="rect">
+            <a:avLst/>
+          </a:prstGeom>
+        </p:spPr>
+      </p:pic>
+    </p:spTree>
+  </p:cSld>
+  <p:clrMapOvr>
+    <a:masterClrMapping/>
+  </p:clrMapOvr>
+  <mc:AlternateContent xmlns:mc="http://schemas.openxmlformats.org/markup-compatibility/2006">
+    <mc:Choice xmlns:p159="http://schemas.microsoft.com/office/powerpoint/2015/09/main" xmlns:p14="http://schemas.microsoft.com/office/powerpoint/2010/main" Requires="p159">
+      <p:transition p14:dur="2000" advClick="1"/>
+    </mc:Choice>
+    <mc:Fallback>
+      <p:transition advClick="1"/>
+    </mc:Fallback>
+  </mc:AlternateContent>
+</p:sld>
+</file>
+
+<file path=ppt/slides/slide17.xml><?xml version="1.0" encoding="utf-8"?>
+<p:sld xmlns:a="http://schemas.openxmlformats.org/drawingml/2006/main" xmlns:r="http://schemas.openxmlformats.org/officeDocument/2006/relationships" xmlns:p="http://schemas.openxmlformats.org/presentationml/2006/main" xmlns:m="http://schemas.openxmlformats.org/officeDocument/2006/math" xmlns:w="http://schemas.openxmlformats.org/wordprocessingml/2006/main" showMasterPhAnim="0" show="1">
+  <p:cSld name="">
+    <p:spTree>
+      <p:nvGrpSpPr>
+        <p:cNvPr id="1" name=""/>
+        <p:cNvGrpSpPr/>
+        <p:nvPr/>
+      </p:nvGrpSpPr>
+      <p:grpSpPr bwMode="auto">
+        <a:xfrm>
+          <a:off x="0" y="0"/>
+          <a:ext cx="0" cy="0"/>
+          <a:chOff x="0" y="0"/>
+          <a:chExt cx="0" cy="0"/>
+        </a:xfrm>
+      </p:grpSpPr>
+      <p:sp>
+        <p:nvSpPr>
+          <p:cNvPr id="1106535228" name="Title 1"/>
+          <p:cNvSpPr>
+            <a:spLocks noGrp="1"/>
+          </p:cNvSpPr>
+          <p:nvPr>
+            <p:ph type="title"/>
+          </p:nvPr>
+        </p:nvSpPr>
+        <p:spPr bwMode="auto"/>
+        <p:txBody>
+          <a:bodyPr/>
+          <a:lstStyle/>
+          <a:p>
+            <a:pPr algn="l">
+              <a:defRPr/>
+            </a:pPr>
+            <a:r>
+              <a:rPr/>
+              <a:t>Турбо код BPTC(196,96)</a:t>
+            </a:r>
+            <a:endParaRPr/>
+          </a:p>
+        </p:txBody>
+      </p:sp>
+      <p:sp>
+        <p:nvSpPr>
+          <p:cNvPr id="1765903819" name="Footer Placeholder 4"/>
+          <p:cNvSpPr>
+            <a:spLocks noGrp="1"/>
+          </p:cNvSpPr>
+          <p:nvPr>
+            <p:ph type="ftr" sz="quarter" idx="11"/>
+          </p:nvPr>
+        </p:nvSpPr>
+        <p:spPr bwMode="auto"/>
+        <p:txBody>
+          <a:bodyPr/>
+          <a:lstStyle/>
+          <a:p>
+            <a:pPr>
+              <a:defRPr/>
+            </a:pPr>
+            <a:endParaRPr lang="ru-RU"/>
+          </a:p>
+        </p:txBody>
+      </p:sp>
+      <p:sp>
+        <p:nvSpPr>
+          <p:cNvPr id="537194986" name=""/>
+          <p:cNvSpPr txBox="1"/>
+          <p:nvPr/>
+        </p:nvSpPr>
+        <p:spPr bwMode="auto">
+          <a:xfrm flipH="0" flipV="0">
+            <a:off x="1543952" y="4230871"/>
+            <a:ext cx="467478" cy="366118"/>
+          </a:xfrm>
+          <a:prstGeom prst="rect">
+            <a:avLst/>
+          </a:prstGeom>
+          <a:noFill/>
+        </p:spPr>
+        <p:txBody>
+          <a:bodyPr vertOverflow="overflow" horzOverflow="overflow" vert="horz" wrap="none" lIns="91440" tIns="45720" rIns="91440" bIns="45720" numCol="1" spcCol="0" rtlCol="0" fromWordArt="0" anchor="t" anchorCtr="0" forceAA="0" upright="0" compatLnSpc="0">
+            <a:spAutoFit/>
+          </a:bodyPr>
+          <a:p>
+            <a:pPr marL="283878" indent="-283878">
+              <a:buFont typeface="Arial"/>
+              <a:buChar char="•"/>
+              <a:defRPr/>
+            </a:pPr>
+            <a:endParaRPr/>
+          </a:p>
+        </p:txBody>
+      </p:sp>
+      <p:pic>
+        <p:nvPicPr>
+          <p:cNvPr id="1361866978" name=""/>
+          <p:cNvPicPr>
+            <a:picLocks noChangeAspect="1"/>
+          </p:cNvPicPr>
+          <p:nvPr/>
+        </p:nvPicPr>
+        <p:blipFill>
+          <a:blip r:embed="rId3"/>
+          <a:stretch/>
+        </p:blipFill>
+        <p:spPr bwMode="auto">
+          <a:xfrm rot="0" flipH="0" flipV="0">
+            <a:off x="1263475" y="1218313"/>
+            <a:ext cx="6617049" cy="5423186"/>
+          </a:xfrm>
+          <a:prstGeom prst="rect">
+            <a:avLst/>
+          </a:prstGeom>
+        </p:spPr>
+      </p:pic>
+    </p:spTree>
+  </p:cSld>
+  <p:clrMapOvr>
+    <a:masterClrMapping/>
+  </p:clrMapOvr>
+  <mc:AlternateContent xmlns:mc="http://schemas.openxmlformats.org/markup-compatibility/2006">
+    <mc:Choice xmlns:p159="http://schemas.microsoft.com/office/powerpoint/2015/09/main" xmlns:p14="http://schemas.microsoft.com/office/powerpoint/2010/main" Requires="p159">
+      <p:transition p14:dur="2000" advClick="1"/>
+    </mc:Choice>
+    <mc:Fallback>
+      <p:transition advClick="1"/>
+    </mc:Fallback>
+  </mc:AlternateContent>
+</p:sld>
+</file>
+
+<file path=ppt/slides/slide18.xml><?xml version="1.0" encoding="utf-8"?>
+<p:sld xmlns:a="http://schemas.openxmlformats.org/drawingml/2006/main" xmlns:r="http://schemas.openxmlformats.org/officeDocument/2006/relationships" xmlns:p="http://schemas.openxmlformats.org/presentationml/2006/main" xmlns:m="http://schemas.openxmlformats.org/officeDocument/2006/math" xmlns:w="http://schemas.openxmlformats.org/wordprocessingml/2006/main" showMasterPhAnim="0" show="1">
+  <p:cSld name="">
+    <p:spTree>
+      <p:nvGrpSpPr>
+        <p:cNvPr id="1" name=""/>
+        <p:cNvGrpSpPr/>
+        <p:nvPr/>
+      </p:nvGrpSpPr>
+      <p:grpSpPr bwMode="auto">
+        <a:xfrm>
+          <a:off x="0" y="0"/>
+          <a:ext cx="0" cy="0"/>
+          <a:chOff x="0" y="0"/>
+          <a:chExt cx="0" cy="0"/>
+        </a:xfrm>
+      </p:grpSpPr>
+      <p:sp>
+        <p:nvSpPr>
+          <p:cNvPr id="1787869965" name="Title 1"/>
+          <p:cNvSpPr>
+            <a:spLocks noGrp="1"/>
+          </p:cNvSpPr>
+          <p:nvPr>
+            <p:ph type="title"/>
+          </p:nvPr>
+        </p:nvSpPr>
+        <p:spPr bwMode="auto"/>
+        <p:txBody>
+          <a:bodyPr vertOverflow="overflow" horzOverflow="overflow" vert="horz" wrap="square" lIns="91440" tIns="45720" rIns="91440" bIns="45720" numCol="1" spcCol="0" rtlCol="0" fromWordArt="0" anchor="ctr" anchorCtr="0" forceAA="0" upright="0" compatLnSpc="0">
+            <a:normAutofit fontScale="90000" lnSpcReduction="2000"/>
+          </a:bodyPr>
+          <a:lstStyle/>
+          <a:p>
+            <a:pPr algn="l">
+              <a:defRPr/>
+            </a:pPr>
+            <a:r>
+              <a:rPr/>
+              <a:t>Обобщенная схема устройства АРМ</a:t>
+            </a:r>
+            <a:endParaRPr/>
+          </a:p>
+        </p:txBody>
+      </p:sp>
+      <p:sp>
+        <p:nvSpPr>
+          <p:cNvPr id="967862543" name="Footer Placeholder 4"/>
+          <p:cNvSpPr>
+            <a:spLocks noGrp="1"/>
+          </p:cNvSpPr>
+          <p:nvPr>
+            <p:ph type="ftr" sz="quarter" idx="11"/>
+          </p:nvPr>
+        </p:nvSpPr>
+        <p:spPr bwMode="auto"/>
+        <p:txBody>
+          <a:bodyPr/>
+          <a:lstStyle/>
+          <a:p>
+            <a:pPr>
+              <a:defRPr/>
+            </a:pPr>
+            <a:endParaRPr lang="ru-RU"/>
+          </a:p>
+        </p:txBody>
+      </p:sp>
+      <p:sp>
+        <p:nvSpPr>
+          <p:cNvPr id="678974946" name=""/>
+          <p:cNvSpPr txBox="1"/>
+          <p:nvPr/>
+        </p:nvSpPr>
+        <p:spPr bwMode="auto">
+          <a:xfrm flipH="0" flipV="0">
+            <a:off x="1543952" y="4230871"/>
+            <a:ext cx="467478" cy="366118"/>
+          </a:xfrm>
+          <a:prstGeom prst="rect">
+            <a:avLst/>
+          </a:prstGeom>
+          <a:noFill/>
+        </p:spPr>
+        <p:txBody>
+          <a:bodyPr vertOverflow="overflow" horzOverflow="overflow" vert="horz" wrap="none" lIns="91440" tIns="45720" rIns="91440" bIns="45720" numCol="1" spcCol="0" rtlCol="0" fromWordArt="0" anchor="t" anchorCtr="0" forceAA="0" upright="0" compatLnSpc="0">
+            <a:spAutoFit/>
+          </a:bodyPr>
+          <a:p>
+            <a:pPr marL="283878" indent="-283878">
+              <a:buFont typeface="Arial"/>
+              <a:buChar char="•"/>
+              <a:defRPr/>
+            </a:pPr>
+            <a:endParaRPr/>
+          </a:p>
+        </p:txBody>
+      </p:sp>
+      <p:pic>
+        <p:nvPicPr>
+          <p:cNvPr id="196497820" name=""/>
+          <p:cNvPicPr>
+            <a:picLocks noChangeAspect="1"/>
+          </p:cNvPicPr>
+          <p:nvPr/>
+        </p:nvPicPr>
+        <p:blipFill>
+          <a:blip r:embed="rId3"/>
+          <a:stretch/>
+        </p:blipFill>
+        <p:spPr bwMode="auto">
+          <a:xfrm rot="0" flipH="0" flipV="0">
+            <a:off x="775290" y="1717339"/>
+            <a:ext cx="7642376" cy="2879651"/>
+          </a:xfrm>
+          <a:prstGeom prst="rect">
+            <a:avLst/>
+          </a:prstGeom>
+        </p:spPr>
+      </p:pic>
     </p:spTree>
   </p:cSld>
   <p:clrMapOvr>
@@ -8093,7 +9407,7 @@
           <p:nvPr/>
         </p:nvCxnSpPr>
         <p:spPr bwMode="auto">
-          <a:xfrm rot="5399977" flipH="0" flipV="1">
+          <a:xfrm rot="5399976" flipH="0" flipV="1">
             <a:off x="4248000" y="4362498"/>
             <a:ext cx="659364" cy="0"/>
           </a:xfrm>
@@ -8158,6 +9472,90 @@
           </a:p>
         </p:txBody>
       </p:sp>
+      <p:cxnSp>
+        <p:nvCxnSpPr>
+          <p:cNvPr id="389129455" name="Линия 0"/>
+          <p:cNvCxnSpPr>
+            <a:cxnSpLocks/>
+          </p:cNvCxnSpPr>
+          <p:nvPr/>
+        </p:nvCxnSpPr>
+        <p:spPr bwMode="auto">
+          <a:xfrm rot="0" flipH="0" flipV="1">
+            <a:off x="457200" y="3244858"/>
+            <a:ext cx="568156" cy="0"/>
+          </a:xfrm>
+          <a:prstGeom prst="line">
+            <a:avLst/>
+          </a:prstGeom>
+          <a:ln w="12699" cap="flat" cmpd="sng" algn="ctr">
+            <a:solidFill>
+              <a:srgbClr val="000000"/>
+            </a:solidFill>
+            <a:prstDash val="dash"/>
+            <a:headEnd type="arrow" w="lg" len="lg"/>
+            <a:tailEnd type="arrow" w="lg" len="lg"/>
+          </a:ln>
+        </p:spPr>
+        <p:style>
+          <a:lnRef idx="1">
+            <a:schemeClr val="accent1">
+              <a:shade val="50000"/>
+            </a:schemeClr>
+          </a:lnRef>
+          <a:fillRef idx="0">
+            <a:schemeClr val="accent1"/>
+          </a:fillRef>
+          <a:effectRef idx="0">
+            <a:schemeClr val="accent1"/>
+          </a:effectRef>
+          <a:fontRef idx="minor">
+            <a:schemeClr val="tx1"/>
+          </a:fontRef>
+        </p:style>
+      </p:cxnSp>
+      <p:cxnSp>
+        <p:nvCxnSpPr>
+          <p:cNvPr id="80256943" name="Линия 0"/>
+          <p:cNvCxnSpPr>
+            <a:cxnSpLocks/>
+          </p:cNvCxnSpPr>
+          <p:nvPr/>
+        </p:nvCxnSpPr>
+        <p:spPr bwMode="auto">
+          <a:xfrm rot="0" flipH="0" flipV="1">
+            <a:off x="8132241" y="3244858"/>
+            <a:ext cx="568155" cy="0"/>
+          </a:xfrm>
+          <a:prstGeom prst="line">
+            <a:avLst/>
+          </a:prstGeom>
+          <a:ln w="12699" cap="flat" cmpd="sng" algn="ctr">
+            <a:solidFill>
+              <a:srgbClr val="000000"/>
+            </a:solidFill>
+            <a:prstDash val="dash"/>
+            <a:headEnd type="arrow" w="lg" len="lg"/>
+            <a:tailEnd type="arrow" w="lg" len="lg"/>
+          </a:ln>
+        </p:spPr>
+        <p:style>
+          <a:lnRef idx="1">
+            <a:schemeClr val="accent1">
+              <a:shade val="50000"/>
+            </a:schemeClr>
+          </a:lnRef>
+          <a:fillRef idx="0">
+            <a:schemeClr val="accent1"/>
+          </a:fillRef>
+          <a:effectRef idx="0">
+            <a:schemeClr val="accent1"/>
+          </a:effectRef>
+          <a:fontRef idx="minor">
+            <a:schemeClr val="tx1"/>
+          </a:fontRef>
+        </p:style>
+      </p:cxnSp>
     </p:spTree>
   </p:cSld>
   <p:clrMapOvr>
@@ -8364,7 +9762,7 @@
       </p:grpSpPr>
       <p:sp>
         <p:nvSpPr>
-          <p:cNvPr id="2" name="Title 1"/>
+          <p:cNvPr id="844689430" name="Title 1"/>
           <p:cNvSpPr>
             <a:spLocks noGrp="1"/>
           </p:cNvSpPr>
@@ -8381,16 +9779,16 @@
               <a:defRPr/>
             </a:pPr>
             <a:r>
-              <a:rPr lang="ru-RU"/>
-              <a:t>Основные этапы алгоритма</a:t>
-            </a:r>
-            <a:endParaRPr lang="ru-RU"/>
-          </a:p>
-        </p:txBody>
-      </p:sp>
-      <p:sp>
-        <p:nvSpPr>
-          <p:cNvPr id="8" name="Нижний колонтитул 7"/>
+              <a:rPr/>
+              <a:t>Стандарт DMR</a:t>
+            </a:r>
+            <a:endParaRPr/>
+          </a:p>
+        </p:txBody>
+      </p:sp>
+      <p:sp>
+        <p:nvSpPr>
+          <p:cNvPr id="859366466" name="Footer Placeholder 4"/>
           <p:cNvSpPr>
             <a:spLocks noGrp="1"/>
           </p:cNvSpPr>
@@ -8420,7 +9818,7 @@
       </p:sp>
       <p:pic>
         <p:nvPicPr>
-          <p:cNvPr id="1452655064" name=""/>
+          <p:cNvPr id="2139191226" name=""/>
           <p:cNvPicPr>
             <a:picLocks noChangeAspect="1"/>
           </p:cNvPicPr>
@@ -8431,15 +9829,920 @@
           <a:stretch/>
         </p:blipFill>
         <p:spPr bwMode="auto">
-          <a:xfrm flipH="0" flipV="0">
-            <a:off x="3149422" y="1124259"/>
-            <a:ext cx="2845153" cy="5283856"/>
+          <a:xfrm rot="0" flipH="0" flipV="0">
+            <a:off x="2267605" y="1225661"/>
+            <a:ext cx="4608788" cy="2847771"/>
           </a:xfrm>
           <a:prstGeom prst="rect">
             <a:avLst/>
           </a:prstGeom>
         </p:spPr>
       </p:pic>
+      <p:graphicFrame>
+        <p:nvGraphicFramePr>
+          <p:cNvPr id="1227556653" name=""/>
+          <p:cNvGraphicFramePr>
+            <a:graphicFrameLocks xmlns:a="http://schemas.openxmlformats.org/drawingml/2006/main"/>
+          </p:cNvGraphicFramePr>
+          <p:nvPr/>
+        </p:nvGraphicFramePr>
+        <p:xfrm>
+          <a:off x="1517649" y="4149090"/>
+          <a:ext cx="6108699" cy="2207259"/>
+        </p:xfrm>
+        <a:graphic>
+          <a:graphicData uri="http://schemas.openxmlformats.org/drawingml/2006/table">
+            <a:tbl>
+              <a:tblPr firstRow="1" firstCol="0" lastRow="0" lastCol="0" bandRow="1" bandCol="0">
+                <a:tableStyleId>{2D5ABB26-0587-4C30-8999-92F81FD0307C}</a:tableStyleId>
+              </a:tblPr>
+              <a:tblGrid>
+                <a:gridCol w="1523999"/>
+                <a:gridCol w="1523999"/>
+                <a:gridCol w="1523999"/>
+                <a:gridCol w="1523999"/>
+              </a:tblGrid>
+              <a:tr h="365760">
+                <a:tc gridSpan="2">
+                  <a:txBody>
+                    <a:bodyPr/>
+                    <a:p>
+                      <a:pPr algn="ctr">
+                        <a:defRPr/>
+                      </a:pPr>
+                      <a:r>
+                        <a:rPr/>
+                        <a:t>Информационные биты</a:t>
+                      </a:r>
+                      <a:endParaRPr/>
+                    </a:p>
+                  </a:txBody>
+                  <a:tcPr>
+                    <a:lnL w="12699" algn="ctr">
+                      <a:solidFill>
+                        <a:srgbClr val="000000"/>
+                      </a:solidFill>
+                    </a:lnL>
+                    <a:lnR w="12699" algn="ctr">
+                      <a:solidFill>
+                        <a:srgbClr val="000000"/>
+                      </a:solidFill>
+                    </a:lnR>
+                    <a:lnT w="12699" algn="ctr">
+                      <a:solidFill>
+                        <a:srgbClr val="000000"/>
+                      </a:solidFill>
+                    </a:lnT>
+                    <a:lnB w="12699" algn="ctr">
+                      <a:solidFill>
+                        <a:srgbClr val="000000"/>
+                      </a:solidFill>
+                    </a:lnB>
+                  </a:tcPr>
+                </a:tc>
+                <a:tc hMerge="1">
+                  <a:txBody>
+                    <a:bodyPr/>
+                    <a:p>
+                      <a:endParaRPr/>
+                    </a:p>
+                  </a:txBody>
+                </a:tc>
+                <a:tc rowSpan="2">
+                  <a:txBody>
+                    <a:bodyPr/>
+                    <a:p>
+                      <a:pPr algn="ctr">
+                        <a:defRPr/>
+                      </a:pPr>
+                      <a:r>
+                        <a:rPr/>
+                        <a:t>Символ</a:t>
+                      </a:r>
+                      <a:endParaRPr/>
+                    </a:p>
+                  </a:txBody>
+                  <a:tcPr>
+                    <a:lnL w="12699" algn="ctr">
+                      <a:solidFill>
+                        <a:srgbClr val="000000"/>
+                      </a:solidFill>
+                    </a:lnL>
+                    <a:lnR w="12699" algn="ctr">
+                      <a:solidFill>
+                        <a:srgbClr val="000000"/>
+                      </a:solidFill>
+                    </a:lnR>
+                    <a:lnT w="12699" algn="ctr">
+                      <a:solidFill>
+                        <a:srgbClr val="000000"/>
+                      </a:solidFill>
+                    </a:lnT>
+                    <a:lnB w="12699" algn="ctr">
+                      <a:solidFill>
+                        <a:srgbClr val="000000"/>
+                      </a:solidFill>
+                    </a:lnB>
+                  </a:tcPr>
+                </a:tc>
+                <a:tc rowSpan="2">
+                  <a:txBody>
+                    <a:bodyPr/>
+                    <a:p>
+                      <a:pPr algn="ctr">
+                        <a:defRPr/>
+                      </a:pPr>
+                      <a:r>
+                        <a:rPr/>
+                        <a:t>Девиация 4FSK</a:t>
+                      </a:r>
+                      <a:endParaRPr/>
+                    </a:p>
+                  </a:txBody>
+                  <a:tcPr>
+                    <a:lnL w="12699" algn="ctr">
+                      <a:solidFill>
+                        <a:srgbClr val="000000"/>
+                      </a:solidFill>
+                    </a:lnL>
+                    <a:lnR w="12699" algn="ctr">
+                      <a:solidFill>
+                        <a:srgbClr val="000000"/>
+                      </a:solidFill>
+                    </a:lnR>
+                    <a:lnT w="12699" algn="ctr">
+                      <a:solidFill>
+                        <a:srgbClr val="000000"/>
+                      </a:solidFill>
+                    </a:lnT>
+                    <a:lnB w="12699" algn="ctr">
+                      <a:solidFill>
+                        <a:srgbClr val="000000"/>
+                      </a:solidFill>
+                    </a:lnB>
+                  </a:tcPr>
+                </a:tc>
+              </a:tr>
+              <a:tr h="365760">
+                <a:tc>
+                  <a:txBody>
+                    <a:bodyPr/>
+                    <a:p>
+                      <a:pPr algn="ctr">
+                        <a:defRPr/>
+                      </a:pPr>
+                      <a:r>
+                        <a:rPr/>
+                        <a:t>Бит 1</a:t>
+                      </a:r>
+                      <a:endParaRPr/>
+                    </a:p>
+                  </a:txBody>
+                  <a:tcPr>
+                    <a:lnL w="12699" algn="ctr">
+                      <a:solidFill>
+                        <a:srgbClr val="000000"/>
+                      </a:solidFill>
+                    </a:lnL>
+                    <a:lnR w="12699" algn="ctr">
+                      <a:solidFill>
+                        <a:srgbClr val="000000"/>
+                      </a:solidFill>
+                    </a:lnR>
+                    <a:lnT w="12699" algn="ctr">
+                      <a:solidFill>
+                        <a:srgbClr val="000000"/>
+                      </a:solidFill>
+                    </a:lnT>
+                    <a:lnB w="12699" algn="ctr">
+                      <a:solidFill>
+                        <a:srgbClr val="000000"/>
+                      </a:solidFill>
+                    </a:lnB>
+                  </a:tcPr>
+                </a:tc>
+                <a:tc>
+                  <a:txBody>
+                    <a:bodyPr/>
+                    <a:p>
+                      <a:pPr algn="ctr">
+                        <a:defRPr/>
+                      </a:pPr>
+                      <a:r>
+                        <a:rPr/>
+                        <a:t>Бит 0</a:t>
+                      </a:r>
+                      <a:endParaRPr/>
+                    </a:p>
+                  </a:txBody>
+                  <a:tcPr>
+                    <a:lnL w="12699" algn="ctr">
+                      <a:solidFill>
+                        <a:srgbClr val="000000"/>
+                      </a:solidFill>
+                    </a:lnL>
+                    <a:lnR w="12699" algn="ctr">
+                      <a:solidFill>
+                        <a:srgbClr val="000000"/>
+                      </a:solidFill>
+                    </a:lnR>
+                    <a:lnT w="12699" algn="ctr">
+                      <a:solidFill>
+                        <a:srgbClr val="000000"/>
+                      </a:solidFill>
+                    </a:lnT>
+                    <a:lnB w="12699" algn="ctr">
+                      <a:solidFill>
+                        <a:srgbClr val="000000"/>
+                      </a:solidFill>
+                    </a:lnB>
+                  </a:tcPr>
+                </a:tc>
+                <a:tc vMerge="1">
+                  <a:txBody>
+                    <a:bodyPr/>
+                    <a:p>
+                      <a:pPr>
+                        <a:defRPr/>
+                      </a:pPr>
+                      <a:endParaRPr/>
+                    </a:p>
+                  </a:txBody>
+                  <a:tcPr>
+                    <a:lnL w="12699" algn="ctr">
+                      <a:solidFill>
+                        <a:srgbClr val="000000"/>
+                      </a:solidFill>
+                    </a:lnL>
+                    <a:lnR w="12699" algn="ctr">
+                      <a:solidFill>
+                        <a:srgbClr val="000000"/>
+                      </a:solidFill>
+                    </a:lnR>
+                    <a:lnT w="12699" algn="ctr">
+                      <a:solidFill>
+                        <a:srgbClr val="000000"/>
+                      </a:solidFill>
+                    </a:lnT>
+                    <a:lnB w="12699" algn="ctr">
+                      <a:solidFill>
+                        <a:srgbClr val="000000"/>
+                      </a:solidFill>
+                    </a:lnB>
+                  </a:tcPr>
+                </a:tc>
+                <a:tc vMerge="1">
+                  <a:txBody>
+                    <a:bodyPr/>
+                    <a:p>
+                      <a:pPr>
+                        <a:defRPr/>
+                      </a:pPr>
+                      <a:endParaRPr/>
+                    </a:p>
+                  </a:txBody>
+                  <a:tcPr>
+                    <a:lnL w="12699" algn="ctr">
+                      <a:solidFill>
+                        <a:srgbClr val="000000"/>
+                      </a:solidFill>
+                    </a:lnL>
+                    <a:lnR w="12699" algn="ctr">
+                      <a:solidFill>
+                        <a:srgbClr val="000000"/>
+                      </a:solidFill>
+                    </a:lnR>
+                    <a:lnT w="12699" algn="ctr">
+                      <a:solidFill>
+                        <a:srgbClr val="000000"/>
+                      </a:solidFill>
+                    </a:lnT>
+                    <a:lnB w="12699" algn="ctr">
+                      <a:solidFill>
+                        <a:srgbClr val="000000"/>
+                      </a:solidFill>
+                    </a:lnB>
+                  </a:tcPr>
+                </a:tc>
+              </a:tr>
+              <a:tr h="365760">
+                <a:tc>
+                  <a:txBody>
+                    <a:bodyPr/>
+                    <a:p>
+                      <a:pPr algn="ctr">
+                        <a:defRPr/>
+                      </a:pPr>
+                      <a:r>
+                        <a:rPr/>
+                        <a:t>0</a:t>
+                      </a:r>
+                      <a:endParaRPr/>
+                    </a:p>
+                  </a:txBody>
+                  <a:tcPr>
+                    <a:lnL w="12699" algn="ctr">
+                      <a:solidFill>
+                        <a:srgbClr val="000000"/>
+                      </a:solidFill>
+                    </a:lnL>
+                    <a:lnR w="12699" algn="ctr">
+                      <a:solidFill>
+                        <a:srgbClr val="000000"/>
+                      </a:solidFill>
+                    </a:lnR>
+                    <a:lnT w="12699" algn="ctr">
+                      <a:solidFill>
+                        <a:srgbClr val="000000"/>
+                      </a:solidFill>
+                    </a:lnT>
+                    <a:lnB w="12699" algn="ctr">
+                      <a:solidFill>
+                        <a:srgbClr val="000000"/>
+                      </a:solidFill>
+                    </a:lnB>
+                  </a:tcPr>
+                </a:tc>
+                <a:tc>
+                  <a:txBody>
+                    <a:bodyPr/>
+                    <a:p>
+                      <a:pPr algn="ctr">
+                        <a:defRPr/>
+                      </a:pPr>
+                      <a:r>
+                        <a:rPr/>
+                        <a:t>1</a:t>
+                      </a:r>
+                      <a:endParaRPr/>
+                    </a:p>
+                  </a:txBody>
+                  <a:tcPr>
+                    <a:lnL w="12699" algn="ctr">
+                      <a:solidFill>
+                        <a:srgbClr val="000000"/>
+                      </a:solidFill>
+                    </a:lnL>
+                    <a:lnR w="12699" algn="ctr">
+                      <a:solidFill>
+                        <a:srgbClr val="000000"/>
+                      </a:solidFill>
+                    </a:lnR>
+                    <a:lnT w="12699" algn="ctr">
+                      <a:solidFill>
+                        <a:srgbClr val="000000"/>
+                      </a:solidFill>
+                    </a:lnT>
+                    <a:lnB w="12699" algn="ctr">
+                      <a:solidFill>
+                        <a:srgbClr val="000000"/>
+                      </a:solidFill>
+                    </a:lnB>
+                  </a:tcPr>
+                </a:tc>
+                <a:tc>
+                  <a:txBody>
+                    <a:bodyPr/>
+                    <a:p>
+                      <a:pPr algn="ctr">
+                        <a:defRPr/>
+                      </a:pPr>
+                      <a:r>
+                        <a:rPr/>
+                        <a:t>+3</a:t>
+                      </a:r>
+                      <a:endParaRPr/>
+                    </a:p>
+                  </a:txBody>
+                  <a:tcPr>
+                    <a:lnL w="12699" algn="ctr">
+                      <a:solidFill>
+                        <a:srgbClr val="000000"/>
+                      </a:solidFill>
+                    </a:lnL>
+                    <a:lnR w="12699" algn="ctr">
+                      <a:solidFill>
+                        <a:srgbClr val="000000"/>
+                      </a:solidFill>
+                    </a:lnR>
+                    <a:lnT w="12699" algn="ctr">
+                      <a:solidFill>
+                        <a:srgbClr val="000000"/>
+                      </a:solidFill>
+                    </a:lnT>
+                    <a:lnB w="12699" algn="ctr">
+                      <a:solidFill>
+                        <a:srgbClr val="000000"/>
+                      </a:solidFill>
+                    </a:lnB>
+                  </a:tcPr>
+                </a:tc>
+                <a:tc>
+                  <a:txBody>
+                    <a:bodyPr/>
+                    <a:p>
+                      <a:pPr algn="ctr">
+                        <a:defRPr/>
+                      </a:pPr>
+                      <a:r>
+                        <a:rPr/>
+                        <a:t>+1,944 кГц</a:t>
+                      </a:r>
+                      <a:endParaRPr/>
+                    </a:p>
+                  </a:txBody>
+                  <a:tcPr>
+                    <a:lnL w="12699" algn="ctr">
+                      <a:solidFill>
+                        <a:srgbClr val="000000"/>
+                      </a:solidFill>
+                    </a:lnL>
+                    <a:lnR w="12699" algn="ctr">
+                      <a:solidFill>
+                        <a:srgbClr val="000000"/>
+                      </a:solidFill>
+                    </a:lnR>
+                    <a:lnT w="12699" algn="ctr">
+                      <a:solidFill>
+                        <a:srgbClr val="000000"/>
+                      </a:solidFill>
+                    </a:lnT>
+                    <a:lnB w="12699" algn="ctr">
+                      <a:solidFill>
+                        <a:srgbClr val="000000"/>
+                      </a:solidFill>
+                    </a:lnB>
+                  </a:tcPr>
+                </a:tc>
+              </a:tr>
+              <a:tr h="365760">
+                <a:tc>
+                  <a:txBody>
+                    <a:bodyPr/>
+                    <a:p>
+                      <a:pPr algn="ctr">
+                        <a:defRPr/>
+                      </a:pPr>
+                      <a:r>
+                        <a:rPr/>
+                        <a:t>0</a:t>
+                      </a:r>
+                      <a:endParaRPr/>
+                    </a:p>
+                  </a:txBody>
+                  <a:tcPr>
+                    <a:lnL w="12699" algn="ctr">
+                      <a:solidFill>
+                        <a:srgbClr val="000000"/>
+                      </a:solidFill>
+                    </a:lnL>
+                    <a:lnR w="12699" algn="ctr">
+                      <a:solidFill>
+                        <a:srgbClr val="000000"/>
+                      </a:solidFill>
+                    </a:lnR>
+                    <a:lnT w="12699" algn="ctr">
+                      <a:solidFill>
+                        <a:srgbClr val="000000"/>
+                      </a:solidFill>
+                    </a:lnT>
+                    <a:lnB w="12699" algn="ctr">
+                      <a:solidFill>
+                        <a:srgbClr val="000000"/>
+                      </a:solidFill>
+                    </a:lnB>
+                  </a:tcPr>
+                </a:tc>
+                <a:tc>
+                  <a:txBody>
+                    <a:bodyPr/>
+                    <a:p>
+                      <a:pPr algn="ctr">
+                        <a:defRPr/>
+                      </a:pPr>
+                      <a:r>
+                        <a:rPr/>
+                        <a:t>0</a:t>
+                      </a:r>
+                      <a:endParaRPr/>
+                    </a:p>
+                  </a:txBody>
+                  <a:tcPr>
+                    <a:lnL w="12699" algn="ctr">
+                      <a:solidFill>
+                        <a:srgbClr val="000000"/>
+                      </a:solidFill>
+                    </a:lnL>
+                    <a:lnR w="12699" algn="ctr">
+                      <a:solidFill>
+                        <a:srgbClr val="000000"/>
+                      </a:solidFill>
+                    </a:lnR>
+                    <a:lnT w="12699" algn="ctr">
+                      <a:solidFill>
+                        <a:srgbClr val="000000"/>
+                      </a:solidFill>
+                    </a:lnT>
+                    <a:lnB w="12699" algn="ctr">
+                      <a:solidFill>
+                        <a:srgbClr val="000000"/>
+                      </a:solidFill>
+                    </a:lnB>
+                  </a:tcPr>
+                </a:tc>
+                <a:tc>
+                  <a:txBody>
+                    <a:bodyPr/>
+                    <a:p>
+                      <a:pPr algn="ctr">
+                        <a:defRPr/>
+                      </a:pPr>
+                      <a:r>
+                        <a:rPr/>
+                        <a:t>+1</a:t>
+                      </a:r>
+                      <a:endParaRPr/>
+                    </a:p>
+                  </a:txBody>
+                  <a:tcPr>
+                    <a:lnL w="12699" algn="ctr">
+                      <a:solidFill>
+                        <a:srgbClr val="000000"/>
+                      </a:solidFill>
+                    </a:lnL>
+                    <a:lnR w="12699" algn="ctr">
+                      <a:solidFill>
+                        <a:srgbClr val="000000"/>
+                      </a:solidFill>
+                    </a:lnR>
+                    <a:lnT w="12699" algn="ctr">
+                      <a:solidFill>
+                        <a:srgbClr val="000000"/>
+                      </a:solidFill>
+                    </a:lnT>
+                    <a:lnB w="12699" algn="ctr">
+                      <a:solidFill>
+                        <a:srgbClr val="000000"/>
+                      </a:solidFill>
+                    </a:lnB>
+                  </a:tcPr>
+                </a:tc>
+                <a:tc>
+                  <a:txBody>
+                    <a:bodyPr/>
+                    <a:p>
+                      <a:pPr algn="ctr">
+                        <a:defRPr/>
+                      </a:pPr>
+                      <a:r>
+                        <a:rPr/>
+                        <a:t>+0,648 кГц</a:t>
+                      </a:r>
+                      <a:endParaRPr/>
+                    </a:p>
+                  </a:txBody>
+                  <a:tcPr>
+                    <a:lnL w="12699" algn="ctr">
+                      <a:solidFill>
+                        <a:srgbClr val="000000"/>
+                      </a:solidFill>
+                    </a:lnL>
+                    <a:lnR w="12699" algn="ctr">
+                      <a:solidFill>
+                        <a:srgbClr val="000000"/>
+                      </a:solidFill>
+                    </a:lnR>
+                    <a:lnT w="12699" algn="ctr">
+                      <a:solidFill>
+                        <a:srgbClr val="000000"/>
+                      </a:solidFill>
+                    </a:lnT>
+                    <a:lnB w="12699" algn="ctr">
+                      <a:solidFill>
+                        <a:srgbClr val="000000"/>
+                      </a:solidFill>
+                    </a:lnB>
+                  </a:tcPr>
+                </a:tc>
+              </a:tr>
+              <a:tr h="365760">
+                <a:tc>
+                  <a:txBody>
+                    <a:bodyPr/>
+                    <a:p>
+                      <a:pPr algn="ctr">
+                        <a:defRPr/>
+                      </a:pPr>
+                      <a:r>
+                        <a:rPr/>
+                        <a:t>1</a:t>
+                      </a:r>
+                      <a:endParaRPr/>
+                    </a:p>
+                  </a:txBody>
+                  <a:tcPr>
+                    <a:lnL w="12699" algn="ctr">
+                      <a:solidFill>
+                        <a:srgbClr val="000000"/>
+                      </a:solidFill>
+                    </a:lnL>
+                    <a:lnR w="12699" algn="ctr">
+                      <a:solidFill>
+                        <a:srgbClr val="000000"/>
+                      </a:solidFill>
+                    </a:lnR>
+                    <a:lnT w="12699" algn="ctr">
+                      <a:solidFill>
+                        <a:srgbClr val="000000"/>
+                      </a:solidFill>
+                    </a:lnT>
+                    <a:lnB w="12699" algn="ctr">
+                      <a:solidFill>
+                        <a:srgbClr val="000000"/>
+                      </a:solidFill>
+                    </a:lnB>
+                  </a:tcPr>
+                </a:tc>
+                <a:tc>
+                  <a:txBody>
+                    <a:bodyPr/>
+                    <a:p>
+                      <a:pPr algn="ctr">
+                        <a:defRPr/>
+                      </a:pPr>
+                      <a:r>
+                        <a:rPr/>
+                        <a:t>0</a:t>
+                      </a:r>
+                      <a:endParaRPr/>
+                    </a:p>
+                  </a:txBody>
+                  <a:tcPr>
+                    <a:lnL w="12699" algn="ctr">
+                      <a:solidFill>
+                        <a:srgbClr val="000000"/>
+                      </a:solidFill>
+                    </a:lnL>
+                    <a:lnR w="12699" algn="ctr">
+                      <a:solidFill>
+                        <a:srgbClr val="000000"/>
+                      </a:solidFill>
+                    </a:lnR>
+                    <a:lnT w="12699" algn="ctr">
+                      <a:solidFill>
+                        <a:srgbClr val="000000"/>
+                      </a:solidFill>
+                    </a:lnT>
+                    <a:lnB w="12699" algn="ctr">
+                      <a:solidFill>
+                        <a:srgbClr val="000000"/>
+                      </a:solidFill>
+                    </a:lnB>
+                  </a:tcPr>
+                </a:tc>
+                <a:tc>
+                  <a:txBody>
+                    <a:bodyPr/>
+                    <a:p>
+                      <a:pPr algn="ctr">
+                        <a:defRPr/>
+                      </a:pPr>
+                      <a:r>
+                        <a:rPr/>
+                        <a:t>-1</a:t>
+                      </a:r>
+                      <a:endParaRPr/>
+                    </a:p>
+                  </a:txBody>
+                  <a:tcPr>
+                    <a:lnL w="12699" algn="ctr">
+                      <a:solidFill>
+                        <a:srgbClr val="000000"/>
+                      </a:solidFill>
+                    </a:lnL>
+                    <a:lnR w="12699" algn="ctr">
+                      <a:solidFill>
+                        <a:srgbClr val="000000"/>
+                      </a:solidFill>
+                    </a:lnR>
+                    <a:lnT w="12699" algn="ctr">
+                      <a:solidFill>
+                        <a:srgbClr val="000000"/>
+                      </a:solidFill>
+                    </a:lnT>
+                    <a:lnB w="12699" algn="ctr">
+                      <a:solidFill>
+                        <a:srgbClr val="000000"/>
+                      </a:solidFill>
+                    </a:lnB>
+                  </a:tcPr>
+                </a:tc>
+                <a:tc>
+                  <a:txBody>
+                    <a:bodyPr/>
+                    <a:p>
+                      <a:pPr algn="ctr">
+                        <a:defRPr/>
+                      </a:pPr>
+                      <a:r>
+                        <a:rPr lang="ru-RU" sz="1800" b="0" i="0" u="none" strike="noStrike" cap="none" spc="0">
+                          <a:solidFill>
+                            <a:schemeClr val="dk1"/>
+                          </a:solidFill>
+                          <a:latin typeface="+mn-lt"/>
+                          <a:ea typeface="+mn-ea"/>
+                          <a:cs typeface="+mn-cs"/>
+                        </a:rPr>
+                        <a:t>-0,648 кГц</a:t>
+                      </a:r>
+                      <a:endParaRPr sz="1800"/>
+                    </a:p>
+                  </a:txBody>
+                  <a:tcPr>
+                    <a:lnL w="12699" algn="ctr">
+                      <a:solidFill>
+                        <a:srgbClr val="000000"/>
+                      </a:solidFill>
+                    </a:lnL>
+                    <a:lnR w="12699" algn="ctr">
+                      <a:solidFill>
+                        <a:srgbClr val="000000"/>
+                      </a:solidFill>
+                    </a:lnR>
+                    <a:lnT w="12699" algn="ctr">
+                      <a:solidFill>
+                        <a:srgbClr val="000000"/>
+                      </a:solidFill>
+                    </a:lnT>
+                    <a:lnB w="12699" algn="ctr">
+                      <a:solidFill>
+                        <a:srgbClr val="000000"/>
+                      </a:solidFill>
+                    </a:lnB>
+                  </a:tcPr>
+                </a:tc>
+              </a:tr>
+              <a:tr h="365760">
+                <a:tc>
+                  <a:txBody>
+                    <a:bodyPr/>
+                    <a:p>
+                      <a:pPr algn="ctr">
+                        <a:defRPr/>
+                      </a:pPr>
+                      <a:r>
+                        <a:rPr/>
+                        <a:t>1</a:t>
+                      </a:r>
+                      <a:endParaRPr/>
+                    </a:p>
+                  </a:txBody>
+                  <a:tcPr>
+                    <a:lnL w="12699" algn="ctr">
+                      <a:solidFill>
+                        <a:srgbClr val="000000"/>
+                      </a:solidFill>
+                    </a:lnL>
+                    <a:lnR w="12699" algn="ctr">
+                      <a:solidFill>
+                        <a:srgbClr val="000000"/>
+                      </a:solidFill>
+                    </a:lnR>
+                    <a:lnT w="12699" algn="ctr">
+                      <a:solidFill>
+                        <a:srgbClr val="000000"/>
+                      </a:solidFill>
+                    </a:lnT>
+                    <a:lnB w="12699" algn="ctr">
+                      <a:solidFill>
+                        <a:srgbClr val="000000"/>
+                      </a:solidFill>
+                    </a:lnB>
+                  </a:tcPr>
+                </a:tc>
+                <a:tc>
+                  <a:txBody>
+                    <a:bodyPr/>
+                    <a:p>
+                      <a:pPr algn="ctr">
+                        <a:defRPr/>
+                      </a:pPr>
+                      <a:r>
+                        <a:rPr/>
+                        <a:t>1</a:t>
+                      </a:r>
+                      <a:endParaRPr/>
+                    </a:p>
+                  </a:txBody>
+                  <a:tcPr>
+                    <a:lnL w="12699" algn="ctr">
+                      <a:solidFill>
+                        <a:srgbClr val="000000"/>
+                      </a:solidFill>
+                    </a:lnL>
+                    <a:lnR w="12699" algn="ctr">
+                      <a:solidFill>
+                        <a:srgbClr val="000000"/>
+                      </a:solidFill>
+                    </a:lnR>
+                    <a:lnT w="12699" algn="ctr">
+                      <a:solidFill>
+                        <a:srgbClr val="000000"/>
+                      </a:solidFill>
+                    </a:lnT>
+                    <a:lnB w="12699" algn="ctr">
+                      <a:solidFill>
+                        <a:srgbClr val="000000"/>
+                      </a:solidFill>
+                    </a:lnB>
+                  </a:tcPr>
+                </a:tc>
+                <a:tc>
+                  <a:txBody>
+                    <a:bodyPr/>
+                    <a:p>
+                      <a:pPr algn="ctr">
+                        <a:defRPr/>
+                      </a:pPr>
+                      <a:r>
+                        <a:rPr/>
+                        <a:t>-3</a:t>
+                      </a:r>
+                      <a:endParaRPr/>
+                    </a:p>
+                  </a:txBody>
+                  <a:tcPr>
+                    <a:lnL w="12699" algn="ctr">
+                      <a:solidFill>
+                        <a:srgbClr val="000000"/>
+                      </a:solidFill>
+                    </a:lnL>
+                    <a:lnR w="12699" algn="ctr">
+                      <a:solidFill>
+                        <a:srgbClr val="000000"/>
+                      </a:solidFill>
+                    </a:lnR>
+                    <a:lnT w="12699" algn="ctr">
+                      <a:solidFill>
+                        <a:srgbClr val="000000"/>
+                      </a:solidFill>
+                    </a:lnT>
+                    <a:lnB w="12699" algn="ctr">
+                      <a:solidFill>
+                        <a:srgbClr val="000000"/>
+                      </a:solidFill>
+                    </a:lnB>
+                  </a:tcPr>
+                </a:tc>
+                <a:tc>
+                  <a:txBody>
+                    <a:bodyPr/>
+                    <a:p>
+                      <a:pPr algn="ctr">
+                        <a:defRPr/>
+                      </a:pPr>
+                      <a:r>
+                        <a:rPr lang="ru-RU" sz="1800" b="0" i="0" u="none" strike="noStrike" cap="none" spc="0">
+                          <a:solidFill>
+                            <a:schemeClr val="dk1"/>
+                          </a:solidFill>
+                          <a:latin typeface="+mn-lt"/>
+                          <a:ea typeface="+mn-ea"/>
+                          <a:cs typeface="+mn-cs"/>
+                        </a:rPr>
+                        <a:t>-1,944 кГц</a:t>
+                      </a:r>
+                      <a:endParaRPr sz="1800"/>
+                    </a:p>
+                  </a:txBody>
+                  <a:tcPr>
+                    <a:lnL w="12699" algn="ctr">
+                      <a:solidFill>
+                        <a:srgbClr val="000000"/>
+                      </a:solidFill>
+                    </a:lnL>
+                    <a:lnR w="12699" algn="ctr">
+                      <a:solidFill>
+                        <a:srgbClr val="000000"/>
+                      </a:solidFill>
+                    </a:lnR>
+                    <a:lnT w="12699" algn="ctr">
+                      <a:solidFill>
+                        <a:srgbClr val="000000"/>
+                      </a:solidFill>
+                    </a:lnT>
+                    <a:lnB w="12699" algn="ctr">
+                      <a:solidFill>
+                        <a:srgbClr val="000000"/>
+                      </a:solidFill>
+                    </a:lnB>
+                  </a:tcPr>
+                </a:tc>
+              </a:tr>
+            </a:tbl>
+          </a:graphicData>
+        </a:graphic>
+      </p:graphicFrame>
     </p:spTree>
   </p:cSld>
   <p:clrMapOvr>
@@ -8475,7 +10778,7 @@
       </p:grpSpPr>
       <p:sp>
         <p:nvSpPr>
-          <p:cNvPr id="1848993363" name="Title 1"/>
+          <p:cNvPr id="2" name="Title 1"/>
           <p:cNvSpPr>
             <a:spLocks noGrp="1"/>
           </p:cNvSpPr>
@@ -8501,7 +10804,7 @@
       </p:sp>
       <p:sp>
         <p:nvSpPr>
-          <p:cNvPr id="2082793045" name="Нижний колонтитул 7"/>
+          <p:cNvPr id="8" name="Нижний колонтитул 7"/>
           <p:cNvSpPr>
             <a:spLocks noGrp="1"/>
           </p:cNvSpPr>
@@ -8529,9 +10832,74 @@
           </a:p>
         </p:txBody>
       </p:sp>
+      <p:sp>
+        <p:nvSpPr>
+          <p:cNvPr id="192256328" name=""/>
+          <p:cNvSpPr txBox="1"/>
+          <p:nvPr/>
+        </p:nvSpPr>
+        <p:spPr bwMode="auto">
+          <a:xfrm flipH="0" flipV="0">
+            <a:off x="4251259" y="1630679"/>
+            <a:ext cx="4118040" cy="3505559"/>
+          </a:xfrm>
+          <a:prstGeom prst="rect">
+            <a:avLst/>
+          </a:prstGeom>
+          <a:noFill/>
+        </p:spPr>
+        <p:txBody>
+          <a:bodyPr vertOverflow="overflow" horzOverflow="overflow" vert="horz" wrap="square" lIns="91440" tIns="45720" rIns="91440" bIns="45720" numCol="1" spcCol="0" rtlCol="0" fromWordArt="0" anchor="t" anchorCtr="0" forceAA="0" upright="0" compatLnSpc="0">
+            <a:spAutoFit/>
+          </a:bodyPr>
+          <a:p>
+            <a:pPr>
+              <a:defRPr/>
+            </a:pPr>
+            <a:r>
+              <a:rPr sz="2800"/>
+              <a:t>Методы обнаружения синхрогруппы:</a:t>
+            </a:r>
+            <a:endParaRPr sz="2800"/>
+          </a:p>
+          <a:p>
+            <a:pPr marL="283879" indent="-283879">
+              <a:buAutoNum type="arabicParenR"/>
+              <a:defRPr/>
+            </a:pPr>
+            <a:r>
+              <a:rPr sz="2800"/>
+              <a:t> по комплексным отсчетам;</a:t>
+            </a:r>
+            <a:endParaRPr sz="2800"/>
+          </a:p>
+          <a:p>
+            <a:pPr marL="283879" indent="-283879">
+              <a:buAutoNum type="arabicParenR"/>
+              <a:defRPr/>
+            </a:pPr>
+            <a:r>
+              <a:rPr sz="2800"/>
+              <a:t> по демодулированным отсчетам частоты;</a:t>
+            </a:r>
+            <a:endParaRPr sz="2800"/>
+          </a:p>
+          <a:p>
+            <a:pPr marL="283879" indent="-283879">
+              <a:buAutoNum type="arabicParenR"/>
+              <a:defRPr/>
+            </a:pPr>
+            <a:r>
+              <a:rPr sz="2800"/>
+              <a:t> по демодулированным символам.</a:t>
+            </a:r>
+            <a:endParaRPr/>
+          </a:p>
+        </p:txBody>
+      </p:sp>
       <p:pic>
         <p:nvPicPr>
-          <p:cNvPr id="1677635154" name=""/>
+          <p:cNvPr id="321863357" name=""/>
           <p:cNvPicPr>
             <a:picLocks noChangeAspect="1"/>
           </p:cNvPicPr>
@@ -8543,8 +10911,8 @@
         </p:blipFill>
         <p:spPr bwMode="auto">
           <a:xfrm flipH="0" flipV="0">
-            <a:off x="457200" y="1262338"/>
-            <a:ext cx="8374184" cy="5032443"/>
+            <a:off x="789049" y="1066979"/>
+            <a:ext cx="2810510" cy="5219519"/>
           </a:xfrm>
           <a:prstGeom prst="rect">
             <a:avLst/>
@@ -8604,7 +10972,7 @@
             </a:pPr>
             <a:r>
               <a:rPr/>
-              <a:t>Демодуляция</a:t>
+              <a:t>Демодуляция 4FSK</a:t>
             </a:r>
             <a:endParaRPr/>
           </a:p>
@@ -8751,28 +11119,6 @@
           </a:p>
         </p:txBody>
       </p:sp>
-      <p:pic>
-        <p:nvPicPr>
-          <p:cNvPr id="2048185081" name=""/>
-          <p:cNvPicPr>
-            <a:picLocks noChangeAspect="1"/>
-          </p:cNvPicPr>
-          <p:nvPr/>
-        </p:nvPicPr>
-        <p:blipFill>
-          <a:blip r:embed="rId3"/>
-          <a:stretch/>
-        </p:blipFill>
-        <p:spPr bwMode="auto">
-          <a:xfrm rot="0" flipH="0" flipV="0">
-            <a:off x="1466708" y="3408108"/>
-            <a:ext cx="5940423" cy="3032091"/>
-          </a:xfrm>
-          <a:prstGeom prst="rect">
-            <a:avLst/>
-          </a:prstGeom>
-        </p:spPr>
-      </p:pic>
       <p:sp>
         <p:nvSpPr>
           <p:cNvPr id="1606297787" name=""/>
@@ -8813,7 +11159,7 @@
         </p:nvSpPr>
         <p:spPr bwMode="auto">
           <a:xfrm flipH="0" flipV="0">
-            <a:off x="4510935" y="1702558"/>
+            <a:off x="4510935" y="1702557"/>
             <a:ext cx="914400" cy="914399"/>
           </a:xfrm>
           <a:prstGeom prst="rect">
@@ -8863,7 +11209,7 @@
         </p:nvSpPr>
         <p:spPr bwMode="auto">
           <a:xfrm flipH="0" flipV="0">
-            <a:off x="5996833" y="1702558"/>
+            <a:off x="5996833" y="1702557"/>
             <a:ext cx="914400" cy="914398"/>
           </a:xfrm>
           <a:prstGeom prst="rect">
@@ -8904,8 +11250,8 @@
         </p:nvSpPr>
         <p:spPr bwMode="auto">
           <a:xfrm flipH="0" flipV="0">
-            <a:off x="4577749" y="1839538"/>
-            <a:ext cx="780770" cy="640440"/>
+            <a:off x="4752213" y="1844887"/>
+            <a:ext cx="431844" cy="640440"/>
           </a:xfrm>
           <a:prstGeom prst="rect">
             <a:avLst/>
@@ -8922,7 +11268,7 @@
             </a:pPr>
             <a:r>
               <a:rPr sz="3600"/>
-              <a:t>ДО</a:t>
+              <a:t>К</a:t>
             </a:r>
             <a:endParaRPr sz="3600"/>
           </a:p>
@@ -9284,7 +11630,7 @@
         </p:nvSpPr>
         <p:spPr bwMode="auto">
           <a:xfrm flipH="0" flipV="0">
-            <a:off x="3598290" y="1758009"/>
+            <a:off x="3598290" y="1758008"/>
             <a:ext cx="610994" cy="366119"/>
           </a:xfrm>
           <a:prstGeom prst="rect">
@@ -9370,8 +11716,8 @@
         </p:nvSpPr>
         <p:spPr bwMode="auto">
           <a:xfrm flipH="0" flipV="0">
-            <a:off x="457200" y="1908129"/>
-            <a:ext cx="3335496" cy="1238424"/>
+            <a:off x="457200" y="1908128"/>
+            <a:ext cx="3366997" cy="1234427"/>
           </a:xfrm>
           <a:prstGeom prst="rect">
             <a:avLst/>
@@ -9434,7 +11780,7 @@
             </a:pPr>
             <a:r>
               <a:rPr lang="ru-RU" sz="1800"/>
-              <a:t>обнаружителя</a:t>
+              <a:t>обнаружителя;</a:t>
             </a:r>
             <a:r>
               <a:rPr lang="en-US" sz="1800"/>
@@ -9504,7 +11850,7 @@
             </mc:AlternateContent>
             <a:r>
               <a:rPr lang="ru-RU" sz="1800"/>
-              <a:t> - сигнал синхрогруппы</a:t>
+              <a:t> - сигнал синхрогруппы;</a:t>
             </a:r>
             <a:endParaRPr lang="ru-RU" sz="1800"/>
           </a:p>
@@ -9524,12 +11870,34 @@
             </a:r>
             <a:r>
               <a:rPr lang="ru-RU" sz="1800" i="0"/>
-              <a:t>порог</a:t>
+              <a:t>порог.</a:t>
             </a:r>
             <a:endParaRPr sz="1200" i="0"/>
           </a:p>
         </p:txBody>
       </p:sp>
+      <p:pic>
+        <p:nvPicPr>
+          <p:cNvPr id="23026680" name=""/>
+          <p:cNvPicPr>
+            <a:picLocks noChangeAspect="1"/>
+          </p:cNvPicPr>
+          <p:nvPr/>
+        </p:nvPicPr>
+        <p:blipFill>
+          <a:blip r:embed="rId3"/>
+          <a:stretch/>
+        </p:blipFill>
+        <p:spPr bwMode="auto">
+          <a:xfrm flipH="0" flipV="0">
+            <a:off x="1467335" y="3265596"/>
+            <a:ext cx="6209327" cy="3169344"/>
+          </a:xfrm>
+          <a:prstGeom prst="rect">
+            <a:avLst/>
+          </a:prstGeom>
+        </p:spPr>
+      </p:pic>
     </p:spTree>
   </p:cSld>
   <p:clrMapOvr>
@@ -9626,28 +11994,6 @@
           </a:p>
         </p:txBody>
       </p:sp>
-      <p:pic>
-        <p:nvPicPr>
-          <p:cNvPr id="2119423838" name=""/>
-          <p:cNvPicPr>
-            <a:picLocks noChangeAspect="1"/>
-          </p:cNvPicPr>
-          <p:nvPr/>
-        </p:nvPicPr>
-        <p:blipFill>
-          <a:blip r:embed="rId3"/>
-          <a:stretch/>
-        </p:blipFill>
-        <p:spPr bwMode="auto">
-          <a:xfrm rot="0" flipH="0" flipV="0">
-            <a:off x="1601787" y="3429000"/>
-            <a:ext cx="5940424" cy="3032091"/>
-          </a:xfrm>
-          <a:prstGeom prst="rect">
-            <a:avLst/>
-          </a:prstGeom>
-        </p:spPr>
-      </p:pic>
       <p:sp>
         <p:nvSpPr>
           <p:cNvPr id="2061439105" name=""/>
@@ -9821,7 +12167,7 @@
         </p:nvSpPr>
         <p:spPr bwMode="auto">
           <a:xfrm flipH="0" flipV="0">
-            <a:off x="5735838" y="1956510"/>
+            <a:off x="5735838" y="1956509"/>
             <a:ext cx="708884" cy="640440"/>
           </a:xfrm>
           <a:prstGeom prst="rect">
@@ -9855,7 +12201,7 @@
         </p:nvCxnSpPr>
         <p:spPr bwMode="auto">
           <a:xfrm rot="0" flipH="0" flipV="1">
-            <a:off x="3588599" y="2276730"/>
+            <a:off x="3588598" y="2276730"/>
             <a:ext cx="565040" cy="0"/>
           </a:xfrm>
           <a:prstGeom prst="line">
@@ -10332,6 +12678,28 @@
           </a:p>
         </p:txBody>
       </p:sp>
+      <p:pic>
+        <p:nvPicPr>
+          <p:cNvPr id="2040099680" name=""/>
+          <p:cNvPicPr>
+            <a:picLocks noChangeAspect="1"/>
+          </p:cNvPicPr>
+          <p:nvPr/>
+        </p:nvPicPr>
+        <p:blipFill>
+          <a:blip r:embed="rId3"/>
+          <a:stretch/>
+        </p:blipFill>
+        <p:spPr bwMode="auto">
+          <a:xfrm flipH="0" flipV="0">
+            <a:off x="1605358" y="3375357"/>
+            <a:ext cx="5933282" cy="3028446"/>
+          </a:xfrm>
+          <a:prstGeom prst="rect">
+            <a:avLst/>
+          </a:prstGeom>
+        </p:spPr>
+      </p:pic>
     </p:spTree>
   </p:cSld>
   <p:clrMapOvr>
@@ -10460,28 +12828,6 @@
           </a:p>
         </p:txBody>
       </p:sp>
-      <p:pic>
-        <p:nvPicPr>
-          <p:cNvPr id="2070518128" name=""/>
-          <p:cNvPicPr>
-            <a:picLocks noChangeAspect="1"/>
-          </p:cNvPicPr>
-          <p:nvPr/>
-        </p:nvPicPr>
-        <p:blipFill>
-          <a:blip r:embed="rId3"/>
-          <a:stretch/>
-        </p:blipFill>
-        <p:spPr bwMode="auto">
-          <a:xfrm rot="0" flipH="0" flipV="0">
-            <a:off x="1601787" y="3324258"/>
-            <a:ext cx="5940424" cy="3032091"/>
-          </a:xfrm>
-          <a:prstGeom prst="rect">
-            <a:avLst/>
-          </a:prstGeom>
-        </p:spPr>
-      </p:pic>
       <p:sp>
         <p:nvSpPr>
           <p:cNvPr id="780625756" name=""/>
@@ -10627,7 +12973,7 @@
         </p:nvSpPr>
         <p:spPr bwMode="auto">
           <a:xfrm flipH="0" flipV="0">
-            <a:off x="5735838" y="1956510"/>
+            <a:off x="5735838" y="1956509"/>
             <a:ext cx="708884" cy="640440"/>
           </a:xfrm>
           <a:prstGeom prst="rect">
@@ -11138,6 +13484,28 @@
           </a:p>
         </p:txBody>
       </p:sp>
+      <p:pic>
+        <p:nvPicPr>
+          <p:cNvPr id="1941445654" name=""/>
+          <p:cNvPicPr>
+            <a:picLocks noChangeAspect="1"/>
+          </p:cNvPicPr>
+          <p:nvPr/>
+        </p:nvPicPr>
+        <p:blipFill>
+          <a:blip r:embed="rId3"/>
+          <a:stretch/>
+        </p:blipFill>
+        <p:spPr bwMode="auto">
+          <a:xfrm flipH="0" flipV="0">
+            <a:off x="1621840" y="3344728"/>
+            <a:ext cx="5900318" cy="3011620"/>
+          </a:xfrm>
+          <a:prstGeom prst="rect">
+            <a:avLst/>
+          </a:prstGeom>
+        </p:spPr>
+      </p:pic>
     </p:spTree>
   </p:cSld>
   <p:clrMapOvr>

--- a/Презентация Диплом.pptx
+++ b/Презентация Диплом.pptx
@@ -5552,7 +5552,7 @@
                 <a:gridCol w="1760934"/>
                 <a:gridCol w="1760934"/>
               </a:tblGrid>
-              <a:tr h="1371600">
+              <a:tr h="379049">
                 <a:tc>
                   <a:txBody>
                     <a:bodyPr/>
@@ -5564,14 +5564,14 @@
                         <a:defRPr/>
                       </a:pPr>
                       <a:r>
-                        <a:rPr sz="1400" b="0">
+                        <a:rPr sz="1800" b="0">
                           <a:solidFill>
                             <a:schemeClr val="tx1"/>
                           </a:solidFill>
                         </a:rPr>
                         <a:t>Метод обнаружения</a:t>
                       </a:r>
-                      <a:endParaRPr sz="1400" b="0">
+                      <a:endParaRPr sz="1800" b="0">
                         <a:solidFill>
                           <a:schemeClr val="tx1"/>
                         </a:solidFill>
@@ -5615,14 +5615,14 @@
                         <a:defRPr/>
                       </a:pPr>
                       <a:r>
-                        <a:rPr sz="1400" b="0">
+                        <a:rPr sz="1800" b="0">
                           <a:solidFill>
                             <a:schemeClr val="tx1"/>
                           </a:solidFill>
                         </a:rPr>
-                        <a:t>По комплексным отсчетам</a:t>
+                        <a:t>Первый метод</a:t>
                       </a:r>
-                      <a:endParaRPr sz="1400" b="0">
+                      <a:endParaRPr sz="1800" b="0">
                         <a:solidFill>
                           <a:schemeClr val="tx1"/>
                         </a:solidFill>
@@ -5666,14 +5666,14 @@
                         <a:defRPr/>
                       </a:pPr>
                       <a:r>
-                        <a:rPr sz="1400" b="0">
+                        <a:rPr sz="1800" b="0">
                           <a:solidFill>
                             <a:schemeClr val="tx1"/>
                           </a:solidFill>
                         </a:rPr>
-                        <a:t>По демодулированным отсчетам частоты</a:t>
+                        <a:t>Второй метод</a:t>
                       </a:r>
-                      <a:endParaRPr sz="1400" b="0">
+                      <a:endParaRPr sz="1800" b="0">
                         <a:solidFill>
                           <a:schemeClr val="tx1"/>
                         </a:solidFill>
@@ -5717,14 +5717,14 @@
                         <a:defRPr/>
                       </a:pPr>
                       <a:r>
-                        <a:rPr sz="1400" b="0">
+                        <a:rPr sz="1800" b="0">
                           <a:solidFill>
                             <a:schemeClr val="tx1"/>
                           </a:solidFill>
                         </a:rPr>
-                        <a:t>По демодулированным символам</a:t>
+                        <a:t>Третий метод</a:t>
                       </a:r>
-                      <a:endParaRPr sz="1400" b="0">
+                      <a:endParaRPr sz="1800" b="0">
                         <a:solidFill>
                           <a:schemeClr val="tx1"/>
                         </a:solidFill>
@@ -5770,14 +5770,14 @@
                         <a:defRPr/>
                       </a:pPr>
                       <a:r>
-                        <a:rPr sz="1400" b="0">
+                        <a:rPr sz="1800" b="0">
                           <a:solidFill>
                             <a:schemeClr val="tx1"/>
                           </a:solidFill>
                         </a:rPr>
                         <a:t>ОСШ, дБ</a:t>
                       </a:r>
-                      <a:endParaRPr sz="1400" b="0">
+                      <a:endParaRPr sz="1800" b="0">
                         <a:solidFill>
                           <a:schemeClr val="tx1"/>
                         </a:solidFill>
@@ -5821,14 +5821,14 @@
                         <a:defRPr/>
                       </a:pPr>
                       <a:r>
-                        <a:rPr sz="1600" b="0">
+                        <a:rPr sz="2000" b="0">
                           <a:solidFill>
                             <a:schemeClr val="tx1"/>
                           </a:solidFill>
                         </a:rPr>
                         <a:t>-8.6</a:t>
                       </a:r>
-                      <a:endParaRPr sz="1400" b="0">
+                      <a:endParaRPr sz="1800" b="0">
                         <a:solidFill>
                           <a:schemeClr val="tx1"/>
                         </a:solidFill>
@@ -5872,14 +5872,14 @@
                         <a:defRPr/>
                       </a:pPr>
                       <a:r>
-                        <a:rPr sz="1600" b="0">
+                        <a:rPr sz="2000" b="0">
                           <a:solidFill>
                             <a:schemeClr val="tx1"/>
                           </a:solidFill>
                         </a:rPr>
                         <a:t>5.8</a:t>
                       </a:r>
-                      <a:endParaRPr sz="1400" b="0">
+                      <a:endParaRPr sz="1800" b="0">
                         <a:solidFill>
                           <a:schemeClr val="tx1"/>
                         </a:solidFill>
@@ -5923,14 +5923,14 @@
                         <a:defRPr/>
                       </a:pPr>
                       <a:r>
-                        <a:rPr sz="1600" b="0">
+                        <a:rPr sz="2000" b="0">
                           <a:solidFill>
                             <a:schemeClr val="tx1"/>
                           </a:solidFill>
                         </a:rPr>
                         <a:t>-2.7</a:t>
                       </a:r>
-                      <a:endParaRPr sz="1400" b="0">
+                      <a:endParaRPr sz="1800" b="0">
                         <a:solidFill>
                           <a:schemeClr val="tx1"/>
                         </a:solidFill>
@@ -6492,14 +6492,14 @@
                         <a:defRPr/>
                       </a:pPr>
                       <a:r>
-                        <a:rPr sz="1400">
+                        <a:rPr sz="2000">
                           <a:solidFill>
                             <a:schemeClr val="tx1"/>
                           </a:solidFill>
                         </a:rPr>
-                        <a:t>По комплексным отсчетам</a:t>
+                        <a:t>Первый метод</a:t>
                       </a:r>
-                      <a:endParaRPr sz="1400">
+                      <a:endParaRPr sz="2000">
                         <a:solidFill>
                           <a:schemeClr val="tx1"/>
                         </a:solidFill>
@@ -6543,14 +6543,14 @@
                         <a:defRPr/>
                       </a:pPr>
                       <a:r>
-                        <a:rPr sz="1400">
+                        <a:rPr sz="2000">
                           <a:solidFill>
                             <a:schemeClr val="tx1"/>
                           </a:solidFill>
                         </a:rPr>
-                        <a:t>По демодулированным символам</a:t>
+                        <a:t>Второй метод</a:t>
                       </a:r>
-                      <a:endParaRPr sz="1400">
+                      <a:endParaRPr sz="2000">
                         <a:solidFill>
                           <a:schemeClr val="tx1"/>
                         </a:solidFill>
@@ -6594,14 +6594,14 @@
                         <a:defRPr/>
                       </a:pPr>
                       <a:r>
-                        <a:rPr sz="1400">
+                        <a:rPr sz="2000">
                           <a:solidFill>
                             <a:schemeClr val="tx1"/>
                           </a:solidFill>
                         </a:rPr>
-                        <a:t>По демодулированным отсчетам частоты</a:t>
+                        <a:t>Третий метод</a:t>
                       </a:r>
-                      <a:endParaRPr sz="1400">
+                      <a:endParaRPr sz="2000">
                         <a:solidFill>
                           <a:schemeClr val="tx1"/>
                         </a:solidFill>
@@ -7286,7 +7286,7 @@
             </a:pPr>
             <a:r>
               <a:rPr lang="ru-RU"/>
-              <a:t>		В результате выполнения выпускной квалификационной работы был реализован программный модуль обработки сигнала стандарта DMR. </a:t>
+              <a:t>		В результате выполнения выпускной квалификационной работы был разработан и реализован программный модуль обработки сигнала стандарта DMR. </a:t>
             </a:r>
             <a:endParaRPr/>
           </a:p>
@@ -7298,7 +7298,7 @@
             </a:pPr>
             <a:r>
               <a:rPr lang="ru-RU"/>
-              <a:t>	Так же были решены следующие задачи:</a:t>
+              <a:t>	</a:t>
             </a:r>
             <a:endParaRPr lang="ru-RU" sz="2400" b="0" i="0" u="none" strike="noStrike" cap="none" spc="0">
               <a:solidFill>
@@ -7307,108 +7307,6 @@
               <a:latin typeface="Times New Roman"/>
               <a:cs typeface="Times New Roman"/>
             </a:endParaRPr>
-          </a:p>
-          <a:p>
-            <a:pPr lvl="1" algn="just">
-              <a:defRPr/>
-            </a:pPr>
-            <a:r>
-              <a:rPr lang="ru-RU" sz="2000" b="0" i="0" u="none" strike="noStrike" cap="none" spc="0">
-                <a:solidFill>
-                  <a:schemeClr val="tx1"/>
-                </a:solidFill>
-                <a:latin typeface="Calibri"/>
-                <a:ea typeface="Arial"/>
-                <a:cs typeface="Arial"/>
-              </a:rPr>
-              <a:t>изучение стандарта</a:t>
-            </a:r>
-            <a:r>
-              <a:rPr lang="en-US" sz="2000" b="0" i="0" u="none" strike="noStrike" cap="none" spc="0">
-                <a:solidFill>
-                  <a:schemeClr val="tx1"/>
-                </a:solidFill>
-                <a:latin typeface="Calibri"/>
-                <a:ea typeface="Arial"/>
-                <a:cs typeface="Arial"/>
-              </a:rPr>
-              <a:t> DMR Air Interface protocol;</a:t>
-            </a:r>
-            <a:endParaRPr sz="2400"/>
-          </a:p>
-          <a:p>
-            <a:pPr lvl="1" algn="just">
-              <a:defRPr/>
-            </a:pPr>
-            <a:r>
-              <a:rPr lang="ru-RU" sz="2000" b="0" i="0" u="none" strike="noStrike" cap="none" spc="0">
-                <a:solidFill>
-                  <a:schemeClr val="tx1"/>
-                </a:solidFill>
-                <a:latin typeface="+mn-lt"/>
-                <a:ea typeface="+mn-ea"/>
-                <a:cs typeface="+mn-cs"/>
-              </a:rPr>
-              <a:t>изучение формирования сигнала физического уровня;</a:t>
-            </a:r>
-            <a:endParaRPr sz="2400"/>
-          </a:p>
-          <a:p>
-            <a:pPr lvl="1" algn="just">
-              <a:defRPr/>
-            </a:pPr>
-            <a:r>
-              <a:rPr lang="ru-RU" sz="2000" b="0" i="0" u="none" strike="noStrike" cap="none" spc="0">
-                <a:solidFill>
-                  <a:schemeClr val="tx1"/>
-                </a:solidFill>
-                <a:latin typeface="+mn-lt"/>
-                <a:ea typeface="+mn-ea"/>
-                <a:cs typeface="+mn-cs"/>
-              </a:rPr>
-              <a:t>разработка алгоритма обработки сигнала;</a:t>
-            </a:r>
-            <a:endParaRPr sz="2400"/>
-          </a:p>
-          <a:p>
-            <a:pPr lvl="1" algn="just">
-              <a:defRPr/>
-            </a:pPr>
-            <a:r>
-              <a:rPr lang="ru-RU" sz="2000" b="0" i="0" u="none" strike="noStrike" cap="none" spc="0">
-                <a:solidFill>
-                  <a:schemeClr val="tx1"/>
-                </a:solidFill>
-                <a:latin typeface="+mn-lt"/>
-                <a:ea typeface="+mn-ea"/>
-                <a:cs typeface="+mn-cs"/>
-              </a:rPr>
-              <a:t>реализация алгоритмов на языке программирования С++;</a:t>
-            </a:r>
-            <a:endParaRPr lang="ru-RU" sz="2000" b="0" i="0" u="none" strike="noStrike" cap="none" spc="0">
-              <a:solidFill>
-                <a:schemeClr val="tx1"/>
-              </a:solidFill>
-              <a:latin typeface="Times New Roman"/>
-              <a:cs typeface="Times New Roman"/>
-            </a:endParaRPr>
-          </a:p>
-          <a:p>
-            <a:pPr lvl="1" algn="just">
-              <a:defRPr/>
-            </a:pPr>
-            <a:r>
-              <a:rPr lang="ru-RU" sz="2000" b="0" i="0" u="none" strike="noStrike" cap="none" spc="0">
-                <a:solidFill>
-                  <a:schemeClr val="tx1"/>
-                </a:solidFill>
-                <a:latin typeface="Calibri"/>
-                <a:ea typeface="Arial"/>
-                <a:cs typeface="Arial"/>
-              </a:rPr>
-              <a:t>верификация и тестирование ПО.</a:t>
-            </a:r>
-            <a:endParaRPr sz="2400"/>
           </a:p>
         </p:txBody>
       </p:sp>
@@ -9524,7 +9422,7 @@
         </p:nvCxnSpPr>
         <p:spPr bwMode="auto">
           <a:xfrm rot="0" flipH="0" flipV="1">
-            <a:off x="8132241" y="3244858"/>
+            <a:off x="8132240" y="3244858"/>
             <a:ext cx="568155" cy="0"/>
           </a:xfrm>
           <a:prstGeom prst="line">
@@ -9629,10 +9527,15 @@
             <p:ph idx="1"/>
           </p:nvPr>
         </p:nvSpPr>
-        <p:spPr bwMode="auto"/>
+        <p:spPr bwMode="auto">
+          <a:xfrm flipH="0" flipV="0">
+            <a:off x="457200" y="1166018"/>
+            <a:ext cx="8229600" cy="2080418"/>
+          </a:xfrm>
+        </p:spPr>
         <p:txBody>
           <a:bodyPr vertOverflow="overflow" horzOverflow="overflow" vert="horz" wrap="square" lIns="91440" tIns="45720" rIns="91440" bIns="45720" numCol="1" spcCol="0" rtlCol="0" fromWordArt="0" anchor="t" anchorCtr="0" forceAA="0" upright="0" compatLnSpc="0">
-            <a:normAutofit/>
+            <a:normAutofit fontScale="95000" lnSpcReduction="1000"/>
           </a:bodyPr>
           <a:lstStyle/>
           <a:p>
@@ -9640,54 +9543,57 @@
               <a:defRPr/>
             </a:pPr>
             <a:r>
-              <a:rPr lang="ru-RU"/>
+              <a:rPr lang="ru-RU" sz="2200"/>
               <a:t>изучение стандарта</a:t>
             </a:r>
             <a:r>
-              <a:rPr lang="en-US"/>
+              <a:rPr lang="en-US" sz="2200"/>
               <a:t> DMR Air Interface protocol;</a:t>
             </a:r>
-            <a:endParaRPr lang="ru-RU"/>
+            <a:endParaRPr lang="ru-RU" sz="2200"/>
           </a:p>
           <a:p>
             <a:pPr algn="just">
               <a:defRPr/>
             </a:pPr>
             <a:r>
-              <a:rPr lang="ru-RU"/>
+              <a:rPr lang="ru-RU" sz="2200"/>
               <a:t>изучение принципов формирования сигнала физического уровня;</a:t>
             </a:r>
-            <a:endParaRPr/>
+            <a:endParaRPr sz="2200"/>
           </a:p>
           <a:p>
             <a:pPr algn="just">
               <a:defRPr/>
             </a:pPr>
             <a:r>
-              <a:rPr lang="ru-RU"/>
+              <a:rPr lang="ru-RU" sz="2200"/>
               <a:t>разработка алгоритма обработки сигнала;</a:t>
             </a:r>
-            <a:endParaRPr lang="ru-RU"/>
+            <a:endParaRPr lang="ru-RU" sz="2200"/>
           </a:p>
           <a:p>
             <a:pPr algn="just">
               <a:defRPr/>
             </a:pPr>
             <a:r>
-              <a:rPr lang="ru-RU"/>
+              <a:rPr lang="ru-RU" sz="2200"/>
               <a:t>реализация алгоритма на языке программирования С++;</a:t>
             </a:r>
-            <a:endParaRPr/>
+            <a:endParaRPr sz="2200"/>
           </a:p>
           <a:p>
             <a:pPr algn="just">
               <a:defRPr/>
             </a:pPr>
             <a:r>
-              <a:rPr lang="ru-RU"/>
+              <a:rPr lang="ru-RU" sz="2200"/>
               <a:t>верификация и тестирование ПО.</a:t>
             </a:r>
-            <a:endParaRPr lang="ru-RU"/>
+            <a:endParaRPr>
+              <a:latin typeface="Caladea"/>
+              <a:cs typeface="Caladea"/>
+            </a:endParaRPr>
           </a:p>
           <a:p>
             <a:pPr>
@@ -9722,6 +9628,369 @@
                 </a:solidFill>
               </a:rPr>
               <a:t>3/14</a:t>
+            </a:r>
+            <a:endParaRPr lang="ru-RU"/>
+          </a:p>
+        </p:txBody>
+      </p:sp>
+      <p:sp>
+        <p:nvSpPr>
+          <p:cNvPr id="2024922974" name="Title 1"/>
+          <p:cNvSpPr>
+            <a:spLocks noGrp="1"/>
+          </p:cNvSpPr>
+          <p:nvPr/>
+        </p:nvSpPr>
+        <p:spPr bwMode="auto">
+          <a:xfrm>
+            <a:off x="457200" y="2586037"/>
+            <a:ext cx="8229600" cy="1143000"/>
+          </a:xfrm>
+        </p:spPr>
+        <p:txBody>
+          <a:bodyPr vert="horz" lIns="91440" tIns="45720" rIns="91440" bIns="45720" rtlCol="0" anchor="ctr">
+            <a:normAutofit/>
+          </a:bodyPr>
+          <a:lstStyle>
+            <a:lvl1pPr algn="ctr" defTabSz="914400">
+              <a:spcBef>
+                <a:spcPts val="0"/>
+              </a:spcBef>
+              <a:buNone/>
+              <a:defRPr sz="4400">
+                <a:solidFill>
+                  <a:schemeClr val="tx1"/>
+                </a:solidFill>
+                <a:latin typeface="+mj-lt"/>
+                <a:ea typeface="+mj-ea"/>
+                <a:cs typeface="+mj-cs"/>
+              </a:defRPr>
+            </a:lvl1pPr>
+          </a:lstStyle>
+          <a:p>
+            <a:pPr algn="l">
+              <a:defRPr/>
+            </a:pPr>
+            <a:r>
+              <a:rPr lang="ru-RU"/>
+              <a:t>Требования и ограничения</a:t>
+            </a:r>
+            <a:endParaRPr lang="ru-RU"/>
+          </a:p>
+        </p:txBody>
+      </p:sp>
+      <p:sp>
+        <p:nvSpPr>
+          <p:cNvPr id="272597544" name="Content Placeholder 2"/>
+          <p:cNvSpPr>
+            <a:spLocks noGrp="1"/>
+          </p:cNvSpPr>
+          <p:nvPr/>
+        </p:nvSpPr>
+        <p:spPr bwMode="auto">
+          <a:xfrm flipH="0" flipV="0">
+            <a:off x="457200" y="3429000"/>
+            <a:ext cx="8229600" cy="3016249"/>
+          </a:xfrm>
+        </p:spPr>
+        <p:txBody>
+          <a:bodyPr vertOverflow="overflow" horzOverflow="overflow" vert="horz" wrap="square" lIns="91440" tIns="45720" rIns="91440" bIns="45720" numCol="1" spcCol="0" rtlCol="0" fromWordArt="0" anchor="t" anchorCtr="0" forceAA="0" upright="0" compatLnSpc="0">
+            <a:normAutofit/>
+          </a:bodyPr>
+          <a:lstStyle>
+            <a:lvl1pPr marL="342900" indent="-342900" algn="l" defTabSz="914400">
+              <a:spcBef>
+                <a:spcPts val="0"/>
+              </a:spcBef>
+              <a:buFont typeface="Arial"/>
+              <a:buChar char="•"/>
+              <a:defRPr sz="3200">
+                <a:solidFill>
+                  <a:schemeClr val="tx1"/>
+                </a:solidFill>
+                <a:latin typeface="+mn-lt"/>
+                <a:ea typeface="+mn-ea"/>
+                <a:cs typeface="+mn-cs"/>
+              </a:defRPr>
+            </a:lvl1pPr>
+            <a:lvl2pPr marL="742950" indent="-285750" algn="l" defTabSz="914400">
+              <a:spcBef>
+                <a:spcPts val="0"/>
+              </a:spcBef>
+              <a:buFont typeface="Arial"/>
+              <a:buChar char="–"/>
+              <a:defRPr sz="2800">
+                <a:solidFill>
+                  <a:schemeClr val="tx1"/>
+                </a:solidFill>
+                <a:latin typeface="+mn-lt"/>
+                <a:ea typeface="+mn-ea"/>
+                <a:cs typeface="+mn-cs"/>
+              </a:defRPr>
+            </a:lvl2pPr>
+            <a:lvl3pPr marL="1143000" indent="-228600" algn="l" defTabSz="914400">
+              <a:spcBef>
+                <a:spcPts val="0"/>
+              </a:spcBef>
+              <a:buFont typeface="Arial"/>
+              <a:buChar char="•"/>
+              <a:defRPr sz="2400">
+                <a:solidFill>
+                  <a:schemeClr val="tx1"/>
+                </a:solidFill>
+                <a:latin typeface="+mn-lt"/>
+                <a:ea typeface="+mn-ea"/>
+                <a:cs typeface="+mn-cs"/>
+              </a:defRPr>
+            </a:lvl3pPr>
+            <a:lvl4pPr marL="1600200" indent="-228600" algn="l" defTabSz="914400">
+              <a:spcBef>
+                <a:spcPts val="0"/>
+              </a:spcBef>
+              <a:buFont typeface="Arial"/>
+              <a:buChar char="–"/>
+              <a:defRPr sz="2000">
+                <a:solidFill>
+                  <a:schemeClr val="tx1"/>
+                </a:solidFill>
+                <a:latin typeface="+mn-lt"/>
+                <a:ea typeface="+mn-ea"/>
+                <a:cs typeface="+mn-cs"/>
+              </a:defRPr>
+            </a:lvl4pPr>
+            <a:lvl5pPr marL="2057400" indent="-228600" algn="l" defTabSz="914400">
+              <a:spcBef>
+                <a:spcPts val="0"/>
+              </a:spcBef>
+              <a:buFont typeface="Arial"/>
+              <a:buChar char="»"/>
+              <a:defRPr sz="2000">
+                <a:solidFill>
+                  <a:schemeClr val="tx1"/>
+                </a:solidFill>
+                <a:latin typeface="+mn-lt"/>
+                <a:ea typeface="+mn-ea"/>
+                <a:cs typeface="+mn-cs"/>
+              </a:defRPr>
+            </a:lvl5pPr>
+            <a:lvl6pPr marL="2514599" indent="-228600" algn="l" defTabSz="914400">
+              <a:spcBef>
+                <a:spcPts val="0"/>
+              </a:spcBef>
+              <a:buFont typeface="Arial"/>
+              <a:buChar char="•"/>
+              <a:defRPr sz="2000">
+                <a:solidFill>
+                  <a:schemeClr val="tx1"/>
+                </a:solidFill>
+                <a:latin typeface="+mn-lt"/>
+                <a:ea typeface="+mn-ea"/>
+                <a:cs typeface="+mn-cs"/>
+              </a:defRPr>
+            </a:lvl6pPr>
+            <a:lvl7pPr marL="2971800" indent="-228600" algn="l" defTabSz="914400">
+              <a:spcBef>
+                <a:spcPts val="0"/>
+              </a:spcBef>
+              <a:buFont typeface="Arial"/>
+              <a:buChar char="•"/>
+              <a:defRPr sz="2000">
+                <a:solidFill>
+                  <a:schemeClr val="tx1"/>
+                </a:solidFill>
+                <a:latin typeface="+mn-lt"/>
+                <a:ea typeface="+mn-ea"/>
+                <a:cs typeface="+mn-cs"/>
+              </a:defRPr>
+            </a:lvl7pPr>
+            <a:lvl8pPr marL="3429000" indent="-228600" algn="l" defTabSz="914400">
+              <a:spcBef>
+                <a:spcPts val="0"/>
+              </a:spcBef>
+              <a:buFont typeface="Arial"/>
+              <a:buChar char="•"/>
+              <a:defRPr sz="2000">
+                <a:solidFill>
+                  <a:schemeClr val="tx1"/>
+                </a:solidFill>
+                <a:latin typeface="+mn-lt"/>
+                <a:ea typeface="+mn-ea"/>
+                <a:cs typeface="+mn-cs"/>
+              </a:defRPr>
+            </a:lvl8pPr>
+            <a:lvl9pPr marL="3886200" indent="-228600" algn="l" defTabSz="914400">
+              <a:spcBef>
+                <a:spcPts val="0"/>
+              </a:spcBef>
+              <a:buFont typeface="Arial"/>
+              <a:buChar char="•"/>
+              <a:defRPr sz="2000">
+                <a:solidFill>
+                  <a:schemeClr val="tx1"/>
+                </a:solidFill>
+                <a:latin typeface="+mn-lt"/>
+                <a:ea typeface="+mn-ea"/>
+                <a:cs typeface="+mn-cs"/>
+              </a:defRPr>
+            </a:lvl9pPr>
+          </a:lstStyle>
+          <a:p>
+            <a:pPr algn="just">
+              <a:defRPr/>
+            </a:pPr>
+            <a:r>
+              <a:rPr lang="ru-RU" sz="2100" b="0" i="0" u="none" strike="noStrike" cap="none" spc="0">
+                <a:solidFill>
+                  <a:schemeClr val="tx1"/>
+                </a:solidFill>
+                <a:latin typeface="Calibri"/>
+                <a:ea typeface="Calibri"/>
+                <a:cs typeface="Calibri"/>
+              </a:rPr>
+              <a:t>реализация с использованием объектно-ориентированного стиля программирования;</a:t>
+            </a:r>
+            <a:endParaRPr sz="2100"/>
+          </a:p>
+          <a:p>
+            <a:pPr algn="just">
+              <a:defRPr/>
+            </a:pPr>
+            <a:r>
+              <a:rPr lang="ru-RU" sz="2100" b="0" i="0" u="none" strike="noStrike" cap="none" spc="0">
+                <a:solidFill>
+                  <a:schemeClr val="tx1"/>
+                </a:solidFill>
+                <a:latin typeface="Calibri"/>
+                <a:ea typeface="Calibri"/>
+                <a:cs typeface="Calibri"/>
+              </a:rPr>
+              <a:t>использование готовых модулей библиотеки цифровой обработки сигналов ООО «СТЦ»;</a:t>
+            </a:r>
+            <a:endParaRPr sz="2100"/>
+          </a:p>
+          <a:p>
+            <a:pPr algn="just">
+              <a:defRPr/>
+            </a:pPr>
+            <a:r>
+              <a:rPr lang="ru-RU" sz="2100" b="0" i="0" u="none" strike="noStrike" cap="none" spc="0">
+                <a:solidFill>
+                  <a:schemeClr val="tx1"/>
+                </a:solidFill>
+                <a:latin typeface="Calibri"/>
+                <a:ea typeface="Calibri"/>
+                <a:cs typeface="Calibri"/>
+              </a:rPr>
+              <a:t>вероятность ложной тревоги при обнаружении сигнала не более  </a:t>
+            </a:r>
+            <mc:AlternateContent xmlns:mc="http://schemas.openxmlformats.org/markup-compatibility/2006" xmlns:m="http://schemas.openxmlformats.org/officeDocument/2006/math">
+              <mc:Choice xmlns:a14="http://schemas.microsoft.com/office/drawing/2010/main" Requires="a14">
+                <a14:m>
+                  <m:oMathPara>
+                    <m:oMathParaPr/>
+                    <m:oMath>
+                      <m:sSup>
+                        <m:sSupPr>
+                          <m:ctrlPr>
+                            <a:rPr sz="2100">
+                              <a:latin typeface="Cambria Math"/>
+                              <a:ea typeface="Cambria Math"/>
+                              <a:cs typeface="Cambria Math"/>
+                            </a:rPr>
+                          </m:ctrlPr>
+                        </m:sSupPr>
+                        <m:e>
+                          <m:r>
+                            <m:rPr/>
+                            <a:rPr lang="ru-RU" sz="2100">
+                              <a:latin typeface="Cambria Math"/>
+                              <a:ea typeface="Cambria Math"/>
+                              <a:cs typeface="Cambria Math"/>
+                            </a:rPr>
+                            <m:t>10</m:t>
+                          </m:r>
+                        </m:e>
+                        <m:sup>
+                          <m:r>
+                            <m:rPr/>
+                            <a:rPr lang="ru-RU" sz="2100">
+                              <a:latin typeface="Cambria Math"/>
+                              <a:ea typeface="Cambria Math"/>
+                              <a:cs typeface="Cambria Math"/>
+                            </a:rPr>
+                            <m:t>-</m:t>
+                          </m:r>
+                          <m:r>
+                            <m:rPr/>
+                            <a:rPr lang="ru-RU" sz="2100">
+                              <a:latin typeface="Cambria Math"/>
+                              <a:ea typeface="Cambria Math"/>
+                              <a:cs typeface="Cambria Math"/>
+                            </a:rPr>
+                            <m:t>4</m:t>
+                          </m:r>
+                        </m:sup>
+                      </m:sSup>
+                    </m:oMath>
+                  </m:oMathPara>
+                </a14:m>
+              </mc:Choice>
+              <mc:Fallback/>
+            </mc:AlternateContent>
+            <a:r>
+              <a:rPr lang="ru-RU" sz="2100" b="0" i="0" u="none" strike="noStrike" cap="none" spc="0">
+                <a:solidFill>
+                  <a:schemeClr val="tx1"/>
+                </a:solidFill>
+                <a:latin typeface="Calibri"/>
+                <a:ea typeface="Calibri"/>
+                <a:cs typeface="Calibri"/>
+              </a:rPr>
+              <a:t>;</a:t>
+            </a:r>
+            <a:endParaRPr sz="2100"/>
+          </a:p>
+          <a:p>
+            <a:pPr algn="just">
+              <a:defRPr/>
+            </a:pPr>
+            <a:r>
+              <a:rPr lang="ru-RU" sz="2100" b="0" i="0" u="none" strike="noStrike" cap="none" spc="0">
+                <a:solidFill>
+                  <a:schemeClr val="tx1"/>
+                </a:solidFill>
+                <a:latin typeface="Calibri"/>
+                <a:ea typeface="Calibri"/>
+                <a:cs typeface="Calibri"/>
+              </a:rPr>
+              <a:t>быстродействие алгоритма не хуже чем 1:1;</a:t>
+            </a:r>
+            <a:endParaRPr sz="2100" b="0" i="0" u="none" strike="noStrike" cap="none" spc="0">
+              <a:solidFill>
+                <a:schemeClr val="tx1"/>
+              </a:solidFill>
+              <a:latin typeface="Calibri"/>
+              <a:ea typeface="Calibri"/>
+              <a:cs typeface="Calibri"/>
+            </a:endParaRPr>
+          </a:p>
+          <a:p>
+            <a:pPr>
+              <a:defRPr/>
+            </a:pPr>
+            <a:r>
+              <a:rPr lang="ru-RU" sz="2100"/>
+              <a:t>входные данные – массив комплексных отсчетов;</a:t>
+            </a:r>
+            <a:endParaRPr sz="2100"/>
+          </a:p>
+          <a:p>
+            <a:pPr>
+              <a:defRPr/>
+            </a:pPr>
+            <a:r>
+              <a:rPr lang="ru-RU" sz="2100"/>
+              <a:t>выходные данные – статус обнаружения и системная информация.</a:t>
             </a:r>
             <a:endParaRPr lang="ru-RU"/>
           </a:p>
@@ -11716,8 +11985,8 @@
         </p:nvSpPr>
         <p:spPr bwMode="auto">
           <a:xfrm flipH="0" flipV="0">
-            <a:off x="457200" y="1908128"/>
-            <a:ext cx="3366997" cy="1234427"/>
+            <a:off x="457199" y="1600695"/>
+            <a:ext cx="3369157" cy="1598619"/>
           </a:xfrm>
           <a:prstGeom prst="rect">
             <a:avLst/>
@@ -11725,7 +11994,7 @@
           <a:noFill/>
         </p:spPr>
         <p:txBody>
-          <a:bodyPr vertOverflow="overflow" horzOverflow="overflow" vert="horz" wrap="none" lIns="91440" tIns="45720" rIns="91440" bIns="45720" numCol="1" spcCol="0" rtlCol="0" fromWordArt="0" anchor="t" anchorCtr="0" forceAA="0" upright="0" compatLnSpc="0">
+          <a:bodyPr vertOverflow="overflow" horzOverflow="overflow" vert="horz" wrap="square" lIns="91440" tIns="45720" rIns="91440" bIns="45720" numCol="1" spcCol="0" rtlCol="0" fromWordArt="0" anchor="t" anchorCtr="0" forceAA="0" upright="0" compatLnSpc="0">
             <a:spAutoFit/>
           </a:bodyPr>
           <a:p>
@@ -11742,7 +12011,7 @@
                     <m:oMath>
                       <m:r>
                         <m:rPr/>
-                        <a:rPr lang="en-US" sz="1800">
+                        <a:rPr lang="en-US" sz="1600">
                           <a:latin typeface="Cambria Math"/>
                           <a:ea typeface="Cambria Math"/>
                           <a:cs typeface="Cambria Math"/>
@@ -11751,7 +12020,7 @@
                       </m:r>
                       <m:r>
                         <m:rPr/>
-                        <a:rPr lang="en-US" sz="1800">
+                        <a:rPr lang="en-US" sz="1600">
                           <a:latin typeface="Cambria Math"/>
                           <a:ea typeface="Cambria Math"/>
                           <a:cs typeface="Cambria Math"/>
@@ -11765,28 +12034,28 @@
               <mc:Fallback/>
             </mc:AlternateContent>
             <a:r>
-              <a:rPr lang="en-US" sz="1800"/>
+              <a:rPr lang="en-US" sz="1600"/>
               <a:t> - </a:t>
             </a:r>
             <a:r>
-              <a:rPr lang="ru-RU" sz="1800"/>
+              <a:rPr lang="ru-RU" sz="1600"/>
               <a:t>сигнал на входе</a:t>
             </a:r>
-            <a:endParaRPr lang="ru-RU" sz="1800"/>
-          </a:p>
-          <a:p>
-            <a:pPr>
-              <a:defRPr/>
-            </a:pPr>
-            <a:r>
-              <a:rPr lang="ru-RU" sz="1800"/>
+            <a:endParaRPr lang="ru-RU" sz="1600"/>
+          </a:p>
+          <a:p>
+            <a:pPr>
+              <a:defRPr/>
+            </a:pPr>
+            <a:r>
+              <a:rPr lang="ru-RU" sz="1600"/>
               <a:t>обнаружителя;</a:t>
             </a:r>
             <a:r>
-              <a:rPr lang="en-US" sz="1800"/>
+              <a:rPr lang="en-US" sz="1600"/>
               <a:t> </a:t>
             </a:r>
-            <a:endParaRPr lang="en-US" sz="1800"/>
+            <a:endParaRPr lang="en-US" sz="1600"/>
           </a:p>
           <a:p>
             <a:pPr marL="283879" indent="-283879">
@@ -11803,7 +12072,7 @@
                       <m:sSub>
                         <m:sSubPr>
                           <m:ctrlPr>
-                            <a:rPr sz="1800">
+                            <a:rPr sz="1600">
                               <a:latin typeface="Cambria Math"/>
                               <a:ea typeface="Cambria Math"/>
                               <a:cs typeface="Cambria Math"/>
@@ -11813,7 +12082,7 @@
                         <m:e>
                           <m:r>
                             <m:rPr/>
-                            <a:rPr sz="1800">
+                            <a:rPr sz="1600">
                               <a:latin typeface="Cambria Math"/>
                               <a:ea typeface="Cambria Math"/>
                               <a:cs typeface="Cambria Math"/>
@@ -11824,7 +12093,7 @@
                         <m:sub>
                           <m:r>
                             <m:rPr/>
-                            <a:rPr sz="1800">
+                            <a:rPr sz="1600">
                               <a:latin typeface="Cambria Math"/>
                               <a:ea typeface="Cambria Math"/>
                               <a:cs typeface="Cambria Math"/>
@@ -11835,7 +12104,7 @@
                       </m:sSub>
                       <m:r>
                         <m:rPr/>
-                        <a:rPr lang="en-US" sz="1800">
+                        <a:rPr lang="en-US" sz="1600">
                           <a:latin typeface="Cambria Math"/>
                           <a:ea typeface="Cambria Math"/>
                           <a:cs typeface="Cambria Math"/>
@@ -11849,10 +12118,10 @@
               <mc:Fallback/>
             </mc:AlternateContent>
             <a:r>
-              <a:rPr lang="ru-RU" sz="1800"/>
+              <a:rPr lang="ru-RU" sz="1600"/>
               <a:t> - сигнал синхрогруппы;</a:t>
             </a:r>
-            <a:endParaRPr lang="ru-RU" sz="1800"/>
+            <a:endParaRPr lang="ru-RU" sz="1600"/>
           </a:p>
           <a:p>
             <a:pPr marL="283879" indent="-283879">
@@ -11861,18 +12130,42 @@
               <a:defRPr/>
             </a:pPr>
             <a:r>
-              <a:rPr lang="en-US" sz="1800" i="1"/>
+              <a:rPr lang="en-US" sz="1600" i="1"/>
               <a:t>h </a:t>
             </a:r>
             <a:r>
-              <a:rPr lang="en-US" sz="1800" i="0"/>
+              <a:rPr lang="en-US" sz="1600" i="0"/>
               <a:t>- </a:t>
             </a:r>
             <a:r>
-              <a:rPr lang="ru-RU" sz="1800" i="0"/>
-              <a:t>порог.</a:t>
-            </a:r>
-            <a:endParaRPr sz="1200" i="0"/>
+              <a:rPr lang="ru-RU" sz="1600" i="0"/>
+              <a:t>порог;</a:t>
+            </a:r>
+            <a:endParaRPr lang="ru-RU" sz="1600" i="0"/>
+          </a:p>
+          <a:p>
+            <a:pPr marL="283878" indent="-283878">
+              <a:buFont typeface="Arial"/>
+              <a:buChar char="•"/>
+              <a:defRPr/>
+            </a:pPr>
+            <a:r>
+              <a:rPr lang="ru-RU" sz="1600" i="0"/>
+              <a:t>К - коррелятор;</a:t>
+            </a:r>
+            <a:endParaRPr lang="ru-RU" sz="1600" i="0"/>
+          </a:p>
+          <a:p>
+            <a:pPr marL="283878" indent="-283878">
+              <a:buFont typeface="Arial"/>
+              <a:buChar char="•"/>
+              <a:defRPr/>
+            </a:pPr>
+            <a:r>
+              <a:rPr lang="ru-RU" sz="1600" i="0"/>
+              <a:t>ПУ - пороговое устройство.</a:t>
+            </a:r>
+            <a:endParaRPr lang="ru-RU" sz="1200" i="0"/>
           </a:p>
         </p:txBody>
       </p:sp>
@@ -12034,7 +12327,7 @@
         </p:nvSpPr>
         <p:spPr bwMode="auto">
           <a:xfrm flipH="0" flipV="0">
-            <a:off x="2666999" y="1814180"/>
+            <a:off x="4036843" y="1824271"/>
             <a:ext cx="914400" cy="914398"/>
           </a:xfrm>
           <a:prstGeom prst="rect">
@@ -12084,7 +12377,7 @@
         </p:nvSpPr>
         <p:spPr bwMode="auto">
           <a:xfrm flipH="0" flipV="0">
-            <a:off x="5633082" y="1819530"/>
+            <a:off x="7002926" y="1829621"/>
             <a:ext cx="914400" cy="914398"/>
           </a:xfrm>
           <a:prstGeom prst="rect">
@@ -12125,7 +12418,7 @@
         </p:nvSpPr>
         <p:spPr bwMode="auto">
           <a:xfrm flipH="0" flipV="0">
-            <a:off x="2620227" y="2042599"/>
+            <a:off x="3990071" y="2052690"/>
             <a:ext cx="1007943" cy="457559"/>
           </a:xfrm>
           <a:prstGeom prst="rect">
@@ -12167,7 +12460,7 @@
         </p:nvSpPr>
         <p:spPr bwMode="auto">
           <a:xfrm flipH="0" flipV="0">
-            <a:off x="5735838" y="1956509"/>
+            <a:off x="7105682" y="1966600"/>
             <a:ext cx="708884" cy="640440"/>
           </a:xfrm>
           <a:prstGeom prst="rect">
@@ -12201,7 +12494,7 @@
         </p:nvCxnSpPr>
         <p:spPr bwMode="auto">
           <a:xfrm rot="0" flipH="0" flipV="1">
-            <a:off x="3588598" y="2276730"/>
+            <a:off x="4958442" y="2286821"/>
             <a:ext cx="565040" cy="0"/>
           </a:xfrm>
           <a:prstGeom prst="line">
@@ -12242,7 +12535,7 @@
         </p:nvCxnSpPr>
         <p:spPr bwMode="auto">
           <a:xfrm rot="0" flipH="0" flipV="1">
-            <a:off x="6547482" y="2276730"/>
+            <a:off x="7917326" y="2286821"/>
             <a:ext cx="565040" cy="0"/>
           </a:xfrm>
           <a:prstGeom prst="line">
@@ -12283,7 +12576,7 @@
         </p:nvCxnSpPr>
         <p:spPr bwMode="auto">
           <a:xfrm rot="0" flipH="0" flipV="1">
-            <a:off x="2101959" y="2271380"/>
+            <a:off x="3471803" y="2281471"/>
             <a:ext cx="565040" cy="0"/>
           </a:xfrm>
           <a:prstGeom prst="line">
@@ -12324,7 +12617,7 @@
         </p:nvCxnSpPr>
         <p:spPr bwMode="auto">
           <a:xfrm rot="16199969" flipH="0" flipV="1">
-            <a:off x="4328320" y="3016451"/>
+            <a:off x="5698164" y="3026542"/>
             <a:ext cx="565040" cy="0"/>
           </a:xfrm>
           <a:prstGeom prst="line">
@@ -12365,7 +12658,7 @@
         </p:nvCxnSpPr>
         <p:spPr bwMode="auto">
           <a:xfrm rot="16199969" flipH="0" flipV="1">
-            <a:off x="5807760" y="3016451"/>
+            <a:off x="7177604" y="3026542"/>
             <a:ext cx="565040" cy="0"/>
           </a:xfrm>
           <a:prstGeom prst="line">
@@ -12404,7 +12697,7 @@
         </p:nvSpPr>
         <p:spPr bwMode="auto">
           <a:xfrm flipH="0" flipV="0">
-            <a:off x="6090281" y="3062880"/>
+            <a:off x="7460125" y="3072971"/>
             <a:ext cx="301136" cy="366119"/>
           </a:xfrm>
           <a:prstGeom prst="rect">
@@ -12436,7 +12729,7 @@
         </p:nvSpPr>
         <p:spPr bwMode="auto">
           <a:xfrm flipH="0" flipV="0">
-            <a:off x="4572000" y="3006360"/>
+            <a:off x="5941844" y="3016451"/>
             <a:ext cx="873781" cy="368998"/>
           </a:xfrm>
           <a:prstGeom prst="rect">
@@ -12514,7 +12807,7 @@
         </p:nvSpPr>
         <p:spPr bwMode="auto">
           <a:xfrm flipH="0" flipV="0">
-            <a:off x="1754354" y="1869631"/>
+            <a:off x="3124198" y="1879722"/>
             <a:ext cx="610994" cy="366119"/>
           </a:xfrm>
           <a:prstGeom prst="rect">
@@ -12572,7 +12865,7 @@
         </p:nvSpPr>
         <p:spPr bwMode="auto">
           <a:xfrm flipH="0" flipV="0">
-            <a:off x="4153640" y="1814180"/>
+            <a:off x="5523484" y="1824271"/>
             <a:ext cx="914400" cy="914398"/>
           </a:xfrm>
           <a:prstGeom prst="rect">
@@ -12615,7 +12908,7 @@
         </p:nvCxnSpPr>
         <p:spPr bwMode="auto">
           <a:xfrm rot="0" flipH="0" flipV="1">
-            <a:off x="5068040" y="2276730"/>
+            <a:off x="6437884" y="2286821"/>
             <a:ext cx="565040" cy="0"/>
           </a:xfrm>
           <a:prstGeom prst="line">
@@ -12654,7 +12947,7 @@
         </p:nvSpPr>
         <p:spPr bwMode="auto">
           <a:xfrm flipH="0" flipV="0">
-            <a:off x="4394918" y="1951160"/>
+            <a:off x="5764762" y="1961251"/>
             <a:ext cx="431844" cy="640440"/>
           </a:xfrm>
           <a:prstGeom prst="rect">
@@ -12700,6 +12993,116 @@
           </a:prstGeom>
         </p:spPr>
       </p:pic>
+      <p:sp>
+        <p:nvSpPr>
+          <p:cNvPr id="817296153" name=""/>
+          <p:cNvSpPr txBox="1"/>
+          <p:nvPr/>
+        </p:nvSpPr>
+        <p:spPr bwMode="auto">
+          <a:xfrm flipH="0" flipV="0">
+            <a:off x="1254937" y="2174874"/>
+            <a:ext cx="914400" cy="366119"/>
+          </a:xfrm>
+          <a:prstGeom prst="rect">
+            <a:avLst/>
+          </a:prstGeom>
+          <a:noFill/>
+        </p:spPr>
+        <p:txBody>
+          <a:bodyPr vertOverflow="overflow" horzOverflow="overflow" vert="horz" wrap="none" lIns="91440" tIns="45720" rIns="91440" bIns="45720" numCol="1" spcCol="0" rtlCol="0" fromWordArt="0" anchor="t" anchorCtr="0" forceAA="0" upright="0" compatLnSpc="0">
+            <a:spAutoFit/>
+          </a:bodyPr>
+          <a:p>
+            <a:pPr>
+              <a:defRPr/>
+            </a:pPr>
+            <a:endParaRPr/>
+          </a:p>
+        </p:txBody>
+      </p:sp>
+      <p:sp>
+        <p:nvSpPr>
+          <p:cNvPr id="1476333350" name=""/>
+          <p:cNvSpPr txBox="1"/>
+          <p:nvPr/>
+        </p:nvSpPr>
+        <p:spPr bwMode="auto">
+          <a:xfrm flipH="0" flipV="0">
+            <a:off x="581997" y="1829621"/>
+            <a:ext cx="2427847" cy="927493"/>
+          </a:xfrm>
+          <a:prstGeom prst="rect">
+            <a:avLst/>
+          </a:prstGeom>
+          <a:noFill/>
+        </p:spPr>
+        <p:txBody>
+          <a:bodyPr vertOverflow="overflow" horzOverflow="overflow" vert="horz" wrap="square" lIns="91440" tIns="45720" rIns="91440" bIns="45720" numCol="1" spcCol="0" rtlCol="0" fromWordArt="0" anchor="t" anchorCtr="0" forceAA="0" upright="0" compatLnSpc="0">
+            <a:spAutoFit/>
+          </a:bodyPr>
+          <a:p>
+            <a:pPr>
+              <a:defRPr/>
+            </a:pPr>
+            <mc:AlternateContent xmlns:mc="http://schemas.openxmlformats.org/markup-compatibility/2006" xmlns:m="http://schemas.openxmlformats.org/officeDocument/2006/math">
+              <mc:Choice xmlns:a14="http://schemas.microsoft.com/office/drawing/2010/main" Requires="a14">
+                <a14:m>
+                  <m:oMathPara>
+                    <m:oMathParaPr/>
+                    <m:oMath>
+                      <m:sSub>
+                        <m:sSubPr>
+                          <m:ctrlPr>
+                            <a:rPr/>
+                          </m:ctrlPr>
+                        </m:sSubPr>
+                        <m:e>
+                          <m:r>
+                            <m:rPr/>
+                            <a:rPr>
+                              <a:latin typeface="Cambria Math"/>
+                              <a:ea typeface="Cambria Math"/>
+                              <a:cs typeface="Cambria Math"/>
+                            </a:rPr>
+                            <m:t>Y</m:t>
+                          </m:r>
+                        </m:e>
+                        <m:sub>
+                          <m:r>
+                            <m:rPr/>
+                            <a:rPr lang="en-US">
+                              <a:latin typeface="Cambria Math"/>
+                              <a:ea typeface="Cambria Math"/>
+                              <a:cs typeface="Cambria Math"/>
+                            </a:rPr>
+                            <m:t>FM</m:t>
+                          </m:r>
+                        </m:sub>
+                      </m:sSub>
+                      <m:r>
+                        <m:rPr/>
+                        <a:rPr lang="en-US">
+                          <a:latin typeface="Cambria Math"/>
+                          <a:ea typeface="Cambria Math"/>
+                          <a:cs typeface="Cambria Math"/>
+                        </a:rPr>
+                        <m:t>(t)</m:t>
+                      </m:r>
+                    </m:oMath>
+                  </m:oMathPara>
+                </a14:m>
+              </mc:Choice>
+              <mc:Fallback/>
+            </mc:AlternateContent>
+            <a:r>
+              <a:rPr/>
+              <a:t> - частотная функция сигнала синхрогруппы </a:t>
+            </a:r>
+            <a:endParaRPr/>
+          </a:p>
+        </p:txBody>
+      </p:sp>
     </p:spTree>
   </p:cSld>
   <p:clrMapOvr>
@@ -12836,7 +13239,7 @@
         </p:nvSpPr>
         <p:spPr bwMode="auto">
           <a:xfrm flipH="0" flipV="0">
-            <a:off x="2666999" y="1814179"/>
+            <a:off x="3937716" y="1824269"/>
             <a:ext cx="914400" cy="914398"/>
           </a:xfrm>
           <a:prstGeom prst="rect">
@@ -12886,7 +13289,7 @@
         </p:nvSpPr>
         <p:spPr bwMode="auto">
           <a:xfrm flipH="0" flipV="0">
-            <a:off x="5633082" y="1819530"/>
+            <a:off x="6903799" y="1829620"/>
             <a:ext cx="914400" cy="914398"/>
           </a:xfrm>
           <a:prstGeom prst="rect">
@@ -12927,7 +13330,7 @@
         </p:nvSpPr>
         <p:spPr bwMode="auto">
           <a:xfrm flipH="0" flipV="0">
-            <a:off x="2622567" y="2042599"/>
+            <a:off x="3893284" y="2052689"/>
             <a:ext cx="1007943" cy="457559"/>
           </a:xfrm>
           <a:prstGeom prst="rect">
@@ -12973,7 +13376,7 @@
         </p:nvSpPr>
         <p:spPr bwMode="auto">
           <a:xfrm flipH="0" flipV="0">
-            <a:off x="5735838" y="1956509"/>
+            <a:off x="7006555" y="1966599"/>
             <a:ext cx="708884" cy="640440"/>
           </a:xfrm>
           <a:prstGeom prst="rect">
@@ -13007,7 +13410,7 @@
         </p:nvCxnSpPr>
         <p:spPr bwMode="auto">
           <a:xfrm rot="0" flipH="0" flipV="1">
-            <a:off x="3588598" y="2276730"/>
+            <a:off x="4859316" y="2286820"/>
             <a:ext cx="565040" cy="0"/>
           </a:xfrm>
           <a:prstGeom prst="line">
@@ -13048,7 +13451,7 @@
         </p:nvCxnSpPr>
         <p:spPr bwMode="auto">
           <a:xfrm rot="0" flipH="0" flipV="1">
-            <a:off x="6547482" y="2276730"/>
+            <a:off x="7818199" y="2286820"/>
             <a:ext cx="565040" cy="0"/>
           </a:xfrm>
           <a:prstGeom prst="line">
@@ -13089,7 +13492,7 @@
         </p:nvCxnSpPr>
         <p:spPr bwMode="auto">
           <a:xfrm rot="0" flipH="0" flipV="1">
-            <a:off x="2101959" y="2271379"/>
+            <a:off x="3372676" y="2281469"/>
             <a:ext cx="565040" cy="0"/>
           </a:xfrm>
           <a:prstGeom prst="line">
@@ -13130,7 +13533,7 @@
         </p:nvCxnSpPr>
         <p:spPr bwMode="auto">
           <a:xfrm rot="16199969" flipH="0" flipV="1">
-            <a:off x="4328319" y="3016451"/>
+            <a:off x="5599036" y="3026541"/>
             <a:ext cx="565040" cy="0"/>
           </a:xfrm>
           <a:prstGeom prst="line">
@@ -13171,7 +13574,7 @@
         </p:nvCxnSpPr>
         <p:spPr bwMode="auto">
           <a:xfrm rot="16199969" flipH="0" flipV="1">
-            <a:off x="5807760" y="3016451"/>
+            <a:off x="7078477" y="3026541"/>
             <a:ext cx="565040" cy="0"/>
           </a:xfrm>
           <a:prstGeom prst="line">
@@ -13210,7 +13613,7 @@
         </p:nvSpPr>
         <p:spPr bwMode="auto">
           <a:xfrm flipH="0" flipV="0">
-            <a:off x="6090280" y="3062880"/>
+            <a:off x="7414303" y="3062880"/>
             <a:ext cx="301136" cy="366119"/>
           </a:xfrm>
           <a:prstGeom prst="rect">
@@ -13242,7 +13645,7 @@
         </p:nvSpPr>
         <p:spPr bwMode="auto">
           <a:xfrm flipH="0" flipV="0">
-            <a:off x="4572000" y="3006360"/>
+            <a:off x="5828157" y="3006360"/>
             <a:ext cx="1021200" cy="407099"/>
           </a:xfrm>
           <a:prstGeom prst="rect">
@@ -13320,7 +13723,7 @@
         </p:nvSpPr>
         <p:spPr bwMode="auto">
           <a:xfrm flipH="0" flipV="0">
-            <a:off x="1754354" y="1869630"/>
+            <a:off x="3025071" y="1879720"/>
             <a:ext cx="610994" cy="366119"/>
           </a:xfrm>
           <a:prstGeom prst="rect">
@@ -13378,7 +13781,7 @@
         </p:nvSpPr>
         <p:spPr bwMode="auto">
           <a:xfrm flipH="0" flipV="0">
-            <a:off x="4153640" y="1814179"/>
+            <a:off x="5424357" y="1824269"/>
             <a:ext cx="914400" cy="914398"/>
           </a:xfrm>
           <a:prstGeom prst="rect">
@@ -13421,7 +13824,7 @@
         </p:nvCxnSpPr>
         <p:spPr bwMode="auto">
           <a:xfrm rot="0" flipH="0" flipV="1">
-            <a:off x="5068040" y="2276730"/>
+            <a:off x="6338757" y="2286820"/>
             <a:ext cx="565040" cy="0"/>
           </a:xfrm>
           <a:prstGeom prst="line">
@@ -13460,7 +13863,7 @@
         </p:nvSpPr>
         <p:spPr bwMode="auto">
           <a:xfrm flipH="0" flipV="0">
-            <a:off x="4394917" y="1951159"/>
+            <a:off x="5665635" y="1961249"/>
             <a:ext cx="431844" cy="640440"/>
           </a:xfrm>
           <a:prstGeom prst="rect">
@@ -13506,6 +13909,88 @@
           </a:prstGeom>
         </p:spPr>
       </p:pic>
+      <p:sp>
+        <p:nvSpPr>
+          <p:cNvPr id="856614478" name=""/>
+          <p:cNvSpPr txBox="1"/>
+          <p:nvPr/>
+        </p:nvSpPr>
+        <p:spPr bwMode="auto">
+          <a:xfrm flipH="0" flipV="0">
+            <a:off x="581996" y="1829620"/>
+            <a:ext cx="2451246" cy="960073"/>
+          </a:xfrm>
+          <a:prstGeom prst="rect">
+            <a:avLst/>
+          </a:prstGeom>
+          <a:noFill/>
+        </p:spPr>
+        <p:txBody>
+          <a:bodyPr vertOverflow="overflow" horzOverflow="overflow" vert="horz" wrap="square" lIns="91440" tIns="45720" rIns="91440" bIns="45720" numCol="1" spcCol="0" rtlCol="0" fromWordArt="0" anchor="t" anchorCtr="0" forceAA="0" upright="0" compatLnSpc="0">
+            <a:spAutoFit/>
+          </a:bodyPr>
+          <a:p>
+            <a:pPr>
+              <a:defRPr/>
+            </a:pPr>
+            <mc:AlternateContent xmlns:mc="http://schemas.openxmlformats.org/markup-compatibility/2006" xmlns:m="http://schemas.openxmlformats.org/officeDocument/2006/math">
+              <mc:Choice xmlns:a14="http://schemas.microsoft.com/office/drawing/2010/main" Requires="a14">
+                <a14:m>
+                  <m:oMathPara>
+                    <m:oMathParaPr/>
+                    <m:oMath>
+                      <m:sSub>
+                        <m:sSubPr>
+                          <m:ctrlPr>
+                            <a:rPr/>
+                          </m:ctrlPr>
+                        </m:sSubPr>
+                        <m:e>
+                          <m:r>
+                            <m:rPr/>
+                            <a:rPr>
+                              <a:latin typeface="Cambria Math"/>
+                              <a:ea typeface="Cambria Math"/>
+                              <a:cs typeface="Cambria Math"/>
+                            </a:rPr>
+                            <m:t>Y</m:t>
+                          </m:r>
+                        </m:e>
+                        <m:sub>
+                          <m:r>
+                            <m:rPr/>
+                            <a:rPr lang="en-US">
+                              <a:latin typeface="Cambria Math"/>
+                              <a:ea typeface="Cambria Math"/>
+                              <a:cs typeface="Cambria Math"/>
+                            </a:rPr>
+                            <m:t>syms</m:t>
+                          </m:r>
+                        </m:sub>
+                      </m:sSub>
+                      <m:r>
+                        <m:rPr/>
+                        <a:rPr lang="en-US">
+                          <a:latin typeface="Cambria Math"/>
+                          <a:ea typeface="Cambria Math"/>
+                          <a:cs typeface="Cambria Math"/>
+                        </a:rPr>
+                        <m:t>(t)</m:t>
+                      </m:r>
+                    </m:oMath>
+                  </m:oMathPara>
+                </a14:m>
+              </mc:Choice>
+              <mc:Fallback/>
+            </mc:AlternateContent>
+            <a:r>
+              <a:rPr/>
+              <a:t> - синхрогруппа представленная символами</a:t>
+            </a:r>
+            <a:endParaRPr/>
+          </a:p>
+        </p:txBody>
+      </p:sp>
     </p:spTree>
   </p:cSld>
   <p:clrMapOvr>

--- a/Презентация Диплом.pptx
+++ b/Презентация Диплом.pptx
@@ -5280,7 +5280,7 @@
             </a:br>
             <a:r>
               <a:rPr lang="ru-RU"/>
-              <a:t>обработки сигнала</a:t>
+              <a:t>обработки сигналов</a:t>
             </a:r>
             <a:br>
               <a:rPr lang="ru-RU"/>
@@ -9346,8 +9346,8 @@
         </p:nvSpPr>
         <p:spPr bwMode="auto">
           <a:xfrm flipH="0" flipV="0">
-            <a:off x="521233" y="1249691"/>
-            <a:ext cx="7009926" cy="366119"/>
+            <a:off x="521232" y="1249690"/>
+            <a:ext cx="7130474" cy="366119"/>
           </a:xfrm>
           <a:prstGeom prst="rect">
             <a:avLst/>
@@ -9364,7 +9364,7 @@
             </a:pPr>
             <a:r>
               <a:rPr/>
-              <a:t>Реализация программного модуля обработки сигнала стандарта DMR</a:t>
+              <a:t>Реализация программного модуля обработки сигналов стандарта DMR</a:t>
             </a:r>
             <a:endParaRPr/>
           </a:p>
@@ -11986,7 +11986,7 @@
         <p:spPr bwMode="auto">
           <a:xfrm flipH="0" flipV="0">
             <a:off x="457199" y="1600695"/>
-            <a:ext cx="3369157" cy="1598619"/>
+            <a:ext cx="3369156" cy="1598619"/>
           </a:xfrm>
           <a:prstGeom prst="rect">
             <a:avLst/>
@@ -13330,7 +13330,7 @@
         </p:nvSpPr>
         <p:spPr bwMode="auto">
           <a:xfrm flipH="0" flipV="0">
-            <a:off x="3893284" y="2052689"/>
+            <a:off x="3893283" y="2052689"/>
             <a:ext cx="1007943" cy="457559"/>
           </a:xfrm>
           <a:prstGeom prst="rect">

--- a/Презентация Диплом.pptx
+++ b/Презентация Диплом.pptx
@@ -7286,7 +7286,18 @@
             </a:pPr>
             <a:r>
               <a:rPr lang="ru-RU"/>
-              <a:t>		В результате выполнения выпускной квалификационной работы был разработан и реализован программный модуль обработки сигнала стандарта DMR. </a:t>
+              <a:t>		В результате выполнения выпускной квалификационной работы был разработан и реализован программный модуль обработки сигнала стандарта DMR.</a:t>
+            </a:r>
+            <a:endParaRPr lang="ru-RU"/>
+          </a:p>
+          <a:p>
+            <a:pPr algn="just">
+              <a:buNone/>
+              <a:defRPr/>
+            </a:pPr>
+            <a:r>
+              <a:rPr lang="ru-RU"/>
+              <a:t>		На данный момент реализованный программный модуль успешно применяется в готовой продукции ООО «СТЦ».</a:t>
             </a:r>
             <a:endParaRPr/>
           </a:p>
